--- a/projects/06-xmpp-chat-client/xmpp.pptx
+++ b/projects/06-xmpp-chat-client/xmpp.pptx
@@ -16023,8 +16023,20 @@
               <a:t>Facebok Messenger</a:t>
             </a:r>
             <a:r>
+              <a:rPr lang="pt-BR" sz="2400" dirty="0">
+                <a:hlinkClick r:id="rId2"/>
+              </a:rPr>
+              <a:t> iniciou com XMPP</a:t>
+            </a:r>
+            <a:r>
               <a:rPr lang="pt-BR" sz="2400" dirty="0"/>
-              <a:t> usa o </a:t>
+              <a:t> mas </a:t>
+            </a:r>
+            <a:r>
+              <a:rPr lang="pt-BR" sz="2400" dirty="0">
+                <a:hlinkClick r:id="rId3"/>
+              </a:rPr>
+              <a:t>migrou para </a:t>
             </a:r>
             <a:r>
               <a:rPr lang="pt-BR" sz="2400" i="1" dirty="0">
@@ -16034,8 +16046,27 @@
             </a:r>
             <a:r>
               <a:rPr lang="pt-BR" sz="2400" dirty="0"/>
-              <a:t>, também aberto e altamente escalável</a:t>
-            </a:r>
+              <a:t>, também aberto e altamente </a:t>
+            </a:r>
+            <a:r>
+              <a:rPr lang="pt-BR" sz="2400"/>
+              <a:t>escalável </a:t>
+            </a:r>
+            <a:r>
+              <a:rPr lang="pt-BR" sz="2400" i="1"/>
+              <a:t>(</a:t>
+            </a:r>
+            <a:r>
+              <a:rPr lang="pt-BR" sz="2400" i="1" dirty="0">
+                <a:hlinkClick r:id="rId4"/>
+              </a:rPr>
+              <a:t>mqtt.org</a:t>
+            </a:r>
+            <a:r>
+              <a:rPr lang="pt-BR" sz="2400" i="1" dirty="0"/>
+              <a:t>)</a:t>
+            </a:r>
+            <a:endParaRPr lang="pt-BR" sz="2400" dirty="0"/>
           </a:p>
           <a:p>
             <a:r>
@@ -16052,7 +16083,7 @@
             </a:r>
             <a:r>
               <a:rPr lang="pt-BR" sz="2400" dirty="0">
-                <a:hlinkClick r:id="rId4"/>
+                <a:hlinkClick r:id="rId5"/>
               </a:rPr>
               <a:t>MTProto</a:t>
             </a:r>

--- a/projects/06-xmpp-chat-client/xmpp.pptx
+++ b/projects/06-xmpp-chat-client/xmpp.pptx
@@ -2,7 +2,7 @@
 <file path=ppt/presentation.xml><?xml version="1.0" encoding="utf-8"?>
 <p:presentation xmlns:a="http://schemas.openxmlformats.org/drawingml/2006/main" xmlns:r="http://schemas.openxmlformats.org/officeDocument/2006/relationships" xmlns:p="http://schemas.openxmlformats.org/presentationml/2006/main" saveSubsetFonts="1" autoCompressPictures="0">
   <p:sldMasterIdLst>
-    <p:sldMasterId id="2147483972" r:id="rId1"/>
+    <p:sldMasterId id="2147484007" r:id="rId1"/>
   </p:sldMasterIdLst>
   <p:notesMasterIdLst>
     <p:notesMasterId r:id="rId19"/>
@@ -213,7 +213,7 @@
           <a:p>
             <a:fld id="{7497B6E1-7C5B-524D-B5EB-5E6695205380}" type="datetimeFigureOut">
               <a:rPr lang="pt-BR" smtClean="0"/>
-              <a:t>13/11/2018</a:t>
+              <a:t>15/11/2018</a:t>
             </a:fld>
             <a:endParaRPr lang="pt-BR"/>
           </a:p>
@@ -498,20 +498,50 @@
           <a:chExt cx="0" cy="0"/>
         </a:xfrm>
       </p:grpSpPr>
-      <p:sp>
-        <p:nvSpPr>
-          <p:cNvPr id="2" name="Title 1"/>
-          <p:cNvSpPr>
-            <a:spLocks noGrp="1"/>
-          </p:cNvSpPr>
-          <p:nvPr>
-            <p:ph type="ctrTitle"/>
-          </p:nvPr>
-        </p:nvSpPr>
+      <p:pic>
+        <p:nvPicPr>
+          <p:cNvPr id="8" name="Picture 7" descr="C3-HD-BTM.png"/>
+          <p:cNvPicPr>
+            <a:picLocks noChangeAspect="1"/>
+          </p:cNvPicPr>
+          <p:nvPr/>
+        </p:nvPicPr>
+        <p:blipFill>
+          <a:blip r:embed="rId2">
+            <a:extLst>
+              <a:ext uri="{28A0092B-C50C-407E-A947-70E740481C1C}">
+                <a14:useLocalDpi xmlns:a14="http://schemas.microsoft.com/office/drawing/2010/main" val="0"/>
+              </a:ext>
+            </a:extLst>
+          </a:blip>
+          <a:stretch>
+            <a:fillRect/>
+          </a:stretch>
+        </p:blipFill>
         <p:spPr>
           <a:xfrm>
-            <a:off x="2589213" y="2514600"/>
-            <a:ext cx="8915399" cy="2262781"/>
+            <a:off x="0" y="4375150"/>
+            <a:ext cx="12192000" cy="2482850"/>
+          </a:xfrm>
+          <a:prstGeom prst="rect">
+            <a:avLst/>
+          </a:prstGeom>
+        </p:spPr>
+      </p:pic>
+      <p:sp>
+        <p:nvSpPr>
+          <p:cNvPr id="2" name="Title 1"/>
+          <p:cNvSpPr>
+            <a:spLocks noGrp="1"/>
+          </p:cNvSpPr>
+          <p:nvPr>
+            <p:ph type="ctrTitle"/>
+          </p:nvPr>
+        </p:nvSpPr>
+        <p:spPr>
+          <a:xfrm>
+            <a:off x="1371600" y="1803405"/>
+            <a:ext cx="9448800" cy="1825096"/>
           </a:xfrm>
         </p:spPr>
         <p:txBody>
@@ -519,8 +549,8 @@
             <a:normAutofit/>
           </a:bodyPr>
           <a:lstStyle>
-            <a:lvl1pPr>
-              <a:defRPr sz="5400"/>
+            <a:lvl1pPr algn="l">
+              <a:defRPr sz="6000"/>
             </a:lvl1pPr>
           </a:lstStyle>
           <a:p>
@@ -544,103 +574,50 @@
         </p:nvSpPr>
         <p:spPr>
           <a:xfrm>
-            <a:off x="2589213" y="4777379"/>
-            <a:ext cx="8915399" cy="1126283"/>
+            <a:off x="1371600" y="3632201"/>
+            <a:ext cx="9448800" cy="685800"/>
           </a:xfrm>
         </p:spPr>
         <p:txBody>
-          <a:bodyPr anchor="t"/>
+          <a:bodyPr>
+            <a:normAutofit/>
+          </a:bodyPr>
           <a:lstStyle>
             <a:lvl1pPr marL="0" indent="0" algn="l">
               <a:buNone/>
-              <a:defRPr>
-                <a:solidFill>
-                  <a:schemeClr val="tx1">
-                    <a:lumMod val="65000"/>
-                    <a:lumOff val="35000"/>
-                  </a:schemeClr>
-                </a:solidFill>
-              </a:defRPr>
+              <a:defRPr sz="2000"/>
             </a:lvl1pPr>
             <a:lvl2pPr marL="457200" indent="0" algn="ctr">
               <a:buNone/>
-              <a:defRPr>
-                <a:solidFill>
-                  <a:schemeClr val="tx1">
-                    <a:tint val="75000"/>
-                  </a:schemeClr>
-                </a:solidFill>
-              </a:defRPr>
+              <a:defRPr sz="2000"/>
             </a:lvl2pPr>
             <a:lvl3pPr marL="914400" indent="0" algn="ctr">
               <a:buNone/>
-              <a:defRPr>
-                <a:solidFill>
-                  <a:schemeClr val="tx1">
-                    <a:tint val="75000"/>
-                  </a:schemeClr>
-                </a:solidFill>
-              </a:defRPr>
+              <a:defRPr sz="1800"/>
             </a:lvl3pPr>
             <a:lvl4pPr marL="1371600" indent="0" algn="ctr">
               <a:buNone/>
-              <a:defRPr>
-                <a:solidFill>
-                  <a:schemeClr val="tx1">
-                    <a:tint val="75000"/>
-                  </a:schemeClr>
-                </a:solidFill>
-              </a:defRPr>
+              <a:defRPr sz="1600"/>
             </a:lvl4pPr>
             <a:lvl5pPr marL="1828800" indent="0" algn="ctr">
               <a:buNone/>
-              <a:defRPr>
-                <a:solidFill>
-                  <a:schemeClr val="tx1">
-                    <a:tint val="75000"/>
-                  </a:schemeClr>
-                </a:solidFill>
-              </a:defRPr>
+              <a:defRPr sz="1600"/>
             </a:lvl5pPr>
             <a:lvl6pPr marL="2286000" indent="0" algn="ctr">
               <a:buNone/>
-              <a:defRPr>
-                <a:solidFill>
-                  <a:schemeClr val="tx1">
-                    <a:tint val="75000"/>
-                  </a:schemeClr>
-                </a:solidFill>
-              </a:defRPr>
+              <a:defRPr sz="1600"/>
             </a:lvl6pPr>
             <a:lvl7pPr marL="2743200" indent="0" algn="ctr">
               <a:buNone/>
-              <a:defRPr>
-                <a:solidFill>
-                  <a:schemeClr val="tx1">
-                    <a:tint val="75000"/>
-                  </a:schemeClr>
-                </a:solidFill>
-              </a:defRPr>
+              <a:defRPr sz="1600"/>
             </a:lvl7pPr>
             <a:lvl8pPr marL="3200400" indent="0" algn="ctr">
               <a:buNone/>
-              <a:defRPr>
-                <a:solidFill>
-                  <a:schemeClr val="tx1">
-                    <a:tint val="75000"/>
-                  </a:schemeClr>
-                </a:solidFill>
-              </a:defRPr>
+              <a:defRPr sz="1600"/>
             </a:lvl8pPr>
             <a:lvl9pPr marL="3657600" indent="0" algn="ctr">
               <a:buNone/>
-              <a:defRPr>
-                <a:solidFill>
-                  <a:schemeClr val="tx1">
-                    <a:tint val="75000"/>
-                  </a:schemeClr>
-                </a:solidFill>
-              </a:defRPr>
+              <a:defRPr sz="1600"/>
             </a:lvl9pPr>
           </a:lstStyle>
           <a:p>
@@ -662,14 +639,19 @@
             <p:ph type="dt" sz="half" idx="10"/>
           </p:nvPr>
         </p:nvSpPr>
-        <p:spPr/>
+        <p:spPr>
+          <a:xfrm>
+            <a:off x="7909561" y="4314328"/>
+            <a:ext cx="2910840" cy="374642"/>
+          </a:xfrm>
+        </p:spPr>
         <p:txBody>
           <a:bodyPr/>
           <a:lstStyle/>
           <a:p>
             <a:fld id="{19E7D63B-43B5-8A4C-BD12-76889BE136BD}" type="datetime1">
               <a:rPr lang="en-US" smtClean="0"/>
-              <a:t>11/13/18</a:t>
+              <a:t>11/15/18</a:t>
             </a:fld>
             <a:endParaRPr lang="en-US" dirty="0"/>
           </a:p>
@@ -685,7 +667,12 @@
             <p:ph type="ftr" sz="quarter" idx="11"/>
           </p:nvPr>
         </p:nvSpPr>
-        <p:spPr/>
+        <p:spPr>
+          <a:xfrm>
+            <a:off x="1371600" y="4323845"/>
+            <a:ext cx="6400800" cy="365125"/>
+          </a:xfrm>
+        </p:spPr>
         <p:txBody>
           <a:bodyPr/>
           <a:lstStyle/>
@@ -696,88 +683,6 @@
       </p:sp>
       <p:sp>
         <p:nvSpPr>
-          <p:cNvPr id="7" name="Freeform 6"/>
-          <p:cNvSpPr/>
-          <p:nvPr/>
-        </p:nvSpPr>
-        <p:spPr bwMode="auto">
-          <a:xfrm>
-            <a:off x="0" y="4323810"/>
-            <a:ext cx="1744652" cy="778589"/>
-          </a:xfrm>
-          <a:custGeom>
-            <a:avLst/>
-            <a:gdLst/>
-            <a:ahLst/>
-            <a:cxnLst/>
-            <a:rect l="0" t="0" r="r" b="b"/>
-            <a:pathLst>
-              <a:path w="372" h="166">
-                <a:moveTo>
-                  <a:pt x="287" y="166"/>
-                </a:moveTo>
-                <a:cubicBezTo>
-                  <a:pt x="290" y="166"/>
-                  <a:pt x="292" y="165"/>
-                  <a:pt x="293" y="164"/>
-                </a:cubicBezTo>
-                <a:cubicBezTo>
-                  <a:pt x="293" y="163"/>
-                  <a:pt x="294" y="163"/>
-                  <a:pt x="294" y="163"/>
-                </a:cubicBezTo>
-                <a:cubicBezTo>
-                  <a:pt x="370" y="87"/>
-                  <a:pt x="370" y="87"/>
-                  <a:pt x="370" y="87"/>
-                </a:cubicBezTo>
-                <a:cubicBezTo>
-                  <a:pt x="372" y="85"/>
-                  <a:pt x="372" y="81"/>
-                  <a:pt x="370" y="78"/>
-                </a:cubicBezTo>
-                <a:cubicBezTo>
-                  <a:pt x="294" y="3"/>
-                  <a:pt x="294" y="3"/>
-                  <a:pt x="294" y="3"/>
-                </a:cubicBezTo>
-                <a:cubicBezTo>
-                  <a:pt x="294" y="2"/>
-                  <a:pt x="293" y="2"/>
-                  <a:pt x="293" y="2"/>
-                </a:cubicBezTo>
-                <a:cubicBezTo>
-                  <a:pt x="292" y="1"/>
-                  <a:pt x="290" y="0"/>
-                  <a:pt x="287" y="0"/>
-                </a:cubicBezTo>
-                <a:cubicBezTo>
-                  <a:pt x="0" y="0"/>
-                  <a:pt x="0" y="0"/>
-                  <a:pt x="0" y="0"/>
-                </a:cubicBezTo>
-                <a:cubicBezTo>
-                  <a:pt x="0" y="166"/>
-                  <a:pt x="0" y="166"/>
-                  <a:pt x="0" y="166"/>
-                </a:cubicBezTo>
-                <a:lnTo>
-                  <a:pt x="287" y="166"/>
-                </a:lnTo>
-                <a:close/>
-              </a:path>
-            </a:pathLst>
-          </a:custGeom>
-          <a:solidFill>
-            <a:schemeClr val="accent1"/>
-          </a:solidFill>
-          <a:ln>
-            <a:noFill/>
-          </a:ln>
-        </p:spPr>
-      </p:sp>
-      <p:sp>
-        <p:nvSpPr>
           <p:cNvPr id="6" name="Slide Number Placeholder 5"/>
           <p:cNvSpPr>
             <a:spLocks noGrp="1"/>
@@ -788,8 +693,8 @@
         </p:nvSpPr>
         <p:spPr>
           <a:xfrm>
-            <a:off x="531812" y="4529540"/>
-            <a:ext cx="779767" cy="365125"/>
+            <a:off x="8077200" y="1430866"/>
+            <a:ext cx="2743200" cy="365125"/>
           </a:xfrm>
         </p:spPr>
         <p:txBody>
@@ -807,7 +712,7 @@
     </p:spTree>
     <p:extLst>
       <p:ext uri="{BB962C8B-B14F-4D97-AF65-F5344CB8AC3E}">
-        <p14:creationId xmlns:p14="http://schemas.microsoft.com/office/powerpoint/2010/main" val="1419227476"/>
+        <p14:creationId xmlns:p14="http://schemas.microsoft.com/office/powerpoint/2010/main" val="180804281"/>
       </p:ext>
     </p:extLst>
   </p:cSld>
@@ -819,6 +724,264 @@
 
 <file path=ppt/slideLayouts/slideLayout10.xml><?xml version="1.0" encoding="utf-8"?>
 <p:sldLayout xmlns:a="http://schemas.openxmlformats.org/drawingml/2006/main" xmlns:r="http://schemas.openxmlformats.org/officeDocument/2006/relationships" xmlns:p="http://schemas.openxmlformats.org/presentationml/2006/main" preserve="1">
+  <p:cSld name="Panoramic Picture with Caption">
+    <p:spTree>
+      <p:nvGrpSpPr>
+        <p:cNvPr id="1" name=""/>
+        <p:cNvGrpSpPr/>
+        <p:nvPr/>
+      </p:nvGrpSpPr>
+      <p:grpSpPr>
+        <a:xfrm>
+          <a:off x="0" y="0"/>
+          <a:ext cx="0" cy="0"/>
+          <a:chOff x="0" y="0"/>
+          <a:chExt cx="0" cy="0"/>
+        </a:xfrm>
+      </p:grpSpPr>
+      <p:sp>
+        <p:nvSpPr>
+          <p:cNvPr id="2" name="Title 1"/>
+          <p:cNvSpPr>
+            <a:spLocks noGrp="1"/>
+          </p:cNvSpPr>
+          <p:nvPr>
+            <p:ph type="title"/>
+          </p:nvPr>
+        </p:nvSpPr>
+        <p:spPr>
+          <a:xfrm>
+            <a:off x="685777" y="4697360"/>
+            <a:ext cx="10822034" cy="819355"/>
+          </a:xfrm>
+        </p:spPr>
+        <p:txBody>
+          <a:bodyPr anchor="b"/>
+          <a:lstStyle>
+            <a:lvl1pPr algn="l">
+              <a:defRPr sz="3200"/>
+            </a:lvl1pPr>
+          </a:lstStyle>
+          <a:p>
+            <a:r>
+              <a:rPr lang="en-US"/>
+              <a:t>Click to edit Master title style</a:t>
+            </a:r>
+            <a:endParaRPr lang="en-US" dirty="0"/>
+          </a:p>
+        </p:txBody>
+      </p:sp>
+      <p:sp>
+        <p:nvSpPr>
+          <p:cNvPr id="3" name="Picture Placeholder 2"/>
+          <p:cNvSpPr>
+            <a:spLocks noGrp="1" noChangeAspect="1"/>
+          </p:cNvSpPr>
+          <p:nvPr>
+            <p:ph type="pic" idx="1"/>
+          </p:nvPr>
+        </p:nvSpPr>
+        <p:spPr>
+          <a:xfrm>
+            <a:off x="681727" y="941439"/>
+            <a:ext cx="10821840" cy="3478161"/>
+          </a:xfrm>
+        </p:spPr>
+        <p:txBody>
+          <a:bodyPr anchor="t"/>
+          <a:lstStyle>
+            <a:lvl1pPr marL="0" indent="0">
+              <a:buNone/>
+              <a:defRPr sz="3200"/>
+            </a:lvl1pPr>
+            <a:lvl2pPr marL="457200" indent="0">
+              <a:buNone/>
+              <a:defRPr sz="2800"/>
+            </a:lvl2pPr>
+            <a:lvl3pPr marL="914400" indent="0">
+              <a:buNone/>
+              <a:defRPr sz="2400"/>
+            </a:lvl3pPr>
+            <a:lvl4pPr marL="1371600" indent="0">
+              <a:buNone/>
+              <a:defRPr sz="2000"/>
+            </a:lvl4pPr>
+            <a:lvl5pPr marL="1828800" indent="0">
+              <a:buNone/>
+              <a:defRPr sz="2000"/>
+            </a:lvl5pPr>
+            <a:lvl6pPr marL="2286000" indent="0">
+              <a:buNone/>
+              <a:defRPr sz="2000"/>
+            </a:lvl6pPr>
+            <a:lvl7pPr marL="2743200" indent="0">
+              <a:buNone/>
+              <a:defRPr sz="2000"/>
+            </a:lvl7pPr>
+            <a:lvl8pPr marL="3200400" indent="0">
+              <a:buNone/>
+              <a:defRPr sz="2000"/>
+            </a:lvl8pPr>
+            <a:lvl9pPr marL="3657600" indent="0">
+              <a:buNone/>
+              <a:defRPr sz="2000"/>
+            </a:lvl9pPr>
+          </a:lstStyle>
+          <a:p>
+            <a:r>
+              <a:rPr lang="en-US"/>
+              <a:t>Click icon to add picture</a:t>
+            </a:r>
+            <a:endParaRPr lang="en-US" dirty="0"/>
+          </a:p>
+        </p:txBody>
+      </p:sp>
+      <p:sp>
+        <p:nvSpPr>
+          <p:cNvPr id="4" name="Text Placeholder 3"/>
+          <p:cNvSpPr>
+            <a:spLocks noGrp="1"/>
+          </p:cNvSpPr>
+          <p:nvPr>
+            <p:ph type="body" sz="half" idx="2"/>
+          </p:nvPr>
+        </p:nvSpPr>
+        <p:spPr>
+          <a:xfrm>
+            <a:off x="685800" y="5516715"/>
+            <a:ext cx="10820400" cy="701969"/>
+          </a:xfrm>
+        </p:spPr>
+        <p:txBody>
+          <a:bodyPr/>
+          <a:lstStyle>
+            <a:lvl1pPr marL="0" indent="0" algn="l">
+              <a:buNone/>
+              <a:defRPr sz="1600"/>
+            </a:lvl1pPr>
+            <a:lvl2pPr marL="457200" indent="0">
+              <a:buNone/>
+              <a:defRPr sz="1400"/>
+            </a:lvl2pPr>
+            <a:lvl3pPr marL="914400" indent="0">
+              <a:buNone/>
+              <a:defRPr sz="1200"/>
+            </a:lvl3pPr>
+            <a:lvl4pPr marL="1371600" indent="0">
+              <a:buNone/>
+              <a:defRPr sz="1000"/>
+            </a:lvl4pPr>
+            <a:lvl5pPr marL="1828800" indent="0">
+              <a:buNone/>
+              <a:defRPr sz="1000"/>
+            </a:lvl5pPr>
+            <a:lvl6pPr marL="2286000" indent="0">
+              <a:buNone/>
+              <a:defRPr sz="1000"/>
+            </a:lvl6pPr>
+            <a:lvl7pPr marL="2743200" indent="0">
+              <a:buNone/>
+              <a:defRPr sz="1000"/>
+            </a:lvl7pPr>
+            <a:lvl8pPr marL="3200400" indent="0">
+              <a:buNone/>
+              <a:defRPr sz="1000"/>
+            </a:lvl8pPr>
+            <a:lvl9pPr marL="3657600" indent="0">
+              <a:buNone/>
+              <a:defRPr sz="1000"/>
+            </a:lvl9pPr>
+          </a:lstStyle>
+          <a:p>
+            <a:pPr lvl="0"/>
+            <a:r>
+              <a:rPr lang="en-US"/>
+              <a:t>Edit Master text styles</a:t>
+            </a:r>
+          </a:p>
+        </p:txBody>
+      </p:sp>
+      <p:sp>
+        <p:nvSpPr>
+          <p:cNvPr id="5" name="Date Placeholder 4"/>
+          <p:cNvSpPr>
+            <a:spLocks noGrp="1"/>
+          </p:cNvSpPr>
+          <p:nvPr>
+            <p:ph type="dt" sz="half" idx="10"/>
+          </p:nvPr>
+        </p:nvSpPr>
+        <p:spPr/>
+        <p:txBody>
+          <a:bodyPr/>
+          <a:lstStyle/>
+          <a:p>
+            <a:fld id="{124E9894-F119-A64C-B7CB-D7CE860A73BE}" type="datetime1">
+              <a:rPr lang="en-US" smtClean="0"/>
+              <a:t>11/15/18</a:t>
+            </a:fld>
+            <a:endParaRPr lang="en-US" dirty="0"/>
+          </a:p>
+        </p:txBody>
+      </p:sp>
+      <p:sp>
+        <p:nvSpPr>
+          <p:cNvPr id="6" name="Footer Placeholder 5"/>
+          <p:cNvSpPr>
+            <a:spLocks noGrp="1"/>
+          </p:cNvSpPr>
+          <p:nvPr>
+            <p:ph type="ftr" sz="quarter" idx="11"/>
+          </p:nvPr>
+        </p:nvSpPr>
+        <p:spPr/>
+        <p:txBody>
+          <a:bodyPr/>
+          <a:lstStyle/>
+          <a:p>
+            <a:endParaRPr lang="en-US" dirty="0"/>
+          </a:p>
+        </p:txBody>
+      </p:sp>
+      <p:sp>
+        <p:nvSpPr>
+          <p:cNvPr id="7" name="Slide Number Placeholder 6"/>
+          <p:cNvSpPr>
+            <a:spLocks noGrp="1"/>
+          </p:cNvSpPr>
+          <p:nvPr>
+            <p:ph type="sldNum" sz="quarter" idx="12"/>
+          </p:nvPr>
+        </p:nvSpPr>
+        <p:spPr/>
+        <p:txBody>
+          <a:bodyPr/>
+          <a:lstStyle/>
+          <a:p>
+            <a:fld id="{2183B7EE-0FBE-B749-875F-ED24F5ECD71F}" type="slidenum">
+              <a:rPr lang="en-US" smtClean="0"/>
+              <a:t>‹#›</a:t>
+            </a:fld>
+            <a:endParaRPr lang="en-US" dirty="0"/>
+          </a:p>
+        </p:txBody>
+      </p:sp>
+    </p:spTree>
+    <p:extLst>
+      <p:ext uri="{BB962C8B-B14F-4D97-AF65-F5344CB8AC3E}">
+        <p14:creationId xmlns:p14="http://schemas.microsoft.com/office/powerpoint/2010/main" val="3951462775"/>
+      </p:ext>
+    </p:extLst>
+  </p:cSld>
+  <p:clrMapOvr>
+    <a:masterClrMapping/>
+  </p:clrMapOvr>
+  <p:hf hdr="0" ftr="0" dt="0"/>
+</p:sldLayout>
+</file>
+
+<file path=ppt/slideLayouts/slideLayout11.xml><?xml version="1.0" encoding="utf-8"?>
+<p:sldLayout xmlns:a="http://schemas.openxmlformats.org/drawingml/2006/main" xmlns:r="http://schemas.openxmlformats.org/officeDocument/2006/relationships" xmlns:p="http://schemas.openxmlformats.org/presentationml/2006/main" showMasterSp="0" preserve="1">
   <p:cSld name="Title and Caption">
     <p:spTree>
       <p:nvGrpSpPr>
@@ -834,29 +997,57 @@
           <a:chExt cx="0" cy="0"/>
         </a:xfrm>
       </p:grpSpPr>
-      <p:sp>
-        <p:nvSpPr>
-          <p:cNvPr id="2" name="Title 1"/>
-          <p:cNvSpPr>
-            <a:spLocks noGrp="1"/>
-          </p:cNvSpPr>
-          <p:nvPr>
-            <p:ph type="title"/>
-          </p:nvPr>
-        </p:nvSpPr>
+      <p:pic>
+        <p:nvPicPr>
+          <p:cNvPr id="9" name="Picture 8" descr="C3-HD-BTM.png"/>
+          <p:cNvPicPr>
+            <a:picLocks noChangeAspect="1"/>
+          </p:cNvPicPr>
+          <p:nvPr/>
+        </p:nvPicPr>
+        <p:blipFill>
+          <a:blip r:embed="rId2">
+            <a:extLst>
+              <a:ext uri="{28A0092B-C50C-407E-A947-70E740481C1C}">
+                <a14:useLocalDpi xmlns:a14="http://schemas.microsoft.com/office/drawing/2010/main" val="0"/>
+              </a:ext>
+            </a:extLst>
+          </a:blip>
+          <a:stretch>
+            <a:fillRect/>
+          </a:stretch>
+        </p:blipFill>
         <p:spPr>
           <a:xfrm>
-            <a:off x="2589212" y="609600"/>
-            <a:ext cx="8915399" cy="3117040"/>
-          </a:xfrm>
+            <a:off x="0" y="4375150"/>
+            <a:ext cx="12192000" cy="2482850"/>
+          </a:xfrm>
+          <a:prstGeom prst="rect">
+            <a:avLst/>
+          </a:prstGeom>
         </p:spPr>
-        <p:txBody>
-          <a:bodyPr anchor="ctr">
-            <a:normAutofit/>
-          </a:bodyPr>
+      </p:pic>
+      <p:sp>
+        <p:nvSpPr>
+          <p:cNvPr id="2" name="Title 1"/>
+          <p:cNvSpPr>
+            <a:spLocks noGrp="1"/>
+          </p:cNvSpPr>
+          <p:nvPr>
+            <p:ph type="title"/>
+          </p:nvPr>
+        </p:nvSpPr>
+        <p:spPr>
+          <a:xfrm>
+            <a:off x="685800" y="753532"/>
+            <a:ext cx="10820400" cy="2802467"/>
+          </a:xfrm>
+        </p:spPr>
+        <p:txBody>
+          <a:bodyPr anchor="ctr"/>
           <a:lstStyle>
             <a:lvl1pPr algn="l">
-              <a:defRPr sz="4800" b="0" cap="none"/>
+              <a:defRPr sz="3200"/>
             </a:lvl1pPr>
           </a:lstStyle>
           <a:p>
@@ -870,115 +1061,58 @@
       </p:sp>
       <p:sp>
         <p:nvSpPr>
-          <p:cNvPr id="3" name="Text Placeholder 2"/>
-          <p:cNvSpPr>
-            <a:spLocks noGrp="1"/>
-          </p:cNvSpPr>
-          <p:nvPr>
-            <p:ph type="body" idx="1"/>
+          <p:cNvPr id="4" name="Text Placeholder 3"/>
+          <p:cNvSpPr>
+            <a:spLocks noGrp="1"/>
+          </p:cNvSpPr>
+          <p:nvPr>
+            <p:ph type="body" sz="half" idx="2"/>
           </p:nvPr>
         </p:nvSpPr>
         <p:spPr>
           <a:xfrm>
-            <a:off x="2589212" y="4354046"/>
-            <a:ext cx="8915399" cy="1555864"/>
+            <a:off x="1024467" y="3649133"/>
+            <a:ext cx="10130516" cy="999067"/>
           </a:xfrm>
         </p:spPr>
         <p:txBody>
-          <a:bodyPr anchor="ctr">
-            <a:normAutofit/>
-          </a:bodyPr>
+          <a:bodyPr anchor="ctr"/>
           <a:lstStyle>
-            <a:lvl1pPr marL="0" indent="0" algn="l">
-              <a:buNone/>
-              <a:defRPr sz="1800">
-                <a:solidFill>
-                  <a:schemeClr val="tx1">
-                    <a:lumMod val="65000"/>
-                    <a:lumOff val="35000"/>
-                  </a:schemeClr>
-                </a:solidFill>
-              </a:defRPr>
+            <a:lvl1pPr marL="0" indent="0">
+              <a:buNone/>
+              <a:defRPr sz="1600"/>
             </a:lvl1pPr>
             <a:lvl2pPr marL="457200" indent="0">
               <a:buNone/>
-              <a:defRPr sz="1800">
-                <a:solidFill>
-                  <a:schemeClr val="tx1">
-                    <a:tint val="75000"/>
-                  </a:schemeClr>
-                </a:solidFill>
-              </a:defRPr>
+              <a:defRPr sz="1400"/>
             </a:lvl2pPr>
             <a:lvl3pPr marL="914400" indent="0">
               <a:buNone/>
-              <a:defRPr sz="1600">
-                <a:solidFill>
-                  <a:schemeClr val="tx1">
-                    <a:tint val="75000"/>
-                  </a:schemeClr>
-                </a:solidFill>
-              </a:defRPr>
+              <a:defRPr sz="1200"/>
             </a:lvl3pPr>
             <a:lvl4pPr marL="1371600" indent="0">
               <a:buNone/>
-              <a:defRPr sz="1400">
-                <a:solidFill>
-                  <a:schemeClr val="tx1">
-                    <a:tint val="75000"/>
-                  </a:schemeClr>
-                </a:solidFill>
-              </a:defRPr>
+              <a:defRPr sz="1000"/>
             </a:lvl4pPr>
             <a:lvl5pPr marL="1828800" indent="0">
               <a:buNone/>
-              <a:defRPr sz="1400">
-                <a:solidFill>
-                  <a:schemeClr val="tx1">
-                    <a:tint val="75000"/>
-                  </a:schemeClr>
-                </a:solidFill>
-              </a:defRPr>
+              <a:defRPr sz="1000"/>
             </a:lvl5pPr>
             <a:lvl6pPr marL="2286000" indent="0">
               <a:buNone/>
-              <a:defRPr sz="1400">
-                <a:solidFill>
-                  <a:schemeClr val="tx1">
-                    <a:tint val="75000"/>
-                  </a:schemeClr>
-                </a:solidFill>
-              </a:defRPr>
+              <a:defRPr sz="1000"/>
             </a:lvl6pPr>
             <a:lvl7pPr marL="2743200" indent="0">
               <a:buNone/>
-              <a:defRPr sz="1400">
-                <a:solidFill>
-                  <a:schemeClr val="tx1">
-                    <a:tint val="75000"/>
-                  </a:schemeClr>
-                </a:solidFill>
-              </a:defRPr>
+              <a:defRPr sz="1000"/>
             </a:lvl7pPr>
             <a:lvl8pPr marL="3200400" indent="0">
               <a:buNone/>
-              <a:defRPr sz="1400">
-                <a:solidFill>
-                  <a:schemeClr val="tx1">
-                    <a:tint val="75000"/>
-                  </a:schemeClr>
-                </a:solidFill>
-              </a:defRPr>
+              <a:defRPr sz="1000"/>
             </a:lvl8pPr>
             <a:lvl9pPr marL="3657600" indent="0">
               <a:buNone/>
-              <a:defRPr sz="1400">
-                <a:solidFill>
-                  <a:schemeClr val="tx1">
-                    <a:tint val="75000"/>
-                  </a:schemeClr>
-                </a:solidFill>
-              </a:defRPr>
+              <a:defRPr sz="1000"/>
             </a:lvl9pPr>
           </a:lstStyle>
           <a:p>
@@ -992,7 +1126,7 @@
       </p:sp>
       <p:sp>
         <p:nvSpPr>
-          <p:cNvPr id="4" name="Date Placeholder 3"/>
+          <p:cNvPr id="5" name="Date Placeholder 4"/>
           <p:cNvSpPr>
             <a:spLocks noGrp="1"/>
           </p:cNvSpPr>
@@ -1000,123 +1134,55 @@
             <p:ph type="dt" sz="half" idx="10"/>
           </p:nvPr>
         </p:nvSpPr>
-        <p:spPr/>
+        <p:spPr>
+          <a:xfrm>
+            <a:off x="7814452" y="381000"/>
+            <a:ext cx="2910840" cy="365125"/>
+          </a:xfrm>
+        </p:spPr>
+        <p:txBody>
+          <a:bodyPr/>
+          <a:lstStyle>
+            <a:lvl1pPr algn="r">
+              <a:defRPr/>
+            </a:lvl1pPr>
+          </a:lstStyle>
+          <a:p>
+            <a:fld id="{124E9894-F119-A64C-B7CB-D7CE860A73BE}" type="datetime1">
+              <a:rPr lang="en-US" smtClean="0"/>
+              <a:t>11/15/18</a:t>
+            </a:fld>
+            <a:endParaRPr lang="en-US" dirty="0"/>
+          </a:p>
+        </p:txBody>
+      </p:sp>
+      <p:sp>
+        <p:nvSpPr>
+          <p:cNvPr id="6" name="Footer Placeholder 5"/>
+          <p:cNvSpPr>
+            <a:spLocks noGrp="1"/>
+          </p:cNvSpPr>
+          <p:nvPr>
+            <p:ph type="ftr" sz="quarter" idx="11"/>
+          </p:nvPr>
+        </p:nvSpPr>
+        <p:spPr>
+          <a:xfrm>
+            <a:off x="685800" y="379941"/>
+            <a:ext cx="6991492" cy="365125"/>
+          </a:xfrm>
+        </p:spPr>
         <p:txBody>
           <a:bodyPr/>
           <a:lstStyle/>
           <a:p>
-            <a:fld id="{B45D532C-D01C-134E-B24C-377075A6C0F9}" type="datetime1">
-              <a:rPr lang="en-US" smtClean="0"/>
-              <a:t>11/13/18</a:t>
-            </a:fld>
             <a:endParaRPr lang="en-US" dirty="0"/>
           </a:p>
         </p:txBody>
       </p:sp>
       <p:sp>
         <p:nvSpPr>
-          <p:cNvPr id="5" name="Footer Placeholder 4"/>
-          <p:cNvSpPr>
-            <a:spLocks noGrp="1"/>
-          </p:cNvSpPr>
-          <p:nvPr>
-            <p:ph type="ftr" sz="quarter" idx="11"/>
-          </p:nvPr>
-        </p:nvSpPr>
-        <p:spPr/>
-        <p:txBody>
-          <a:bodyPr/>
-          <a:lstStyle/>
-          <a:p>
-            <a:endParaRPr lang="en-US" dirty="0"/>
-          </a:p>
-        </p:txBody>
-      </p:sp>
-      <p:sp>
-        <p:nvSpPr>
-          <p:cNvPr id="9" name="Freeform 11"/>
-          <p:cNvSpPr/>
-          <p:nvPr/>
-        </p:nvSpPr>
-        <p:spPr bwMode="auto">
-          <a:xfrm flipV="1">
-            <a:off x="-4189" y="3178175"/>
-            <a:ext cx="1588527" cy="507297"/>
-          </a:xfrm>
-          <a:custGeom>
-            <a:avLst/>
-            <a:gdLst/>
-            <a:ahLst/>
-            <a:cxnLst/>
-            <a:rect l="l" t="t" r="r" b="b"/>
-            <a:pathLst>
-              <a:path w="9248" h="10000">
-                <a:moveTo>
-                  <a:pt x="9248" y="4701"/>
-                </a:moveTo>
-                <a:lnTo>
-                  <a:pt x="7915" y="188"/>
-                </a:lnTo>
-                <a:cubicBezTo>
-                  <a:pt x="7906" y="156"/>
-                  <a:pt x="7895" y="126"/>
-                  <a:pt x="7886" y="94"/>
-                </a:cubicBezTo>
-                <a:cubicBezTo>
-                  <a:pt x="7859" y="0"/>
-                  <a:pt x="7831" y="0"/>
-                  <a:pt x="7803" y="0"/>
-                </a:cubicBezTo>
-                <a:lnTo>
-                  <a:pt x="7275" y="0"/>
-                </a:lnTo>
-                <a:lnTo>
-                  <a:pt x="0" y="70"/>
-                </a:lnTo>
-                <a:cubicBezTo>
-                  <a:pt x="8" y="3380"/>
-                  <a:pt x="17" y="6690"/>
-                  <a:pt x="25" y="10000"/>
-                </a:cubicBezTo>
-                <a:lnTo>
-                  <a:pt x="7275" y="9966"/>
-                </a:lnTo>
-                <a:lnTo>
-                  <a:pt x="7803" y="9966"/>
-                </a:lnTo>
-                <a:cubicBezTo>
-                  <a:pt x="7831" y="9966"/>
-                  <a:pt x="7859" y="9872"/>
-                  <a:pt x="7886" y="9872"/>
-                </a:cubicBezTo>
-                <a:cubicBezTo>
-                  <a:pt x="7886" y="9778"/>
-                  <a:pt x="7915" y="9778"/>
-                  <a:pt x="7915" y="9778"/>
-                </a:cubicBezTo>
-                <a:lnTo>
-                  <a:pt x="9248" y="5265"/>
-                </a:lnTo>
-                <a:cubicBezTo>
-                  <a:pt x="9303" y="5077"/>
-                  <a:pt x="9303" y="4889"/>
-                  <a:pt x="9248" y="4701"/>
-                </a:cubicBezTo>
-                <a:close/>
-              </a:path>
-            </a:pathLst>
-          </a:custGeom>
-          <a:solidFill>
-            <a:schemeClr val="accent1"/>
-          </a:solidFill>
-          <a:ln>
-            <a:noFill/>
-          </a:ln>
-        </p:spPr>
-      </p:sp>
-      <p:sp>
-        <p:nvSpPr>
-          <p:cNvPr id="6" name="Slide Number Placeholder 5"/>
+          <p:cNvPr id="7" name="Slide Number Placeholder 6"/>
           <p:cNvSpPr>
             <a:spLocks noGrp="1"/>
           </p:cNvSpPr>
@@ -1126,8 +1192,8 @@
         </p:nvSpPr>
         <p:spPr>
           <a:xfrm>
-            <a:off x="531812" y="3244139"/>
-            <a:ext cx="779767" cy="365125"/>
+            <a:off x="10862452" y="381000"/>
+            <a:ext cx="643748" cy="365125"/>
           </a:xfrm>
         </p:spPr>
         <p:txBody>
@@ -1145,18 +1211,19 @@
     </p:spTree>
     <p:extLst>
       <p:ext uri="{BB962C8B-B14F-4D97-AF65-F5344CB8AC3E}">
-        <p14:creationId xmlns:p14="http://schemas.microsoft.com/office/powerpoint/2010/main" val="423321572"/>
+        <p14:creationId xmlns:p14="http://schemas.microsoft.com/office/powerpoint/2010/main" val="1314964482"/>
       </p:ext>
     </p:extLst>
   </p:cSld>
   <p:clrMapOvr>
     <a:masterClrMapping/>
   </p:clrMapOvr>
+  <p:hf hdr="0" ftr="0" dt="0"/>
 </p:sldLayout>
 </file>
 
-<file path=ppt/slideLayouts/slideLayout11.xml><?xml version="1.0" encoding="utf-8"?>
-<p:sldLayout xmlns:a="http://schemas.openxmlformats.org/drawingml/2006/main" xmlns:r="http://schemas.openxmlformats.org/officeDocument/2006/relationships" xmlns:p="http://schemas.openxmlformats.org/presentationml/2006/main" preserve="1">
+<file path=ppt/slideLayouts/slideLayout12.xml><?xml version="1.0" encoding="utf-8"?>
+<p:sldLayout xmlns:a="http://schemas.openxmlformats.org/drawingml/2006/main" xmlns:r="http://schemas.openxmlformats.org/officeDocument/2006/relationships" xmlns:p="http://schemas.openxmlformats.org/presentationml/2006/main" showMasterSp="0" preserve="1">
   <p:cSld name="Quote with Caption">
     <p:spTree>
       <p:nvGrpSpPr>
@@ -1172,20 +1239,149 @@
           <a:chExt cx="0" cy="0"/>
         </a:xfrm>
       </p:grpSpPr>
-      <p:sp>
-        <p:nvSpPr>
-          <p:cNvPr id="2" name="Title 1"/>
-          <p:cNvSpPr>
-            <a:spLocks noGrp="1"/>
-          </p:cNvSpPr>
-          <p:nvPr>
-            <p:ph type="title"/>
-          </p:nvPr>
-        </p:nvSpPr>
+      <p:pic>
+        <p:nvPicPr>
+          <p:cNvPr id="11" name="Picture 10" descr="C3-HD-BTM.png"/>
+          <p:cNvPicPr>
+            <a:picLocks noChangeAspect="1"/>
+          </p:cNvPicPr>
+          <p:nvPr/>
+        </p:nvPicPr>
+        <p:blipFill>
+          <a:blip r:embed="rId2">
+            <a:extLst>
+              <a:ext uri="{28A0092B-C50C-407E-A947-70E740481C1C}">
+                <a14:useLocalDpi xmlns:a14="http://schemas.microsoft.com/office/drawing/2010/main" val="0"/>
+              </a:ext>
+            </a:extLst>
+          </a:blip>
+          <a:stretch>
+            <a:fillRect/>
+          </a:stretch>
+        </p:blipFill>
         <p:spPr>
           <a:xfrm>
-            <a:off x="2849949" y="609600"/>
-            <a:ext cx="8393926" cy="2895600"/>
+            <a:off x="0" y="4375150"/>
+            <a:ext cx="12192000" cy="2482850"/>
+          </a:xfrm>
+          <a:prstGeom prst="rect">
+            <a:avLst/>
+          </a:prstGeom>
+        </p:spPr>
+      </p:pic>
+      <p:sp>
+        <p:nvSpPr>
+          <p:cNvPr id="2" name="Title 1"/>
+          <p:cNvSpPr>
+            <a:spLocks noGrp="1"/>
+          </p:cNvSpPr>
+          <p:nvPr>
+            <p:ph type="title"/>
+          </p:nvPr>
+        </p:nvSpPr>
+        <p:spPr>
+          <a:xfrm>
+            <a:off x="1024467" y="753533"/>
+            <a:ext cx="10151533" cy="2604495"/>
+          </a:xfrm>
+        </p:spPr>
+        <p:txBody>
+          <a:bodyPr anchor="ctr"/>
+          <a:lstStyle>
+            <a:lvl1pPr algn="l">
+              <a:defRPr sz="3200"/>
+            </a:lvl1pPr>
+          </a:lstStyle>
+          <a:p>
+            <a:r>
+              <a:rPr lang="en-US"/>
+              <a:t>Click to edit Master title style</a:t>
+            </a:r>
+            <a:endParaRPr lang="en-US" dirty="0"/>
+          </a:p>
+        </p:txBody>
+      </p:sp>
+      <p:sp>
+        <p:nvSpPr>
+          <p:cNvPr id="12" name="Text Placeholder 3"/>
+          <p:cNvSpPr>
+            <a:spLocks noGrp="1"/>
+          </p:cNvSpPr>
+          <p:nvPr>
+            <p:ph type="body" sz="half" idx="13"/>
+          </p:nvPr>
+        </p:nvSpPr>
+        <p:spPr>
+          <a:xfrm>
+            <a:off x="1303865" y="3365556"/>
+            <a:ext cx="9592736" cy="444443"/>
+          </a:xfrm>
+        </p:spPr>
+        <p:txBody>
+          <a:bodyPr anchor="t">
+            <a:normAutofit/>
+          </a:bodyPr>
+          <a:lstStyle>
+            <a:lvl1pPr marL="0" indent="0">
+              <a:buNone/>
+              <a:defRPr sz="1400"/>
+            </a:lvl1pPr>
+            <a:lvl2pPr marL="457200" indent="0">
+              <a:buNone/>
+              <a:defRPr sz="1400"/>
+            </a:lvl2pPr>
+            <a:lvl3pPr marL="914400" indent="0">
+              <a:buNone/>
+              <a:defRPr sz="1200"/>
+            </a:lvl3pPr>
+            <a:lvl4pPr marL="1371600" indent="0">
+              <a:buNone/>
+              <a:defRPr sz="1000"/>
+            </a:lvl4pPr>
+            <a:lvl5pPr marL="1828800" indent="0">
+              <a:buNone/>
+              <a:defRPr sz="1000"/>
+            </a:lvl5pPr>
+            <a:lvl6pPr marL="2286000" indent="0">
+              <a:buNone/>
+              <a:defRPr sz="1000"/>
+            </a:lvl6pPr>
+            <a:lvl7pPr marL="2743200" indent="0">
+              <a:buNone/>
+              <a:defRPr sz="1000"/>
+            </a:lvl7pPr>
+            <a:lvl8pPr marL="3200400" indent="0">
+              <a:buNone/>
+              <a:defRPr sz="1000"/>
+            </a:lvl8pPr>
+            <a:lvl9pPr marL="3657600" indent="0">
+              <a:buNone/>
+              <a:defRPr sz="1000"/>
+            </a:lvl9pPr>
+          </a:lstStyle>
+          <a:p>
+            <a:pPr lvl="0"/>
+            <a:r>
+              <a:rPr lang="en-US"/>
+              <a:t>Edit Master text styles</a:t>
+            </a:r>
+          </a:p>
+        </p:txBody>
+      </p:sp>
+      <p:sp>
+        <p:nvSpPr>
+          <p:cNvPr id="4" name="Text Placeholder 3"/>
+          <p:cNvSpPr>
+            <a:spLocks noGrp="1"/>
+          </p:cNvSpPr>
+          <p:nvPr>
+            <p:ph type="body" sz="half" idx="2"/>
+          </p:nvPr>
+        </p:nvSpPr>
+        <p:spPr>
+          <a:xfrm>
+            <a:off x="1024467" y="3959862"/>
+            <a:ext cx="10151533" cy="679871"/>
           </a:xfrm>
         </p:spPr>
         <p:txBody>
@@ -1193,342 +1389,122 @@
             <a:normAutofit/>
           </a:bodyPr>
           <a:lstStyle>
-            <a:lvl1pPr algn="l">
-              <a:defRPr sz="4800" b="0" cap="none"/>
+            <a:lvl1pPr marL="0" indent="0">
+              <a:buNone/>
+              <a:defRPr sz="1600"/>
+            </a:lvl1pPr>
+            <a:lvl2pPr marL="457200" indent="0">
+              <a:buNone/>
+              <a:defRPr sz="1400"/>
+            </a:lvl2pPr>
+            <a:lvl3pPr marL="914400" indent="0">
+              <a:buNone/>
+              <a:defRPr sz="1200"/>
+            </a:lvl3pPr>
+            <a:lvl4pPr marL="1371600" indent="0">
+              <a:buNone/>
+              <a:defRPr sz="1000"/>
+            </a:lvl4pPr>
+            <a:lvl5pPr marL="1828800" indent="0">
+              <a:buNone/>
+              <a:defRPr sz="1000"/>
+            </a:lvl5pPr>
+            <a:lvl6pPr marL="2286000" indent="0">
+              <a:buNone/>
+              <a:defRPr sz="1000"/>
+            </a:lvl6pPr>
+            <a:lvl7pPr marL="2743200" indent="0">
+              <a:buNone/>
+              <a:defRPr sz="1000"/>
+            </a:lvl7pPr>
+            <a:lvl8pPr marL="3200400" indent="0">
+              <a:buNone/>
+              <a:defRPr sz="1000"/>
+            </a:lvl8pPr>
+            <a:lvl9pPr marL="3657600" indent="0">
+              <a:buNone/>
+              <a:defRPr sz="1000"/>
+            </a:lvl9pPr>
+          </a:lstStyle>
+          <a:p>
+            <a:pPr lvl="0"/>
+            <a:r>
+              <a:rPr lang="en-US"/>
+              <a:t>Edit Master text styles</a:t>
+            </a:r>
+          </a:p>
+        </p:txBody>
+      </p:sp>
+      <p:sp>
+        <p:nvSpPr>
+          <p:cNvPr id="5" name="Date Placeholder 4"/>
+          <p:cNvSpPr>
+            <a:spLocks noGrp="1"/>
+          </p:cNvSpPr>
+          <p:nvPr>
+            <p:ph type="dt" sz="half" idx="10"/>
+          </p:nvPr>
+        </p:nvSpPr>
+        <p:spPr>
+          <a:xfrm>
+            <a:off x="7814452" y="381000"/>
+            <a:ext cx="2910840" cy="365125"/>
+          </a:xfrm>
+        </p:spPr>
+        <p:txBody>
+          <a:bodyPr/>
+          <a:lstStyle>
+            <a:lvl1pPr algn="r">
+              <a:defRPr/>
             </a:lvl1pPr>
           </a:lstStyle>
           <a:p>
-            <a:r>
-              <a:rPr lang="en-US"/>
-              <a:t>Click to edit Master title style</a:t>
-            </a:r>
+            <a:fld id="{124E9894-F119-A64C-B7CB-D7CE860A73BE}" type="datetime1">
+              <a:rPr lang="en-US" smtClean="0"/>
+              <a:t>11/15/18</a:t>
+            </a:fld>
             <a:endParaRPr lang="en-US" dirty="0"/>
           </a:p>
         </p:txBody>
       </p:sp>
       <p:sp>
         <p:nvSpPr>
-          <p:cNvPr id="13" name="Text Placeholder 9"/>
-          <p:cNvSpPr>
-            <a:spLocks noGrp="1"/>
-          </p:cNvSpPr>
-          <p:nvPr>
-            <p:ph type="body" sz="quarter" idx="13"/>
+          <p:cNvPr id="6" name="Footer Placeholder 5"/>
+          <p:cNvSpPr>
+            <a:spLocks noGrp="1"/>
+          </p:cNvSpPr>
+          <p:nvPr>
+            <p:ph type="ftr" sz="quarter" idx="11"/>
           </p:nvPr>
         </p:nvSpPr>
         <p:spPr>
           <a:xfrm>
-            <a:off x="3275012" y="3505200"/>
-            <a:ext cx="7536554" cy="381000"/>
+            <a:off x="685800" y="379941"/>
+            <a:ext cx="6991492" cy="365125"/>
           </a:xfrm>
         </p:spPr>
         <p:txBody>
-          <a:bodyPr anchor="ctr">
-            <a:noAutofit/>
-          </a:bodyPr>
-          <a:lstStyle>
-            <a:lvl1pPr marL="0" indent="0">
-              <a:buFontTx/>
-              <a:buNone/>
-              <a:defRPr sz="1600">
-                <a:solidFill>
-                  <a:schemeClr val="tx1">
-                    <a:lumMod val="50000"/>
-                    <a:lumOff val="50000"/>
-                  </a:schemeClr>
-                </a:solidFill>
-              </a:defRPr>
-            </a:lvl1pPr>
-            <a:lvl2pPr marL="457200" indent="0">
-              <a:buFontTx/>
-              <a:buNone/>
-              <a:defRPr/>
-            </a:lvl2pPr>
-            <a:lvl3pPr marL="914400" indent="0">
-              <a:buFontTx/>
-              <a:buNone/>
-              <a:defRPr/>
-            </a:lvl3pPr>
-            <a:lvl4pPr marL="1371600" indent="0">
-              <a:buFontTx/>
-              <a:buNone/>
-              <a:defRPr/>
-            </a:lvl4pPr>
-            <a:lvl5pPr marL="1828800" indent="0">
-              <a:buFontTx/>
-              <a:buNone/>
-              <a:defRPr/>
-            </a:lvl5pPr>
-          </a:lstStyle>
-          <a:p>
-            <a:pPr lvl="0"/>
-            <a:r>
-              <a:rPr lang="en-US"/>
-              <a:t>Edit Master text styles</a:t>
-            </a:r>
-          </a:p>
-        </p:txBody>
-      </p:sp>
-      <p:sp>
-        <p:nvSpPr>
-          <p:cNvPr id="3" name="Text Placeholder 2"/>
-          <p:cNvSpPr>
-            <a:spLocks noGrp="1"/>
-          </p:cNvSpPr>
-          <p:nvPr>
-            <p:ph type="body" idx="1"/>
+          <a:bodyPr/>
+          <a:lstStyle/>
+          <a:p>
+            <a:endParaRPr lang="en-US" dirty="0"/>
+          </a:p>
+        </p:txBody>
+      </p:sp>
+      <p:sp>
+        <p:nvSpPr>
+          <p:cNvPr id="7" name="Slide Number Placeholder 6"/>
+          <p:cNvSpPr>
+            <a:spLocks noGrp="1"/>
+          </p:cNvSpPr>
+          <p:nvPr>
+            <p:ph type="sldNum" sz="quarter" idx="12"/>
           </p:nvPr>
         </p:nvSpPr>
         <p:spPr>
           <a:xfrm>
-            <a:off x="2589212" y="4354046"/>
-            <a:ext cx="8915399" cy="1555864"/>
-          </a:xfrm>
-        </p:spPr>
-        <p:txBody>
-          <a:bodyPr anchor="ctr">
-            <a:normAutofit/>
-          </a:bodyPr>
-          <a:lstStyle>
-            <a:lvl1pPr marL="0" indent="0" algn="l">
-              <a:buNone/>
-              <a:defRPr sz="1800">
-                <a:solidFill>
-                  <a:schemeClr val="tx1">
-                    <a:lumMod val="65000"/>
-                    <a:lumOff val="35000"/>
-                  </a:schemeClr>
-                </a:solidFill>
-              </a:defRPr>
-            </a:lvl1pPr>
-            <a:lvl2pPr marL="457200" indent="0">
-              <a:buNone/>
-              <a:defRPr sz="1800">
-                <a:solidFill>
-                  <a:schemeClr val="tx1">
-                    <a:tint val="75000"/>
-                  </a:schemeClr>
-                </a:solidFill>
-              </a:defRPr>
-            </a:lvl2pPr>
-            <a:lvl3pPr marL="914400" indent="0">
-              <a:buNone/>
-              <a:defRPr sz="1600">
-                <a:solidFill>
-                  <a:schemeClr val="tx1">
-                    <a:tint val="75000"/>
-                  </a:schemeClr>
-                </a:solidFill>
-              </a:defRPr>
-            </a:lvl3pPr>
-            <a:lvl4pPr marL="1371600" indent="0">
-              <a:buNone/>
-              <a:defRPr sz="1400">
-                <a:solidFill>
-                  <a:schemeClr val="tx1">
-                    <a:tint val="75000"/>
-                  </a:schemeClr>
-                </a:solidFill>
-              </a:defRPr>
-            </a:lvl4pPr>
-            <a:lvl5pPr marL="1828800" indent="0">
-              <a:buNone/>
-              <a:defRPr sz="1400">
-                <a:solidFill>
-                  <a:schemeClr val="tx1">
-                    <a:tint val="75000"/>
-                  </a:schemeClr>
-                </a:solidFill>
-              </a:defRPr>
-            </a:lvl5pPr>
-            <a:lvl6pPr marL="2286000" indent="0">
-              <a:buNone/>
-              <a:defRPr sz="1400">
-                <a:solidFill>
-                  <a:schemeClr val="tx1">
-                    <a:tint val="75000"/>
-                  </a:schemeClr>
-                </a:solidFill>
-              </a:defRPr>
-            </a:lvl6pPr>
-            <a:lvl7pPr marL="2743200" indent="0">
-              <a:buNone/>
-              <a:defRPr sz="1400">
-                <a:solidFill>
-                  <a:schemeClr val="tx1">
-                    <a:tint val="75000"/>
-                  </a:schemeClr>
-                </a:solidFill>
-              </a:defRPr>
-            </a:lvl7pPr>
-            <a:lvl8pPr marL="3200400" indent="0">
-              <a:buNone/>
-              <a:defRPr sz="1400">
-                <a:solidFill>
-                  <a:schemeClr val="tx1">
-                    <a:tint val="75000"/>
-                  </a:schemeClr>
-                </a:solidFill>
-              </a:defRPr>
-            </a:lvl8pPr>
-            <a:lvl9pPr marL="3657600" indent="0">
-              <a:buNone/>
-              <a:defRPr sz="1400">
-                <a:solidFill>
-                  <a:schemeClr val="tx1">
-                    <a:tint val="75000"/>
-                  </a:schemeClr>
-                </a:solidFill>
-              </a:defRPr>
-            </a:lvl9pPr>
-          </a:lstStyle>
-          <a:p>
-            <a:pPr lvl="0"/>
-            <a:r>
-              <a:rPr lang="en-US"/>
-              <a:t>Edit Master text styles</a:t>
-            </a:r>
-          </a:p>
-        </p:txBody>
-      </p:sp>
-      <p:sp>
-        <p:nvSpPr>
-          <p:cNvPr id="4" name="Date Placeholder 3"/>
-          <p:cNvSpPr>
-            <a:spLocks noGrp="1"/>
-          </p:cNvSpPr>
-          <p:nvPr>
-            <p:ph type="dt" sz="half" idx="10"/>
-          </p:nvPr>
-        </p:nvSpPr>
-        <p:spPr/>
-        <p:txBody>
-          <a:bodyPr/>
-          <a:lstStyle/>
-          <a:p>
-            <a:fld id="{0969F14E-C972-AE41-B085-134E9D50295F}" type="datetime1">
-              <a:rPr lang="en-US" smtClean="0"/>
-              <a:t>11/13/18</a:t>
-            </a:fld>
-            <a:endParaRPr lang="en-US" dirty="0"/>
-          </a:p>
-        </p:txBody>
-      </p:sp>
-      <p:sp>
-        <p:nvSpPr>
-          <p:cNvPr id="5" name="Footer Placeholder 4"/>
-          <p:cNvSpPr>
-            <a:spLocks noGrp="1"/>
-          </p:cNvSpPr>
-          <p:nvPr>
-            <p:ph type="ftr" sz="quarter" idx="11"/>
-          </p:nvPr>
-        </p:nvSpPr>
-        <p:spPr/>
-        <p:txBody>
-          <a:bodyPr/>
-          <a:lstStyle/>
-          <a:p>
-            <a:endParaRPr lang="en-US" dirty="0"/>
-          </a:p>
-        </p:txBody>
-      </p:sp>
-      <p:sp>
-        <p:nvSpPr>
-          <p:cNvPr id="11" name="Freeform 11"/>
-          <p:cNvSpPr/>
-          <p:nvPr/>
-        </p:nvSpPr>
-        <p:spPr bwMode="auto">
-          <a:xfrm flipV="1">
-            <a:off x="-4189" y="3178175"/>
-            <a:ext cx="1588527" cy="507297"/>
-          </a:xfrm>
-          <a:custGeom>
-            <a:avLst/>
-            <a:gdLst/>
-            <a:ahLst/>
-            <a:cxnLst/>
-            <a:rect l="l" t="t" r="r" b="b"/>
-            <a:pathLst>
-              <a:path w="9248" h="10000">
-                <a:moveTo>
-                  <a:pt x="9248" y="4701"/>
-                </a:moveTo>
-                <a:lnTo>
-                  <a:pt x="7915" y="188"/>
-                </a:lnTo>
-                <a:cubicBezTo>
-                  <a:pt x="7906" y="156"/>
-                  <a:pt x="7895" y="126"/>
-                  <a:pt x="7886" y="94"/>
-                </a:cubicBezTo>
-                <a:cubicBezTo>
-                  <a:pt x="7859" y="0"/>
-                  <a:pt x="7831" y="0"/>
-                  <a:pt x="7803" y="0"/>
-                </a:cubicBezTo>
-                <a:lnTo>
-                  <a:pt x="7275" y="0"/>
-                </a:lnTo>
-                <a:lnTo>
-                  <a:pt x="0" y="70"/>
-                </a:lnTo>
-                <a:cubicBezTo>
-                  <a:pt x="8" y="3380"/>
-                  <a:pt x="17" y="6690"/>
-                  <a:pt x="25" y="10000"/>
-                </a:cubicBezTo>
-                <a:lnTo>
-                  <a:pt x="7275" y="9966"/>
-                </a:lnTo>
-                <a:lnTo>
-                  <a:pt x="7803" y="9966"/>
-                </a:lnTo>
-                <a:cubicBezTo>
-                  <a:pt x="7831" y="9966"/>
-                  <a:pt x="7859" y="9872"/>
-                  <a:pt x="7886" y="9872"/>
-                </a:cubicBezTo>
-                <a:cubicBezTo>
-                  <a:pt x="7886" y="9778"/>
-                  <a:pt x="7915" y="9778"/>
-                  <a:pt x="7915" y="9778"/>
-                </a:cubicBezTo>
-                <a:lnTo>
-                  <a:pt x="9248" y="5265"/>
-                </a:lnTo>
-                <a:cubicBezTo>
-                  <a:pt x="9303" y="5077"/>
-                  <a:pt x="9303" y="4889"/>
-                  <a:pt x="9248" y="4701"/>
-                </a:cubicBezTo>
-                <a:close/>
-              </a:path>
-            </a:pathLst>
-          </a:custGeom>
-          <a:solidFill>
-            <a:schemeClr val="accent1"/>
-          </a:solidFill>
-          <a:ln>
-            <a:noFill/>
-          </a:ln>
-        </p:spPr>
-      </p:sp>
-      <p:sp>
-        <p:nvSpPr>
-          <p:cNvPr id="6" name="Slide Number Placeholder 5"/>
-          <p:cNvSpPr>
-            <a:spLocks noGrp="1"/>
-          </p:cNvSpPr>
-          <p:nvPr>
-            <p:ph type="sldNum" sz="quarter" idx="12"/>
-          </p:nvPr>
-        </p:nvSpPr>
-        <p:spPr>
-          <a:xfrm>
-            <a:off x="531812" y="3244139"/>
-            <a:ext cx="779767" cy="365125"/>
+            <a:off x="10862452" y="381000"/>
+            <a:ext cx="643748" cy="365125"/>
           </a:xfrm>
         </p:spPr>
         <p:txBody>
@@ -1545,13 +1521,13 @@
       </p:sp>
       <p:sp>
         <p:nvSpPr>
-          <p:cNvPr id="14" name="TextBox 13"/>
+          <p:cNvPr id="9" name="TextBox 8"/>
           <p:cNvSpPr txBox="1"/>
           <p:nvPr/>
         </p:nvSpPr>
         <p:spPr>
           <a:xfrm>
-            <a:off x="2467652" y="648005"/>
+            <a:off x="476250" y="933450"/>
             <a:ext cx="609600" cy="584776"/>
           </a:xfrm>
           <a:prstGeom prst="rect">
@@ -1562,19 +1538,97 @@
           <a:bodyPr vert="horz" lIns="91440" tIns="45720" rIns="91440" bIns="45720" rtlCol="0" anchor="ctr">
             <a:noAutofit/>
           </a:bodyPr>
-          <a:lstStyle/>
-          <a:p>
-            <a:pPr lvl="0"/>
-            <a:r>
-              <a:rPr lang="en-US" sz="8000" baseline="0" dirty="0">
+          <a:lstStyle>
+            <a:lvl1pPr>
+              <a:spcBef>
+                <a:spcPct val="0"/>
+              </a:spcBef>
+              <a:buNone/>
+              <a:defRPr sz="3200" b="0" cap="all">
                 <a:ln w="3175" cmpd="sng">
                   <a:noFill/>
                 </a:ln>
+                <a:effectLst>
+                  <a:glow rad="38100">
+                    <a:schemeClr val="bg1">
+                      <a:lumMod val="65000"/>
+                      <a:lumOff val="35000"/>
+                      <a:alpha val="40000"/>
+                    </a:schemeClr>
+                  </a:glow>
+                  <a:outerShdw blurRad="28575" dist="38100" dir="14040000" algn="tl" rotWithShape="0">
+                    <a:srgbClr val="000000">
+                      <a:alpha val="25000"/>
+                    </a:srgbClr>
+                  </a:outerShdw>
+                </a:effectLst>
+              </a:defRPr>
+            </a:lvl1pPr>
+            <a:lvl2pPr>
+              <a:defRPr>
                 <a:solidFill>
-                  <a:schemeClr val="accent1"/>
+                  <a:schemeClr val="tx2"/>
+                </a:solidFill>
+              </a:defRPr>
+            </a:lvl2pPr>
+            <a:lvl3pPr>
+              <a:defRPr>
+                <a:solidFill>
+                  <a:schemeClr val="tx2"/>
+                </a:solidFill>
+              </a:defRPr>
+            </a:lvl3pPr>
+            <a:lvl4pPr>
+              <a:defRPr>
+                <a:solidFill>
+                  <a:schemeClr val="tx2"/>
+                </a:solidFill>
+              </a:defRPr>
+            </a:lvl4pPr>
+            <a:lvl5pPr>
+              <a:defRPr>
+                <a:solidFill>
+                  <a:schemeClr val="tx2"/>
+                </a:solidFill>
+              </a:defRPr>
+            </a:lvl5pPr>
+            <a:lvl6pPr>
+              <a:defRPr>
+                <a:solidFill>
+                  <a:schemeClr val="tx2"/>
+                </a:solidFill>
+              </a:defRPr>
+            </a:lvl6pPr>
+            <a:lvl7pPr>
+              <a:defRPr>
+                <a:solidFill>
+                  <a:schemeClr val="tx2"/>
+                </a:solidFill>
+              </a:defRPr>
+            </a:lvl7pPr>
+            <a:lvl8pPr>
+              <a:defRPr>
+                <a:solidFill>
+                  <a:schemeClr val="tx2"/>
+                </a:solidFill>
+              </a:defRPr>
+            </a:lvl8pPr>
+            <a:lvl9pPr>
+              <a:defRPr>
+                <a:solidFill>
+                  <a:schemeClr val="tx2"/>
+                </a:solidFill>
+              </a:defRPr>
+            </a:lvl9pPr>
+          </a:lstStyle>
+          <a:p>
+            <a:pPr lvl="0"/>
+            <a:r>
+              <a:rPr lang="en-US" sz="8000" dirty="0">
+                <a:solidFill>
+                  <a:schemeClr val="tx1"/>
                 </a:solidFill>
                 <a:effectLst/>
-                <a:latin typeface="Arial"/>
               </a:rPr>
               <a:t>“</a:t>
             </a:r>
@@ -1583,13 +1637,13 @@
       </p:sp>
       <p:sp>
         <p:nvSpPr>
-          <p:cNvPr id="15" name="TextBox 14"/>
+          <p:cNvPr id="10" name="TextBox 9"/>
           <p:cNvSpPr txBox="1"/>
           <p:nvPr/>
         </p:nvSpPr>
         <p:spPr>
           <a:xfrm>
-            <a:off x="11114852" y="2905306"/>
+            <a:off x="10984230" y="2701290"/>
             <a:ext cx="609600" cy="584776"/>
           </a:xfrm>
           <a:prstGeom prst="rect">
@@ -1600,19 +1654,97 @@
           <a:bodyPr vert="horz" lIns="91440" tIns="45720" rIns="91440" bIns="45720" rtlCol="0" anchor="ctr">
             <a:noAutofit/>
           </a:bodyPr>
-          <a:lstStyle/>
-          <a:p>
-            <a:pPr lvl="0"/>
-            <a:r>
-              <a:rPr lang="en-US" sz="8000" baseline="0" dirty="0">
+          <a:lstStyle>
+            <a:lvl1pPr>
+              <a:spcBef>
+                <a:spcPct val="0"/>
+              </a:spcBef>
+              <a:buNone/>
+              <a:defRPr sz="3200" b="0" cap="all">
                 <a:ln w="3175" cmpd="sng">
                   <a:noFill/>
                 </a:ln>
+                <a:effectLst>
+                  <a:glow rad="38100">
+                    <a:schemeClr val="bg1">
+                      <a:lumMod val="65000"/>
+                      <a:lumOff val="35000"/>
+                      <a:alpha val="40000"/>
+                    </a:schemeClr>
+                  </a:glow>
+                  <a:outerShdw blurRad="28575" dist="38100" dir="14040000" algn="tl" rotWithShape="0">
+                    <a:srgbClr val="000000">
+                      <a:alpha val="25000"/>
+                    </a:srgbClr>
+                  </a:outerShdw>
+                </a:effectLst>
+              </a:defRPr>
+            </a:lvl1pPr>
+            <a:lvl2pPr>
+              <a:defRPr>
                 <a:solidFill>
-                  <a:schemeClr val="accent1"/>
+                  <a:schemeClr val="tx2"/>
+                </a:solidFill>
+              </a:defRPr>
+            </a:lvl2pPr>
+            <a:lvl3pPr>
+              <a:defRPr>
+                <a:solidFill>
+                  <a:schemeClr val="tx2"/>
+                </a:solidFill>
+              </a:defRPr>
+            </a:lvl3pPr>
+            <a:lvl4pPr>
+              <a:defRPr>
+                <a:solidFill>
+                  <a:schemeClr val="tx2"/>
+                </a:solidFill>
+              </a:defRPr>
+            </a:lvl4pPr>
+            <a:lvl5pPr>
+              <a:defRPr>
+                <a:solidFill>
+                  <a:schemeClr val="tx2"/>
+                </a:solidFill>
+              </a:defRPr>
+            </a:lvl5pPr>
+            <a:lvl6pPr>
+              <a:defRPr>
+                <a:solidFill>
+                  <a:schemeClr val="tx2"/>
+                </a:solidFill>
+              </a:defRPr>
+            </a:lvl6pPr>
+            <a:lvl7pPr>
+              <a:defRPr>
+                <a:solidFill>
+                  <a:schemeClr val="tx2"/>
+                </a:solidFill>
+              </a:defRPr>
+            </a:lvl7pPr>
+            <a:lvl8pPr>
+              <a:defRPr>
+                <a:solidFill>
+                  <a:schemeClr val="tx2"/>
+                </a:solidFill>
+              </a:defRPr>
+            </a:lvl8pPr>
+            <a:lvl9pPr>
+              <a:defRPr>
+                <a:solidFill>
+                  <a:schemeClr val="tx2"/>
+                </a:solidFill>
+              </a:defRPr>
+            </a:lvl9pPr>
+          </a:lstStyle>
+          <a:p>
+            <a:pPr lvl="0" algn="r"/>
+            <a:r>
+              <a:rPr lang="en-US" sz="8000" dirty="0">
+                <a:solidFill>
+                  <a:schemeClr val="tx1"/>
                 </a:solidFill>
                 <a:effectLst/>
-                <a:latin typeface="Arial"/>
               </a:rPr>
               <a:t>”</a:t>
             </a:r>
@@ -1622,18 +1754,19 @@
     </p:spTree>
     <p:extLst>
       <p:ext uri="{BB962C8B-B14F-4D97-AF65-F5344CB8AC3E}">
-        <p14:creationId xmlns:p14="http://schemas.microsoft.com/office/powerpoint/2010/main" val="2092730885"/>
+        <p14:creationId xmlns:p14="http://schemas.microsoft.com/office/powerpoint/2010/main" val="3659523761"/>
       </p:ext>
     </p:extLst>
   </p:cSld>
   <p:clrMapOvr>
     <a:masterClrMapping/>
   </p:clrMapOvr>
+  <p:hf hdr="0" ftr="0" dt="0"/>
 </p:sldLayout>
 </file>
 
-<file path=ppt/slideLayouts/slideLayout12.xml><?xml version="1.0" encoding="utf-8"?>
-<p:sldLayout xmlns:a="http://schemas.openxmlformats.org/drawingml/2006/main" xmlns:r="http://schemas.openxmlformats.org/officeDocument/2006/relationships" xmlns:p="http://schemas.openxmlformats.org/presentationml/2006/main" preserve="1">
+<file path=ppt/slideLayouts/slideLayout13.xml><?xml version="1.0" encoding="utf-8"?>
+<p:sldLayout xmlns:a="http://schemas.openxmlformats.org/drawingml/2006/main" xmlns:r="http://schemas.openxmlformats.org/officeDocument/2006/relationships" xmlns:p="http://schemas.openxmlformats.org/presentationml/2006/main" showMasterSp="0" preserve="1">
   <p:cSld name="Name Card">
     <p:spTree>
       <p:nvGrpSpPr>
@@ -1649,29 +1782,57 @@
           <a:chExt cx="0" cy="0"/>
         </a:xfrm>
       </p:grpSpPr>
-      <p:sp>
-        <p:nvSpPr>
-          <p:cNvPr id="2" name="Title 1"/>
-          <p:cNvSpPr>
-            <a:spLocks noGrp="1"/>
-          </p:cNvSpPr>
-          <p:nvPr>
-            <p:ph type="title"/>
-          </p:nvPr>
-        </p:nvSpPr>
+      <p:pic>
+        <p:nvPicPr>
+          <p:cNvPr id="8" name="Picture 7" descr="C3-HD-BTM.png"/>
+          <p:cNvPicPr>
+            <a:picLocks noChangeAspect="1"/>
+          </p:cNvPicPr>
+          <p:nvPr/>
+        </p:nvPicPr>
+        <p:blipFill>
+          <a:blip r:embed="rId2">
+            <a:extLst>
+              <a:ext uri="{28A0092B-C50C-407E-A947-70E740481C1C}">
+                <a14:useLocalDpi xmlns:a14="http://schemas.microsoft.com/office/drawing/2010/main" val="0"/>
+              </a:ext>
+            </a:extLst>
+          </a:blip>
+          <a:stretch>
+            <a:fillRect/>
+          </a:stretch>
+        </p:blipFill>
         <p:spPr>
           <a:xfrm>
-            <a:off x="2589213" y="2438400"/>
-            <a:ext cx="8915400" cy="2724845"/>
-          </a:xfrm>
+            <a:off x="0" y="4375150"/>
+            <a:ext cx="12192000" cy="2482850"/>
+          </a:xfrm>
+          <a:prstGeom prst="rect">
+            <a:avLst/>
+          </a:prstGeom>
         </p:spPr>
-        <p:txBody>
-          <a:bodyPr anchor="b">
-            <a:normAutofit/>
-          </a:bodyPr>
+      </p:pic>
+      <p:sp>
+        <p:nvSpPr>
+          <p:cNvPr id="2" name="Title 1"/>
+          <p:cNvSpPr>
+            <a:spLocks noGrp="1"/>
+          </p:cNvSpPr>
+          <p:nvPr>
+            <p:ph type="title"/>
+          </p:nvPr>
+        </p:nvSpPr>
+        <p:spPr>
+          <a:xfrm>
+            <a:off x="1024495" y="1124701"/>
+            <a:ext cx="10146186" cy="2511835"/>
+          </a:xfrm>
+        </p:spPr>
+        <p:txBody>
+          <a:bodyPr anchor="b"/>
           <a:lstStyle>
             <a:lvl1pPr algn="l">
-              <a:defRPr sz="4800" b="0"/>
+              <a:defRPr sz="3200"/>
             </a:lvl1pPr>
           </a:lstStyle>
           <a:p>
@@ -1695,161 +1856,114 @@
         </p:nvSpPr>
         <p:spPr>
           <a:xfrm>
-            <a:off x="2589213" y="5181600"/>
-            <a:ext cx="8915400" cy="729622"/>
+            <a:off x="1024467" y="3648315"/>
+            <a:ext cx="10144654" cy="999885"/>
           </a:xfrm>
         </p:spPr>
         <p:txBody>
-          <a:bodyPr vert="horz" lIns="91440" tIns="45720" rIns="91440" bIns="45720" rtlCol="0" anchor="t">
-            <a:normAutofit/>
-          </a:bodyPr>
+          <a:bodyPr anchor="t"/>
           <a:lstStyle>
-            <a:lvl1pPr>
-              <a:buNone/>
-              <a:defRPr lang="en-US">
-                <a:solidFill>
-                  <a:schemeClr val="tx1">
-                    <a:lumMod val="65000"/>
-                    <a:lumOff val="35000"/>
-                  </a:schemeClr>
-                </a:solidFill>
-              </a:defRPr>
+            <a:lvl1pPr marL="0" indent="0">
+              <a:buNone/>
+              <a:defRPr sz="1600"/>
+            </a:lvl1pPr>
+            <a:lvl2pPr marL="457200" indent="0">
+              <a:buNone/>
+              <a:defRPr sz="1400"/>
+            </a:lvl2pPr>
+            <a:lvl3pPr marL="914400" indent="0">
+              <a:buNone/>
+              <a:defRPr sz="1200"/>
+            </a:lvl3pPr>
+            <a:lvl4pPr marL="1371600" indent="0">
+              <a:buNone/>
+              <a:defRPr sz="1000"/>
+            </a:lvl4pPr>
+            <a:lvl5pPr marL="1828800" indent="0">
+              <a:buNone/>
+              <a:defRPr sz="1000"/>
+            </a:lvl5pPr>
+            <a:lvl6pPr marL="2286000" indent="0">
+              <a:buNone/>
+              <a:defRPr sz="1000"/>
+            </a:lvl6pPr>
+            <a:lvl7pPr marL="2743200" indent="0">
+              <a:buNone/>
+              <a:defRPr sz="1000"/>
+            </a:lvl7pPr>
+            <a:lvl8pPr marL="3200400" indent="0">
+              <a:buNone/>
+              <a:defRPr sz="1000"/>
+            </a:lvl8pPr>
+            <a:lvl9pPr marL="3657600" indent="0">
+              <a:buNone/>
+              <a:defRPr sz="1000"/>
+            </a:lvl9pPr>
+          </a:lstStyle>
+          <a:p>
+            <a:pPr lvl="0"/>
+            <a:r>
+              <a:rPr lang="en-US"/>
+              <a:t>Edit Master text styles</a:t>
+            </a:r>
+          </a:p>
+        </p:txBody>
+      </p:sp>
+      <p:sp>
+        <p:nvSpPr>
+          <p:cNvPr id="5" name="Date Placeholder 4"/>
+          <p:cNvSpPr>
+            <a:spLocks noGrp="1"/>
+          </p:cNvSpPr>
+          <p:nvPr>
+            <p:ph type="dt" sz="half" idx="10"/>
+          </p:nvPr>
+        </p:nvSpPr>
+        <p:spPr>
+          <a:xfrm>
+            <a:off x="7814452" y="378883"/>
+            <a:ext cx="2910840" cy="365125"/>
+          </a:xfrm>
+        </p:spPr>
+        <p:txBody>
+          <a:bodyPr/>
+          <a:lstStyle>
+            <a:lvl1pPr algn="r">
+              <a:defRPr/>
             </a:lvl1pPr>
           </a:lstStyle>
           <a:p>
-            <a:pPr marL="0" lvl="0" indent="0">
-              <a:buNone/>
-            </a:pPr>
-            <a:r>
-              <a:rPr lang="en-US"/>
-              <a:t>Edit Master text styles</a:t>
-            </a:r>
-          </a:p>
-        </p:txBody>
-      </p:sp>
-      <p:sp>
-        <p:nvSpPr>
-          <p:cNvPr id="5" name="Date Placeholder 4"/>
-          <p:cNvSpPr>
-            <a:spLocks noGrp="1"/>
-          </p:cNvSpPr>
-          <p:nvPr>
-            <p:ph type="dt" sz="half" idx="10"/>
-          </p:nvPr>
-        </p:nvSpPr>
-        <p:spPr/>
+            <a:fld id="{B4BBB50B-BAA3-9748-978F-08A7877AB7D9}" type="datetime1">
+              <a:rPr lang="en-US" smtClean="0"/>
+              <a:t>11/15/18</a:t>
+            </a:fld>
+            <a:endParaRPr lang="en-US" dirty="0"/>
+          </a:p>
+        </p:txBody>
+      </p:sp>
+      <p:sp>
+        <p:nvSpPr>
+          <p:cNvPr id="6" name="Footer Placeholder 5"/>
+          <p:cNvSpPr>
+            <a:spLocks noGrp="1"/>
+          </p:cNvSpPr>
+          <p:nvPr>
+            <p:ph type="ftr" sz="quarter" idx="11"/>
+          </p:nvPr>
+        </p:nvSpPr>
+        <p:spPr>
+          <a:xfrm>
+            <a:off x="685800" y="378883"/>
+            <a:ext cx="6991492" cy="365125"/>
+          </a:xfrm>
+        </p:spPr>
         <p:txBody>
           <a:bodyPr/>
           <a:lstStyle/>
           <a:p>
-            <a:fld id="{B4BBB50B-BAA3-9748-978F-08A7877AB7D9}" type="datetime1">
-              <a:rPr lang="en-US" smtClean="0"/>
-              <a:t>11/13/18</a:t>
-            </a:fld>
             <a:endParaRPr lang="en-US" dirty="0"/>
           </a:p>
         </p:txBody>
-      </p:sp>
-      <p:sp>
-        <p:nvSpPr>
-          <p:cNvPr id="6" name="Footer Placeholder 5"/>
-          <p:cNvSpPr>
-            <a:spLocks noGrp="1"/>
-          </p:cNvSpPr>
-          <p:nvPr>
-            <p:ph type="ftr" sz="quarter" idx="11"/>
-          </p:nvPr>
-        </p:nvSpPr>
-        <p:spPr/>
-        <p:txBody>
-          <a:bodyPr/>
-          <a:lstStyle/>
-          <a:p>
-            <a:endParaRPr lang="en-US" dirty="0"/>
-          </a:p>
-        </p:txBody>
-      </p:sp>
-      <p:sp>
-        <p:nvSpPr>
-          <p:cNvPr id="9" name="Freeform 11"/>
-          <p:cNvSpPr/>
-          <p:nvPr/>
-        </p:nvSpPr>
-        <p:spPr bwMode="auto">
-          <a:xfrm flipV="1">
-            <a:off x="-4189" y="4911725"/>
-            <a:ext cx="1588527" cy="507297"/>
-          </a:xfrm>
-          <a:custGeom>
-            <a:avLst/>
-            <a:gdLst/>
-            <a:ahLst/>
-            <a:cxnLst/>
-            <a:rect l="l" t="t" r="r" b="b"/>
-            <a:pathLst>
-              <a:path w="9248" h="10000">
-                <a:moveTo>
-                  <a:pt x="9248" y="4701"/>
-                </a:moveTo>
-                <a:lnTo>
-                  <a:pt x="7915" y="188"/>
-                </a:lnTo>
-                <a:cubicBezTo>
-                  <a:pt x="7906" y="156"/>
-                  <a:pt x="7895" y="126"/>
-                  <a:pt x="7886" y="94"/>
-                </a:cubicBezTo>
-                <a:cubicBezTo>
-                  <a:pt x="7859" y="0"/>
-                  <a:pt x="7831" y="0"/>
-                  <a:pt x="7803" y="0"/>
-                </a:cubicBezTo>
-                <a:lnTo>
-                  <a:pt x="7275" y="0"/>
-                </a:lnTo>
-                <a:lnTo>
-                  <a:pt x="0" y="70"/>
-                </a:lnTo>
-                <a:cubicBezTo>
-                  <a:pt x="8" y="3380"/>
-                  <a:pt x="17" y="6690"/>
-                  <a:pt x="25" y="10000"/>
-                </a:cubicBezTo>
-                <a:lnTo>
-                  <a:pt x="7275" y="9966"/>
-                </a:lnTo>
-                <a:lnTo>
-                  <a:pt x="7803" y="9966"/>
-                </a:lnTo>
-                <a:cubicBezTo>
-                  <a:pt x="7831" y="9966"/>
-                  <a:pt x="7859" y="9872"/>
-                  <a:pt x="7886" y="9872"/>
-                </a:cubicBezTo>
-                <a:cubicBezTo>
-                  <a:pt x="7886" y="9778"/>
-                  <a:pt x="7915" y="9778"/>
-                  <a:pt x="7915" y="9778"/>
-                </a:cubicBezTo>
-                <a:lnTo>
-                  <a:pt x="9248" y="5265"/>
-                </a:lnTo>
-                <a:cubicBezTo>
-                  <a:pt x="9303" y="5077"/>
-                  <a:pt x="9303" y="4889"/>
-                  <a:pt x="9248" y="4701"/>
-                </a:cubicBezTo>
-                <a:close/>
-              </a:path>
-            </a:pathLst>
-          </a:custGeom>
-          <a:solidFill>
-            <a:schemeClr val="accent1"/>
-          </a:solidFill>
-          <a:ln>
-            <a:noFill/>
-          </a:ln>
-        </p:spPr>
       </p:sp>
       <p:sp>
         <p:nvSpPr>
@@ -1863,8 +1977,8 @@
         </p:nvSpPr>
         <p:spPr>
           <a:xfrm>
-            <a:off x="531812" y="4983087"/>
-            <a:ext cx="779767" cy="365125"/>
+            <a:off x="10862452" y="381000"/>
+            <a:ext cx="643748" cy="365125"/>
           </a:xfrm>
         </p:spPr>
         <p:txBody>
@@ -1882,7 +1996,7 @@
     </p:spTree>
     <p:extLst>
       <p:ext uri="{BB962C8B-B14F-4D97-AF65-F5344CB8AC3E}">
-        <p14:creationId xmlns:p14="http://schemas.microsoft.com/office/powerpoint/2010/main" val="2127274514"/>
+        <p14:creationId xmlns:p14="http://schemas.microsoft.com/office/powerpoint/2010/main" val="347442192"/>
       </p:ext>
     </p:extLst>
   </p:cSld>
@@ -1892,9 +2006,9 @@
 </p:sldLayout>
 </file>
 
-<file path=ppt/slideLayouts/slideLayout13.xml><?xml version="1.0" encoding="utf-8"?>
+<file path=ppt/slideLayouts/slideLayout14.xml><?xml version="1.0" encoding="utf-8"?>
 <p:sldLayout xmlns:a="http://schemas.openxmlformats.org/drawingml/2006/main" xmlns:r="http://schemas.openxmlformats.org/officeDocument/2006/relationships" xmlns:p="http://schemas.openxmlformats.org/presentationml/2006/main" preserve="1">
-  <p:cSld name="Quote Name Card">
+  <p:cSld name="3 Column">
     <p:spTree>
       <p:nvGrpSpPr>
         <p:cNvPr id="1" name=""/>
@@ -1911,7 +2025,7 @@
       </p:grpSpPr>
       <p:sp>
         <p:nvSpPr>
-          <p:cNvPr id="12" name="Title 1"/>
+          <p:cNvPr id="15" name="Title 1"/>
           <p:cNvSpPr>
             <a:spLocks noGrp="1"/>
           </p:cNvSpPr>
@@ -1921,19 +2035,13 @@
         </p:nvSpPr>
         <p:spPr>
           <a:xfrm>
-            <a:off x="2849949" y="609600"/>
-            <a:ext cx="8393926" cy="2895600"/>
+            <a:off x="2895600" y="761999"/>
+            <a:ext cx="8610599" cy="1303867"/>
           </a:xfrm>
         </p:spPr>
         <p:txBody>
-          <a:bodyPr anchor="ctr">
-            <a:normAutofit/>
-          </a:bodyPr>
-          <a:lstStyle>
-            <a:lvl1pPr algn="l">
-              <a:defRPr sz="4800" b="0" cap="none"/>
-            </a:lvl1pPr>
-          </a:lstStyle>
+          <a:bodyPr/>
+          <a:lstStyle/>
           <a:p>
             <a:r>
               <a:rPr lang="en-US"/>
@@ -1945,18 +2053,18 @@
       </p:sp>
       <p:sp>
         <p:nvSpPr>
-          <p:cNvPr id="21" name="Text Placeholder 9"/>
-          <p:cNvSpPr>
-            <a:spLocks noGrp="1"/>
-          </p:cNvSpPr>
-          <p:nvPr>
-            <p:ph type="body" sz="quarter" idx="13"/>
+          <p:cNvPr id="7" name="Text Placeholder 2"/>
+          <p:cNvSpPr>
+            <a:spLocks noGrp="1"/>
+          </p:cNvSpPr>
+          <p:nvPr>
+            <p:ph type="body" idx="1"/>
           </p:nvPr>
         </p:nvSpPr>
         <p:spPr>
           <a:xfrm>
-            <a:off x="2589212" y="4343400"/>
-            <a:ext cx="8915400" cy="838200"/>
+            <a:off x="685800" y="2202080"/>
+            <a:ext cx="3456432" cy="617320"/>
           </a:xfrm>
         </p:spPr>
         <p:txBody>
@@ -1965,34 +2073,45 @@
           </a:bodyPr>
           <a:lstStyle>
             <a:lvl1pPr marL="0" indent="0">
-              <a:buFontTx/>
-              <a:buNone/>
-              <a:defRPr sz="2400">
+              <a:buNone/>
+              <a:defRPr sz="2400" b="0">
                 <a:solidFill>
-                  <a:schemeClr val="accent1"/>
+                  <a:schemeClr val="tx1"/>
                 </a:solidFill>
               </a:defRPr>
             </a:lvl1pPr>
             <a:lvl2pPr marL="457200" indent="0">
-              <a:buFontTx/>
-              <a:buNone/>
-              <a:defRPr/>
+              <a:buNone/>
+              <a:defRPr sz="2000" b="1"/>
             </a:lvl2pPr>
             <a:lvl3pPr marL="914400" indent="0">
-              <a:buFontTx/>
-              <a:buNone/>
-              <a:defRPr/>
+              <a:buNone/>
+              <a:defRPr sz="1800" b="1"/>
             </a:lvl3pPr>
             <a:lvl4pPr marL="1371600" indent="0">
-              <a:buFontTx/>
-              <a:buNone/>
-              <a:defRPr/>
+              <a:buNone/>
+              <a:defRPr sz="1600" b="1"/>
             </a:lvl4pPr>
             <a:lvl5pPr marL="1828800" indent="0">
-              <a:buFontTx/>
-              <a:buNone/>
-              <a:defRPr/>
+              <a:buNone/>
+              <a:defRPr sz="1600" b="1"/>
             </a:lvl5pPr>
+            <a:lvl6pPr marL="2286000" indent="0">
+              <a:buNone/>
+              <a:defRPr sz="1600" b="1"/>
+            </a:lvl6pPr>
+            <a:lvl7pPr marL="2743200" indent="0">
+              <a:buNone/>
+              <a:defRPr sz="1600" b="1"/>
+            </a:lvl7pPr>
+            <a:lvl8pPr marL="3200400" indent="0">
+              <a:buNone/>
+              <a:defRPr sz="1600" b="1"/>
+            </a:lvl8pPr>
+            <a:lvl9pPr marL="3657600" indent="0">
+              <a:buNone/>
+              <a:defRPr sz="1600" b="1"/>
+            </a:lvl9pPr>
           </a:lstStyle>
           <a:p>
             <a:pPr lvl="0"/>
@@ -2005,41 +2124,135 @@
       </p:sp>
       <p:sp>
         <p:nvSpPr>
-          <p:cNvPr id="4" name="Text Placeholder 3"/>
-          <p:cNvSpPr>
-            <a:spLocks noGrp="1"/>
-          </p:cNvSpPr>
-          <p:nvPr>
-            <p:ph type="body" sz="half" idx="2"/>
+          <p:cNvPr id="8" name="Text Placeholder 3"/>
+          <p:cNvSpPr>
+            <a:spLocks noGrp="1"/>
+          </p:cNvSpPr>
+          <p:nvPr>
+            <p:ph type="body" sz="half" idx="15"/>
           </p:nvPr>
         </p:nvSpPr>
         <p:spPr>
           <a:xfrm>
-            <a:off x="2589213" y="5181600"/>
-            <a:ext cx="8915400" cy="729622"/>
+            <a:off x="685799" y="2904565"/>
+            <a:ext cx="3456432" cy="3314132"/>
           </a:xfrm>
         </p:spPr>
         <p:txBody>
-          <a:bodyPr vert="horz" lIns="91440" tIns="45720" rIns="91440" bIns="45720" rtlCol="0" anchor="t">
+          <a:bodyPr anchor="t">
             <a:normAutofit/>
           </a:bodyPr>
           <a:lstStyle>
-            <a:lvl1pPr>
-              <a:buNone/>
-              <a:defRPr lang="en-US">
+            <a:lvl1pPr marL="0" indent="0">
+              <a:buNone/>
+              <a:defRPr sz="1400"/>
+            </a:lvl1pPr>
+            <a:lvl2pPr marL="457200" indent="0">
+              <a:buNone/>
+              <a:defRPr sz="1200"/>
+            </a:lvl2pPr>
+            <a:lvl3pPr marL="914400" indent="0">
+              <a:buNone/>
+              <a:defRPr sz="1000"/>
+            </a:lvl3pPr>
+            <a:lvl4pPr marL="1371600" indent="0">
+              <a:buNone/>
+              <a:defRPr sz="900"/>
+            </a:lvl4pPr>
+            <a:lvl5pPr marL="1828800" indent="0">
+              <a:buNone/>
+              <a:defRPr sz="900"/>
+            </a:lvl5pPr>
+            <a:lvl6pPr marL="2286000" indent="0">
+              <a:buNone/>
+              <a:defRPr sz="900"/>
+            </a:lvl6pPr>
+            <a:lvl7pPr marL="2743200" indent="0">
+              <a:buNone/>
+              <a:defRPr sz="900"/>
+            </a:lvl7pPr>
+            <a:lvl8pPr marL="3200400" indent="0">
+              <a:buNone/>
+              <a:defRPr sz="900"/>
+            </a:lvl8pPr>
+            <a:lvl9pPr marL="3657600" indent="0">
+              <a:buNone/>
+              <a:defRPr sz="900"/>
+            </a:lvl9pPr>
+          </a:lstStyle>
+          <a:p>
+            <a:pPr lvl="0"/>
+            <a:r>
+              <a:rPr lang="en-US"/>
+              <a:t>Edit Master text styles</a:t>
+            </a:r>
+          </a:p>
+        </p:txBody>
+      </p:sp>
+      <p:sp>
+        <p:nvSpPr>
+          <p:cNvPr id="9" name="Text Placeholder 4"/>
+          <p:cNvSpPr>
+            <a:spLocks noGrp="1"/>
+          </p:cNvSpPr>
+          <p:nvPr>
+            <p:ph type="body" sz="quarter" idx="3"/>
+          </p:nvPr>
+        </p:nvSpPr>
+        <p:spPr>
+          <a:xfrm>
+            <a:off x="4368800" y="2201333"/>
+            <a:ext cx="3456432" cy="626534"/>
+          </a:xfrm>
+        </p:spPr>
+        <p:txBody>
+          <a:bodyPr anchor="b">
+            <a:noAutofit/>
+          </a:bodyPr>
+          <a:lstStyle>
+            <a:lvl1pPr marL="0" indent="0">
+              <a:buNone/>
+              <a:defRPr sz="2400" b="0">
                 <a:solidFill>
-                  <a:schemeClr val="tx1">
-                    <a:lumMod val="65000"/>
-                    <a:lumOff val="35000"/>
-                  </a:schemeClr>
+                  <a:schemeClr val="tx1"/>
                 </a:solidFill>
               </a:defRPr>
             </a:lvl1pPr>
+            <a:lvl2pPr marL="457200" indent="0">
+              <a:buNone/>
+              <a:defRPr sz="2000" b="1"/>
+            </a:lvl2pPr>
+            <a:lvl3pPr marL="914400" indent="0">
+              <a:buNone/>
+              <a:defRPr sz="1800" b="1"/>
+            </a:lvl3pPr>
+            <a:lvl4pPr marL="1371600" indent="0">
+              <a:buNone/>
+              <a:defRPr sz="1600" b="1"/>
+            </a:lvl4pPr>
+            <a:lvl5pPr marL="1828800" indent="0">
+              <a:buNone/>
+              <a:defRPr sz="1600" b="1"/>
+            </a:lvl5pPr>
+            <a:lvl6pPr marL="2286000" indent="0">
+              <a:buNone/>
+              <a:defRPr sz="1600" b="1"/>
+            </a:lvl6pPr>
+            <a:lvl7pPr marL="2743200" indent="0">
+              <a:buNone/>
+              <a:defRPr sz="1600" b="1"/>
+            </a:lvl7pPr>
+            <a:lvl8pPr marL="3200400" indent="0">
+              <a:buNone/>
+              <a:defRPr sz="1600" b="1"/>
+            </a:lvl8pPr>
+            <a:lvl9pPr marL="3657600" indent="0">
+              <a:buNone/>
+              <a:defRPr sz="1600" b="1"/>
+            </a:lvl9pPr>
           </a:lstStyle>
           <a:p>
-            <a:pPr marL="0" lvl="0" indent="0">
-              <a:buNone/>
-            </a:pPr>
+            <a:pPr lvl="0"/>
             <a:r>
               <a:rPr lang="en-US"/>
               <a:t>Edit Master text styles</a:t>
@@ -2049,7 +2262,212 @@
       </p:sp>
       <p:sp>
         <p:nvSpPr>
-          <p:cNvPr id="5" name="Date Placeholder 4"/>
+          <p:cNvPr id="10" name="Text Placeholder 3"/>
+          <p:cNvSpPr>
+            <a:spLocks noGrp="1"/>
+          </p:cNvSpPr>
+          <p:nvPr>
+            <p:ph type="body" sz="half" idx="16"/>
+          </p:nvPr>
+        </p:nvSpPr>
+        <p:spPr>
+          <a:xfrm>
+            <a:off x="4366858" y="2904067"/>
+            <a:ext cx="3456432" cy="3314618"/>
+          </a:xfrm>
+        </p:spPr>
+        <p:txBody>
+          <a:bodyPr anchor="t">
+            <a:normAutofit/>
+          </a:bodyPr>
+          <a:lstStyle>
+            <a:lvl1pPr marL="0" indent="0">
+              <a:buNone/>
+              <a:defRPr sz="1400"/>
+            </a:lvl1pPr>
+            <a:lvl2pPr marL="457200" indent="0">
+              <a:buNone/>
+              <a:defRPr sz="1200"/>
+            </a:lvl2pPr>
+            <a:lvl3pPr marL="914400" indent="0">
+              <a:buNone/>
+              <a:defRPr sz="1000"/>
+            </a:lvl3pPr>
+            <a:lvl4pPr marL="1371600" indent="0">
+              <a:buNone/>
+              <a:defRPr sz="900"/>
+            </a:lvl4pPr>
+            <a:lvl5pPr marL="1828800" indent="0">
+              <a:buNone/>
+              <a:defRPr sz="900"/>
+            </a:lvl5pPr>
+            <a:lvl6pPr marL="2286000" indent="0">
+              <a:buNone/>
+              <a:defRPr sz="900"/>
+            </a:lvl6pPr>
+            <a:lvl7pPr marL="2743200" indent="0">
+              <a:buNone/>
+              <a:defRPr sz="900"/>
+            </a:lvl7pPr>
+            <a:lvl8pPr marL="3200400" indent="0">
+              <a:buNone/>
+              <a:defRPr sz="900"/>
+            </a:lvl8pPr>
+            <a:lvl9pPr marL="3657600" indent="0">
+              <a:buNone/>
+              <a:defRPr sz="900"/>
+            </a:lvl9pPr>
+          </a:lstStyle>
+          <a:p>
+            <a:pPr lvl="0"/>
+            <a:r>
+              <a:rPr lang="en-US"/>
+              <a:t>Edit Master text styles</a:t>
+            </a:r>
+          </a:p>
+        </p:txBody>
+      </p:sp>
+      <p:sp>
+        <p:nvSpPr>
+          <p:cNvPr id="11" name="Text Placeholder 4"/>
+          <p:cNvSpPr>
+            <a:spLocks noGrp="1"/>
+          </p:cNvSpPr>
+          <p:nvPr>
+            <p:ph type="body" sz="quarter" idx="13"/>
+          </p:nvPr>
+        </p:nvSpPr>
+        <p:spPr>
+          <a:xfrm>
+            <a:off x="8051800" y="2192866"/>
+            <a:ext cx="3456432" cy="626534"/>
+          </a:xfrm>
+        </p:spPr>
+        <p:txBody>
+          <a:bodyPr anchor="b">
+            <a:noAutofit/>
+          </a:bodyPr>
+          <a:lstStyle>
+            <a:lvl1pPr marL="0" indent="0">
+              <a:buNone/>
+              <a:defRPr sz="2400" b="0">
+                <a:solidFill>
+                  <a:schemeClr val="tx1"/>
+                </a:solidFill>
+              </a:defRPr>
+            </a:lvl1pPr>
+            <a:lvl2pPr marL="457200" indent="0">
+              <a:buNone/>
+              <a:defRPr sz="2000" b="1"/>
+            </a:lvl2pPr>
+            <a:lvl3pPr marL="914400" indent="0">
+              <a:buNone/>
+              <a:defRPr sz="1800" b="1"/>
+            </a:lvl3pPr>
+            <a:lvl4pPr marL="1371600" indent="0">
+              <a:buNone/>
+              <a:defRPr sz="1600" b="1"/>
+            </a:lvl4pPr>
+            <a:lvl5pPr marL="1828800" indent="0">
+              <a:buNone/>
+              <a:defRPr sz="1600" b="1"/>
+            </a:lvl5pPr>
+            <a:lvl6pPr marL="2286000" indent="0">
+              <a:buNone/>
+              <a:defRPr sz="1600" b="1"/>
+            </a:lvl6pPr>
+            <a:lvl7pPr marL="2743200" indent="0">
+              <a:buNone/>
+              <a:defRPr sz="1600" b="1"/>
+            </a:lvl7pPr>
+            <a:lvl8pPr marL="3200400" indent="0">
+              <a:buNone/>
+              <a:defRPr sz="1600" b="1"/>
+            </a:lvl8pPr>
+            <a:lvl9pPr marL="3657600" indent="0">
+              <a:buNone/>
+              <a:defRPr sz="1600" b="1"/>
+            </a:lvl9pPr>
+          </a:lstStyle>
+          <a:p>
+            <a:pPr lvl="0"/>
+            <a:r>
+              <a:rPr lang="en-US"/>
+              <a:t>Edit Master text styles</a:t>
+            </a:r>
+          </a:p>
+        </p:txBody>
+      </p:sp>
+      <p:sp>
+        <p:nvSpPr>
+          <p:cNvPr id="12" name="Text Placeholder 3"/>
+          <p:cNvSpPr>
+            <a:spLocks noGrp="1"/>
+          </p:cNvSpPr>
+          <p:nvPr>
+            <p:ph type="body" sz="half" idx="17"/>
+          </p:nvPr>
+        </p:nvSpPr>
+        <p:spPr>
+          <a:xfrm>
+            <a:off x="8051801" y="2904565"/>
+            <a:ext cx="3456432" cy="3314132"/>
+          </a:xfrm>
+        </p:spPr>
+        <p:txBody>
+          <a:bodyPr anchor="t">
+            <a:normAutofit/>
+          </a:bodyPr>
+          <a:lstStyle>
+            <a:lvl1pPr marL="0" indent="0">
+              <a:buNone/>
+              <a:defRPr sz="1400"/>
+            </a:lvl1pPr>
+            <a:lvl2pPr marL="457200" indent="0">
+              <a:buNone/>
+              <a:defRPr sz="1200"/>
+            </a:lvl2pPr>
+            <a:lvl3pPr marL="914400" indent="0">
+              <a:buNone/>
+              <a:defRPr sz="1000"/>
+            </a:lvl3pPr>
+            <a:lvl4pPr marL="1371600" indent="0">
+              <a:buNone/>
+              <a:defRPr sz="900"/>
+            </a:lvl4pPr>
+            <a:lvl5pPr marL="1828800" indent="0">
+              <a:buNone/>
+              <a:defRPr sz="900"/>
+            </a:lvl5pPr>
+            <a:lvl6pPr marL="2286000" indent="0">
+              <a:buNone/>
+              <a:defRPr sz="900"/>
+            </a:lvl6pPr>
+            <a:lvl7pPr marL="2743200" indent="0">
+              <a:buNone/>
+              <a:defRPr sz="900"/>
+            </a:lvl7pPr>
+            <a:lvl8pPr marL="3200400" indent="0">
+              <a:buNone/>
+              <a:defRPr sz="900"/>
+            </a:lvl8pPr>
+            <a:lvl9pPr marL="3657600" indent="0">
+              <a:buNone/>
+              <a:defRPr sz="900"/>
+            </a:lvl9pPr>
+          </a:lstStyle>
+          <a:p>
+            <a:pPr lvl="0"/>
+            <a:r>
+              <a:rPr lang="en-US"/>
+              <a:t>Edit Master text styles</a:t>
+            </a:r>
+          </a:p>
+        </p:txBody>
+      </p:sp>
+      <p:sp>
+        <p:nvSpPr>
+          <p:cNvPr id="3" name="Date Placeholder 2"/>
           <p:cNvSpPr>
             <a:spLocks noGrp="1"/>
           </p:cNvSpPr>
@@ -2062,9 +2480,9 @@
           <a:bodyPr/>
           <a:lstStyle/>
           <a:p>
-            <a:fld id="{E5B8D68C-BDC4-5747-B1BE-28EDC453DB56}" type="datetime1">
+            <a:fld id="{124E9894-F119-A64C-B7CB-D7CE860A73BE}" type="datetime1">
               <a:rPr lang="en-US" smtClean="0"/>
-              <a:t>11/13/18</a:t>
+              <a:t>11/15/18</a:t>
             </a:fld>
             <a:endParaRPr lang="en-US" dirty="0"/>
           </a:p>
@@ -2072,7 +2490,7 @@
       </p:sp>
       <p:sp>
         <p:nvSpPr>
-          <p:cNvPr id="6" name="Footer Placeholder 5"/>
+          <p:cNvPr id="4" name="Footer Placeholder 3"/>
           <p:cNvSpPr>
             <a:spLocks noGrp="1"/>
           </p:cNvSpPr>
@@ -2091,89 +2509,7 @@
       </p:sp>
       <p:sp>
         <p:nvSpPr>
-          <p:cNvPr id="11" name="Freeform 11"/>
-          <p:cNvSpPr/>
-          <p:nvPr/>
-        </p:nvSpPr>
-        <p:spPr bwMode="auto">
-          <a:xfrm flipV="1">
-            <a:off x="-4189" y="4911725"/>
-            <a:ext cx="1588527" cy="507297"/>
-          </a:xfrm>
-          <a:custGeom>
-            <a:avLst/>
-            <a:gdLst/>
-            <a:ahLst/>
-            <a:cxnLst/>
-            <a:rect l="l" t="t" r="r" b="b"/>
-            <a:pathLst>
-              <a:path w="9248" h="10000">
-                <a:moveTo>
-                  <a:pt x="9248" y="4701"/>
-                </a:moveTo>
-                <a:lnTo>
-                  <a:pt x="7915" y="188"/>
-                </a:lnTo>
-                <a:cubicBezTo>
-                  <a:pt x="7906" y="156"/>
-                  <a:pt x="7895" y="126"/>
-                  <a:pt x="7886" y="94"/>
-                </a:cubicBezTo>
-                <a:cubicBezTo>
-                  <a:pt x="7859" y="0"/>
-                  <a:pt x="7831" y="0"/>
-                  <a:pt x="7803" y="0"/>
-                </a:cubicBezTo>
-                <a:lnTo>
-                  <a:pt x="7275" y="0"/>
-                </a:lnTo>
-                <a:lnTo>
-                  <a:pt x="0" y="70"/>
-                </a:lnTo>
-                <a:cubicBezTo>
-                  <a:pt x="8" y="3380"/>
-                  <a:pt x="17" y="6690"/>
-                  <a:pt x="25" y="10000"/>
-                </a:cubicBezTo>
-                <a:lnTo>
-                  <a:pt x="7275" y="9966"/>
-                </a:lnTo>
-                <a:lnTo>
-                  <a:pt x="7803" y="9966"/>
-                </a:lnTo>
-                <a:cubicBezTo>
-                  <a:pt x="7831" y="9966"/>
-                  <a:pt x="7859" y="9872"/>
-                  <a:pt x="7886" y="9872"/>
-                </a:cubicBezTo>
-                <a:cubicBezTo>
-                  <a:pt x="7886" y="9778"/>
-                  <a:pt x="7915" y="9778"/>
-                  <a:pt x="7915" y="9778"/>
-                </a:cubicBezTo>
-                <a:lnTo>
-                  <a:pt x="9248" y="5265"/>
-                </a:lnTo>
-                <a:cubicBezTo>
-                  <a:pt x="9303" y="5077"/>
-                  <a:pt x="9303" y="4889"/>
-                  <a:pt x="9248" y="4701"/>
-                </a:cubicBezTo>
-                <a:close/>
-              </a:path>
-            </a:pathLst>
-          </a:custGeom>
-          <a:solidFill>
-            <a:schemeClr val="accent1"/>
-          </a:solidFill>
-          <a:ln>
-            <a:noFill/>
-          </a:ln>
-        </p:spPr>
-      </p:sp>
-      <p:sp>
-        <p:nvSpPr>
-          <p:cNvPr id="7" name="Slide Number Placeholder 6"/>
+          <p:cNvPr id="5" name="Slide Number Placeholder 4"/>
           <p:cNvSpPr>
             <a:spLocks noGrp="1"/>
           </p:cNvSpPr>
@@ -2181,12 +2517,7 @@
             <p:ph type="sldNum" sz="quarter" idx="12"/>
           </p:nvPr>
         </p:nvSpPr>
-        <p:spPr>
-          <a:xfrm>
-            <a:off x="531812" y="4983087"/>
-            <a:ext cx="779767" cy="365125"/>
-          </a:xfrm>
-        </p:spPr>
+        <p:spPr/>
         <p:txBody>
           <a:bodyPr/>
           <a:lstStyle/>
@@ -2199,98 +2530,23 @@
           </a:p>
         </p:txBody>
       </p:sp>
-      <p:sp>
-        <p:nvSpPr>
-          <p:cNvPr id="17" name="TextBox 16"/>
-          <p:cNvSpPr txBox="1"/>
-          <p:nvPr/>
-        </p:nvSpPr>
-        <p:spPr>
-          <a:xfrm>
-            <a:off x="2467652" y="648005"/>
-            <a:ext cx="609600" cy="584776"/>
-          </a:xfrm>
-          <a:prstGeom prst="rect">
-            <a:avLst/>
-          </a:prstGeom>
-        </p:spPr>
-        <p:txBody>
-          <a:bodyPr vert="horz" lIns="91440" tIns="45720" rIns="91440" bIns="45720" rtlCol="0" anchor="ctr">
-            <a:noAutofit/>
-          </a:bodyPr>
-          <a:lstStyle/>
-          <a:p>
-            <a:pPr lvl="0"/>
-            <a:r>
-              <a:rPr lang="en-US" sz="8000" baseline="0" dirty="0">
-                <a:ln w="3175" cmpd="sng">
-                  <a:noFill/>
-                </a:ln>
-                <a:solidFill>
-                  <a:schemeClr val="accent1"/>
-                </a:solidFill>
-                <a:effectLst/>
-                <a:latin typeface="Arial"/>
-              </a:rPr>
-              <a:t>“</a:t>
-            </a:r>
-          </a:p>
-        </p:txBody>
-      </p:sp>
-      <p:sp>
-        <p:nvSpPr>
-          <p:cNvPr id="18" name="TextBox 17"/>
-          <p:cNvSpPr txBox="1"/>
-          <p:nvPr/>
-        </p:nvSpPr>
-        <p:spPr>
-          <a:xfrm>
-            <a:off x="11114852" y="2905306"/>
-            <a:ext cx="609600" cy="584776"/>
-          </a:xfrm>
-          <a:prstGeom prst="rect">
-            <a:avLst/>
-          </a:prstGeom>
-        </p:spPr>
-        <p:txBody>
-          <a:bodyPr vert="horz" lIns="91440" tIns="45720" rIns="91440" bIns="45720" rtlCol="0" anchor="ctr">
-            <a:noAutofit/>
-          </a:bodyPr>
-          <a:lstStyle/>
-          <a:p>
-            <a:pPr lvl="0"/>
-            <a:r>
-              <a:rPr lang="en-US" sz="8000" baseline="0" dirty="0">
-                <a:ln w="3175" cmpd="sng">
-                  <a:noFill/>
-                </a:ln>
-                <a:solidFill>
-                  <a:schemeClr val="accent1"/>
-                </a:solidFill>
-                <a:effectLst/>
-                <a:latin typeface="Arial"/>
-              </a:rPr>
-              <a:t>”</a:t>
-            </a:r>
-          </a:p>
-        </p:txBody>
-      </p:sp>
     </p:spTree>
     <p:extLst>
       <p:ext uri="{BB962C8B-B14F-4D97-AF65-F5344CB8AC3E}">
-        <p14:creationId xmlns:p14="http://schemas.microsoft.com/office/powerpoint/2010/main" val="4064668200"/>
+        <p14:creationId xmlns:p14="http://schemas.microsoft.com/office/powerpoint/2010/main" val="3558026470"/>
       </p:ext>
     </p:extLst>
   </p:cSld>
   <p:clrMapOvr>
     <a:masterClrMapping/>
   </p:clrMapOvr>
+  <p:hf hdr="0" ftr="0" dt="0"/>
 </p:sldLayout>
 </file>
 
-<file path=ppt/slideLayouts/slideLayout14.xml><?xml version="1.0" encoding="utf-8"?>
+<file path=ppt/slideLayouts/slideLayout15.xml><?xml version="1.0" encoding="utf-8"?>
 <p:sldLayout xmlns:a="http://schemas.openxmlformats.org/drawingml/2006/main" xmlns:r="http://schemas.openxmlformats.org/officeDocument/2006/relationships" xmlns:p="http://schemas.openxmlformats.org/presentationml/2006/main" preserve="1">
-  <p:cSld name="True or False">
+  <p:cSld name="3 Picture Column">
     <p:spTree>
       <p:nvGrpSpPr>
         <p:cNvPr id="1" name=""/>
@@ -2307,7 +2563,7 @@
       </p:grpSpPr>
       <p:sp>
         <p:nvSpPr>
-          <p:cNvPr id="2" name="Title 1"/>
+          <p:cNvPr id="30" name="Title 1"/>
           <p:cNvSpPr>
             <a:spLocks noGrp="1"/>
           </p:cNvSpPr>
@@ -2317,19 +2573,13 @@
         </p:nvSpPr>
         <p:spPr>
           <a:xfrm>
-            <a:off x="2589212" y="627407"/>
-            <a:ext cx="8915399" cy="2880020"/>
+            <a:off x="2895600" y="762000"/>
+            <a:ext cx="8610599" cy="1295400"/>
           </a:xfrm>
         </p:spPr>
         <p:txBody>
-          <a:bodyPr anchor="ctr">
-            <a:normAutofit/>
-          </a:bodyPr>
-          <a:lstStyle>
-            <a:lvl1pPr algn="l">
-              <a:defRPr sz="4800" b="0"/>
-            </a:lvl1pPr>
-          </a:lstStyle>
+          <a:bodyPr/>
+          <a:lstStyle/>
           <a:p>
             <a:r>
               <a:rPr lang="en-US"/>
@@ -2341,18 +2591,18 @@
       </p:sp>
       <p:sp>
         <p:nvSpPr>
-          <p:cNvPr id="21" name="Text Placeholder 9"/>
-          <p:cNvSpPr>
-            <a:spLocks noGrp="1"/>
-          </p:cNvSpPr>
-          <p:nvPr>
-            <p:ph type="body" sz="quarter" idx="13"/>
+          <p:cNvPr id="19" name="Text Placeholder 2"/>
+          <p:cNvSpPr>
+            <a:spLocks noGrp="1"/>
+          </p:cNvSpPr>
+          <p:nvPr>
+            <p:ph type="body" idx="1"/>
           </p:nvPr>
         </p:nvSpPr>
         <p:spPr>
           <a:xfrm>
-            <a:off x="2589212" y="4343400"/>
-            <a:ext cx="8915400" cy="838200"/>
+            <a:off x="688618" y="4191000"/>
+            <a:ext cx="3451582" cy="682765"/>
           </a:xfrm>
         </p:spPr>
         <p:txBody>
@@ -2361,34 +2611,45 @@
           </a:bodyPr>
           <a:lstStyle>
             <a:lvl1pPr marL="0" indent="0">
-              <a:buFontTx/>
-              <a:buNone/>
-              <a:defRPr sz="2400">
+              <a:buNone/>
+              <a:defRPr sz="2400" b="0">
                 <a:solidFill>
-                  <a:schemeClr val="accent1"/>
+                  <a:schemeClr val="tx1"/>
                 </a:solidFill>
               </a:defRPr>
             </a:lvl1pPr>
             <a:lvl2pPr marL="457200" indent="0">
-              <a:buFontTx/>
-              <a:buNone/>
-              <a:defRPr/>
+              <a:buNone/>
+              <a:defRPr sz="2000" b="1"/>
             </a:lvl2pPr>
             <a:lvl3pPr marL="914400" indent="0">
-              <a:buFontTx/>
-              <a:buNone/>
-              <a:defRPr/>
+              <a:buNone/>
+              <a:defRPr sz="1800" b="1"/>
             </a:lvl3pPr>
             <a:lvl4pPr marL="1371600" indent="0">
-              <a:buFontTx/>
-              <a:buNone/>
-              <a:defRPr/>
+              <a:buNone/>
+              <a:defRPr sz="1600" b="1"/>
             </a:lvl4pPr>
             <a:lvl5pPr marL="1828800" indent="0">
-              <a:buFontTx/>
-              <a:buNone/>
-              <a:defRPr/>
+              <a:buNone/>
+              <a:defRPr sz="1600" b="1"/>
             </a:lvl5pPr>
+            <a:lvl6pPr marL="2286000" indent="0">
+              <a:buNone/>
+              <a:defRPr sz="1600" b="1"/>
+            </a:lvl6pPr>
+            <a:lvl7pPr marL="2743200" indent="0">
+              <a:buNone/>
+              <a:defRPr sz="1600" b="1"/>
+            </a:lvl7pPr>
+            <a:lvl8pPr marL="3200400" indent="0">
+              <a:buNone/>
+              <a:defRPr sz="1600" b="1"/>
+            </a:lvl8pPr>
+            <a:lvl9pPr marL="3657600" indent="0">
+              <a:buNone/>
+              <a:defRPr sz="1600" b="1"/>
+            </a:lvl9pPr>
           </a:lstStyle>
           <a:p>
             <a:pPr lvl="0"/>
@@ -2401,41 +2662,214 @@
       </p:sp>
       <p:sp>
         <p:nvSpPr>
-          <p:cNvPr id="4" name="Text Placeholder 3"/>
-          <p:cNvSpPr>
-            <a:spLocks noGrp="1"/>
-          </p:cNvSpPr>
-          <p:nvPr>
-            <p:ph type="body" sz="half" idx="2"/>
+          <p:cNvPr id="20" name="Picture Placeholder 2"/>
+          <p:cNvSpPr>
+            <a:spLocks noGrp="1" noChangeAspect="1"/>
+          </p:cNvSpPr>
+          <p:nvPr>
+            <p:ph type="pic" idx="15"/>
           </p:nvPr>
         </p:nvSpPr>
         <p:spPr>
           <a:xfrm>
-            <a:off x="2589213" y="5181600"/>
-            <a:ext cx="8915400" cy="729622"/>
-          </a:xfrm>
+            <a:off x="688618" y="2362200"/>
+            <a:ext cx="3451582" cy="1524000"/>
+          </a:xfrm>
+          <a:prstGeom prst="roundRect">
+            <a:avLst>
+              <a:gd name="adj" fmla="val 0"/>
+            </a:avLst>
+          </a:prstGeom>
+          <a:effectLst>
+            <a:outerShdw blurRad="50800" dist="50800" dir="5400000" algn="tl" rotWithShape="0">
+              <a:srgbClr val="000000">
+                <a:alpha val="43000"/>
+              </a:srgbClr>
+            </a:outerShdw>
+          </a:effectLst>
         </p:spPr>
         <p:txBody>
-          <a:bodyPr vert="horz" lIns="91440" tIns="45720" rIns="91440" bIns="45720" rtlCol="0" anchor="t">
+          <a:bodyPr anchor="t">
             <a:normAutofit/>
           </a:bodyPr>
           <a:lstStyle>
-            <a:lvl1pPr>
-              <a:buNone/>
-              <a:defRPr lang="en-US">
+            <a:lvl1pPr marL="0" indent="0" algn="ctr">
+              <a:buNone/>
+              <a:defRPr sz="1600"/>
+            </a:lvl1pPr>
+            <a:lvl2pPr marL="457200" indent="0">
+              <a:buNone/>
+              <a:defRPr sz="1600"/>
+            </a:lvl2pPr>
+            <a:lvl3pPr marL="914400" indent="0">
+              <a:buNone/>
+              <a:defRPr sz="1600"/>
+            </a:lvl3pPr>
+            <a:lvl4pPr marL="1371600" indent="0">
+              <a:buNone/>
+              <a:defRPr sz="1600"/>
+            </a:lvl4pPr>
+            <a:lvl5pPr marL="1828800" indent="0">
+              <a:buNone/>
+              <a:defRPr sz="1600"/>
+            </a:lvl5pPr>
+            <a:lvl6pPr marL="2286000" indent="0">
+              <a:buNone/>
+              <a:defRPr sz="1600"/>
+            </a:lvl6pPr>
+            <a:lvl7pPr marL="2743200" indent="0">
+              <a:buNone/>
+              <a:defRPr sz="1600"/>
+            </a:lvl7pPr>
+            <a:lvl8pPr marL="3200400" indent="0">
+              <a:buNone/>
+              <a:defRPr sz="1600"/>
+            </a:lvl8pPr>
+            <a:lvl9pPr marL="3657600" indent="0">
+              <a:buNone/>
+              <a:defRPr sz="1600"/>
+            </a:lvl9pPr>
+          </a:lstStyle>
+          <a:p>
+            <a:r>
+              <a:rPr lang="en-US"/>
+              <a:t>Click icon to add picture</a:t>
+            </a:r>
+            <a:endParaRPr lang="en-US" dirty="0"/>
+          </a:p>
+        </p:txBody>
+      </p:sp>
+      <p:sp>
+        <p:nvSpPr>
+          <p:cNvPr id="21" name="Text Placeholder 3"/>
+          <p:cNvSpPr>
+            <a:spLocks noGrp="1"/>
+          </p:cNvSpPr>
+          <p:nvPr>
+            <p:ph type="body" sz="half" idx="18"/>
+          </p:nvPr>
+        </p:nvSpPr>
+        <p:spPr>
+          <a:xfrm>
+            <a:off x="688618" y="4873764"/>
+            <a:ext cx="3451582" cy="1344921"/>
+          </a:xfrm>
+        </p:spPr>
+        <p:txBody>
+          <a:bodyPr anchor="t">
+            <a:normAutofit/>
+          </a:bodyPr>
+          <a:lstStyle>
+            <a:lvl1pPr marL="0" indent="0">
+              <a:buNone/>
+              <a:defRPr sz="1400"/>
+            </a:lvl1pPr>
+            <a:lvl2pPr marL="457200" indent="0">
+              <a:buNone/>
+              <a:defRPr sz="1200"/>
+            </a:lvl2pPr>
+            <a:lvl3pPr marL="914400" indent="0">
+              <a:buNone/>
+              <a:defRPr sz="1000"/>
+            </a:lvl3pPr>
+            <a:lvl4pPr marL="1371600" indent="0">
+              <a:buNone/>
+              <a:defRPr sz="900"/>
+            </a:lvl4pPr>
+            <a:lvl5pPr marL="1828800" indent="0">
+              <a:buNone/>
+              <a:defRPr sz="900"/>
+            </a:lvl5pPr>
+            <a:lvl6pPr marL="2286000" indent="0">
+              <a:buNone/>
+              <a:defRPr sz="900"/>
+            </a:lvl6pPr>
+            <a:lvl7pPr marL="2743200" indent="0">
+              <a:buNone/>
+              <a:defRPr sz="900"/>
+            </a:lvl7pPr>
+            <a:lvl8pPr marL="3200400" indent="0">
+              <a:buNone/>
+              <a:defRPr sz="900"/>
+            </a:lvl8pPr>
+            <a:lvl9pPr marL="3657600" indent="0">
+              <a:buNone/>
+              <a:defRPr sz="900"/>
+            </a:lvl9pPr>
+          </a:lstStyle>
+          <a:p>
+            <a:pPr lvl="0"/>
+            <a:r>
+              <a:rPr lang="en-US"/>
+              <a:t>Edit Master text styles</a:t>
+            </a:r>
+          </a:p>
+        </p:txBody>
+      </p:sp>
+      <p:sp>
+        <p:nvSpPr>
+          <p:cNvPr id="22" name="Text Placeholder 4"/>
+          <p:cNvSpPr>
+            <a:spLocks noGrp="1"/>
+          </p:cNvSpPr>
+          <p:nvPr>
+            <p:ph type="body" sz="quarter" idx="3"/>
+          </p:nvPr>
+        </p:nvSpPr>
+        <p:spPr>
+          <a:xfrm>
+            <a:off x="4374263" y="4191000"/>
+            <a:ext cx="3448935" cy="682765"/>
+          </a:xfrm>
+        </p:spPr>
+        <p:txBody>
+          <a:bodyPr anchor="b">
+            <a:noAutofit/>
+          </a:bodyPr>
+          <a:lstStyle>
+            <a:lvl1pPr marL="0" indent="0">
+              <a:buNone/>
+              <a:defRPr sz="2400" b="0">
                 <a:solidFill>
-                  <a:schemeClr val="tx1">
-                    <a:lumMod val="65000"/>
-                    <a:lumOff val="35000"/>
-                  </a:schemeClr>
+                  <a:schemeClr val="tx1"/>
                 </a:solidFill>
               </a:defRPr>
             </a:lvl1pPr>
+            <a:lvl2pPr marL="457200" indent="0">
+              <a:buNone/>
+              <a:defRPr sz="2000" b="1"/>
+            </a:lvl2pPr>
+            <a:lvl3pPr marL="914400" indent="0">
+              <a:buNone/>
+              <a:defRPr sz="1800" b="1"/>
+            </a:lvl3pPr>
+            <a:lvl4pPr marL="1371600" indent="0">
+              <a:buNone/>
+              <a:defRPr sz="1600" b="1"/>
+            </a:lvl4pPr>
+            <a:lvl5pPr marL="1828800" indent="0">
+              <a:buNone/>
+              <a:defRPr sz="1600" b="1"/>
+            </a:lvl5pPr>
+            <a:lvl6pPr marL="2286000" indent="0">
+              <a:buNone/>
+              <a:defRPr sz="1600" b="1"/>
+            </a:lvl6pPr>
+            <a:lvl7pPr marL="2743200" indent="0">
+              <a:buNone/>
+              <a:defRPr sz="1600" b="1"/>
+            </a:lvl7pPr>
+            <a:lvl8pPr marL="3200400" indent="0">
+              <a:buNone/>
+              <a:defRPr sz="1600" b="1"/>
+            </a:lvl8pPr>
+            <a:lvl9pPr marL="3657600" indent="0">
+              <a:buNone/>
+              <a:defRPr sz="1600" b="1"/>
+            </a:lvl9pPr>
           </a:lstStyle>
           <a:p>
-            <a:pPr marL="0" lvl="0" indent="0">
-              <a:buNone/>
-            </a:pPr>
+            <a:pPr lvl="0"/>
             <a:r>
               <a:rPr lang="en-US"/>
               <a:t>Edit Master text styles</a:t>
@@ -2445,7 +2879,370 @@
       </p:sp>
       <p:sp>
         <p:nvSpPr>
-          <p:cNvPr id="5" name="Date Placeholder 4"/>
+          <p:cNvPr id="23" name="Picture Placeholder 2"/>
+          <p:cNvSpPr>
+            <a:spLocks noGrp="1" noChangeAspect="1"/>
+          </p:cNvSpPr>
+          <p:nvPr>
+            <p:ph type="pic" idx="21"/>
+          </p:nvPr>
+        </p:nvSpPr>
+        <p:spPr>
+          <a:xfrm>
+            <a:off x="4374263" y="2362200"/>
+            <a:ext cx="3448936" cy="1524000"/>
+          </a:xfrm>
+          <a:prstGeom prst="roundRect">
+            <a:avLst>
+              <a:gd name="adj" fmla="val 0"/>
+            </a:avLst>
+          </a:prstGeom>
+          <a:effectLst>
+            <a:outerShdw blurRad="50800" dist="50800" dir="5400000" algn="tl" rotWithShape="0">
+              <a:srgbClr val="000000">
+                <a:alpha val="43000"/>
+              </a:srgbClr>
+            </a:outerShdw>
+          </a:effectLst>
+        </p:spPr>
+        <p:txBody>
+          <a:bodyPr anchor="t">
+            <a:normAutofit/>
+          </a:bodyPr>
+          <a:lstStyle>
+            <a:lvl1pPr marL="0" indent="0" algn="ctr">
+              <a:buNone/>
+              <a:defRPr sz="1600"/>
+            </a:lvl1pPr>
+            <a:lvl2pPr marL="457200" indent="0">
+              <a:buNone/>
+              <a:defRPr sz="1600"/>
+            </a:lvl2pPr>
+            <a:lvl3pPr marL="914400" indent="0">
+              <a:buNone/>
+              <a:defRPr sz="1600"/>
+            </a:lvl3pPr>
+            <a:lvl4pPr marL="1371600" indent="0">
+              <a:buNone/>
+              <a:defRPr sz="1600"/>
+            </a:lvl4pPr>
+            <a:lvl5pPr marL="1828800" indent="0">
+              <a:buNone/>
+              <a:defRPr sz="1600"/>
+            </a:lvl5pPr>
+            <a:lvl6pPr marL="2286000" indent="0">
+              <a:buNone/>
+              <a:defRPr sz="1600"/>
+            </a:lvl6pPr>
+            <a:lvl7pPr marL="2743200" indent="0">
+              <a:buNone/>
+              <a:defRPr sz="1600"/>
+            </a:lvl7pPr>
+            <a:lvl8pPr marL="3200400" indent="0">
+              <a:buNone/>
+              <a:defRPr sz="1600"/>
+            </a:lvl8pPr>
+            <a:lvl9pPr marL="3657600" indent="0">
+              <a:buNone/>
+              <a:defRPr sz="1600"/>
+            </a:lvl9pPr>
+          </a:lstStyle>
+          <a:p>
+            <a:r>
+              <a:rPr lang="en-US"/>
+              <a:t>Click icon to add picture</a:t>
+            </a:r>
+            <a:endParaRPr lang="en-US" dirty="0"/>
+          </a:p>
+        </p:txBody>
+      </p:sp>
+      <p:sp>
+        <p:nvSpPr>
+          <p:cNvPr id="24" name="Text Placeholder 3"/>
+          <p:cNvSpPr>
+            <a:spLocks noGrp="1"/>
+          </p:cNvSpPr>
+          <p:nvPr>
+            <p:ph type="body" sz="half" idx="19"/>
+          </p:nvPr>
+        </p:nvSpPr>
+        <p:spPr>
+          <a:xfrm>
+            <a:off x="4374264" y="4873763"/>
+            <a:ext cx="3448935" cy="1344921"/>
+          </a:xfrm>
+        </p:spPr>
+        <p:txBody>
+          <a:bodyPr anchor="t">
+            <a:normAutofit/>
+          </a:bodyPr>
+          <a:lstStyle>
+            <a:lvl1pPr marL="0" indent="0">
+              <a:buNone/>
+              <a:defRPr sz="1400"/>
+            </a:lvl1pPr>
+            <a:lvl2pPr marL="457200" indent="0">
+              <a:buNone/>
+              <a:defRPr sz="1200"/>
+            </a:lvl2pPr>
+            <a:lvl3pPr marL="914400" indent="0">
+              <a:buNone/>
+              <a:defRPr sz="1000"/>
+            </a:lvl3pPr>
+            <a:lvl4pPr marL="1371600" indent="0">
+              <a:buNone/>
+              <a:defRPr sz="900"/>
+            </a:lvl4pPr>
+            <a:lvl5pPr marL="1828800" indent="0">
+              <a:buNone/>
+              <a:defRPr sz="900"/>
+            </a:lvl5pPr>
+            <a:lvl6pPr marL="2286000" indent="0">
+              <a:buNone/>
+              <a:defRPr sz="900"/>
+            </a:lvl6pPr>
+            <a:lvl7pPr marL="2743200" indent="0">
+              <a:buNone/>
+              <a:defRPr sz="900"/>
+            </a:lvl7pPr>
+            <a:lvl8pPr marL="3200400" indent="0">
+              <a:buNone/>
+              <a:defRPr sz="900"/>
+            </a:lvl8pPr>
+            <a:lvl9pPr marL="3657600" indent="0">
+              <a:buNone/>
+              <a:defRPr sz="900"/>
+            </a:lvl9pPr>
+          </a:lstStyle>
+          <a:p>
+            <a:pPr lvl="0"/>
+            <a:r>
+              <a:rPr lang="en-US"/>
+              <a:t>Edit Master text styles</a:t>
+            </a:r>
+          </a:p>
+        </p:txBody>
+      </p:sp>
+      <p:sp>
+        <p:nvSpPr>
+          <p:cNvPr id="25" name="Text Placeholder 4"/>
+          <p:cNvSpPr>
+            <a:spLocks noGrp="1"/>
+          </p:cNvSpPr>
+          <p:nvPr>
+            <p:ph type="body" sz="quarter" idx="13"/>
+          </p:nvPr>
+        </p:nvSpPr>
+        <p:spPr>
+          <a:xfrm>
+            <a:off x="8049731" y="4191000"/>
+            <a:ext cx="3456469" cy="682765"/>
+          </a:xfrm>
+        </p:spPr>
+        <p:txBody>
+          <a:bodyPr anchor="b">
+            <a:noAutofit/>
+          </a:bodyPr>
+          <a:lstStyle>
+            <a:lvl1pPr marL="0" indent="0">
+              <a:buNone/>
+              <a:defRPr sz="2400" b="0">
+                <a:solidFill>
+                  <a:schemeClr val="tx1"/>
+                </a:solidFill>
+              </a:defRPr>
+            </a:lvl1pPr>
+            <a:lvl2pPr marL="457200" indent="0">
+              <a:buNone/>
+              <a:defRPr sz="2000" b="1"/>
+            </a:lvl2pPr>
+            <a:lvl3pPr marL="914400" indent="0">
+              <a:buNone/>
+              <a:defRPr sz="1800" b="1"/>
+            </a:lvl3pPr>
+            <a:lvl4pPr marL="1371600" indent="0">
+              <a:buNone/>
+              <a:defRPr sz="1600" b="1"/>
+            </a:lvl4pPr>
+            <a:lvl5pPr marL="1828800" indent="0">
+              <a:buNone/>
+              <a:defRPr sz="1600" b="1"/>
+            </a:lvl5pPr>
+            <a:lvl6pPr marL="2286000" indent="0">
+              <a:buNone/>
+              <a:defRPr sz="1600" b="1"/>
+            </a:lvl6pPr>
+            <a:lvl7pPr marL="2743200" indent="0">
+              <a:buNone/>
+              <a:defRPr sz="1600" b="1"/>
+            </a:lvl7pPr>
+            <a:lvl8pPr marL="3200400" indent="0">
+              <a:buNone/>
+              <a:defRPr sz="1600" b="1"/>
+            </a:lvl8pPr>
+            <a:lvl9pPr marL="3657600" indent="0">
+              <a:buNone/>
+              <a:defRPr sz="1600" b="1"/>
+            </a:lvl9pPr>
+          </a:lstStyle>
+          <a:p>
+            <a:pPr lvl="0"/>
+            <a:r>
+              <a:rPr lang="en-US"/>
+              <a:t>Edit Master text styles</a:t>
+            </a:r>
+          </a:p>
+        </p:txBody>
+      </p:sp>
+      <p:sp>
+        <p:nvSpPr>
+          <p:cNvPr id="26" name="Picture Placeholder 2"/>
+          <p:cNvSpPr>
+            <a:spLocks noGrp="1" noChangeAspect="1"/>
+          </p:cNvSpPr>
+          <p:nvPr>
+            <p:ph type="pic" idx="22"/>
+          </p:nvPr>
+        </p:nvSpPr>
+        <p:spPr>
+          <a:xfrm>
+            <a:off x="8049855" y="2362200"/>
+            <a:ext cx="3447878" cy="1524000"/>
+          </a:xfrm>
+          <a:prstGeom prst="roundRect">
+            <a:avLst>
+              <a:gd name="adj" fmla="val 0"/>
+            </a:avLst>
+          </a:prstGeom>
+          <a:effectLst>
+            <a:outerShdw blurRad="50800" dist="50800" dir="5400000" algn="tl" rotWithShape="0">
+              <a:srgbClr val="000000">
+                <a:alpha val="43000"/>
+              </a:srgbClr>
+            </a:outerShdw>
+          </a:effectLst>
+        </p:spPr>
+        <p:txBody>
+          <a:bodyPr anchor="t">
+            <a:normAutofit/>
+          </a:bodyPr>
+          <a:lstStyle>
+            <a:lvl1pPr marL="0" indent="0" algn="ctr">
+              <a:buNone/>
+              <a:defRPr sz="1600"/>
+            </a:lvl1pPr>
+            <a:lvl2pPr marL="457200" indent="0">
+              <a:buNone/>
+              <a:defRPr sz="1600"/>
+            </a:lvl2pPr>
+            <a:lvl3pPr marL="914400" indent="0">
+              <a:buNone/>
+              <a:defRPr sz="1600"/>
+            </a:lvl3pPr>
+            <a:lvl4pPr marL="1371600" indent="0">
+              <a:buNone/>
+              <a:defRPr sz="1600"/>
+            </a:lvl4pPr>
+            <a:lvl5pPr marL="1828800" indent="0">
+              <a:buNone/>
+              <a:defRPr sz="1600"/>
+            </a:lvl5pPr>
+            <a:lvl6pPr marL="2286000" indent="0">
+              <a:buNone/>
+              <a:defRPr sz="1600"/>
+            </a:lvl6pPr>
+            <a:lvl7pPr marL="2743200" indent="0">
+              <a:buNone/>
+              <a:defRPr sz="1600"/>
+            </a:lvl7pPr>
+            <a:lvl8pPr marL="3200400" indent="0">
+              <a:buNone/>
+              <a:defRPr sz="1600"/>
+            </a:lvl8pPr>
+            <a:lvl9pPr marL="3657600" indent="0">
+              <a:buNone/>
+              <a:defRPr sz="1600"/>
+            </a:lvl9pPr>
+          </a:lstStyle>
+          <a:p>
+            <a:r>
+              <a:rPr lang="en-US"/>
+              <a:t>Click icon to add picture</a:t>
+            </a:r>
+            <a:endParaRPr lang="en-US" dirty="0"/>
+          </a:p>
+        </p:txBody>
+      </p:sp>
+      <p:sp>
+        <p:nvSpPr>
+          <p:cNvPr id="27" name="Text Placeholder 3"/>
+          <p:cNvSpPr>
+            <a:spLocks noGrp="1"/>
+          </p:cNvSpPr>
+          <p:nvPr>
+            <p:ph type="body" sz="half" idx="20"/>
+          </p:nvPr>
+        </p:nvSpPr>
+        <p:spPr>
+          <a:xfrm>
+            <a:off x="8049731" y="4873761"/>
+            <a:ext cx="3452445" cy="1344921"/>
+          </a:xfrm>
+        </p:spPr>
+        <p:txBody>
+          <a:bodyPr anchor="t">
+            <a:normAutofit/>
+          </a:bodyPr>
+          <a:lstStyle>
+            <a:lvl1pPr marL="0" indent="0">
+              <a:buNone/>
+              <a:defRPr sz="1400"/>
+            </a:lvl1pPr>
+            <a:lvl2pPr marL="457200" indent="0">
+              <a:buNone/>
+              <a:defRPr sz="1200"/>
+            </a:lvl2pPr>
+            <a:lvl3pPr marL="914400" indent="0">
+              <a:buNone/>
+              <a:defRPr sz="1000"/>
+            </a:lvl3pPr>
+            <a:lvl4pPr marL="1371600" indent="0">
+              <a:buNone/>
+              <a:defRPr sz="900"/>
+            </a:lvl4pPr>
+            <a:lvl5pPr marL="1828800" indent="0">
+              <a:buNone/>
+              <a:defRPr sz="900"/>
+            </a:lvl5pPr>
+            <a:lvl6pPr marL="2286000" indent="0">
+              <a:buNone/>
+              <a:defRPr sz="900"/>
+            </a:lvl6pPr>
+            <a:lvl7pPr marL="2743200" indent="0">
+              <a:buNone/>
+              <a:defRPr sz="900"/>
+            </a:lvl7pPr>
+            <a:lvl8pPr marL="3200400" indent="0">
+              <a:buNone/>
+              <a:defRPr sz="900"/>
+            </a:lvl8pPr>
+            <a:lvl9pPr marL="3657600" indent="0">
+              <a:buNone/>
+              <a:defRPr sz="900"/>
+            </a:lvl9pPr>
+          </a:lstStyle>
+          <a:p>
+            <a:pPr lvl="0"/>
+            <a:r>
+              <a:rPr lang="en-US"/>
+              <a:t>Edit Master text styles</a:t>
+            </a:r>
+          </a:p>
+        </p:txBody>
+      </p:sp>
+      <p:sp>
+        <p:nvSpPr>
+          <p:cNvPr id="3" name="Date Placeholder 2"/>
           <p:cNvSpPr>
             <a:spLocks noGrp="1"/>
           </p:cNvSpPr>
@@ -2458,9 +3255,9 @@
           <a:bodyPr/>
           <a:lstStyle/>
           <a:p>
-            <a:fld id="{8DD0ED5B-EAB4-C740-B762-E2B2F9A7AB8E}" type="datetime1">
+            <a:fld id="{124E9894-F119-A64C-B7CB-D7CE860A73BE}" type="datetime1">
               <a:rPr lang="en-US" smtClean="0"/>
-              <a:t>11/13/18</a:t>
+              <a:t>11/15/18</a:t>
             </a:fld>
             <a:endParaRPr lang="en-US" dirty="0"/>
           </a:p>
@@ -2468,7 +3265,7 @@
       </p:sp>
       <p:sp>
         <p:nvSpPr>
-          <p:cNvPr id="6" name="Footer Placeholder 5"/>
+          <p:cNvPr id="4" name="Footer Placeholder 3"/>
           <p:cNvSpPr>
             <a:spLocks noGrp="1"/>
           </p:cNvSpPr>
@@ -2487,89 +3284,7 @@
       </p:sp>
       <p:sp>
         <p:nvSpPr>
-          <p:cNvPr id="9" name="Freeform 11"/>
-          <p:cNvSpPr/>
-          <p:nvPr/>
-        </p:nvSpPr>
-        <p:spPr bwMode="auto">
-          <a:xfrm flipV="1">
-            <a:off x="-4189" y="4911725"/>
-            <a:ext cx="1588527" cy="507297"/>
-          </a:xfrm>
-          <a:custGeom>
-            <a:avLst/>
-            <a:gdLst/>
-            <a:ahLst/>
-            <a:cxnLst/>
-            <a:rect l="l" t="t" r="r" b="b"/>
-            <a:pathLst>
-              <a:path w="9248" h="10000">
-                <a:moveTo>
-                  <a:pt x="9248" y="4701"/>
-                </a:moveTo>
-                <a:lnTo>
-                  <a:pt x="7915" y="188"/>
-                </a:lnTo>
-                <a:cubicBezTo>
-                  <a:pt x="7906" y="156"/>
-                  <a:pt x="7895" y="126"/>
-                  <a:pt x="7886" y="94"/>
-                </a:cubicBezTo>
-                <a:cubicBezTo>
-                  <a:pt x="7859" y="0"/>
-                  <a:pt x="7831" y="0"/>
-                  <a:pt x="7803" y="0"/>
-                </a:cubicBezTo>
-                <a:lnTo>
-                  <a:pt x="7275" y="0"/>
-                </a:lnTo>
-                <a:lnTo>
-                  <a:pt x="0" y="70"/>
-                </a:lnTo>
-                <a:cubicBezTo>
-                  <a:pt x="8" y="3380"/>
-                  <a:pt x="17" y="6690"/>
-                  <a:pt x="25" y="10000"/>
-                </a:cubicBezTo>
-                <a:lnTo>
-                  <a:pt x="7275" y="9966"/>
-                </a:lnTo>
-                <a:lnTo>
-                  <a:pt x="7803" y="9966"/>
-                </a:lnTo>
-                <a:cubicBezTo>
-                  <a:pt x="7831" y="9966"/>
-                  <a:pt x="7859" y="9872"/>
-                  <a:pt x="7886" y="9872"/>
-                </a:cubicBezTo>
-                <a:cubicBezTo>
-                  <a:pt x="7886" y="9778"/>
-                  <a:pt x="7915" y="9778"/>
-                  <a:pt x="7915" y="9778"/>
-                </a:cubicBezTo>
-                <a:lnTo>
-                  <a:pt x="9248" y="5265"/>
-                </a:lnTo>
-                <a:cubicBezTo>
-                  <a:pt x="9303" y="5077"/>
-                  <a:pt x="9303" y="4889"/>
-                  <a:pt x="9248" y="4701"/>
-                </a:cubicBezTo>
-                <a:close/>
-              </a:path>
-            </a:pathLst>
-          </a:custGeom>
-          <a:solidFill>
-            <a:schemeClr val="accent1"/>
-          </a:solidFill>
-          <a:ln>
-            <a:noFill/>
-          </a:ln>
-        </p:spPr>
-      </p:sp>
-      <p:sp>
-        <p:nvSpPr>
-          <p:cNvPr id="7" name="Slide Number Placeholder 6"/>
+          <p:cNvPr id="5" name="Slide Number Placeholder 4"/>
           <p:cNvSpPr>
             <a:spLocks noGrp="1"/>
           </p:cNvSpPr>
@@ -2577,12 +3292,7 @@
             <p:ph type="sldNum" sz="quarter" idx="12"/>
           </p:nvPr>
         </p:nvSpPr>
-        <p:spPr>
-          <a:xfrm>
-            <a:off x="531812" y="4983087"/>
-            <a:ext cx="779767" cy="365125"/>
-          </a:xfrm>
-        </p:spPr>
+        <p:spPr/>
         <p:txBody>
           <a:bodyPr/>
           <a:lstStyle/>
@@ -2598,17 +3308,18 @@
     </p:spTree>
     <p:extLst>
       <p:ext uri="{BB962C8B-B14F-4D97-AF65-F5344CB8AC3E}">
-        <p14:creationId xmlns:p14="http://schemas.microsoft.com/office/powerpoint/2010/main" val="3526747237"/>
+        <p14:creationId xmlns:p14="http://schemas.microsoft.com/office/powerpoint/2010/main" val="336228049"/>
       </p:ext>
     </p:extLst>
   </p:cSld>
   <p:clrMapOvr>
     <a:masterClrMapping/>
   </p:clrMapOvr>
+  <p:hf hdr="0" ftr="0" dt="0"/>
 </p:sldLayout>
 </file>
 
-<file path=ppt/slideLayouts/slideLayout15.xml><?xml version="1.0" encoding="utf-8"?>
+<file path=ppt/slideLayouts/slideLayout16.xml><?xml version="1.0" encoding="utf-8"?>
 <p:sldLayout xmlns:a="http://schemas.openxmlformats.org/drawingml/2006/main" xmlns:r="http://schemas.openxmlformats.org/officeDocument/2006/relationships" xmlns:p="http://schemas.openxmlformats.org/presentationml/2006/main" type="vertTx" preserve="1">
   <p:cSld name="Title and Vertical Text">
     <p:spTree>
@@ -2658,9 +3369,14 @@
             <p:ph type="body" orient="vert" idx="1"/>
           </p:nvPr>
         </p:nvSpPr>
-        <p:spPr/>
-        <p:txBody>
-          <a:bodyPr vert="eaVert" anchor="t"/>
+        <p:spPr>
+          <a:xfrm>
+            <a:off x="685800" y="2194559"/>
+            <a:ext cx="10820400" cy="4024125"/>
+          </a:xfrm>
+        </p:spPr>
+        <p:txBody>
+          <a:bodyPr vert="eaVert"/>
           <a:lstStyle/>
           <a:p>
             <a:pPr lvl="0"/>
@@ -2717,7 +3433,7 @@
           <a:p>
             <a:fld id="{45040DEA-CE02-EF42-8F10-34F709D8505D}" type="datetime1">
               <a:rPr lang="en-US" smtClean="0"/>
-              <a:t>11/13/18</a:t>
+              <a:t>11/15/18</a:t>
             </a:fld>
             <a:endParaRPr lang="en-US" dirty="0"/>
           </a:p>
@@ -2741,88 +3457,6 @@
             <a:endParaRPr lang="en-US" dirty="0"/>
           </a:p>
         </p:txBody>
-      </p:sp>
-      <p:sp>
-        <p:nvSpPr>
-          <p:cNvPr id="8" name="Freeform 11"/>
-          <p:cNvSpPr/>
-          <p:nvPr/>
-        </p:nvSpPr>
-        <p:spPr bwMode="auto">
-          <a:xfrm flipV="1">
-            <a:off x="-4189" y="714375"/>
-            <a:ext cx="1588527" cy="507297"/>
-          </a:xfrm>
-          <a:custGeom>
-            <a:avLst/>
-            <a:gdLst/>
-            <a:ahLst/>
-            <a:cxnLst/>
-            <a:rect l="l" t="t" r="r" b="b"/>
-            <a:pathLst>
-              <a:path w="9248" h="10000">
-                <a:moveTo>
-                  <a:pt x="9248" y="4701"/>
-                </a:moveTo>
-                <a:lnTo>
-                  <a:pt x="7915" y="188"/>
-                </a:lnTo>
-                <a:cubicBezTo>
-                  <a:pt x="7906" y="156"/>
-                  <a:pt x="7895" y="126"/>
-                  <a:pt x="7886" y="94"/>
-                </a:cubicBezTo>
-                <a:cubicBezTo>
-                  <a:pt x="7859" y="0"/>
-                  <a:pt x="7831" y="0"/>
-                  <a:pt x="7803" y="0"/>
-                </a:cubicBezTo>
-                <a:lnTo>
-                  <a:pt x="7275" y="0"/>
-                </a:lnTo>
-                <a:lnTo>
-                  <a:pt x="0" y="70"/>
-                </a:lnTo>
-                <a:cubicBezTo>
-                  <a:pt x="8" y="3380"/>
-                  <a:pt x="17" y="6690"/>
-                  <a:pt x="25" y="10000"/>
-                </a:cubicBezTo>
-                <a:lnTo>
-                  <a:pt x="7275" y="9966"/>
-                </a:lnTo>
-                <a:lnTo>
-                  <a:pt x="7803" y="9966"/>
-                </a:lnTo>
-                <a:cubicBezTo>
-                  <a:pt x="7831" y="9966"/>
-                  <a:pt x="7859" y="9872"/>
-                  <a:pt x="7886" y="9872"/>
-                </a:cubicBezTo>
-                <a:cubicBezTo>
-                  <a:pt x="7886" y="9778"/>
-                  <a:pt x="7915" y="9778"/>
-                  <a:pt x="7915" y="9778"/>
-                </a:cubicBezTo>
-                <a:lnTo>
-                  <a:pt x="9248" y="5265"/>
-                </a:lnTo>
-                <a:cubicBezTo>
-                  <a:pt x="9303" y="5077"/>
-                  <a:pt x="9303" y="4889"/>
-                  <a:pt x="9248" y="4701"/>
-                </a:cubicBezTo>
-                <a:close/>
-              </a:path>
-            </a:pathLst>
-          </a:custGeom>
-          <a:solidFill>
-            <a:schemeClr val="accent1"/>
-          </a:solidFill>
-          <a:ln>
-            <a:noFill/>
-          </a:ln>
-        </p:spPr>
       </p:sp>
       <p:sp>
         <p:nvSpPr>
@@ -2850,7 +3484,7 @@
     </p:spTree>
     <p:extLst>
       <p:ext uri="{BB962C8B-B14F-4D97-AF65-F5344CB8AC3E}">
-        <p14:creationId xmlns:p14="http://schemas.microsoft.com/office/powerpoint/2010/main" val="2705541365"/>
+        <p14:creationId xmlns:p14="http://schemas.microsoft.com/office/powerpoint/2010/main" val="3206702273"/>
       </p:ext>
     </p:extLst>
   </p:cSld>
@@ -2860,8 +3494,8 @@
 </p:sldLayout>
 </file>
 
-<file path=ppt/slideLayouts/slideLayout16.xml><?xml version="1.0" encoding="utf-8"?>
-<p:sldLayout xmlns:a="http://schemas.openxmlformats.org/drawingml/2006/main" xmlns:r="http://schemas.openxmlformats.org/officeDocument/2006/relationships" xmlns:p="http://schemas.openxmlformats.org/presentationml/2006/main" type="vertTitleAndTx" preserve="1">
+<file path=ppt/slideLayouts/slideLayout17.xml><?xml version="1.0" encoding="utf-8"?>
+<p:sldLayout xmlns:a="http://schemas.openxmlformats.org/drawingml/2006/main" xmlns:r="http://schemas.openxmlformats.org/officeDocument/2006/relationships" xmlns:p="http://schemas.openxmlformats.org/presentationml/2006/main" showMasterSp="0" type="vertTitleAndTx" preserve="1">
   <p:cSld name="Vertical Title and Text">
     <p:spTree>
       <p:nvGrpSpPr>
@@ -2877,25 +3511,59 @@
           <a:chExt cx="0" cy="0"/>
         </a:xfrm>
       </p:grpSpPr>
-      <p:sp>
-        <p:nvSpPr>
-          <p:cNvPr id="2" name="Vertical Title 1"/>
-          <p:cNvSpPr>
-            <a:spLocks noGrp="1"/>
-          </p:cNvSpPr>
-          <p:nvPr>
-            <p:ph type="title" orient="vert"/>
-          </p:nvPr>
-        </p:nvSpPr>
+      <p:pic>
+        <p:nvPicPr>
+          <p:cNvPr id="9" name="Picture 8" descr="C3-HD-BTM.png"/>
+          <p:cNvPicPr>
+            <a:picLocks noChangeAspect="1"/>
+          </p:cNvPicPr>
+          <p:nvPr/>
+        </p:nvPicPr>
+        <p:blipFill>
+          <a:blip r:embed="rId2">
+            <a:extLst>
+              <a:ext uri="{28A0092B-C50C-407E-A947-70E740481C1C}">
+                <a14:useLocalDpi xmlns:a14="http://schemas.microsoft.com/office/drawing/2010/main" val="0"/>
+              </a:ext>
+            </a:extLst>
+          </a:blip>
+          <a:stretch>
+            <a:fillRect/>
+          </a:stretch>
+        </p:blipFill>
         <p:spPr>
           <a:xfrm>
-            <a:off x="9294812" y="627405"/>
-            <a:ext cx="2207601" cy="5283817"/>
-          </a:xfrm>
+            <a:off x="0" y="4375150"/>
+            <a:ext cx="12192000" cy="2482850"/>
+          </a:xfrm>
+          <a:prstGeom prst="rect">
+            <a:avLst/>
+          </a:prstGeom>
         </p:spPr>
-        <p:txBody>
-          <a:bodyPr vert="eaVert" anchor="ctr"/>
-          <a:lstStyle/>
+      </p:pic>
+      <p:sp>
+        <p:nvSpPr>
+          <p:cNvPr id="2" name="Vertical Title 1"/>
+          <p:cNvSpPr>
+            <a:spLocks noGrp="1"/>
+          </p:cNvSpPr>
+          <p:nvPr>
+            <p:ph type="title" orient="vert"/>
+          </p:nvPr>
+        </p:nvSpPr>
+        <p:spPr>
+          <a:xfrm>
+            <a:off x="9448800" y="745066"/>
+            <a:ext cx="2057400" cy="3903133"/>
+          </a:xfrm>
+        </p:spPr>
+        <p:txBody>
+          <a:bodyPr vert="eaVert"/>
+          <a:lstStyle>
+            <a:lvl1pPr algn="l">
+              <a:defRPr/>
+            </a:lvl1pPr>
+          </a:lstStyle>
           <a:p>
             <a:r>
               <a:rPr lang="en-US"/>
@@ -2917,8 +3585,8 @@
         </p:nvSpPr>
         <p:spPr>
           <a:xfrm>
-            <a:off x="2589212" y="627405"/>
-            <a:ext cx="6477000" cy="5283817"/>
+            <a:off x="1024466" y="745067"/>
+            <a:ext cx="8204201" cy="3903133"/>
           </a:xfrm>
         </p:spPr>
         <p:txBody>
@@ -2972,131 +3640,68 @@
             <p:ph type="dt" sz="half" idx="10"/>
           </p:nvPr>
         </p:nvSpPr>
-        <p:spPr/>
+        <p:spPr>
+          <a:xfrm>
+            <a:off x="7814452" y="379941"/>
+            <a:ext cx="2910840" cy="365125"/>
+          </a:xfrm>
+        </p:spPr>
+        <p:txBody>
+          <a:bodyPr/>
+          <a:lstStyle>
+            <a:lvl1pPr algn="r">
+              <a:defRPr/>
+            </a:lvl1pPr>
+          </a:lstStyle>
+          <a:p>
+            <a:fld id="{A0C1C801-5706-434E-AB65-DDFBCF1F55D2}" type="datetime1">
+              <a:rPr lang="en-US" smtClean="0"/>
+              <a:t>11/15/18</a:t>
+            </a:fld>
+            <a:endParaRPr lang="en-US" dirty="0"/>
+          </a:p>
+        </p:txBody>
+      </p:sp>
+      <p:sp>
+        <p:nvSpPr>
+          <p:cNvPr id="5" name="Footer Placeholder 4"/>
+          <p:cNvSpPr>
+            <a:spLocks noGrp="1"/>
+          </p:cNvSpPr>
+          <p:nvPr>
+            <p:ph type="ftr" sz="quarter" idx="11"/>
+          </p:nvPr>
+        </p:nvSpPr>
+        <p:spPr>
+          <a:xfrm>
+            <a:off x="685800" y="381000"/>
+            <a:ext cx="6991492" cy="365125"/>
+          </a:xfrm>
+        </p:spPr>
         <p:txBody>
           <a:bodyPr/>
           <a:lstStyle/>
           <a:p>
-            <a:fld id="{A0C1C801-5706-434E-AB65-DDFBCF1F55D2}" type="datetime1">
-              <a:rPr lang="en-US" smtClean="0"/>
-              <a:t>11/13/18</a:t>
-            </a:fld>
             <a:endParaRPr lang="en-US" dirty="0"/>
           </a:p>
         </p:txBody>
       </p:sp>
       <p:sp>
         <p:nvSpPr>
-          <p:cNvPr id="5" name="Footer Placeholder 4"/>
-          <p:cNvSpPr>
-            <a:spLocks noGrp="1"/>
-          </p:cNvSpPr>
-          <p:nvPr>
-            <p:ph type="ftr" sz="quarter" idx="11"/>
-          </p:nvPr>
-        </p:nvSpPr>
-        <p:spPr/>
-        <p:txBody>
-          <a:bodyPr/>
-          <a:lstStyle/>
-          <a:p>
-            <a:endParaRPr lang="en-US" dirty="0"/>
-          </a:p>
-        </p:txBody>
-      </p:sp>
-      <p:sp>
-        <p:nvSpPr>
-          <p:cNvPr id="8" name="Freeform 11"/>
-          <p:cNvSpPr/>
-          <p:nvPr/>
-        </p:nvSpPr>
-        <p:spPr bwMode="auto">
-          <a:xfrm flipV="1">
-            <a:off x="-4189" y="714375"/>
-            <a:ext cx="1588527" cy="507297"/>
-          </a:xfrm>
-          <a:custGeom>
-            <a:avLst/>
-            <a:gdLst/>
-            <a:ahLst/>
-            <a:cxnLst/>
-            <a:rect l="l" t="t" r="r" b="b"/>
-            <a:pathLst>
-              <a:path w="9248" h="10000">
-                <a:moveTo>
-                  <a:pt x="9248" y="4701"/>
-                </a:moveTo>
-                <a:lnTo>
-                  <a:pt x="7915" y="188"/>
-                </a:lnTo>
-                <a:cubicBezTo>
-                  <a:pt x="7906" y="156"/>
-                  <a:pt x="7895" y="126"/>
-                  <a:pt x="7886" y="94"/>
-                </a:cubicBezTo>
-                <a:cubicBezTo>
-                  <a:pt x="7859" y="0"/>
-                  <a:pt x="7831" y="0"/>
-                  <a:pt x="7803" y="0"/>
-                </a:cubicBezTo>
-                <a:lnTo>
-                  <a:pt x="7275" y="0"/>
-                </a:lnTo>
-                <a:lnTo>
-                  <a:pt x="0" y="70"/>
-                </a:lnTo>
-                <a:cubicBezTo>
-                  <a:pt x="8" y="3380"/>
-                  <a:pt x="17" y="6690"/>
-                  <a:pt x="25" y="10000"/>
-                </a:cubicBezTo>
-                <a:lnTo>
-                  <a:pt x="7275" y="9966"/>
-                </a:lnTo>
-                <a:lnTo>
-                  <a:pt x="7803" y="9966"/>
-                </a:lnTo>
-                <a:cubicBezTo>
-                  <a:pt x="7831" y="9966"/>
-                  <a:pt x="7859" y="9872"/>
-                  <a:pt x="7886" y="9872"/>
-                </a:cubicBezTo>
-                <a:cubicBezTo>
-                  <a:pt x="7886" y="9778"/>
-                  <a:pt x="7915" y="9778"/>
-                  <a:pt x="7915" y="9778"/>
-                </a:cubicBezTo>
-                <a:lnTo>
-                  <a:pt x="9248" y="5265"/>
-                </a:lnTo>
-                <a:cubicBezTo>
-                  <a:pt x="9303" y="5077"/>
-                  <a:pt x="9303" y="4889"/>
-                  <a:pt x="9248" y="4701"/>
-                </a:cubicBezTo>
-                <a:close/>
-              </a:path>
-            </a:pathLst>
-          </a:custGeom>
-          <a:solidFill>
-            <a:schemeClr val="accent1"/>
-          </a:solidFill>
-          <a:ln>
-            <a:noFill/>
-          </a:ln>
+          <p:cNvPr id="6" name="Slide Number Placeholder 5"/>
+          <p:cNvSpPr>
+            <a:spLocks noGrp="1"/>
+          </p:cNvSpPr>
+          <p:nvPr>
+            <p:ph type="sldNum" sz="quarter" idx="12"/>
+          </p:nvPr>
+        </p:nvSpPr>
+        <p:spPr>
+          <a:xfrm>
+            <a:off x="10862452" y="381000"/>
+            <a:ext cx="643748" cy="365125"/>
+          </a:xfrm>
         </p:spPr>
-      </p:sp>
-      <p:sp>
-        <p:nvSpPr>
-          <p:cNvPr id="6" name="Slide Number Placeholder 5"/>
-          <p:cNvSpPr>
-            <a:spLocks noGrp="1"/>
-          </p:cNvSpPr>
-          <p:nvPr>
-            <p:ph type="sldNum" sz="quarter" idx="12"/>
-          </p:nvPr>
-        </p:nvSpPr>
-        <p:spPr/>
         <p:txBody>
           <a:bodyPr/>
           <a:lstStyle/>
@@ -3112,7 +3717,7 @@
     </p:spTree>
     <p:extLst>
       <p:ext uri="{BB962C8B-B14F-4D97-AF65-F5344CB8AC3E}">
-        <p14:creationId xmlns:p14="http://schemas.microsoft.com/office/powerpoint/2010/main" val="1096019676"/>
+        <p14:creationId xmlns:p14="http://schemas.microsoft.com/office/powerpoint/2010/main" val="3297190308"/>
       </p:ext>
     </p:extLst>
   </p:cSld>
@@ -3149,12 +3754,7 @@
             <p:ph type="title"/>
           </p:nvPr>
         </p:nvSpPr>
-        <p:spPr>
-          <a:xfrm>
-            <a:off x="2592925" y="624110"/>
-            <a:ext cx="8911687" cy="1280890"/>
-          </a:xfrm>
-        </p:spPr>
+        <p:spPr/>
         <p:txBody>
           <a:bodyPr/>
           <a:lstStyle/>
@@ -3177,12 +3777,7 @@
             <p:ph idx="1"/>
           </p:nvPr>
         </p:nvSpPr>
-        <p:spPr>
-          <a:xfrm>
-            <a:off x="2589212" y="2133600"/>
-            <a:ext cx="8915400" cy="3777622"/>
-          </a:xfrm>
-        </p:spPr>
+        <p:spPr/>
         <p:txBody>
           <a:bodyPr/>
           <a:lstStyle/>
@@ -3241,7 +3836,7 @@
           <a:p>
             <a:fld id="{39AE0FD8-7D7B-EA4F-8AF8-8B97820A0C5D}" type="datetime1">
               <a:rPr lang="en-US" smtClean="0"/>
-              <a:t>11/13/18</a:t>
+              <a:t>11/15/18</a:t>
             </a:fld>
             <a:endParaRPr lang="en-US" dirty="0"/>
           </a:p>
@@ -3265,88 +3860,6 @@
             <a:endParaRPr lang="en-US" dirty="0"/>
           </a:p>
         </p:txBody>
-      </p:sp>
-      <p:sp>
-        <p:nvSpPr>
-          <p:cNvPr id="8" name="Freeform 11"/>
-          <p:cNvSpPr/>
-          <p:nvPr/>
-        </p:nvSpPr>
-        <p:spPr bwMode="auto">
-          <a:xfrm flipV="1">
-            <a:off x="-4189" y="714375"/>
-            <a:ext cx="1588527" cy="507297"/>
-          </a:xfrm>
-          <a:custGeom>
-            <a:avLst/>
-            <a:gdLst/>
-            <a:ahLst/>
-            <a:cxnLst/>
-            <a:rect l="l" t="t" r="r" b="b"/>
-            <a:pathLst>
-              <a:path w="9248" h="10000">
-                <a:moveTo>
-                  <a:pt x="9248" y="4701"/>
-                </a:moveTo>
-                <a:lnTo>
-                  <a:pt x="7915" y="188"/>
-                </a:lnTo>
-                <a:cubicBezTo>
-                  <a:pt x="7906" y="156"/>
-                  <a:pt x="7895" y="126"/>
-                  <a:pt x="7886" y="94"/>
-                </a:cubicBezTo>
-                <a:cubicBezTo>
-                  <a:pt x="7859" y="0"/>
-                  <a:pt x="7831" y="0"/>
-                  <a:pt x="7803" y="0"/>
-                </a:cubicBezTo>
-                <a:lnTo>
-                  <a:pt x="7275" y="0"/>
-                </a:lnTo>
-                <a:lnTo>
-                  <a:pt x="0" y="70"/>
-                </a:lnTo>
-                <a:cubicBezTo>
-                  <a:pt x="8" y="3380"/>
-                  <a:pt x="17" y="6690"/>
-                  <a:pt x="25" y="10000"/>
-                </a:cubicBezTo>
-                <a:lnTo>
-                  <a:pt x="7275" y="9966"/>
-                </a:lnTo>
-                <a:lnTo>
-                  <a:pt x="7803" y="9966"/>
-                </a:lnTo>
-                <a:cubicBezTo>
-                  <a:pt x="7831" y="9966"/>
-                  <a:pt x="7859" y="9872"/>
-                  <a:pt x="7886" y="9872"/>
-                </a:cubicBezTo>
-                <a:cubicBezTo>
-                  <a:pt x="7886" y="9778"/>
-                  <a:pt x="7915" y="9778"/>
-                  <a:pt x="7915" y="9778"/>
-                </a:cubicBezTo>
-                <a:lnTo>
-                  <a:pt x="9248" y="5265"/>
-                </a:lnTo>
-                <a:cubicBezTo>
-                  <a:pt x="9303" y="5077"/>
-                  <a:pt x="9303" y="4889"/>
-                  <a:pt x="9248" y="4701"/>
-                </a:cubicBezTo>
-                <a:close/>
-              </a:path>
-            </a:pathLst>
-          </a:custGeom>
-          <a:solidFill>
-            <a:schemeClr val="accent1"/>
-          </a:solidFill>
-          <a:ln>
-            <a:noFill/>
-          </a:ln>
-        </p:spPr>
       </p:sp>
       <p:sp>
         <p:nvSpPr>
@@ -3374,7 +3887,7 @@
     </p:spTree>
     <p:extLst>
       <p:ext uri="{BB962C8B-B14F-4D97-AF65-F5344CB8AC3E}">
-        <p14:creationId xmlns:p14="http://schemas.microsoft.com/office/powerpoint/2010/main" val="2846506429"/>
+        <p14:creationId xmlns:p14="http://schemas.microsoft.com/office/powerpoint/2010/main" val="3051893208"/>
       </p:ext>
     </p:extLst>
   </p:cSld>
@@ -3385,7 +3898,7 @@
 </file>
 
 <file path=ppt/slideLayouts/slideLayout3.xml><?xml version="1.0" encoding="utf-8"?>
-<p:sldLayout xmlns:a="http://schemas.openxmlformats.org/drawingml/2006/main" xmlns:r="http://schemas.openxmlformats.org/officeDocument/2006/relationships" xmlns:p="http://schemas.openxmlformats.org/presentationml/2006/main" type="secHead" preserve="1">
+<p:sldLayout xmlns:a="http://schemas.openxmlformats.org/drawingml/2006/main" xmlns:r="http://schemas.openxmlformats.org/officeDocument/2006/relationships" xmlns:p="http://schemas.openxmlformats.org/presentationml/2006/main" showMasterSp="0" type="secHead" preserve="1">
   <p:cSld name="Section Header">
     <p:spTree>
       <p:nvGrpSpPr>
@@ -3401,27 +3914,59 @@
           <a:chExt cx="0" cy="0"/>
         </a:xfrm>
       </p:grpSpPr>
-      <p:sp>
-        <p:nvSpPr>
-          <p:cNvPr id="2" name="Title 1"/>
-          <p:cNvSpPr>
-            <a:spLocks noGrp="1"/>
-          </p:cNvSpPr>
-          <p:nvPr>
-            <p:ph type="title"/>
-          </p:nvPr>
-        </p:nvSpPr>
+      <p:pic>
+        <p:nvPicPr>
+          <p:cNvPr id="8" name="Picture 7" descr="C3-HD-BTM.png"/>
+          <p:cNvPicPr>
+            <a:picLocks noChangeAspect="1"/>
+          </p:cNvPicPr>
+          <p:nvPr/>
+        </p:nvPicPr>
+        <p:blipFill>
+          <a:blip r:embed="rId2">
+            <a:extLst>
+              <a:ext uri="{28A0092B-C50C-407E-A947-70E740481C1C}">
+                <a14:useLocalDpi xmlns:a14="http://schemas.microsoft.com/office/drawing/2010/main" val="0"/>
+              </a:ext>
+            </a:extLst>
+          </a:blip>
+          <a:stretch>
+            <a:fillRect/>
+          </a:stretch>
+        </p:blipFill>
         <p:spPr>
           <a:xfrm>
-            <a:off x="2589212" y="2058750"/>
-            <a:ext cx="8915399" cy="1468800"/>
-          </a:xfrm>
+            <a:off x="0" y="4375150"/>
+            <a:ext cx="12192000" cy="2482850"/>
+          </a:xfrm>
+          <a:prstGeom prst="rect">
+            <a:avLst/>
+          </a:prstGeom>
         </p:spPr>
-        <p:txBody>
-          <a:bodyPr anchor="b"/>
+      </p:pic>
+      <p:sp>
+        <p:nvSpPr>
+          <p:cNvPr id="2" name="Title 1"/>
+          <p:cNvSpPr>
+            <a:spLocks noGrp="1"/>
+          </p:cNvSpPr>
+          <p:nvPr>
+            <p:ph type="title"/>
+          </p:nvPr>
+        </p:nvSpPr>
+        <p:spPr>
+          <a:xfrm>
+            <a:off x="685800" y="753533"/>
+            <a:ext cx="10820399" cy="2801935"/>
+          </a:xfrm>
+        </p:spPr>
+        <p:txBody>
+          <a:bodyPr anchor="b">
+            <a:normAutofit/>
+          </a:bodyPr>
           <a:lstStyle>
-            <a:lvl1pPr algn="l">
-              <a:defRPr sz="4000" b="0" cap="none"/>
+            <a:lvl1pPr algn="r">
+              <a:defRPr sz="4000"/>
             </a:lvl1pPr>
           </a:lstStyle>
           <a:p>
@@ -3445,27 +3990,28 @@
         </p:nvSpPr>
         <p:spPr>
           <a:xfrm>
-            <a:off x="2589212" y="3530129"/>
-            <a:ext cx="8915399" cy="860400"/>
+            <a:off x="1024467" y="3641725"/>
+            <a:ext cx="10490200" cy="955675"/>
           </a:xfrm>
         </p:spPr>
         <p:txBody>
-          <a:bodyPr anchor="t"/>
+          <a:bodyPr>
+            <a:normAutofit/>
+          </a:bodyPr>
           <a:lstStyle>
-            <a:lvl1pPr marL="0" indent="0" algn="l">
-              <a:buNone/>
-              <a:defRPr sz="2000">
+            <a:lvl1pPr marL="0" indent="0" algn="r">
+              <a:buNone/>
+              <a:defRPr sz="2200">
                 <a:solidFill>
                   <a:schemeClr val="tx1">
-                    <a:lumMod val="65000"/>
-                    <a:lumOff val="35000"/>
+                    <a:tint val="75000"/>
                   </a:schemeClr>
                 </a:solidFill>
               </a:defRPr>
             </a:lvl1pPr>
             <a:lvl2pPr marL="457200" indent="0">
               <a:buNone/>
-              <a:defRPr sz="1800">
+              <a:defRPr sz="2000">
                 <a:solidFill>
                   <a:schemeClr val="tx1">
                     <a:tint val="75000"/>
@@ -3475,7 +4021,7 @@
             </a:lvl2pPr>
             <a:lvl3pPr marL="914400" indent="0">
               <a:buNone/>
-              <a:defRPr sz="1600">
+              <a:defRPr sz="1800">
                 <a:solidFill>
                   <a:schemeClr val="tx1">
                     <a:tint val="75000"/>
@@ -3485,7 +4031,7 @@
             </a:lvl3pPr>
             <a:lvl4pPr marL="1371600" indent="0">
               <a:buNone/>
-              <a:defRPr sz="1400">
+              <a:defRPr sz="1600">
                 <a:solidFill>
                   <a:schemeClr val="tx1">
                     <a:tint val="75000"/>
@@ -3495,7 +4041,7 @@
             </a:lvl4pPr>
             <a:lvl5pPr marL="1828800" indent="0">
               <a:buNone/>
-              <a:defRPr sz="1400">
+              <a:defRPr sz="1600">
                 <a:solidFill>
                   <a:schemeClr val="tx1">
                     <a:tint val="75000"/>
@@ -3505,7 +4051,7 @@
             </a:lvl5pPr>
             <a:lvl6pPr marL="2286000" indent="0">
               <a:buNone/>
-              <a:defRPr sz="1400">
+              <a:defRPr sz="1600">
                 <a:solidFill>
                   <a:schemeClr val="tx1">
                     <a:tint val="75000"/>
@@ -3515,7 +4061,7 @@
             </a:lvl6pPr>
             <a:lvl7pPr marL="2743200" indent="0">
               <a:buNone/>
-              <a:defRPr sz="1400">
+              <a:defRPr sz="1600">
                 <a:solidFill>
                   <a:schemeClr val="tx1">
                     <a:tint val="75000"/>
@@ -3525,7 +4071,7 @@
             </a:lvl7pPr>
             <a:lvl8pPr marL="3200400" indent="0">
               <a:buNone/>
-              <a:defRPr sz="1400">
+              <a:defRPr sz="1600">
                 <a:solidFill>
                   <a:schemeClr val="tx1">
                     <a:tint val="75000"/>
@@ -3535,7 +4081,7 @@
             </a:lvl8pPr>
             <a:lvl9pPr marL="3657600" indent="0">
               <a:buNone/>
-              <a:defRPr sz="1400">
+              <a:defRPr sz="1600">
                 <a:solidFill>
                   <a:schemeClr val="tx1">
                     <a:tint val="75000"/>
@@ -3563,119 +4109,51 @@
             <p:ph type="dt" sz="half" idx="10"/>
           </p:nvPr>
         </p:nvSpPr>
-        <p:spPr/>
+        <p:spPr>
+          <a:xfrm>
+            <a:off x="7814452" y="381000"/>
+            <a:ext cx="2910840" cy="365125"/>
+          </a:xfrm>
+        </p:spPr>
+        <p:txBody>
+          <a:bodyPr/>
+          <a:lstStyle>
+            <a:lvl1pPr algn="r">
+              <a:defRPr/>
+            </a:lvl1pPr>
+          </a:lstStyle>
+          <a:p>
+            <a:fld id="{7FC94D43-3F68-DC43-8EF0-95FB3D51CCCF}" type="datetime1">
+              <a:rPr lang="en-US" smtClean="0"/>
+              <a:t>11/15/18</a:t>
+            </a:fld>
+            <a:endParaRPr lang="en-US" dirty="0"/>
+          </a:p>
+        </p:txBody>
+      </p:sp>
+      <p:sp>
+        <p:nvSpPr>
+          <p:cNvPr id="5" name="Footer Placeholder 4"/>
+          <p:cNvSpPr>
+            <a:spLocks noGrp="1"/>
+          </p:cNvSpPr>
+          <p:nvPr>
+            <p:ph type="ftr" sz="quarter" idx="11"/>
+          </p:nvPr>
+        </p:nvSpPr>
+        <p:spPr>
+          <a:xfrm>
+            <a:off x="685800" y="381001"/>
+            <a:ext cx="6991492" cy="364065"/>
+          </a:xfrm>
+        </p:spPr>
         <p:txBody>
           <a:bodyPr/>
           <a:lstStyle/>
           <a:p>
-            <a:fld id="{7FC94D43-3F68-DC43-8EF0-95FB3D51CCCF}" type="datetime1">
-              <a:rPr lang="en-US" smtClean="0"/>
-              <a:t>11/13/18</a:t>
-            </a:fld>
             <a:endParaRPr lang="en-US" dirty="0"/>
           </a:p>
         </p:txBody>
-      </p:sp>
-      <p:sp>
-        <p:nvSpPr>
-          <p:cNvPr id="5" name="Footer Placeholder 4"/>
-          <p:cNvSpPr>
-            <a:spLocks noGrp="1"/>
-          </p:cNvSpPr>
-          <p:nvPr>
-            <p:ph type="ftr" sz="quarter" idx="11"/>
-          </p:nvPr>
-        </p:nvSpPr>
-        <p:spPr/>
-        <p:txBody>
-          <a:bodyPr/>
-          <a:lstStyle/>
-          <a:p>
-            <a:endParaRPr lang="en-US" dirty="0"/>
-          </a:p>
-        </p:txBody>
-      </p:sp>
-      <p:sp>
-        <p:nvSpPr>
-          <p:cNvPr id="9" name="Freeform 11"/>
-          <p:cNvSpPr/>
-          <p:nvPr/>
-        </p:nvSpPr>
-        <p:spPr bwMode="auto">
-          <a:xfrm flipV="1">
-            <a:off x="-4189" y="3178175"/>
-            <a:ext cx="1588527" cy="507297"/>
-          </a:xfrm>
-          <a:custGeom>
-            <a:avLst/>
-            <a:gdLst/>
-            <a:ahLst/>
-            <a:cxnLst/>
-            <a:rect l="l" t="t" r="r" b="b"/>
-            <a:pathLst>
-              <a:path w="9248" h="10000">
-                <a:moveTo>
-                  <a:pt x="9248" y="4701"/>
-                </a:moveTo>
-                <a:lnTo>
-                  <a:pt x="7915" y="188"/>
-                </a:lnTo>
-                <a:cubicBezTo>
-                  <a:pt x="7906" y="156"/>
-                  <a:pt x="7895" y="126"/>
-                  <a:pt x="7886" y="94"/>
-                </a:cubicBezTo>
-                <a:cubicBezTo>
-                  <a:pt x="7859" y="0"/>
-                  <a:pt x="7831" y="0"/>
-                  <a:pt x="7803" y="0"/>
-                </a:cubicBezTo>
-                <a:lnTo>
-                  <a:pt x="7275" y="0"/>
-                </a:lnTo>
-                <a:lnTo>
-                  <a:pt x="0" y="70"/>
-                </a:lnTo>
-                <a:cubicBezTo>
-                  <a:pt x="8" y="3380"/>
-                  <a:pt x="17" y="6690"/>
-                  <a:pt x="25" y="10000"/>
-                </a:cubicBezTo>
-                <a:lnTo>
-                  <a:pt x="7275" y="9966"/>
-                </a:lnTo>
-                <a:lnTo>
-                  <a:pt x="7803" y="9966"/>
-                </a:lnTo>
-                <a:cubicBezTo>
-                  <a:pt x="7831" y="9966"/>
-                  <a:pt x="7859" y="9872"/>
-                  <a:pt x="7886" y="9872"/>
-                </a:cubicBezTo>
-                <a:cubicBezTo>
-                  <a:pt x="7886" y="9778"/>
-                  <a:pt x="7915" y="9778"/>
-                  <a:pt x="7915" y="9778"/>
-                </a:cubicBezTo>
-                <a:lnTo>
-                  <a:pt x="9248" y="5265"/>
-                </a:lnTo>
-                <a:cubicBezTo>
-                  <a:pt x="9303" y="5077"/>
-                  <a:pt x="9303" y="4889"/>
-                  <a:pt x="9248" y="4701"/>
-                </a:cubicBezTo>
-                <a:close/>
-              </a:path>
-            </a:pathLst>
-          </a:custGeom>
-          <a:solidFill>
-            <a:schemeClr val="accent1"/>
-          </a:solidFill>
-          <a:ln>
-            <a:noFill/>
-          </a:ln>
-        </p:spPr>
       </p:sp>
       <p:sp>
         <p:nvSpPr>
@@ -3689,8 +4167,8 @@
         </p:nvSpPr>
         <p:spPr>
           <a:xfrm>
-            <a:off x="531812" y="3244139"/>
-            <a:ext cx="779767" cy="365125"/>
+            <a:off x="10862452" y="381000"/>
+            <a:ext cx="643748" cy="365125"/>
           </a:xfrm>
         </p:spPr>
         <p:txBody>
@@ -3708,7 +4186,7 @@
     </p:spTree>
     <p:extLst>
       <p:ext uri="{BB962C8B-B14F-4D97-AF65-F5344CB8AC3E}">
-        <p14:creationId xmlns:p14="http://schemas.microsoft.com/office/powerpoint/2010/main" val="858201443"/>
+        <p14:creationId xmlns:p14="http://schemas.microsoft.com/office/powerpoint/2010/main" val="288573300"/>
       </p:ext>
     </p:extLst>
   </p:cSld>
@@ -3737,7 +4215,7 @@
       </p:grpSpPr>
       <p:sp>
         <p:nvSpPr>
-          <p:cNvPr id="8" name="Title 7"/>
+          <p:cNvPr id="2" name="Title 1"/>
           <p:cNvSpPr>
             <a:spLocks noGrp="1"/>
           </p:cNvSpPr>
@@ -3770,14 +4248,12 @@
         </p:nvSpPr>
         <p:spPr>
           <a:xfrm>
-            <a:off x="2589212" y="2133600"/>
-            <a:ext cx="4313864" cy="3777622"/>
+            <a:off x="685800" y="2194559"/>
+            <a:ext cx="5334000" cy="4024125"/>
           </a:xfrm>
         </p:spPr>
         <p:txBody>
-          <a:bodyPr>
-            <a:normAutofit/>
-          </a:bodyPr>
+          <a:bodyPr/>
           <a:lstStyle/>
           <a:p>
             <a:pPr lvl="0"/>
@@ -3829,14 +4305,12 @@
         </p:nvSpPr>
         <p:spPr>
           <a:xfrm>
-            <a:off x="7190747" y="2126222"/>
-            <a:ext cx="4313864" cy="3777622"/>
+            <a:off x="6172200" y="2194559"/>
+            <a:ext cx="5334000" cy="4024125"/>
           </a:xfrm>
         </p:spPr>
         <p:txBody>
-          <a:bodyPr>
-            <a:normAutofit/>
-          </a:bodyPr>
+          <a:bodyPr/>
           <a:lstStyle/>
           <a:p>
             <a:pPr lvl="0"/>
@@ -3893,7 +4367,7 @@
           <a:p>
             <a:fld id="{BD42CFC2-1CE8-9045-8C9C-0F183F0FB455}" type="datetime1">
               <a:rPr lang="en-US" smtClean="0"/>
-              <a:t>11/13/18</a:t>
+              <a:t>11/15/18</a:t>
             </a:fld>
             <a:endParaRPr lang="en-US" dirty="0"/>
           </a:p>
@@ -3920,89 +4394,7 @@
       </p:sp>
       <p:sp>
         <p:nvSpPr>
-          <p:cNvPr id="10" name="Freeform 11"/>
-          <p:cNvSpPr/>
-          <p:nvPr/>
-        </p:nvSpPr>
-        <p:spPr bwMode="auto">
-          <a:xfrm flipV="1">
-            <a:off x="-4189" y="714375"/>
-            <a:ext cx="1588527" cy="507297"/>
-          </a:xfrm>
-          <a:custGeom>
-            <a:avLst/>
-            <a:gdLst/>
-            <a:ahLst/>
-            <a:cxnLst/>
-            <a:rect l="l" t="t" r="r" b="b"/>
-            <a:pathLst>
-              <a:path w="9248" h="10000">
-                <a:moveTo>
-                  <a:pt x="9248" y="4701"/>
-                </a:moveTo>
-                <a:lnTo>
-                  <a:pt x="7915" y="188"/>
-                </a:lnTo>
-                <a:cubicBezTo>
-                  <a:pt x="7906" y="156"/>
-                  <a:pt x="7895" y="126"/>
-                  <a:pt x="7886" y="94"/>
-                </a:cubicBezTo>
-                <a:cubicBezTo>
-                  <a:pt x="7859" y="0"/>
-                  <a:pt x="7831" y="0"/>
-                  <a:pt x="7803" y="0"/>
-                </a:cubicBezTo>
-                <a:lnTo>
-                  <a:pt x="7275" y="0"/>
-                </a:lnTo>
-                <a:lnTo>
-                  <a:pt x="0" y="70"/>
-                </a:lnTo>
-                <a:cubicBezTo>
-                  <a:pt x="8" y="3380"/>
-                  <a:pt x="17" y="6690"/>
-                  <a:pt x="25" y="10000"/>
-                </a:cubicBezTo>
-                <a:lnTo>
-                  <a:pt x="7275" y="9966"/>
-                </a:lnTo>
-                <a:lnTo>
-                  <a:pt x="7803" y="9966"/>
-                </a:lnTo>
-                <a:cubicBezTo>
-                  <a:pt x="7831" y="9966"/>
-                  <a:pt x="7859" y="9872"/>
-                  <a:pt x="7886" y="9872"/>
-                </a:cubicBezTo>
-                <a:cubicBezTo>
-                  <a:pt x="7886" y="9778"/>
-                  <a:pt x="7915" y="9778"/>
-                  <a:pt x="7915" y="9778"/>
-                </a:cubicBezTo>
-                <a:lnTo>
-                  <a:pt x="9248" y="5265"/>
-                </a:lnTo>
-                <a:cubicBezTo>
-                  <a:pt x="9303" y="5077"/>
-                  <a:pt x="9303" y="4889"/>
-                  <a:pt x="9248" y="4701"/>
-                </a:cubicBezTo>
-                <a:close/>
-              </a:path>
-            </a:pathLst>
-          </a:custGeom>
-          <a:solidFill>
-            <a:schemeClr val="accent1"/>
-          </a:solidFill>
-          <a:ln>
-            <a:noFill/>
-          </a:ln>
-        </p:spPr>
-      </p:sp>
-      <p:sp>
-        <p:nvSpPr>
-          <p:cNvPr id="11" name="Slide Number Placeholder 5"/>
+          <p:cNvPr id="7" name="Slide Number Placeholder 6"/>
           <p:cNvSpPr>
             <a:spLocks noGrp="1"/>
           </p:cNvSpPr>
@@ -4010,12 +4402,7 @@
             <p:ph type="sldNum" sz="quarter" idx="12"/>
           </p:nvPr>
         </p:nvSpPr>
-        <p:spPr>
-          <a:xfrm>
-            <a:off x="531812" y="787782"/>
-            <a:ext cx="779767" cy="365125"/>
-          </a:xfrm>
-        </p:spPr>
+        <p:spPr/>
         <p:txBody>
           <a:bodyPr/>
           <a:lstStyle/>
@@ -4031,7 +4418,7 @@
     </p:spTree>
     <p:extLst>
       <p:ext uri="{BB962C8B-B14F-4D97-AF65-F5344CB8AC3E}">
-        <p14:creationId xmlns:p14="http://schemas.microsoft.com/office/powerpoint/2010/main" val="3371575559"/>
+        <p14:creationId xmlns:p14="http://schemas.microsoft.com/office/powerpoint/2010/main" val="1829588502"/>
       </p:ext>
     </p:extLst>
   </p:cSld>
@@ -4060,7 +4447,7 @@
       </p:grpSpPr>
       <p:sp>
         <p:nvSpPr>
-          <p:cNvPr id="10" name="Title 9"/>
+          <p:cNvPr id="2" name="Title 1"/>
           <p:cNvSpPr>
             <a:spLocks noGrp="1"/>
           </p:cNvSpPr>
@@ -4068,7 +4455,12 @@
             <p:ph type="title"/>
           </p:nvPr>
         </p:nvSpPr>
-        <p:spPr/>
+        <p:spPr>
+          <a:xfrm>
+            <a:off x="2895600" y="762000"/>
+            <a:ext cx="8610600" cy="1295400"/>
+          </a:xfrm>
+        </p:spPr>
         <p:txBody>
           <a:bodyPr/>
           <a:lstStyle/>
@@ -4093,18 +4485,22 @@
         </p:nvSpPr>
         <p:spPr>
           <a:xfrm>
-            <a:off x="2939373" y="1972703"/>
-            <a:ext cx="3992732" cy="576262"/>
+            <a:off x="914409" y="2183802"/>
+            <a:ext cx="5079991" cy="823912"/>
           </a:xfrm>
         </p:spPr>
         <p:txBody>
           <a:bodyPr anchor="b">
-            <a:noAutofit/>
+            <a:normAutofit/>
           </a:bodyPr>
           <a:lstStyle>
             <a:lvl1pPr marL="0" indent="0">
               <a:buNone/>
-              <a:defRPr sz="2400" b="0"/>
+              <a:defRPr sz="2800" b="0">
+                <a:solidFill>
+                  <a:schemeClr val="tx1"/>
+                </a:solidFill>
+              </a:defRPr>
             </a:lvl1pPr>
             <a:lvl2pPr marL="457200" indent="0">
               <a:buNone/>
@@ -4160,14 +4556,12 @@
         </p:nvSpPr>
         <p:spPr>
           <a:xfrm>
-            <a:off x="2589212" y="2548966"/>
-            <a:ext cx="4342893" cy="3354060"/>
+            <a:off x="685800" y="3132666"/>
+            <a:ext cx="5311775" cy="3086019"/>
           </a:xfrm>
         </p:spPr>
         <p:txBody>
-          <a:bodyPr>
-            <a:normAutofit/>
-          </a:bodyPr>
+          <a:bodyPr/>
           <a:lstStyle/>
           <a:p>
             <a:pPr lvl="0"/>
@@ -4219,18 +4613,22 @@
         </p:nvSpPr>
         <p:spPr>
           <a:xfrm>
-            <a:off x="7506629" y="1969475"/>
-            <a:ext cx="3999001" cy="576262"/>
+            <a:off x="6400800" y="2183802"/>
+            <a:ext cx="5105400" cy="823912"/>
           </a:xfrm>
         </p:spPr>
         <p:txBody>
           <a:bodyPr anchor="b">
-            <a:noAutofit/>
+            <a:normAutofit/>
           </a:bodyPr>
           <a:lstStyle>
             <a:lvl1pPr marL="0" indent="0">
               <a:buNone/>
-              <a:defRPr sz="2400" b="0"/>
+              <a:defRPr sz="2800" b="0">
+                <a:solidFill>
+                  <a:schemeClr val="tx1"/>
+                </a:solidFill>
+              </a:defRPr>
             </a:lvl1pPr>
             <a:lvl2pPr marL="457200" indent="0">
               <a:buNone/>
@@ -4286,14 +4684,12 @@
         </p:nvSpPr>
         <p:spPr>
           <a:xfrm>
-            <a:off x="7166957" y="2545738"/>
-            <a:ext cx="4338674" cy="3354060"/>
+            <a:off x="6172200" y="3132666"/>
+            <a:ext cx="5334000" cy="3086019"/>
           </a:xfrm>
         </p:spPr>
         <p:txBody>
-          <a:bodyPr>
-            <a:normAutofit/>
-          </a:bodyPr>
+          <a:bodyPr/>
           <a:lstStyle/>
           <a:p>
             <a:pPr lvl="0"/>
@@ -4350,7 +4746,7 @@
           <a:p>
             <a:fld id="{F1B5C6E2-D044-C748-9C41-86C9B2F84EB9}" type="datetime1">
               <a:rPr lang="en-US" smtClean="0"/>
-              <a:t>11/13/18</a:t>
+              <a:t>11/15/18</a:t>
             </a:fld>
             <a:endParaRPr lang="en-US" dirty="0"/>
           </a:p>
@@ -4377,89 +4773,7 @@
       </p:sp>
       <p:sp>
         <p:nvSpPr>
-          <p:cNvPr id="12" name="Freeform 11"/>
-          <p:cNvSpPr/>
-          <p:nvPr/>
-        </p:nvSpPr>
-        <p:spPr bwMode="auto">
-          <a:xfrm flipV="1">
-            <a:off x="-4189" y="714375"/>
-            <a:ext cx="1588527" cy="507297"/>
-          </a:xfrm>
-          <a:custGeom>
-            <a:avLst/>
-            <a:gdLst/>
-            <a:ahLst/>
-            <a:cxnLst/>
-            <a:rect l="l" t="t" r="r" b="b"/>
-            <a:pathLst>
-              <a:path w="9248" h="10000">
-                <a:moveTo>
-                  <a:pt x="9248" y="4701"/>
-                </a:moveTo>
-                <a:lnTo>
-                  <a:pt x="7915" y="188"/>
-                </a:lnTo>
-                <a:cubicBezTo>
-                  <a:pt x="7906" y="156"/>
-                  <a:pt x="7895" y="126"/>
-                  <a:pt x="7886" y="94"/>
-                </a:cubicBezTo>
-                <a:cubicBezTo>
-                  <a:pt x="7859" y="0"/>
-                  <a:pt x="7831" y="0"/>
-                  <a:pt x="7803" y="0"/>
-                </a:cubicBezTo>
-                <a:lnTo>
-                  <a:pt x="7275" y="0"/>
-                </a:lnTo>
-                <a:lnTo>
-                  <a:pt x="0" y="70"/>
-                </a:lnTo>
-                <a:cubicBezTo>
-                  <a:pt x="8" y="3380"/>
-                  <a:pt x="17" y="6690"/>
-                  <a:pt x="25" y="10000"/>
-                </a:cubicBezTo>
-                <a:lnTo>
-                  <a:pt x="7275" y="9966"/>
-                </a:lnTo>
-                <a:lnTo>
-                  <a:pt x="7803" y="9966"/>
-                </a:lnTo>
-                <a:cubicBezTo>
-                  <a:pt x="7831" y="9966"/>
-                  <a:pt x="7859" y="9872"/>
-                  <a:pt x="7886" y="9872"/>
-                </a:cubicBezTo>
-                <a:cubicBezTo>
-                  <a:pt x="7886" y="9778"/>
-                  <a:pt x="7915" y="9778"/>
-                  <a:pt x="7915" y="9778"/>
-                </a:cubicBezTo>
-                <a:lnTo>
-                  <a:pt x="9248" y="5265"/>
-                </a:lnTo>
-                <a:cubicBezTo>
-                  <a:pt x="9303" y="5077"/>
-                  <a:pt x="9303" y="4889"/>
-                  <a:pt x="9248" y="4701"/>
-                </a:cubicBezTo>
-                <a:close/>
-              </a:path>
-            </a:pathLst>
-          </a:custGeom>
-          <a:solidFill>
-            <a:schemeClr val="accent1"/>
-          </a:solidFill>
-          <a:ln>
-            <a:noFill/>
-          </a:ln>
-        </p:spPr>
-      </p:sp>
-      <p:sp>
-        <p:nvSpPr>
-          <p:cNvPr id="13" name="Slide Number Placeholder 5"/>
+          <p:cNvPr id="9" name="Slide Number Placeholder 8"/>
           <p:cNvSpPr>
             <a:spLocks noGrp="1"/>
           </p:cNvSpPr>
@@ -4467,12 +4781,7 @@
             <p:ph type="sldNum" sz="quarter" idx="12"/>
           </p:nvPr>
         </p:nvSpPr>
-        <p:spPr>
-          <a:xfrm>
-            <a:off x="531812" y="787782"/>
-            <a:ext cx="779767" cy="365125"/>
-          </a:xfrm>
-        </p:spPr>
+        <p:spPr/>
         <p:txBody>
           <a:bodyPr/>
           <a:lstStyle/>
@@ -4488,7 +4797,7 @@
     </p:spTree>
     <p:extLst>
       <p:ext uri="{BB962C8B-B14F-4D97-AF65-F5344CB8AC3E}">
-        <p14:creationId xmlns:p14="http://schemas.microsoft.com/office/powerpoint/2010/main" val="2881095159"/>
+        <p14:creationId xmlns:p14="http://schemas.microsoft.com/office/powerpoint/2010/main" val="1521421821"/>
       </p:ext>
     </p:extLst>
   </p:cSld>
@@ -4555,7 +4864,7 @@
           <a:p>
             <a:fld id="{359C32BA-C166-AC45-9FCD-8BF0F43629D9}" type="datetime1">
               <a:rPr lang="en-US" smtClean="0"/>
-              <a:t>11/13/18</a:t>
+              <a:t>11/15/18</a:t>
             </a:fld>
             <a:endParaRPr lang="en-US" dirty="0"/>
           </a:p>
@@ -4579,88 +4888,6 @@
             <a:endParaRPr lang="en-US" dirty="0"/>
           </a:p>
         </p:txBody>
-      </p:sp>
-      <p:sp>
-        <p:nvSpPr>
-          <p:cNvPr id="7" name="Freeform 11"/>
-          <p:cNvSpPr/>
-          <p:nvPr/>
-        </p:nvSpPr>
-        <p:spPr bwMode="auto">
-          <a:xfrm flipV="1">
-            <a:off x="-4189" y="714375"/>
-            <a:ext cx="1588527" cy="507297"/>
-          </a:xfrm>
-          <a:custGeom>
-            <a:avLst/>
-            <a:gdLst/>
-            <a:ahLst/>
-            <a:cxnLst/>
-            <a:rect l="l" t="t" r="r" b="b"/>
-            <a:pathLst>
-              <a:path w="9248" h="10000">
-                <a:moveTo>
-                  <a:pt x="9248" y="4701"/>
-                </a:moveTo>
-                <a:lnTo>
-                  <a:pt x="7915" y="188"/>
-                </a:lnTo>
-                <a:cubicBezTo>
-                  <a:pt x="7906" y="156"/>
-                  <a:pt x="7895" y="126"/>
-                  <a:pt x="7886" y="94"/>
-                </a:cubicBezTo>
-                <a:cubicBezTo>
-                  <a:pt x="7859" y="0"/>
-                  <a:pt x="7831" y="0"/>
-                  <a:pt x="7803" y="0"/>
-                </a:cubicBezTo>
-                <a:lnTo>
-                  <a:pt x="7275" y="0"/>
-                </a:lnTo>
-                <a:lnTo>
-                  <a:pt x="0" y="70"/>
-                </a:lnTo>
-                <a:cubicBezTo>
-                  <a:pt x="8" y="3380"/>
-                  <a:pt x="17" y="6690"/>
-                  <a:pt x="25" y="10000"/>
-                </a:cubicBezTo>
-                <a:lnTo>
-                  <a:pt x="7275" y="9966"/>
-                </a:lnTo>
-                <a:lnTo>
-                  <a:pt x="7803" y="9966"/>
-                </a:lnTo>
-                <a:cubicBezTo>
-                  <a:pt x="7831" y="9966"/>
-                  <a:pt x="7859" y="9872"/>
-                  <a:pt x="7886" y="9872"/>
-                </a:cubicBezTo>
-                <a:cubicBezTo>
-                  <a:pt x="7886" y="9778"/>
-                  <a:pt x="7915" y="9778"/>
-                  <a:pt x="7915" y="9778"/>
-                </a:cubicBezTo>
-                <a:lnTo>
-                  <a:pt x="9248" y="5265"/>
-                </a:lnTo>
-                <a:cubicBezTo>
-                  <a:pt x="9303" y="5077"/>
-                  <a:pt x="9303" y="4889"/>
-                  <a:pt x="9248" y="4701"/>
-                </a:cubicBezTo>
-                <a:close/>
-              </a:path>
-            </a:pathLst>
-          </a:custGeom>
-          <a:solidFill>
-            <a:schemeClr val="accent1"/>
-          </a:solidFill>
-          <a:ln>
-            <a:noFill/>
-          </a:ln>
-        </p:spPr>
       </p:sp>
       <p:sp>
         <p:nvSpPr>
@@ -4688,7 +4915,7 @@
     </p:spTree>
     <p:extLst>
       <p:ext uri="{BB962C8B-B14F-4D97-AF65-F5344CB8AC3E}">
-        <p14:creationId xmlns:p14="http://schemas.microsoft.com/office/powerpoint/2010/main" val="3328909087"/>
+        <p14:creationId xmlns:p14="http://schemas.microsoft.com/office/powerpoint/2010/main" val="3978721018"/>
       </p:ext>
     </p:extLst>
   </p:cSld>
@@ -4732,7 +4959,7 @@
           <a:p>
             <a:fld id="{E5D0D591-4B92-A44B-A0EA-798E76AD0368}" type="datetime1">
               <a:rPr lang="en-US" smtClean="0"/>
-              <a:t>11/13/18</a:t>
+              <a:t>11/15/18</a:t>
             </a:fld>
             <a:endParaRPr lang="en-US" dirty="0"/>
           </a:p>
@@ -4756,88 +4983,6 @@
             <a:endParaRPr lang="en-US" dirty="0"/>
           </a:p>
         </p:txBody>
-      </p:sp>
-      <p:sp>
-        <p:nvSpPr>
-          <p:cNvPr id="6" name="Freeform 11"/>
-          <p:cNvSpPr/>
-          <p:nvPr/>
-        </p:nvSpPr>
-        <p:spPr bwMode="auto">
-          <a:xfrm flipV="1">
-            <a:off x="-4189" y="714375"/>
-            <a:ext cx="1588527" cy="507297"/>
-          </a:xfrm>
-          <a:custGeom>
-            <a:avLst/>
-            <a:gdLst/>
-            <a:ahLst/>
-            <a:cxnLst/>
-            <a:rect l="l" t="t" r="r" b="b"/>
-            <a:pathLst>
-              <a:path w="9248" h="10000">
-                <a:moveTo>
-                  <a:pt x="9248" y="4701"/>
-                </a:moveTo>
-                <a:lnTo>
-                  <a:pt x="7915" y="188"/>
-                </a:lnTo>
-                <a:cubicBezTo>
-                  <a:pt x="7906" y="156"/>
-                  <a:pt x="7895" y="126"/>
-                  <a:pt x="7886" y="94"/>
-                </a:cubicBezTo>
-                <a:cubicBezTo>
-                  <a:pt x="7859" y="0"/>
-                  <a:pt x="7831" y="0"/>
-                  <a:pt x="7803" y="0"/>
-                </a:cubicBezTo>
-                <a:lnTo>
-                  <a:pt x="7275" y="0"/>
-                </a:lnTo>
-                <a:lnTo>
-                  <a:pt x="0" y="70"/>
-                </a:lnTo>
-                <a:cubicBezTo>
-                  <a:pt x="8" y="3380"/>
-                  <a:pt x="17" y="6690"/>
-                  <a:pt x="25" y="10000"/>
-                </a:cubicBezTo>
-                <a:lnTo>
-                  <a:pt x="7275" y="9966"/>
-                </a:lnTo>
-                <a:lnTo>
-                  <a:pt x="7803" y="9966"/>
-                </a:lnTo>
-                <a:cubicBezTo>
-                  <a:pt x="7831" y="9966"/>
-                  <a:pt x="7859" y="9872"/>
-                  <a:pt x="7886" y="9872"/>
-                </a:cubicBezTo>
-                <a:cubicBezTo>
-                  <a:pt x="7886" y="9778"/>
-                  <a:pt x="7915" y="9778"/>
-                  <a:pt x="7915" y="9778"/>
-                </a:cubicBezTo>
-                <a:lnTo>
-                  <a:pt x="9248" y="5265"/>
-                </a:lnTo>
-                <a:cubicBezTo>
-                  <a:pt x="9303" y="5077"/>
-                  <a:pt x="9303" y="4889"/>
-                  <a:pt x="9248" y="4701"/>
-                </a:cubicBezTo>
-                <a:close/>
-              </a:path>
-            </a:pathLst>
-          </a:custGeom>
-          <a:solidFill>
-            <a:schemeClr val="accent1"/>
-          </a:solidFill>
-          <a:ln>
-            <a:noFill/>
-          </a:ln>
-        </p:spPr>
       </p:sp>
       <p:sp>
         <p:nvSpPr>
@@ -4865,7 +5010,7 @@
     </p:spTree>
     <p:extLst>
       <p:ext uri="{BB962C8B-B14F-4D97-AF65-F5344CB8AC3E}">
-        <p14:creationId xmlns:p14="http://schemas.microsoft.com/office/powerpoint/2010/main" val="2059262388"/>
+        <p14:creationId xmlns:p14="http://schemas.microsoft.com/office/powerpoint/2010/main" val="2289842100"/>
       </p:ext>
     </p:extLst>
   </p:cSld>
@@ -4904,15 +5049,15 @@
         </p:nvSpPr>
         <p:spPr>
           <a:xfrm>
-            <a:off x="2589212" y="446088"/>
-            <a:ext cx="3505199" cy="976312"/>
+            <a:off x="685800" y="1524000"/>
+            <a:ext cx="4114800" cy="1600200"/>
           </a:xfrm>
         </p:spPr>
         <p:txBody>
           <a:bodyPr anchor="b"/>
           <a:lstStyle>
             <a:lvl1pPr algn="l">
-              <a:defRPr sz="2000" b="0"/>
+              <a:defRPr sz="3200"/>
             </a:lvl1pPr>
           </a:lstStyle>
           <a:p>
@@ -4936,14 +5081,12 @@
         </p:nvSpPr>
         <p:spPr>
           <a:xfrm>
-            <a:off x="6323012" y="446088"/>
-            <a:ext cx="5181600" cy="5414963"/>
+            <a:off x="4995582" y="746759"/>
+            <a:ext cx="6510618" cy="5471925"/>
           </a:xfrm>
         </p:spPr>
         <p:txBody>
-          <a:bodyPr anchor="ctr">
-            <a:normAutofit/>
-          </a:bodyPr>
+          <a:bodyPr anchor="ctr"/>
           <a:lstStyle/>
           <a:p>
             <a:pPr lvl="0"/>
@@ -4995,8 +5138,8 @@
         </p:nvSpPr>
         <p:spPr>
           <a:xfrm>
-            <a:off x="2589212" y="1598613"/>
-            <a:ext cx="3505199" cy="4262436"/>
+            <a:off x="685800" y="3124199"/>
+            <a:ext cx="4114800" cy="3094485"/>
           </a:xfrm>
         </p:spPr>
         <p:txBody>
@@ -5004,39 +5147,39 @@
           <a:lstStyle>
             <a:lvl1pPr marL="0" indent="0">
               <a:buNone/>
-              <a:defRPr sz="1400"/>
+              <a:defRPr sz="1600"/>
             </a:lvl1pPr>
             <a:lvl2pPr marL="457200" indent="0">
               <a:buNone/>
-              <a:defRPr sz="1200"/>
+              <a:defRPr sz="1400"/>
             </a:lvl2pPr>
             <a:lvl3pPr marL="914400" indent="0">
               <a:buNone/>
-              <a:defRPr sz="1000"/>
+              <a:defRPr sz="1200"/>
             </a:lvl3pPr>
             <a:lvl4pPr marL="1371600" indent="0">
               <a:buNone/>
-              <a:defRPr sz="900"/>
+              <a:defRPr sz="1000"/>
             </a:lvl4pPr>
             <a:lvl5pPr marL="1828800" indent="0">
               <a:buNone/>
-              <a:defRPr sz="900"/>
+              <a:defRPr sz="1000"/>
             </a:lvl5pPr>
             <a:lvl6pPr marL="2286000" indent="0">
               <a:buNone/>
-              <a:defRPr sz="900"/>
+              <a:defRPr sz="1000"/>
             </a:lvl6pPr>
             <a:lvl7pPr marL="2743200" indent="0">
               <a:buNone/>
-              <a:defRPr sz="900"/>
+              <a:defRPr sz="1000"/>
             </a:lvl7pPr>
             <a:lvl8pPr marL="3200400" indent="0">
               <a:buNone/>
-              <a:defRPr sz="900"/>
+              <a:defRPr sz="1000"/>
             </a:lvl8pPr>
             <a:lvl9pPr marL="3657600" indent="0">
               <a:buNone/>
-              <a:defRPr sz="900"/>
+              <a:defRPr sz="1000"/>
             </a:lvl9pPr>
           </a:lstStyle>
           <a:p>
@@ -5065,7 +5208,7 @@
           <a:p>
             <a:fld id="{8201F472-E17F-4B47-A44B-A2249FA27ED2}" type="datetime1">
               <a:rPr lang="en-US" smtClean="0"/>
-              <a:t>11/13/18</a:t>
+              <a:t>11/15/18</a:t>
             </a:fld>
             <a:endParaRPr lang="en-US" dirty="0"/>
           </a:p>
@@ -5089,88 +5232,6 @@
             <a:endParaRPr lang="en-US" dirty="0"/>
           </a:p>
         </p:txBody>
-      </p:sp>
-      <p:sp>
-        <p:nvSpPr>
-          <p:cNvPr id="9" name="Freeform 11"/>
-          <p:cNvSpPr/>
-          <p:nvPr/>
-        </p:nvSpPr>
-        <p:spPr bwMode="auto">
-          <a:xfrm flipV="1">
-            <a:off x="-4189" y="714375"/>
-            <a:ext cx="1588527" cy="507297"/>
-          </a:xfrm>
-          <a:custGeom>
-            <a:avLst/>
-            <a:gdLst/>
-            <a:ahLst/>
-            <a:cxnLst/>
-            <a:rect l="l" t="t" r="r" b="b"/>
-            <a:pathLst>
-              <a:path w="9248" h="10000">
-                <a:moveTo>
-                  <a:pt x="9248" y="4701"/>
-                </a:moveTo>
-                <a:lnTo>
-                  <a:pt x="7915" y="188"/>
-                </a:lnTo>
-                <a:cubicBezTo>
-                  <a:pt x="7906" y="156"/>
-                  <a:pt x="7895" y="126"/>
-                  <a:pt x="7886" y="94"/>
-                </a:cubicBezTo>
-                <a:cubicBezTo>
-                  <a:pt x="7859" y="0"/>
-                  <a:pt x="7831" y="0"/>
-                  <a:pt x="7803" y="0"/>
-                </a:cubicBezTo>
-                <a:lnTo>
-                  <a:pt x="7275" y="0"/>
-                </a:lnTo>
-                <a:lnTo>
-                  <a:pt x="0" y="70"/>
-                </a:lnTo>
-                <a:cubicBezTo>
-                  <a:pt x="8" y="3380"/>
-                  <a:pt x="17" y="6690"/>
-                  <a:pt x="25" y="10000"/>
-                </a:cubicBezTo>
-                <a:lnTo>
-                  <a:pt x="7275" y="9966"/>
-                </a:lnTo>
-                <a:lnTo>
-                  <a:pt x="7803" y="9966"/>
-                </a:lnTo>
-                <a:cubicBezTo>
-                  <a:pt x="7831" y="9966"/>
-                  <a:pt x="7859" y="9872"/>
-                  <a:pt x="7886" y="9872"/>
-                </a:cubicBezTo>
-                <a:cubicBezTo>
-                  <a:pt x="7886" y="9778"/>
-                  <a:pt x="7915" y="9778"/>
-                  <a:pt x="7915" y="9778"/>
-                </a:cubicBezTo>
-                <a:lnTo>
-                  <a:pt x="9248" y="5265"/>
-                </a:lnTo>
-                <a:cubicBezTo>
-                  <a:pt x="9303" y="5077"/>
-                  <a:pt x="9303" y="4889"/>
-                  <a:pt x="9248" y="4701"/>
-                </a:cubicBezTo>
-                <a:close/>
-              </a:path>
-            </a:pathLst>
-          </a:custGeom>
-          <a:solidFill>
-            <a:schemeClr val="accent1"/>
-          </a:solidFill>
-          <a:ln>
-            <a:noFill/>
-          </a:ln>
-        </p:spPr>
       </p:sp>
       <p:sp>
         <p:nvSpPr>
@@ -5198,7 +5259,7 @@
     </p:spTree>
     <p:extLst>
       <p:ext uri="{BB962C8B-B14F-4D97-AF65-F5344CB8AC3E}">
-        <p14:creationId xmlns:p14="http://schemas.microsoft.com/office/powerpoint/2010/main" val="11410290"/>
+        <p14:creationId xmlns:p14="http://schemas.microsoft.com/office/powerpoint/2010/main" val="1493989381"/>
       </p:ext>
     </p:extLst>
   </p:cSld>
@@ -5237,17 +5298,15 @@
         </p:nvSpPr>
         <p:spPr>
           <a:xfrm>
-            <a:off x="2589213" y="4800600"/>
-            <a:ext cx="8915400" cy="566738"/>
+            <a:off x="685800" y="1524000"/>
+            <a:ext cx="6873240" cy="1600200"/>
           </a:xfrm>
         </p:spPr>
         <p:txBody>
-          <a:bodyPr anchor="b">
-            <a:normAutofit/>
-          </a:bodyPr>
+          <a:bodyPr anchor="b"/>
           <a:lstStyle>
             <a:lvl1pPr algn="l">
-              <a:defRPr sz="2400" b="0"/>
+              <a:defRPr sz="3200"/>
             </a:lvl1pPr>
           </a:lstStyle>
           <a:p>
@@ -5271,119 +5330,116 @@
         </p:nvSpPr>
         <p:spPr>
           <a:xfrm>
-            <a:off x="2589212" y="634965"/>
-            <a:ext cx="8915400" cy="3854970"/>
+            <a:off x="7861238" y="751241"/>
+            <a:ext cx="3644962" cy="5467443"/>
           </a:xfrm>
         </p:spPr>
         <p:txBody>
-          <a:bodyPr anchor="t">
-            <a:normAutofit/>
-          </a:bodyPr>
+          <a:bodyPr anchor="t"/>
           <a:lstStyle>
-            <a:lvl1pPr marL="0" indent="0" algn="ctr">
+            <a:lvl1pPr marL="0" indent="0">
+              <a:buNone/>
+              <a:defRPr sz="3200"/>
+            </a:lvl1pPr>
+            <a:lvl2pPr marL="457200" indent="0">
+              <a:buNone/>
+              <a:defRPr sz="2800"/>
+            </a:lvl2pPr>
+            <a:lvl3pPr marL="914400" indent="0">
+              <a:buNone/>
+              <a:defRPr sz="2400"/>
+            </a:lvl3pPr>
+            <a:lvl4pPr marL="1371600" indent="0">
+              <a:buNone/>
+              <a:defRPr sz="2000"/>
+            </a:lvl4pPr>
+            <a:lvl5pPr marL="1828800" indent="0">
+              <a:buNone/>
+              <a:defRPr sz="2000"/>
+            </a:lvl5pPr>
+            <a:lvl6pPr marL="2286000" indent="0">
+              <a:buNone/>
+              <a:defRPr sz="2000"/>
+            </a:lvl6pPr>
+            <a:lvl7pPr marL="2743200" indent="0">
+              <a:buNone/>
+              <a:defRPr sz="2000"/>
+            </a:lvl7pPr>
+            <a:lvl8pPr marL="3200400" indent="0">
+              <a:buNone/>
+              <a:defRPr sz="2000"/>
+            </a:lvl8pPr>
+            <a:lvl9pPr marL="3657600" indent="0">
+              <a:buNone/>
+              <a:defRPr sz="2000"/>
+            </a:lvl9pPr>
+          </a:lstStyle>
+          <a:p>
+            <a:r>
+              <a:rPr lang="en-US"/>
+              <a:t>Click icon to add picture</a:t>
+            </a:r>
+            <a:endParaRPr lang="en-US" dirty="0"/>
+          </a:p>
+        </p:txBody>
+      </p:sp>
+      <p:sp>
+        <p:nvSpPr>
+          <p:cNvPr id="4" name="Text Placeholder 3"/>
+          <p:cNvSpPr>
+            <a:spLocks noGrp="1"/>
+          </p:cNvSpPr>
+          <p:nvPr>
+            <p:ph type="body" sz="half" idx="2"/>
+          </p:nvPr>
+        </p:nvSpPr>
+        <p:spPr>
+          <a:xfrm>
+            <a:off x="685800" y="3124199"/>
+            <a:ext cx="6873240" cy="3094485"/>
+          </a:xfrm>
+        </p:spPr>
+        <p:txBody>
+          <a:bodyPr/>
+          <a:lstStyle>
+            <a:lvl1pPr marL="0" indent="0">
               <a:buNone/>
               <a:defRPr sz="1600"/>
             </a:lvl1pPr>
             <a:lvl2pPr marL="457200" indent="0">
               <a:buNone/>
-              <a:defRPr sz="1600"/>
+              <a:defRPr sz="1400"/>
             </a:lvl2pPr>
             <a:lvl3pPr marL="914400" indent="0">
               <a:buNone/>
-              <a:defRPr sz="1600"/>
+              <a:defRPr sz="1200"/>
             </a:lvl3pPr>
             <a:lvl4pPr marL="1371600" indent="0">
               <a:buNone/>
-              <a:defRPr sz="1600"/>
+              <a:defRPr sz="1000"/>
             </a:lvl4pPr>
             <a:lvl5pPr marL="1828800" indent="0">
               <a:buNone/>
-              <a:defRPr sz="1600"/>
+              <a:defRPr sz="1000"/>
             </a:lvl5pPr>
             <a:lvl6pPr marL="2286000" indent="0">
               <a:buNone/>
-              <a:defRPr sz="1600"/>
+              <a:defRPr sz="1000"/>
             </a:lvl6pPr>
             <a:lvl7pPr marL="2743200" indent="0">
               <a:buNone/>
-              <a:defRPr sz="1600"/>
+              <a:defRPr sz="1000"/>
             </a:lvl7pPr>
             <a:lvl8pPr marL="3200400" indent="0">
               <a:buNone/>
-              <a:defRPr sz="1600"/>
+              <a:defRPr sz="1000"/>
             </a:lvl8pPr>
             <a:lvl9pPr marL="3657600" indent="0">
               <a:buNone/>
-              <a:defRPr sz="1600"/>
+              <a:defRPr sz="1000"/>
             </a:lvl9pPr>
           </a:lstStyle>
           <a:p>
-            <a:r>
-              <a:rPr lang="en-US" dirty="0"/>
-              <a:t>Click icon to add picture</a:t>
-            </a:r>
-          </a:p>
-        </p:txBody>
-      </p:sp>
-      <p:sp>
-        <p:nvSpPr>
-          <p:cNvPr id="4" name="Text Placeholder 3"/>
-          <p:cNvSpPr>
-            <a:spLocks noGrp="1"/>
-          </p:cNvSpPr>
-          <p:nvPr>
-            <p:ph type="body" sz="half" idx="2"/>
-          </p:nvPr>
-        </p:nvSpPr>
-        <p:spPr>
-          <a:xfrm>
-            <a:off x="2589213" y="5367338"/>
-            <a:ext cx="8915400" cy="493712"/>
-          </a:xfrm>
-        </p:spPr>
-        <p:txBody>
-          <a:bodyPr>
-            <a:normAutofit/>
-          </a:bodyPr>
-          <a:lstStyle>
-            <a:lvl1pPr marL="0" indent="0">
-              <a:buNone/>
-              <a:defRPr sz="1200"/>
-            </a:lvl1pPr>
-            <a:lvl2pPr marL="457200" indent="0">
-              <a:buNone/>
-              <a:defRPr sz="1200"/>
-            </a:lvl2pPr>
-            <a:lvl3pPr marL="914400" indent="0">
-              <a:buNone/>
-              <a:defRPr sz="1000"/>
-            </a:lvl3pPr>
-            <a:lvl4pPr marL="1371600" indent="0">
-              <a:buNone/>
-              <a:defRPr sz="900"/>
-            </a:lvl4pPr>
-            <a:lvl5pPr marL="1828800" indent="0">
-              <a:buNone/>
-              <a:defRPr sz="900"/>
-            </a:lvl5pPr>
-            <a:lvl6pPr marL="2286000" indent="0">
-              <a:buNone/>
-              <a:defRPr sz="900"/>
-            </a:lvl6pPr>
-            <a:lvl7pPr marL="2743200" indent="0">
-              <a:buNone/>
-              <a:defRPr sz="900"/>
-            </a:lvl7pPr>
-            <a:lvl8pPr marL="3200400" indent="0">
-              <a:buNone/>
-              <a:defRPr sz="900"/>
-            </a:lvl8pPr>
-            <a:lvl9pPr marL="3657600" indent="0">
-              <a:buNone/>
-              <a:defRPr sz="900"/>
-            </a:lvl9pPr>
-          </a:lstStyle>
-          <a:p>
             <a:pPr lvl="0"/>
             <a:r>
               <a:rPr lang="en-US"/>
@@ -5409,7 +5465,7 @@
           <a:p>
             <a:fld id="{8BEFB9EE-CDF2-6F49-80F4-278D1604F10C}" type="datetime1">
               <a:rPr lang="en-US" smtClean="0"/>
-              <a:t>11/13/18</a:t>
+              <a:t>11/15/18</a:t>
             </a:fld>
             <a:endParaRPr lang="en-US" dirty="0"/>
           </a:p>
@@ -5436,88 +5492,6 @@
       </p:sp>
       <p:sp>
         <p:nvSpPr>
-          <p:cNvPr id="9" name="Freeform 11"/>
-          <p:cNvSpPr/>
-          <p:nvPr/>
-        </p:nvSpPr>
-        <p:spPr bwMode="auto">
-          <a:xfrm flipV="1">
-            <a:off x="-4189" y="4911725"/>
-            <a:ext cx="1588527" cy="507297"/>
-          </a:xfrm>
-          <a:custGeom>
-            <a:avLst/>
-            <a:gdLst/>
-            <a:ahLst/>
-            <a:cxnLst/>
-            <a:rect l="l" t="t" r="r" b="b"/>
-            <a:pathLst>
-              <a:path w="9248" h="10000">
-                <a:moveTo>
-                  <a:pt x="9248" y="4701"/>
-                </a:moveTo>
-                <a:lnTo>
-                  <a:pt x="7915" y="188"/>
-                </a:lnTo>
-                <a:cubicBezTo>
-                  <a:pt x="7906" y="156"/>
-                  <a:pt x="7895" y="126"/>
-                  <a:pt x="7886" y="94"/>
-                </a:cubicBezTo>
-                <a:cubicBezTo>
-                  <a:pt x="7859" y="0"/>
-                  <a:pt x="7831" y="0"/>
-                  <a:pt x="7803" y="0"/>
-                </a:cubicBezTo>
-                <a:lnTo>
-                  <a:pt x="7275" y="0"/>
-                </a:lnTo>
-                <a:lnTo>
-                  <a:pt x="0" y="70"/>
-                </a:lnTo>
-                <a:cubicBezTo>
-                  <a:pt x="8" y="3380"/>
-                  <a:pt x="17" y="6690"/>
-                  <a:pt x="25" y="10000"/>
-                </a:cubicBezTo>
-                <a:lnTo>
-                  <a:pt x="7275" y="9966"/>
-                </a:lnTo>
-                <a:lnTo>
-                  <a:pt x="7803" y="9966"/>
-                </a:lnTo>
-                <a:cubicBezTo>
-                  <a:pt x="7831" y="9966"/>
-                  <a:pt x="7859" y="9872"/>
-                  <a:pt x="7886" y="9872"/>
-                </a:cubicBezTo>
-                <a:cubicBezTo>
-                  <a:pt x="7886" y="9778"/>
-                  <a:pt x="7915" y="9778"/>
-                  <a:pt x="7915" y="9778"/>
-                </a:cubicBezTo>
-                <a:lnTo>
-                  <a:pt x="9248" y="5265"/>
-                </a:lnTo>
-                <a:cubicBezTo>
-                  <a:pt x="9303" y="5077"/>
-                  <a:pt x="9303" y="4889"/>
-                  <a:pt x="9248" y="4701"/>
-                </a:cubicBezTo>
-                <a:close/>
-              </a:path>
-            </a:pathLst>
-          </a:custGeom>
-          <a:solidFill>
-            <a:schemeClr val="accent1"/>
-          </a:solidFill>
-          <a:ln>
-            <a:noFill/>
-          </a:ln>
-        </p:spPr>
-      </p:sp>
-      <p:sp>
-        <p:nvSpPr>
           <p:cNvPr id="7" name="Slide Number Placeholder 6"/>
           <p:cNvSpPr>
             <a:spLocks noGrp="1"/>
@@ -5526,12 +5500,7 @@
             <p:ph type="sldNum" sz="quarter" idx="12"/>
           </p:nvPr>
         </p:nvSpPr>
-        <p:spPr>
-          <a:xfrm>
-            <a:off x="531812" y="4983087"/>
-            <a:ext cx="779767" cy="365125"/>
-          </a:xfrm>
-        </p:spPr>
+        <p:spPr/>
         <p:txBody>
           <a:bodyPr/>
           <a:lstStyle/>
@@ -5547,7 +5516,7 @@
     </p:spTree>
     <p:extLst>
       <p:ext uri="{BB962C8B-B14F-4D97-AF65-F5344CB8AC3E}">
-        <p14:creationId xmlns:p14="http://schemas.microsoft.com/office/powerpoint/2010/main" val="861431947"/>
+        <p14:creationId xmlns:p14="http://schemas.microsoft.com/office/powerpoint/2010/main" val="3282732767"/>
       </p:ext>
     </p:extLst>
   </p:cSld>
@@ -5561,8 +5530,8 @@
 <p:sldMaster xmlns:a="http://schemas.openxmlformats.org/drawingml/2006/main" xmlns:r="http://schemas.openxmlformats.org/officeDocument/2006/relationships" xmlns:p="http://schemas.openxmlformats.org/presentationml/2006/main">
   <p:cSld>
     <p:bg>
-      <p:bgRef idx="1003">
-        <a:schemeClr val="bg2"/>
+      <p:bgRef idx="1001">
+        <a:schemeClr val="bg1"/>
       </p:bgRef>
     </p:bg>
     <p:spTree>
@@ -5579,1876 +5548,89 @@
           <a:chExt cx="0" cy="0"/>
         </a:xfrm>
       </p:grpSpPr>
-      <p:grpSp>
-        <p:nvGrpSpPr>
-          <p:cNvPr id="23" name="Group 22"/>
-          <p:cNvGrpSpPr/>
+      <p:pic>
+        <p:nvPicPr>
+          <p:cNvPr id="8" name="Picture 7" descr="C3-HD-TOP.png"/>
+          <p:cNvPicPr>
+            <a:picLocks noChangeAspect="1"/>
+          </p:cNvPicPr>
           <p:nvPr/>
-        </p:nvGrpSpPr>
-        <p:grpSpPr>
-          <a:xfrm>
-            <a:off x="1" y="228600"/>
-            <a:ext cx="2851516" cy="6638628"/>
-            <a:chOff x="2487613" y="285750"/>
-            <a:chExt cx="2428875" cy="5654676"/>
-          </a:xfrm>
-        </p:grpSpPr>
-        <p:sp>
-          <p:nvSpPr>
-            <p:cNvPr id="24" name="Freeform 11"/>
-            <p:cNvSpPr/>
-            <p:nvPr/>
-          </p:nvSpPr>
-          <p:spPr bwMode="auto">
-            <a:xfrm>
-              <a:off x="2487613" y="2284413"/>
-              <a:ext cx="85725" cy="533400"/>
-            </a:xfrm>
-            <a:custGeom>
-              <a:avLst/>
-              <a:gdLst/>
-              <a:ahLst/>
-              <a:cxnLst/>
-              <a:rect l="0" t="0" r="r" b="b"/>
-              <a:pathLst>
-                <a:path w="22" h="136">
-                  <a:moveTo>
-                    <a:pt x="22" y="136"/>
-                  </a:moveTo>
-                  <a:cubicBezTo>
-                    <a:pt x="20" y="117"/>
-                    <a:pt x="19" y="99"/>
-                    <a:pt x="17" y="80"/>
-                  </a:cubicBezTo>
-                  <a:cubicBezTo>
-                    <a:pt x="11" y="54"/>
-                    <a:pt x="6" y="27"/>
-                    <a:pt x="0" y="0"/>
-                  </a:cubicBezTo>
-                  <a:cubicBezTo>
-                    <a:pt x="0" y="35"/>
-                    <a:pt x="0" y="35"/>
-                    <a:pt x="0" y="35"/>
-                  </a:cubicBezTo>
-                  <a:cubicBezTo>
-                    <a:pt x="6" y="64"/>
-                    <a:pt x="13" y="94"/>
-                    <a:pt x="20" y="124"/>
-                  </a:cubicBezTo>
-                  <a:cubicBezTo>
-                    <a:pt x="20" y="128"/>
-                    <a:pt x="21" y="132"/>
-                    <a:pt x="22" y="136"/>
-                  </a:cubicBezTo>
-                  <a:close/>
-                </a:path>
-              </a:pathLst>
-            </a:custGeom>
-            <a:solidFill>
-              <a:schemeClr val="tx2">
-                <a:alpha val="20000"/>
-              </a:schemeClr>
-            </a:solidFill>
-            <a:ln>
-              <a:noFill/>
-            </a:ln>
-          </p:spPr>
-        </p:sp>
-        <p:sp>
-          <p:nvSpPr>
-            <p:cNvPr id="25" name="Freeform 12"/>
-            <p:cNvSpPr/>
-            <p:nvPr/>
-          </p:nvSpPr>
-          <p:spPr bwMode="auto">
-            <a:xfrm>
-              <a:off x="2597151" y="2779713"/>
-              <a:ext cx="550863" cy="1978025"/>
-            </a:xfrm>
-            <a:custGeom>
-              <a:avLst/>
-              <a:gdLst/>
-              <a:ahLst/>
-              <a:cxnLst/>
-              <a:rect l="0" t="0" r="r" b="b"/>
-              <a:pathLst>
-                <a:path w="140" h="504">
-                  <a:moveTo>
-                    <a:pt x="86" y="350"/>
-                  </a:moveTo>
-                  <a:cubicBezTo>
-                    <a:pt x="103" y="402"/>
-                    <a:pt x="120" y="453"/>
-                    <a:pt x="139" y="504"/>
-                  </a:cubicBezTo>
-                  <a:cubicBezTo>
-                    <a:pt x="139" y="495"/>
-                    <a:pt x="139" y="487"/>
-                    <a:pt x="140" y="478"/>
-                  </a:cubicBezTo>
-                  <a:cubicBezTo>
-                    <a:pt x="124" y="435"/>
-                    <a:pt x="109" y="391"/>
-                    <a:pt x="95" y="347"/>
-                  </a:cubicBezTo>
-                  <a:cubicBezTo>
-                    <a:pt x="58" y="233"/>
-                    <a:pt x="27" y="117"/>
-                    <a:pt x="0" y="0"/>
-                  </a:cubicBezTo>
-                  <a:cubicBezTo>
-                    <a:pt x="2" y="20"/>
-                    <a:pt x="4" y="41"/>
-                    <a:pt x="6" y="61"/>
-                  </a:cubicBezTo>
-                  <a:cubicBezTo>
-                    <a:pt x="30" y="158"/>
-                    <a:pt x="56" y="255"/>
-                    <a:pt x="86" y="350"/>
-                  </a:cubicBezTo>
-                  <a:close/>
-                </a:path>
-              </a:pathLst>
-            </a:custGeom>
-            <a:solidFill>
-              <a:schemeClr val="tx2">
-                <a:alpha val="20000"/>
-              </a:schemeClr>
-            </a:solidFill>
-            <a:ln>
-              <a:noFill/>
-            </a:ln>
-          </p:spPr>
-        </p:sp>
-        <p:sp>
-          <p:nvSpPr>
-            <p:cNvPr id="26" name="Freeform 13"/>
-            <p:cNvSpPr/>
-            <p:nvPr/>
-          </p:nvSpPr>
-          <p:spPr bwMode="auto">
-            <a:xfrm>
-              <a:off x="3175001" y="4730750"/>
-              <a:ext cx="519113" cy="1209675"/>
-            </a:xfrm>
-            <a:custGeom>
-              <a:avLst/>
-              <a:gdLst/>
-              <a:ahLst/>
-              <a:cxnLst/>
-              <a:rect l="0" t="0" r="r" b="b"/>
-              <a:pathLst>
-                <a:path w="132" h="308">
-                  <a:moveTo>
-                    <a:pt x="8" y="22"/>
-                  </a:moveTo>
-                  <a:cubicBezTo>
-                    <a:pt x="5" y="15"/>
-                    <a:pt x="2" y="8"/>
-                    <a:pt x="0" y="0"/>
-                  </a:cubicBezTo>
-                  <a:cubicBezTo>
-                    <a:pt x="0" y="10"/>
-                    <a:pt x="0" y="19"/>
-                    <a:pt x="0" y="29"/>
-                  </a:cubicBezTo>
-                  <a:cubicBezTo>
-                    <a:pt x="21" y="85"/>
-                    <a:pt x="44" y="140"/>
-                    <a:pt x="68" y="194"/>
-                  </a:cubicBezTo>
-                  <a:cubicBezTo>
-                    <a:pt x="85" y="232"/>
-                    <a:pt x="104" y="270"/>
-                    <a:pt x="123" y="308"/>
-                  </a:cubicBezTo>
-                  <a:cubicBezTo>
-                    <a:pt x="132" y="308"/>
-                    <a:pt x="132" y="308"/>
-                    <a:pt x="132" y="308"/>
-                  </a:cubicBezTo>
-                  <a:cubicBezTo>
-                    <a:pt x="113" y="269"/>
-                    <a:pt x="94" y="230"/>
-                    <a:pt x="77" y="190"/>
-                  </a:cubicBezTo>
-                  <a:cubicBezTo>
-                    <a:pt x="52" y="135"/>
-                    <a:pt x="29" y="79"/>
-                    <a:pt x="8" y="22"/>
-                  </a:cubicBezTo>
-                  <a:close/>
-                </a:path>
-              </a:pathLst>
-            </a:custGeom>
-            <a:solidFill>
-              <a:schemeClr val="tx2">
-                <a:alpha val="20000"/>
-              </a:schemeClr>
-            </a:solidFill>
-            <a:ln>
-              <a:noFill/>
-            </a:ln>
-          </p:spPr>
-        </p:sp>
-        <p:sp>
-          <p:nvSpPr>
-            <p:cNvPr id="27" name="Freeform 14"/>
-            <p:cNvSpPr/>
-            <p:nvPr/>
-          </p:nvSpPr>
-          <p:spPr bwMode="auto">
-            <a:xfrm>
-              <a:off x="3305176" y="5630863"/>
-              <a:ext cx="146050" cy="309563"/>
-            </a:xfrm>
-            <a:custGeom>
-              <a:avLst/>
-              <a:gdLst/>
-              <a:ahLst/>
-              <a:cxnLst/>
-              <a:rect l="0" t="0" r="r" b="b"/>
-              <a:pathLst>
-                <a:path w="37" h="79">
-                  <a:moveTo>
-                    <a:pt x="28" y="79"/>
-                  </a:moveTo>
-                  <a:cubicBezTo>
-                    <a:pt x="37" y="79"/>
-                    <a:pt x="37" y="79"/>
-                    <a:pt x="37" y="79"/>
-                  </a:cubicBezTo>
-                  <a:cubicBezTo>
-                    <a:pt x="24" y="53"/>
-                    <a:pt x="12" y="27"/>
-                    <a:pt x="0" y="0"/>
-                  </a:cubicBezTo>
-                  <a:cubicBezTo>
-                    <a:pt x="8" y="27"/>
-                    <a:pt x="17" y="53"/>
-                    <a:pt x="28" y="79"/>
-                  </a:cubicBezTo>
-                  <a:close/>
-                </a:path>
-              </a:pathLst>
-            </a:custGeom>
-            <a:solidFill>
-              <a:schemeClr val="tx2">
-                <a:alpha val="20000"/>
-              </a:schemeClr>
-            </a:solidFill>
-            <a:ln>
-              <a:noFill/>
-            </a:ln>
-          </p:spPr>
-        </p:sp>
-        <p:sp>
-          <p:nvSpPr>
-            <p:cNvPr id="28" name="Freeform 15"/>
-            <p:cNvSpPr/>
-            <p:nvPr/>
-          </p:nvSpPr>
-          <p:spPr bwMode="auto">
-            <a:xfrm>
-              <a:off x="2573338" y="2817813"/>
-              <a:ext cx="700088" cy="2835275"/>
-            </a:xfrm>
-            <a:custGeom>
-              <a:avLst/>
-              <a:gdLst/>
-              <a:ahLst/>
-              <a:cxnLst/>
-              <a:rect l="0" t="0" r="r" b="b"/>
-              <a:pathLst>
-                <a:path w="178" h="722">
-                  <a:moveTo>
-                    <a:pt x="162" y="660"/>
-                  </a:moveTo>
-                  <a:cubicBezTo>
-                    <a:pt x="145" y="618"/>
-                    <a:pt x="130" y="576"/>
-                    <a:pt x="116" y="534"/>
-                  </a:cubicBezTo>
-                  <a:cubicBezTo>
-                    <a:pt x="84" y="437"/>
-                    <a:pt x="59" y="337"/>
-                    <a:pt x="40" y="236"/>
-                  </a:cubicBezTo>
-                  <a:cubicBezTo>
-                    <a:pt x="29" y="175"/>
-                    <a:pt x="20" y="113"/>
-                    <a:pt x="12" y="51"/>
-                  </a:cubicBezTo>
-                  <a:cubicBezTo>
-                    <a:pt x="8" y="34"/>
-                    <a:pt x="4" y="17"/>
-                    <a:pt x="0" y="0"/>
-                  </a:cubicBezTo>
-                  <a:cubicBezTo>
-                    <a:pt x="8" y="79"/>
-                    <a:pt x="19" y="159"/>
-                    <a:pt x="33" y="237"/>
-                  </a:cubicBezTo>
-                  <a:cubicBezTo>
-                    <a:pt x="51" y="339"/>
-                    <a:pt x="76" y="439"/>
-                    <a:pt x="107" y="537"/>
-                  </a:cubicBezTo>
-                  <a:cubicBezTo>
-                    <a:pt x="123" y="586"/>
-                    <a:pt x="141" y="634"/>
-                    <a:pt x="160" y="681"/>
-                  </a:cubicBezTo>
-                  <a:cubicBezTo>
-                    <a:pt x="166" y="695"/>
-                    <a:pt x="172" y="708"/>
-                    <a:pt x="178" y="722"/>
-                  </a:cubicBezTo>
-                  <a:cubicBezTo>
-                    <a:pt x="176" y="717"/>
-                    <a:pt x="175" y="713"/>
-                    <a:pt x="174" y="708"/>
-                  </a:cubicBezTo>
-                  <a:cubicBezTo>
-                    <a:pt x="169" y="692"/>
-                    <a:pt x="165" y="676"/>
-                    <a:pt x="162" y="660"/>
-                  </a:cubicBezTo>
-                  <a:close/>
-                </a:path>
-              </a:pathLst>
-            </a:custGeom>
-            <a:solidFill>
-              <a:schemeClr val="tx2">
-                <a:alpha val="20000"/>
-              </a:schemeClr>
-            </a:solidFill>
-            <a:ln>
-              <a:noFill/>
-            </a:ln>
-          </p:spPr>
-        </p:sp>
-        <p:sp>
-          <p:nvSpPr>
-            <p:cNvPr id="29" name="Freeform 16"/>
-            <p:cNvSpPr/>
-            <p:nvPr/>
-          </p:nvSpPr>
-          <p:spPr bwMode="auto">
-            <a:xfrm>
-              <a:off x="2506663" y="285750"/>
-              <a:ext cx="90488" cy="2493963"/>
-            </a:xfrm>
-            <a:custGeom>
-              <a:avLst/>
-              <a:gdLst/>
-              <a:ahLst/>
-              <a:cxnLst/>
-              <a:rect l="0" t="0" r="r" b="b"/>
-              <a:pathLst>
-                <a:path w="23" h="635">
-                  <a:moveTo>
-                    <a:pt x="11" y="577"/>
-                  </a:moveTo>
-                  <a:cubicBezTo>
-                    <a:pt x="12" y="581"/>
-                    <a:pt x="12" y="585"/>
-                    <a:pt x="12" y="589"/>
-                  </a:cubicBezTo>
-                  <a:cubicBezTo>
-                    <a:pt x="15" y="603"/>
-                    <a:pt x="19" y="617"/>
-                    <a:pt x="22" y="632"/>
-                  </a:cubicBezTo>
-                  <a:cubicBezTo>
-                    <a:pt x="22" y="633"/>
-                    <a:pt x="22" y="634"/>
-                    <a:pt x="23" y="635"/>
-                  </a:cubicBezTo>
-                  <a:cubicBezTo>
-                    <a:pt x="21" y="615"/>
-                    <a:pt x="19" y="596"/>
-                    <a:pt x="17" y="576"/>
-                  </a:cubicBezTo>
-                  <a:cubicBezTo>
-                    <a:pt x="9" y="474"/>
-                    <a:pt x="5" y="372"/>
-                    <a:pt x="5" y="269"/>
-                  </a:cubicBezTo>
-                  <a:cubicBezTo>
-                    <a:pt x="6" y="179"/>
-                    <a:pt x="9" y="90"/>
-                    <a:pt x="15" y="0"/>
-                  </a:cubicBezTo>
-                  <a:cubicBezTo>
-                    <a:pt x="12" y="0"/>
-                    <a:pt x="12" y="0"/>
-                    <a:pt x="12" y="0"/>
-                  </a:cubicBezTo>
-                  <a:cubicBezTo>
-                    <a:pt x="5" y="89"/>
-                    <a:pt x="2" y="179"/>
-                    <a:pt x="1" y="269"/>
-                  </a:cubicBezTo>
-                  <a:cubicBezTo>
-                    <a:pt x="0" y="372"/>
-                    <a:pt x="3" y="474"/>
-                    <a:pt x="11" y="577"/>
-                  </a:cubicBezTo>
-                  <a:close/>
-                </a:path>
-              </a:pathLst>
-            </a:custGeom>
-            <a:solidFill>
-              <a:schemeClr val="tx2">
-                <a:alpha val="20000"/>
-              </a:schemeClr>
-            </a:solidFill>
-            <a:ln>
-              <a:noFill/>
-            </a:ln>
-          </p:spPr>
-        </p:sp>
-        <p:sp>
-          <p:nvSpPr>
-            <p:cNvPr id="30" name="Freeform 17"/>
-            <p:cNvSpPr/>
-            <p:nvPr/>
-          </p:nvSpPr>
-          <p:spPr bwMode="auto">
-            <a:xfrm>
-              <a:off x="2554288" y="2598738"/>
-              <a:ext cx="66675" cy="420688"/>
-            </a:xfrm>
-            <a:custGeom>
-              <a:avLst/>
-              <a:gdLst/>
-              <a:ahLst/>
-              <a:cxnLst/>
-              <a:rect l="0" t="0" r="r" b="b"/>
-              <a:pathLst>
-                <a:path w="17" h="107">
-                  <a:moveTo>
-                    <a:pt x="0" y="0"/>
-                  </a:moveTo>
-                  <a:cubicBezTo>
-                    <a:pt x="2" y="19"/>
-                    <a:pt x="3" y="37"/>
-                    <a:pt x="5" y="56"/>
-                  </a:cubicBezTo>
-                  <a:cubicBezTo>
-                    <a:pt x="9" y="73"/>
-                    <a:pt x="13" y="90"/>
-                    <a:pt x="17" y="107"/>
-                  </a:cubicBezTo>
-                  <a:cubicBezTo>
-                    <a:pt x="15" y="87"/>
-                    <a:pt x="13" y="66"/>
-                    <a:pt x="11" y="46"/>
-                  </a:cubicBezTo>
-                  <a:cubicBezTo>
-                    <a:pt x="10" y="45"/>
-                    <a:pt x="10" y="44"/>
-                    <a:pt x="10" y="43"/>
-                  </a:cubicBezTo>
-                  <a:cubicBezTo>
-                    <a:pt x="7" y="28"/>
-                    <a:pt x="3" y="14"/>
-                    <a:pt x="0" y="0"/>
-                  </a:cubicBezTo>
-                  <a:close/>
-                </a:path>
-              </a:pathLst>
-            </a:custGeom>
-            <a:solidFill>
-              <a:schemeClr val="tx2">
-                <a:alpha val="20000"/>
-              </a:schemeClr>
-            </a:solidFill>
-            <a:ln>
-              <a:noFill/>
-            </a:ln>
-          </p:spPr>
-        </p:sp>
-        <p:sp>
-          <p:nvSpPr>
-            <p:cNvPr id="31" name="Freeform 18"/>
-            <p:cNvSpPr/>
-            <p:nvPr/>
-          </p:nvSpPr>
-          <p:spPr bwMode="auto">
-            <a:xfrm>
-              <a:off x="3143251" y="4757738"/>
-              <a:ext cx="161925" cy="873125"/>
-            </a:xfrm>
-            <a:custGeom>
-              <a:avLst/>
-              <a:gdLst/>
-              <a:ahLst/>
-              <a:cxnLst/>
-              <a:rect l="0" t="0" r="r" b="b"/>
-              <a:pathLst>
-                <a:path w="41" h="222">
-                  <a:moveTo>
-                    <a:pt x="0" y="0"/>
-                  </a:moveTo>
-                  <a:cubicBezTo>
-                    <a:pt x="0" y="31"/>
-                    <a:pt x="2" y="62"/>
-                    <a:pt x="5" y="93"/>
-                  </a:cubicBezTo>
-                  <a:cubicBezTo>
-                    <a:pt x="8" y="117"/>
-                    <a:pt x="12" y="142"/>
-                    <a:pt x="17" y="166"/>
-                  </a:cubicBezTo>
-                  <a:cubicBezTo>
-                    <a:pt x="19" y="172"/>
-                    <a:pt x="22" y="178"/>
-                    <a:pt x="24" y="184"/>
-                  </a:cubicBezTo>
-                  <a:cubicBezTo>
-                    <a:pt x="30" y="197"/>
-                    <a:pt x="35" y="209"/>
-                    <a:pt x="41" y="222"/>
-                  </a:cubicBezTo>
-                  <a:cubicBezTo>
-                    <a:pt x="40" y="219"/>
-                    <a:pt x="39" y="215"/>
-                    <a:pt x="38" y="212"/>
-                  </a:cubicBezTo>
-                  <a:cubicBezTo>
-                    <a:pt x="26" y="172"/>
-                    <a:pt x="18" y="132"/>
-                    <a:pt x="13" y="92"/>
-                  </a:cubicBezTo>
-                  <a:cubicBezTo>
-                    <a:pt x="11" y="68"/>
-                    <a:pt x="9" y="45"/>
-                    <a:pt x="8" y="22"/>
-                  </a:cubicBezTo>
-                  <a:cubicBezTo>
-                    <a:pt x="8" y="21"/>
-                    <a:pt x="7" y="20"/>
-                    <a:pt x="7" y="18"/>
-                  </a:cubicBezTo>
-                  <a:cubicBezTo>
-                    <a:pt x="5" y="12"/>
-                    <a:pt x="2" y="6"/>
-                    <a:pt x="0" y="0"/>
-                  </a:cubicBezTo>
-                  <a:close/>
-                </a:path>
-              </a:pathLst>
-            </a:custGeom>
-            <a:solidFill>
-              <a:schemeClr val="tx2">
-                <a:alpha val="20000"/>
-              </a:schemeClr>
-            </a:solidFill>
-            <a:ln>
-              <a:noFill/>
-            </a:ln>
-          </p:spPr>
-        </p:sp>
-        <p:sp>
-          <p:nvSpPr>
-            <p:cNvPr id="32" name="Freeform 19"/>
-            <p:cNvSpPr/>
-            <p:nvPr/>
-          </p:nvSpPr>
-          <p:spPr bwMode="auto">
-            <a:xfrm>
-              <a:off x="3148013" y="1282700"/>
-              <a:ext cx="1768475" cy="3448050"/>
-            </a:xfrm>
-            <a:custGeom>
-              <a:avLst/>
-              <a:gdLst/>
-              <a:ahLst/>
-              <a:cxnLst/>
-              <a:rect l="0" t="0" r="r" b="b"/>
-              <a:pathLst>
-                <a:path w="450" h="878">
-                  <a:moveTo>
-                    <a:pt x="7" y="854"/>
-                  </a:moveTo>
-                  <a:cubicBezTo>
-                    <a:pt x="10" y="772"/>
-                    <a:pt x="26" y="691"/>
-                    <a:pt x="50" y="613"/>
-                  </a:cubicBezTo>
-                  <a:cubicBezTo>
-                    <a:pt x="75" y="535"/>
-                    <a:pt x="109" y="460"/>
-                    <a:pt x="149" y="388"/>
-                  </a:cubicBezTo>
-                  <a:cubicBezTo>
-                    <a:pt x="189" y="316"/>
-                    <a:pt x="235" y="248"/>
-                    <a:pt x="285" y="183"/>
-                  </a:cubicBezTo>
-                  <a:cubicBezTo>
-                    <a:pt x="310" y="151"/>
-                    <a:pt x="337" y="119"/>
-                    <a:pt x="364" y="89"/>
-                  </a:cubicBezTo>
-                  <a:cubicBezTo>
-                    <a:pt x="378" y="74"/>
-                    <a:pt x="392" y="58"/>
-                    <a:pt x="406" y="44"/>
-                  </a:cubicBezTo>
-                  <a:cubicBezTo>
-                    <a:pt x="421" y="29"/>
-                    <a:pt x="435" y="15"/>
-                    <a:pt x="450" y="1"/>
-                  </a:cubicBezTo>
-                  <a:cubicBezTo>
-                    <a:pt x="450" y="0"/>
-                    <a:pt x="450" y="0"/>
-                    <a:pt x="450" y="0"/>
-                  </a:cubicBezTo>
-                  <a:cubicBezTo>
-                    <a:pt x="434" y="14"/>
-                    <a:pt x="420" y="28"/>
-                    <a:pt x="405" y="43"/>
-                  </a:cubicBezTo>
-                  <a:cubicBezTo>
-                    <a:pt x="391" y="57"/>
-                    <a:pt x="377" y="72"/>
-                    <a:pt x="363" y="88"/>
-                  </a:cubicBezTo>
-                  <a:cubicBezTo>
-                    <a:pt x="335" y="118"/>
-                    <a:pt x="308" y="149"/>
-                    <a:pt x="283" y="181"/>
-                  </a:cubicBezTo>
-                  <a:cubicBezTo>
-                    <a:pt x="232" y="246"/>
-                    <a:pt x="185" y="314"/>
-                    <a:pt x="145" y="386"/>
-                  </a:cubicBezTo>
-                  <a:cubicBezTo>
-                    <a:pt x="104" y="457"/>
-                    <a:pt x="70" y="533"/>
-                    <a:pt x="45" y="611"/>
-                  </a:cubicBezTo>
-                  <a:cubicBezTo>
-                    <a:pt x="19" y="690"/>
-                    <a:pt x="3" y="771"/>
-                    <a:pt x="0" y="854"/>
-                  </a:cubicBezTo>
-                  <a:cubicBezTo>
-                    <a:pt x="0" y="856"/>
-                    <a:pt x="0" y="857"/>
-                    <a:pt x="0" y="859"/>
-                  </a:cubicBezTo>
-                  <a:cubicBezTo>
-                    <a:pt x="2" y="865"/>
-                    <a:pt x="4" y="872"/>
-                    <a:pt x="7" y="878"/>
-                  </a:cubicBezTo>
-                  <a:cubicBezTo>
-                    <a:pt x="7" y="870"/>
-                    <a:pt x="7" y="862"/>
-                    <a:pt x="7" y="854"/>
-                  </a:cubicBezTo>
-                  <a:close/>
-                </a:path>
-              </a:pathLst>
-            </a:custGeom>
-            <a:solidFill>
-              <a:schemeClr val="tx2">
-                <a:alpha val="20000"/>
-              </a:schemeClr>
-            </a:solidFill>
-            <a:ln>
-              <a:noFill/>
-            </a:ln>
-          </p:spPr>
-        </p:sp>
-        <p:sp>
-          <p:nvSpPr>
-            <p:cNvPr id="33" name="Freeform 20"/>
-            <p:cNvSpPr/>
-            <p:nvPr/>
-          </p:nvSpPr>
-          <p:spPr bwMode="auto">
-            <a:xfrm>
-              <a:off x="3273426" y="5653088"/>
-              <a:ext cx="138113" cy="287338"/>
-            </a:xfrm>
-            <a:custGeom>
-              <a:avLst/>
-              <a:gdLst/>
-              <a:ahLst/>
-              <a:cxnLst/>
-              <a:rect l="0" t="0" r="r" b="b"/>
-              <a:pathLst>
-                <a:path w="35" h="73">
-                  <a:moveTo>
-                    <a:pt x="0" y="0"/>
-                  </a:moveTo>
-                  <a:cubicBezTo>
-                    <a:pt x="7" y="24"/>
-                    <a:pt x="16" y="49"/>
-                    <a:pt x="26" y="73"/>
-                  </a:cubicBezTo>
-                  <a:cubicBezTo>
-                    <a:pt x="35" y="73"/>
-                    <a:pt x="35" y="73"/>
-                    <a:pt x="35" y="73"/>
-                  </a:cubicBezTo>
-                  <a:cubicBezTo>
-                    <a:pt x="23" y="49"/>
-                    <a:pt x="11" y="24"/>
-                    <a:pt x="0" y="0"/>
-                  </a:cubicBezTo>
-                  <a:close/>
-                </a:path>
-              </a:pathLst>
-            </a:custGeom>
-            <a:solidFill>
-              <a:schemeClr val="tx2">
-                <a:alpha val="20000"/>
-              </a:schemeClr>
-            </a:solidFill>
-            <a:ln>
-              <a:noFill/>
-            </a:ln>
-          </p:spPr>
-        </p:sp>
-        <p:sp>
-          <p:nvSpPr>
-            <p:cNvPr id="34" name="Freeform 21"/>
-            <p:cNvSpPr/>
-            <p:nvPr/>
-          </p:nvSpPr>
-          <p:spPr bwMode="auto">
-            <a:xfrm>
-              <a:off x="3143251" y="4656138"/>
-              <a:ext cx="31750" cy="188913"/>
-            </a:xfrm>
-            <a:custGeom>
-              <a:avLst/>
-              <a:gdLst/>
-              <a:ahLst/>
-              <a:cxnLst/>
-              <a:rect l="0" t="0" r="r" b="b"/>
-              <a:pathLst>
-                <a:path w="8" h="48">
-                  <a:moveTo>
-                    <a:pt x="7" y="44"/>
-                  </a:moveTo>
-                  <a:cubicBezTo>
-                    <a:pt x="7" y="46"/>
-                    <a:pt x="8" y="47"/>
-                    <a:pt x="8" y="48"/>
-                  </a:cubicBezTo>
-                  <a:cubicBezTo>
-                    <a:pt x="8" y="38"/>
-                    <a:pt x="8" y="29"/>
-                    <a:pt x="8" y="19"/>
-                  </a:cubicBezTo>
-                  <a:cubicBezTo>
-                    <a:pt x="5" y="13"/>
-                    <a:pt x="3" y="6"/>
-                    <a:pt x="1" y="0"/>
-                  </a:cubicBezTo>
-                  <a:cubicBezTo>
-                    <a:pt x="0" y="9"/>
-                    <a:pt x="0" y="17"/>
-                    <a:pt x="0" y="26"/>
-                  </a:cubicBezTo>
-                  <a:cubicBezTo>
-                    <a:pt x="2" y="32"/>
-                    <a:pt x="5" y="38"/>
-                    <a:pt x="7" y="44"/>
-                  </a:cubicBezTo>
-                  <a:close/>
-                </a:path>
-              </a:pathLst>
-            </a:custGeom>
-            <a:solidFill>
-              <a:schemeClr val="tx2">
-                <a:alpha val="20000"/>
-              </a:schemeClr>
-            </a:solidFill>
-            <a:ln>
-              <a:noFill/>
-            </a:ln>
-          </p:spPr>
-        </p:sp>
-        <p:sp>
-          <p:nvSpPr>
-            <p:cNvPr id="35" name="Freeform 22"/>
-            <p:cNvSpPr/>
-            <p:nvPr/>
-          </p:nvSpPr>
-          <p:spPr bwMode="auto">
-            <a:xfrm>
-              <a:off x="3211513" y="5410200"/>
-              <a:ext cx="203200" cy="530225"/>
-            </a:xfrm>
-            <a:custGeom>
-              <a:avLst/>
-              <a:gdLst/>
-              <a:ahLst/>
-              <a:cxnLst/>
-              <a:rect l="0" t="0" r="r" b="b"/>
-              <a:pathLst>
-                <a:path w="52" h="135">
-                  <a:moveTo>
-                    <a:pt x="7" y="18"/>
-                  </a:moveTo>
-                  <a:cubicBezTo>
-                    <a:pt x="5" y="12"/>
-                    <a:pt x="2" y="6"/>
-                    <a:pt x="0" y="0"/>
-                  </a:cubicBezTo>
-                  <a:cubicBezTo>
-                    <a:pt x="3" y="16"/>
-                    <a:pt x="7" y="32"/>
-                    <a:pt x="12" y="48"/>
-                  </a:cubicBezTo>
-                  <a:cubicBezTo>
-                    <a:pt x="13" y="53"/>
-                    <a:pt x="14" y="57"/>
-                    <a:pt x="16" y="62"/>
-                  </a:cubicBezTo>
-                  <a:cubicBezTo>
-                    <a:pt x="27" y="86"/>
-                    <a:pt x="39" y="111"/>
-                    <a:pt x="51" y="135"/>
-                  </a:cubicBezTo>
-                  <a:cubicBezTo>
-                    <a:pt x="52" y="135"/>
-                    <a:pt x="52" y="135"/>
-                    <a:pt x="52" y="135"/>
-                  </a:cubicBezTo>
-                  <a:cubicBezTo>
-                    <a:pt x="41" y="109"/>
-                    <a:pt x="32" y="83"/>
-                    <a:pt x="24" y="56"/>
-                  </a:cubicBezTo>
-                  <a:cubicBezTo>
-                    <a:pt x="18" y="43"/>
-                    <a:pt x="13" y="31"/>
-                    <a:pt x="7" y="18"/>
-                  </a:cubicBezTo>
-                  <a:close/>
-                </a:path>
-              </a:pathLst>
-            </a:custGeom>
-            <a:solidFill>
-              <a:schemeClr val="tx2">
-                <a:alpha val="20000"/>
-              </a:schemeClr>
-            </a:solidFill>
-            <a:ln>
-              <a:noFill/>
-            </a:ln>
-          </p:spPr>
-        </p:sp>
-      </p:grpSp>
-      <p:grpSp>
-        <p:nvGrpSpPr>
-          <p:cNvPr id="10" name="Group 9"/>
-          <p:cNvGrpSpPr/>
-          <p:nvPr/>
-        </p:nvGrpSpPr>
-        <p:grpSpPr>
-          <a:xfrm>
-            <a:off x="27221" y="-786"/>
-            <a:ext cx="2356674" cy="6854039"/>
-            <a:chOff x="6627813" y="194833"/>
-            <a:chExt cx="1952625" cy="5678918"/>
-          </a:xfrm>
-        </p:grpSpPr>
-        <p:sp>
-          <p:nvSpPr>
-            <p:cNvPr id="11" name="Freeform 27"/>
-            <p:cNvSpPr/>
-            <p:nvPr/>
-          </p:nvSpPr>
-          <p:spPr bwMode="auto">
-            <a:xfrm>
-              <a:off x="6627813" y="194833"/>
-              <a:ext cx="409575" cy="3646488"/>
-            </a:xfrm>
-            <a:custGeom>
-              <a:avLst/>
-              <a:gdLst/>
-              <a:ahLst/>
-              <a:cxnLst/>
-              <a:rect l="0" t="0" r="r" b="b"/>
-              <a:pathLst>
-                <a:path w="103" h="920">
-                  <a:moveTo>
-                    <a:pt x="7" y="210"/>
-                  </a:moveTo>
-                  <a:cubicBezTo>
-                    <a:pt x="11" y="288"/>
-                    <a:pt x="17" y="367"/>
-                    <a:pt x="26" y="445"/>
-                  </a:cubicBezTo>
-                  <a:cubicBezTo>
-                    <a:pt x="34" y="523"/>
-                    <a:pt x="44" y="601"/>
-                    <a:pt x="57" y="679"/>
-                  </a:cubicBezTo>
-                  <a:cubicBezTo>
-                    <a:pt x="69" y="757"/>
-                    <a:pt x="84" y="834"/>
-                    <a:pt x="101" y="911"/>
-                  </a:cubicBezTo>
-                  <a:cubicBezTo>
-                    <a:pt x="102" y="914"/>
-                    <a:pt x="103" y="917"/>
-                    <a:pt x="103" y="920"/>
-                  </a:cubicBezTo>
-                  <a:cubicBezTo>
-                    <a:pt x="102" y="905"/>
-                    <a:pt x="100" y="889"/>
-                    <a:pt x="99" y="874"/>
-                  </a:cubicBezTo>
-                  <a:cubicBezTo>
-                    <a:pt x="99" y="871"/>
-                    <a:pt x="99" y="868"/>
-                    <a:pt x="99" y="866"/>
-                  </a:cubicBezTo>
-                  <a:cubicBezTo>
-                    <a:pt x="85" y="803"/>
-                    <a:pt x="73" y="741"/>
-                    <a:pt x="63" y="678"/>
-                  </a:cubicBezTo>
-                  <a:cubicBezTo>
-                    <a:pt x="50" y="600"/>
-                    <a:pt x="39" y="523"/>
-                    <a:pt x="30" y="444"/>
-                  </a:cubicBezTo>
-                  <a:cubicBezTo>
-                    <a:pt x="21" y="366"/>
-                    <a:pt x="14" y="288"/>
-                    <a:pt x="9" y="209"/>
-                  </a:cubicBezTo>
-                  <a:cubicBezTo>
-                    <a:pt x="7" y="170"/>
-                    <a:pt x="5" y="131"/>
-                    <a:pt x="3" y="92"/>
-                  </a:cubicBezTo>
-                  <a:cubicBezTo>
-                    <a:pt x="2" y="61"/>
-                    <a:pt x="1" y="31"/>
-                    <a:pt x="1" y="0"/>
-                  </a:cubicBezTo>
-                  <a:cubicBezTo>
-                    <a:pt x="0" y="0"/>
-                    <a:pt x="0" y="0"/>
-                    <a:pt x="0" y="0"/>
-                  </a:cubicBezTo>
-                  <a:cubicBezTo>
-                    <a:pt x="0" y="31"/>
-                    <a:pt x="1" y="61"/>
-                    <a:pt x="1" y="92"/>
-                  </a:cubicBezTo>
-                  <a:cubicBezTo>
-                    <a:pt x="3" y="131"/>
-                    <a:pt x="4" y="170"/>
-                    <a:pt x="7" y="210"/>
-                  </a:cubicBezTo>
-                  <a:close/>
-                </a:path>
-              </a:pathLst>
-            </a:custGeom>
-            <a:solidFill>
-              <a:schemeClr val="tx2"/>
-            </a:solidFill>
-            <a:ln>
-              <a:noFill/>
-            </a:ln>
-          </p:spPr>
-        </p:sp>
-        <p:sp>
-          <p:nvSpPr>
-            <p:cNvPr id="12" name="Freeform 28"/>
-            <p:cNvSpPr/>
-            <p:nvPr/>
-          </p:nvSpPr>
-          <p:spPr bwMode="auto">
-            <a:xfrm>
-              <a:off x="7061201" y="3771900"/>
-              <a:ext cx="350838" cy="1309688"/>
-            </a:xfrm>
-            <a:custGeom>
-              <a:avLst/>
-              <a:gdLst/>
-              <a:ahLst/>
-              <a:cxnLst/>
-              <a:rect l="0" t="0" r="r" b="b"/>
-              <a:pathLst>
-                <a:path w="88" h="330">
-                  <a:moveTo>
-                    <a:pt x="53" y="229"/>
-                  </a:moveTo>
-                  <a:cubicBezTo>
-                    <a:pt x="64" y="263"/>
-                    <a:pt x="75" y="297"/>
-                    <a:pt x="88" y="330"/>
-                  </a:cubicBezTo>
-                  <a:cubicBezTo>
-                    <a:pt x="88" y="323"/>
-                    <a:pt x="88" y="315"/>
-                    <a:pt x="88" y="308"/>
-                  </a:cubicBezTo>
-                  <a:cubicBezTo>
-                    <a:pt x="88" y="307"/>
-                    <a:pt x="88" y="305"/>
-                    <a:pt x="88" y="304"/>
-                  </a:cubicBezTo>
-                  <a:cubicBezTo>
-                    <a:pt x="79" y="278"/>
-                    <a:pt x="70" y="252"/>
-                    <a:pt x="62" y="226"/>
-                  </a:cubicBezTo>
-                  <a:cubicBezTo>
-                    <a:pt x="38" y="152"/>
-                    <a:pt x="17" y="76"/>
-                    <a:pt x="0" y="0"/>
-                  </a:cubicBezTo>
-                  <a:cubicBezTo>
-                    <a:pt x="2" y="21"/>
-                    <a:pt x="4" y="42"/>
-                    <a:pt x="7" y="63"/>
-                  </a:cubicBezTo>
-                  <a:cubicBezTo>
-                    <a:pt x="21" y="119"/>
-                    <a:pt x="36" y="174"/>
-                    <a:pt x="53" y="229"/>
-                  </a:cubicBezTo>
-                  <a:close/>
-                </a:path>
-              </a:pathLst>
-            </a:custGeom>
-            <a:solidFill>
-              <a:schemeClr val="tx2"/>
-            </a:solidFill>
-            <a:ln>
-              <a:noFill/>
-            </a:ln>
-          </p:spPr>
-        </p:sp>
-        <p:sp>
-          <p:nvSpPr>
-            <p:cNvPr id="13" name="Freeform 29"/>
-            <p:cNvSpPr/>
-            <p:nvPr/>
-          </p:nvSpPr>
-          <p:spPr bwMode="auto">
-            <a:xfrm>
-              <a:off x="7439026" y="5053013"/>
-              <a:ext cx="357188" cy="820738"/>
-            </a:xfrm>
-            <a:custGeom>
-              <a:avLst/>
-              <a:gdLst/>
-              <a:ahLst/>
-              <a:cxnLst/>
-              <a:rect l="0" t="0" r="r" b="b"/>
-              <a:pathLst>
-                <a:path w="90" h="207">
-                  <a:moveTo>
-                    <a:pt x="6" y="15"/>
-                  </a:moveTo>
-                  <a:cubicBezTo>
-                    <a:pt x="4" y="10"/>
-                    <a:pt x="2" y="5"/>
-                    <a:pt x="0" y="0"/>
-                  </a:cubicBezTo>
-                  <a:cubicBezTo>
-                    <a:pt x="0" y="9"/>
-                    <a:pt x="0" y="19"/>
-                    <a:pt x="1" y="29"/>
-                  </a:cubicBezTo>
-                  <a:cubicBezTo>
-                    <a:pt x="14" y="62"/>
-                    <a:pt x="27" y="95"/>
-                    <a:pt x="42" y="127"/>
-                  </a:cubicBezTo>
-                  <a:cubicBezTo>
-                    <a:pt x="54" y="154"/>
-                    <a:pt x="67" y="181"/>
-                    <a:pt x="80" y="207"/>
-                  </a:cubicBezTo>
-                  <a:cubicBezTo>
-                    <a:pt x="90" y="207"/>
-                    <a:pt x="90" y="207"/>
-                    <a:pt x="90" y="207"/>
-                  </a:cubicBezTo>
-                  <a:cubicBezTo>
-                    <a:pt x="76" y="180"/>
-                    <a:pt x="63" y="152"/>
-                    <a:pt x="50" y="123"/>
-                  </a:cubicBezTo>
-                  <a:cubicBezTo>
-                    <a:pt x="34" y="88"/>
-                    <a:pt x="20" y="51"/>
-                    <a:pt x="6" y="15"/>
-                  </a:cubicBezTo>
-                  <a:close/>
-                </a:path>
-              </a:pathLst>
-            </a:custGeom>
-            <a:solidFill>
-              <a:schemeClr val="tx2"/>
-            </a:solidFill>
-            <a:ln>
-              <a:noFill/>
-            </a:ln>
-          </p:spPr>
-        </p:sp>
-        <p:sp>
-          <p:nvSpPr>
-            <p:cNvPr id="14" name="Freeform 30"/>
-            <p:cNvSpPr/>
-            <p:nvPr/>
-          </p:nvSpPr>
-          <p:spPr bwMode="auto">
-            <a:xfrm>
-              <a:off x="7037388" y="3811588"/>
-              <a:ext cx="457200" cy="1852613"/>
-            </a:xfrm>
-            <a:custGeom>
-              <a:avLst/>
-              <a:gdLst/>
-              <a:ahLst/>
-              <a:cxnLst/>
-              <a:rect l="0" t="0" r="r" b="b"/>
-              <a:pathLst>
-                <a:path w="115" h="467">
-                  <a:moveTo>
-                    <a:pt x="101" y="409"/>
-                  </a:moveTo>
-                  <a:cubicBezTo>
-                    <a:pt x="93" y="388"/>
-                    <a:pt x="85" y="366"/>
-                    <a:pt x="78" y="344"/>
-                  </a:cubicBezTo>
-                  <a:cubicBezTo>
-                    <a:pt x="57" y="281"/>
-                    <a:pt x="41" y="216"/>
-                    <a:pt x="29" y="151"/>
-                  </a:cubicBezTo>
-                  <a:cubicBezTo>
-                    <a:pt x="22" y="119"/>
-                    <a:pt x="17" y="86"/>
-                    <a:pt x="13" y="53"/>
-                  </a:cubicBezTo>
-                  <a:cubicBezTo>
-                    <a:pt x="9" y="35"/>
-                    <a:pt x="4" y="18"/>
-                    <a:pt x="0" y="0"/>
-                  </a:cubicBezTo>
-                  <a:cubicBezTo>
-                    <a:pt x="5" y="51"/>
-                    <a:pt x="12" y="102"/>
-                    <a:pt x="21" y="152"/>
-                  </a:cubicBezTo>
-                  <a:cubicBezTo>
-                    <a:pt x="33" y="218"/>
-                    <a:pt x="49" y="283"/>
-                    <a:pt x="69" y="347"/>
-                  </a:cubicBezTo>
-                  <a:cubicBezTo>
-                    <a:pt x="79" y="378"/>
-                    <a:pt x="90" y="410"/>
-                    <a:pt x="103" y="441"/>
-                  </a:cubicBezTo>
-                  <a:cubicBezTo>
-                    <a:pt x="107" y="449"/>
-                    <a:pt x="111" y="458"/>
-                    <a:pt x="115" y="467"/>
-                  </a:cubicBezTo>
-                  <a:cubicBezTo>
-                    <a:pt x="114" y="464"/>
-                    <a:pt x="113" y="461"/>
-                    <a:pt x="112" y="458"/>
-                  </a:cubicBezTo>
-                  <a:cubicBezTo>
-                    <a:pt x="108" y="442"/>
-                    <a:pt x="104" y="425"/>
-                    <a:pt x="101" y="409"/>
-                  </a:cubicBezTo>
-                  <a:close/>
-                </a:path>
-              </a:pathLst>
-            </a:custGeom>
-            <a:solidFill>
-              <a:schemeClr val="tx2"/>
-            </a:solidFill>
-            <a:ln>
-              <a:noFill/>
-            </a:ln>
-          </p:spPr>
-        </p:sp>
-        <p:sp>
-          <p:nvSpPr>
-            <p:cNvPr id="15" name="Freeform 31"/>
-            <p:cNvSpPr/>
-            <p:nvPr/>
-          </p:nvSpPr>
-          <p:spPr bwMode="auto">
-            <a:xfrm>
-              <a:off x="6992938" y="1263650"/>
-              <a:ext cx="144463" cy="2508250"/>
-            </a:xfrm>
-            <a:custGeom>
-              <a:avLst/>
-              <a:gdLst/>
-              <a:ahLst/>
-              <a:cxnLst/>
-              <a:rect l="0" t="0" r="r" b="b"/>
-              <a:pathLst>
-                <a:path w="36" h="633">
-                  <a:moveTo>
-                    <a:pt x="17" y="633"/>
-                  </a:moveTo>
-                  <a:cubicBezTo>
-                    <a:pt x="15" y="621"/>
-                    <a:pt x="14" y="609"/>
-                    <a:pt x="13" y="597"/>
-                  </a:cubicBezTo>
-                  <a:cubicBezTo>
-                    <a:pt x="8" y="530"/>
-                    <a:pt x="5" y="464"/>
-                    <a:pt x="5" y="398"/>
-                  </a:cubicBezTo>
-                  <a:cubicBezTo>
-                    <a:pt x="5" y="331"/>
-                    <a:pt x="8" y="265"/>
-                    <a:pt x="13" y="198"/>
-                  </a:cubicBezTo>
-                  <a:cubicBezTo>
-                    <a:pt x="15" y="165"/>
-                    <a:pt x="18" y="132"/>
-                    <a:pt x="22" y="99"/>
-                  </a:cubicBezTo>
-                  <a:cubicBezTo>
-                    <a:pt x="26" y="66"/>
-                    <a:pt x="30" y="33"/>
-                    <a:pt x="36" y="0"/>
-                  </a:cubicBezTo>
-                  <a:cubicBezTo>
-                    <a:pt x="35" y="0"/>
-                    <a:pt x="35" y="0"/>
-                    <a:pt x="35" y="0"/>
-                  </a:cubicBezTo>
-                  <a:cubicBezTo>
-                    <a:pt x="29" y="33"/>
-                    <a:pt x="24" y="66"/>
-                    <a:pt x="20" y="99"/>
-                  </a:cubicBezTo>
-                  <a:cubicBezTo>
-                    <a:pt x="16" y="132"/>
-                    <a:pt x="13" y="165"/>
-                    <a:pt x="10" y="198"/>
-                  </a:cubicBezTo>
-                  <a:cubicBezTo>
-                    <a:pt x="4" y="264"/>
-                    <a:pt x="1" y="331"/>
-                    <a:pt x="1" y="398"/>
-                  </a:cubicBezTo>
-                  <a:cubicBezTo>
-                    <a:pt x="0" y="461"/>
-                    <a:pt x="2" y="525"/>
-                    <a:pt x="7" y="589"/>
-                  </a:cubicBezTo>
-                  <a:cubicBezTo>
-                    <a:pt x="10" y="603"/>
-                    <a:pt x="13" y="618"/>
-                    <a:pt x="16" y="632"/>
-                  </a:cubicBezTo>
-                  <a:cubicBezTo>
-                    <a:pt x="16" y="632"/>
-                    <a:pt x="17" y="633"/>
-                    <a:pt x="17" y="633"/>
-                  </a:cubicBezTo>
-                  <a:close/>
-                </a:path>
-              </a:pathLst>
-            </a:custGeom>
-            <a:solidFill>
-              <a:schemeClr val="tx2"/>
-            </a:solidFill>
-            <a:ln>
-              <a:noFill/>
-            </a:ln>
-          </p:spPr>
-        </p:sp>
-        <p:sp>
-          <p:nvSpPr>
-            <p:cNvPr id="16" name="Freeform 32"/>
-            <p:cNvSpPr/>
-            <p:nvPr/>
-          </p:nvSpPr>
-          <p:spPr bwMode="auto">
-            <a:xfrm>
-              <a:off x="7526338" y="5640388"/>
-              <a:ext cx="111125" cy="233363"/>
-            </a:xfrm>
-            <a:custGeom>
-              <a:avLst/>
-              <a:gdLst/>
-              <a:ahLst/>
-              <a:cxnLst/>
-              <a:rect l="0" t="0" r="r" b="b"/>
-              <a:pathLst>
-                <a:path w="28" h="59">
-                  <a:moveTo>
-                    <a:pt x="22" y="59"/>
-                  </a:moveTo>
-                  <a:cubicBezTo>
-                    <a:pt x="28" y="59"/>
-                    <a:pt x="28" y="59"/>
-                    <a:pt x="28" y="59"/>
-                  </a:cubicBezTo>
-                  <a:cubicBezTo>
-                    <a:pt x="18" y="40"/>
-                    <a:pt x="9" y="20"/>
-                    <a:pt x="0" y="0"/>
-                  </a:cubicBezTo>
-                  <a:cubicBezTo>
-                    <a:pt x="6" y="20"/>
-                    <a:pt x="13" y="40"/>
-                    <a:pt x="22" y="59"/>
-                  </a:cubicBezTo>
-                  <a:close/>
-                </a:path>
-              </a:pathLst>
-            </a:custGeom>
-            <a:solidFill>
-              <a:schemeClr val="tx2"/>
-            </a:solidFill>
-            <a:ln>
-              <a:noFill/>
-            </a:ln>
-          </p:spPr>
-        </p:sp>
-        <p:sp>
-          <p:nvSpPr>
-            <p:cNvPr id="17" name="Freeform 33"/>
-            <p:cNvSpPr/>
-            <p:nvPr/>
-          </p:nvSpPr>
-          <p:spPr bwMode="auto">
-            <a:xfrm>
-              <a:off x="7021513" y="3598863"/>
-              <a:ext cx="68263" cy="423863"/>
-            </a:xfrm>
-            <a:custGeom>
-              <a:avLst/>
-              <a:gdLst/>
-              <a:ahLst/>
-              <a:cxnLst/>
-              <a:rect l="0" t="0" r="r" b="b"/>
-              <a:pathLst>
-                <a:path w="17" h="107">
-                  <a:moveTo>
-                    <a:pt x="4" y="54"/>
-                  </a:moveTo>
-                  <a:cubicBezTo>
-                    <a:pt x="8" y="72"/>
-                    <a:pt x="13" y="89"/>
-                    <a:pt x="17" y="107"/>
-                  </a:cubicBezTo>
-                  <a:cubicBezTo>
-                    <a:pt x="14" y="86"/>
-                    <a:pt x="12" y="65"/>
-                    <a:pt x="10" y="44"/>
-                  </a:cubicBezTo>
-                  <a:cubicBezTo>
-                    <a:pt x="10" y="44"/>
-                    <a:pt x="9" y="43"/>
-                    <a:pt x="9" y="43"/>
-                  </a:cubicBezTo>
-                  <a:cubicBezTo>
-                    <a:pt x="6" y="29"/>
-                    <a:pt x="3" y="14"/>
-                    <a:pt x="0" y="0"/>
-                  </a:cubicBezTo>
-                  <a:cubicBezTo>
-                    <a:pt x="0" y="2"/>
-                    <a:pt x="0" y="5"/>
-                    <a:pt x="0" y="8"/>
-                  </a:cubicBezTo>
-                  <a:cubicBezTo>
-                    <a:pt x="1" y="23"/>
-                    <a:pt x="3" y="39"/>
-                    <a:pt x="4" y="54"/>
-                  </a:cubicBezTo>
-                  <a:close/>
-                </a:path>
-              </a:pathLst>
-            </a:custGeom>
-            <a:solidFill>
-              <a:schemeClr val="tx2"/>
-            </a:solidFill>
-            <a:ln>
-              <a:noFill/>
-            </a:ln>
-          </p:spPr>
-        </p:sp>
-        <p:sp>
-          <p:nvSpPr>
-            <p:cNvPr id="18" name="Freeform 34"/>
-            <p:cNvSpPr/>
-            <p:nvPr/>
-          </p:nvSpPr>
-          <p:spPr bwMode="auto">
-            <a:xfrm>
-              <a:off x="7412038" y="2801938"/>
-              <a:ext cx="1168400" cy="2251075"/>
-            </a:xfrm>
-            <a:custGeom>
-              <a:avLst/>
-              <a:gdLst/>
-              <a:ahLst/>
-              <a:cxnLst/>
-              <a:rect l="0" t="0" r="r" b="b"/>
-              <a:pathLst>
-                <a:path w="294" h="568">
-                  <a:moveTo>
-                    <a:pt x="8" y="553"/>
-                  </a:moveTo>
-                  <a:cubicBezTo>
-                    <a:pt x="9" y="501"/>
-                    <a:pt x="19" y="448"/>
-                    <a:pt x="35" y="397"/>
-                  </a:cubicBezTo>
-                  <a:cubicBezTo>
-                    <a:pt x="51" y="347"/>
-                    <a:pt x="73" y="298"/>
-                    <a:pt x="99" y="252"/>
-                  </a:cubicBezTo>
-                  <a:cubicBezTo>
-                    <a:pt x="124" y="205"/>
-                    <a:pt x="154" y="161"/>
-                    <a:pt x="187" y="119"/>
-                  </a:cubicBezTo>
-                  <a:cubicBezTo>
-                    <a:pt x="203" y="98"/>
-                    <a:pt x="220" y="77"/>
-                    <a:pt x="238" y="58"/>
-                  </a:cubicBezTo>
-                  <a:cubicBezTo>
-                    <a:pt x="247" y="48"/>
-                    <a:pt x="256" y="38"/>
-                    <a:pt x="265" y="28"/>
-                  </a:cubicBezTo>
-                  <a:cubicBezTo>
-                    <a:pt x="274" y="19"/>
-                    <a:pt x="284" y="9"/>
-                    <a:pt x="294" y="0"/>
-                  </a:cubicBezTo>
-                  <a:cubicBezTo>
-                    <a:pt x="293" y="0"/>
-                    <a:pt x="293" y="0"/>
-                    <a:pt x="293" y="0"/>
-                  </a:cubicBezTo>
-                  <a:cubicBezTo>
-                    <a:pt x="283" y="9"/>
-                    <a:pt x="273" y="18"/>
-                    <a:pt x="264" y="27"/>
-                  </a:cubicBezTo>
-                  <a:cubicBezTo>
-                    <a:pt x="255" y="37"/>
-                    <a:pt x="246" y="47"/>
-                    <a:pt x="237" y="56"/>
-                  </a:cubicBezTo>
-                  <a:cubicBezTo>
-                    <a:pt x="218" y="76"/>
-                    <a:pt x="201" y="96"/>
-                    <a:pt x="185" y="117"/>
-                  </a:cubicBezTo>
-                  <a:cubicBezTo>
-                    <a:pt x="151" y="159"/>
-                    <a:pt x="121" y="203"/>
-                    <a:pt x="95" y="249"/>
-                  </a:cubicBezTo>
-                  <a:cubicBezTo>
-                    <a:pt x="68" y="296"/>
-                    <a:pt x="46" y="345"/>
-                    <a:pt x="30" y="396"/>
-                  </a:cubicBezTo>
-                  <a:cubicBezTo>
-                    <a:pt x="13" y="445"/>
-                    <a:pt x="3" y="497"/>
-                    <a:pt x="0" y="549"/>
-                  </a:cubicBezTo>
-                  <a:cubicBezTo>
-                    <a:pt x="3" y="555"/>
-                    <a:pt x="5" y="561"/>
-                    <a:pt x="7" y="568"/>
-                  </a:cubicBezTo>
-                  <a:cubicBezTo>
-                    <a:pt x="7" y="563"/>
-                    <a:pt x="7" y="558"/>
-                    <a:pt x="8" y="553"/>
-                  </a:cubicBezTo>
-                  <a:close/>
-                </a:path>
-              </a:pathLst>
-            </a:custGeom>
-            <a:solidFill>
-              <a:schemeClr val="tx2"/>
-            </a:solidFill>
-            <a:ln>
-              <a:noFill/>
-            </a:ln>
-          </p:spPr>
-        </p:sp>
-        <p:sp>
-          <p:nvSpPr>
-            <p:cNvPr id="19" name="Freeform 35"/>
-            <p:cNvSpPr/>
-            <p:nvPr/>
-          </p:nvSpPr>
-          <p:spPr bwMode="auto">
-            <a:xfrm>
-              <a:off x="7494588" y="5664200"/>
-              <a:ext cx="100013" cy="209550"/>
-            </a:xfrm>
-            <a:custGeom>
-              <a:avLst/>
-              <a:gdLst/>
-              <a:ahLst/>
-              <a:cxnLst/>
-              <a:rect l="0" t="0" r="r" b="b"/>
-              <a:pathLst>
-                <a:path w="25" h="53">
-                  <a:moveTo>
-                    <a:pt x="0" y="0"/>
-                  </a:moveTo>
-                  <a:cubicBezTo>
-                    <a:pt x="5" y="18"/>
-                    <a:pt x="12" y="36"/>
-                    <a:pt x="19" y="53"/>
-                  </a:cubicBezTo>
-                  <a:cubicBezTo>
-                    <a:pt x="25" y="53"/>
-                    <a:pt x="25" y="53"/>
-                    <a:pt x="25" y="53"/>
-                  </a:cubicBezTo>
-                  <a:cubicBezTo>
-                    <a:pt x="16" y="36"/>
-                    <a:pt x="8" y="18"/>
-                    <a:pt x="0" y="0"/>
-                  </a:cubicBezTo>
-                  <a:close/>
-                </a:path>
-              </a:pathLst>
-            </a:custGeom>
-            <a:solidFill>
-              <a:schemeClr val="tx2"/>
-            </a:solidFill>
-            <a:ln>
-              <a:noFill/>
-            </a:ln>
-          </p:spPr>
-        </p:sp>
-        <p:sp>
-          <p:nvSpPr>
-            <p:cNvPr id="20" name="Freeform 36"/>
-            <p:cNvSpPr/>
-            <p:nvPr/>
-          </p:nvSpPr>
-          <p:spPr bwMode="auto">
-            <a:xfrm>
-              <a:off x="7412038" y="5081588"/>
-              <a:ext cx="114300" cy="558800"/>
-            </a:xfrm>
-            <a:custGeom>
-              <a:avLst/>
-              <a:gdLst/>
-              <a:ahLst/>
-              <a:cxnLst/>
-              <a:rect l="0" t="0" r="r" b="b"/>
-              <a:pathLst>
-                <a:path w="29" h="141">
-                  <a:moveTo>
-                    <a:pt x="0" y="0"/>
-                  </a:moveTo>
-                  <a:cubicBezTo>
-                    <a:pt x="0" y="30"/>
-                    <a:pt x="2" y="60"/>
-                    <a:pt x="7" y="89"/>
-                  </a:cubicBezTo>
-                  <a:cubicBezTo>
-                    <a:pt x="11" y="98"/>
-                    <a:pt x="14" y="108"/>
-                    <a:pt x="18" y="117"/>
-                  </a:cubicBezTo>
-                  <a:cubicBezTo>
-                    <a:pt x="22" y="125"/>
-                    <a:pt x="25" y="133"/>
-                    <a:pt x="29" y="141"/>
-                  </a:cubicBezTo>
-                  <a:cubicBezTo>
-                    <a:pt x="28" y="139"/>
-                    <a:pt x="28" y="137"/>
-                    <a:pt x="27" y="135"/>
-                  </a:cubicBezTo>
-                  <a:cubicBezTo>
-                    <a:pt x="16" y="98"/>
-                    <a:pt x="10" y="60"/>
-                    <a:pt x="8" y="22"/>
-                  </a:cubicBezTo>
-                  <a:cubicBezTo>
-                    <a:pt x="7" y="18"/>
-                    <a:pt x="5" y="15"/>
-                    <a:pt x="4" y="11"/>
-                  </a:cubicBezTo>
-                  <a:cubicBezTo>
-                    <a:pt x="2" y="7"/>
-                    <a:pt x="1" y="3"/>
-                    <a:pt x="0" y="0"/>
-                  </a:cubicBezTo>
-                  <a:close/>
-                </a:path>
-              </a:pathLst>
-            </a:custGeom>
-            <a:solidFill>
-              <a:schemeClr val="tx2"/>
-            </a:solidFill>
-            <a:ln>
-              <a:noFill/>
-            </a:ln>
-          </p:spPr>
-        </p:sp>
-        <p:sp>
-          <p:nvSpPr>
-            <p:cNvPr id="21" name="Freeform 37"/>
-            <p:cNvSpPr/>
-            <p:nvPr/>
-          </p:nvSpPr>
-          <p:spPr bwMode="auto">
-            <a:xfrm>
-              <a:off x="7412038" y="4978400"/>
-              <a:ext cx="31750" cy="188913"/>
-            </a:xfrm>
-            <a:custGeom>
-              <a:avLst/>
-              <a:gdLst/>
-              <a:ahLst/>
-              <a:cxnLst/>
-              <a:rect l="0" t="0" r="r" b="b"/>
-              <a:pathLst>
-                <a:path w="8" h="48">
-                  <a:moveTo>
-                    <a:pt x="0" y="26"/>
-                  </a:moveTo>
-                  <a:cubicBezTo>
-                    <a:pt x="1" y="29"/>
-                    <a:pt x="2" y="33"/>
-                    <a:pt x="4" y="37"/>
-                  </a:cubicBezTo>
-                  <a:cubicBezTo>
-                    <a:pt x="5" y="41"/>
-                    <a:pt x="7" y="44"/>
-                    <a:pt x="8" y="48"/>
-                  </a:cubicBezTo>
-                  <a:cubicBezTo>
-                    <a:pt x="7" y="38"/>
-                    <a:pt x="7" y="28"/>
-                    <a:pt x="7" y="19"/>
-                  </a:cubicBezTo>
-                  <a:cubicBezTo>
-                    <a:pt x="5" y="12"/>
-                    <a:pt x="3" y="6"/>
-                    <a:pt x="0" y="0"/>
-                  </a:cubicBezTo>
-                  <a:cubicBezTo>
-                    <a:pt x="0" y="1"/>
-                    <a:pt x="0" y="3"/>
-                    <a:pt x="0" y="4"/>
-                  </a:cubicBezTo>
-                  <a:cubicBezTo>
-                    <a:pt x="0" y="11"/>
-                    <a:pt x="0" y="19"/>
-                    <a:pt x="0" y="26"/>
-                  </a:cubicBezTo>
-                  <a:close/>
-                </a:path>
-              </a:pathLst>
-            </a:custGeom>
-            <a:solidFill>
-              <a:schemeClr val="tx2"/>
-            </a:solidFill>
-            <a:ln>
-              <a:noFill/>
-            </a:ln>
-          </p:spPr>
-        </p:sp>
-        <p:sp>
-          <p:nvSpPr>
-            <p:cNvPr id="22" name="Freeform 38"/>
-            <p:cNvSpPr/>
-            <p:nvPr/>
-          </p:nvSpPr>
-          <p:spPr bwMode="auto">
-            <a:xfrm>
-              <a:off x="7439026" y="5434013"/>
-              <a:ext cx="174625" cy="439738"/>
-            </a:xfrm>
-            <a:custGeom>
-              <a:avLst/>
-              <a:gdLst/>
-              <a:ahLst/>
-              <a:cxnLst/>
-              <a:rect l="0" t="0" r="r" b="b"/>
-              <a:pathLst>
-                <a:path w="44" h="111">
-                  <a:moveTo>
-                    <a:pt x="11" y="28"/>
-                  </a:moveTo>
-                  <a:cubicBezTo>
-                    <a:pt x="7" y="19"/>
-                    <a:pt x="4" y="9"/>
-                    <a:pt x="0" y="0"/>
-                  </a:cubicBezTo>
-                  <a:cubicBezTo>
-                    <a:pt x="3" y="16"/>
-                    <a:pt x="7" y="33"/>
-                    <a:pt x="11" y="49"/>
-                  </a:cubicBezTo>
-                  <a:cubicBezTo>
-                    <a:pt x="12" y="52"/>
-                    <a:pt x="13" y="55"/>
-                    <a:pt x="14" y="58"/>
-                  </a:cubicBezTo>
-                  <a:cubicBezTo>
-                    <a:pt x="22" y="76"/>
-                    <a:pt x="30" y="94"/>
-                    <a:pt x="39" y="111"/>
-                  </a:cubicBezTo>
-                  <a:cubicBezTo>
-                    <a:pt x="44" y="111"/>
-                    <a:pt x="44" y="111"/>
-                    <a:pt x="44" y="111"/>
-                  </a:cubicBezTo>
-                  <a:cubicBezTo>
-                    <a:pt x="35" y="92"/>
-                    <a:pt x="28" y="72"/>
-                    <a:pt x="22" y="52"/>
-                  </a:cubicBezTo>
-                  <a:cubicBezTo>
-                    <a:pt x="18" y="44"/>
-                    <a:pt x="15" y="36"/>
-                    <a:pt x="11" y="28"/>
-                  </a:cubicBezTo>
-                  <a:close/>
-                </a:path>
-              </a:pathLst>
-            </a:custGeom>
-            <a:solidFill>
-              <a:schemeClr val="tx2"/>
-            </a:solidFill>
-            <a:ln>
-              <a:noFill/>
-            </a:ln>
-          </p:spPr>
-        </p:sp>
-      </p:grpSp>
-      <p:sp>
-        <p:nvSpPr>
-          <p:cNvPr id="7" name="Rectangle 6"/>
-          <p:cNvSpPr/>
-          <p:nvPr/>
-        </p:nvSpPr>
+        </p:nvPicPr>
+        <p:blipFill>
+          <a:blip r:embed="rId19">
+            <a:extLst>
+              <a:ext uri="{28A0092B-C50C-407E-A947-70E740481C1C}">
+                <a14:useLocalDpi xmlns:a14="http://schemas.microsoft.com/office/drawing/2010/main" val="0"/>
+              </a:ext>
+            </a:extLst>
+          </a:blip>
+          <a:stretch>
+            <a:fillRect/>
+          </a:stretch>
+        </p:blipFill>
         <p:spPr>
           <a:xfrm>
             <a:off x="0" y="0"/>
-            <a:ext cx="182880" cy="6858000"/>
-          </a:xfrm>
-          <a:prstGeom prst="rect">
-            <a:avLst/>
-          </a:prstGeom>
-          <a:solidFill>
-            <a:schemeClr val="tx2"/>
-          </a:solidFill>
-          <a:ln>
-            <a:noFill/>
-          </a:ln>
-          <a:effectLst/>
-        </p:spPr>
-        <p:style>
-          <a:lnRef idx="1">
-            <a:schemeClr val="accent1"/>
-          </a:lnRef>
-          <a:fillRef idx="3">
-            <a:schemeClr val="accent1"/>
-          </a:fillRef>
-          <a:effectRef idx="2">
-            <a:schemeClr val="accent1"/>
-          </a:effectRef>
-          <a:fontRef idx="minor">
-            <a:schemeClr val="lt1"/>
-          </a:fontRef>
-        </p:style>
-      </p:sp>
-      <p:sp>
-        <p:nvSpPr>
-          <p:cNvPr id="2" name="Title Placeholder 1"/>
-          <p:cNvSpPr>
-            <a:spLocks noGrp="1"/>
-          </p:cNvSpPr>
-          <p:nvPr>
-            <p:ph type="title"/>
-          </p:nvPr>
-        </p:nvSpPr>
-        <p:spPr>
-          <a:xfrm>
-            <a:off x="2592924" y="624110"/>
-            <a:ext cx="8911687" cy="1280890"/>
+            <a:ext cx="12192000" cy="1441450"/>
           </a:xfrm>
           <a:prstGeom prst="rect">
             <a:avLst/>
           </a:prstGeom>
         </p:spPr>
-        <p:txBody>
-          <a:bodyPr vert="horz" lIns="91440" tIns="45720" rIns="91440" bIns="45720" rtlCol="0" anchor="t">
-            <a:normAutofit/>
-          </a:bodyPr>
-          <a:lstStyle/>
-          <a:p>
-            <a:r>
-              <a:rPr lang="en-US"/>
-              <a:t>Click to edit Master title style</a:t>
-            </a:r>
-            <a:endParaRPr lang="en-US" dirty="0"/>
-          </a:p>
-        </p:txBody>
-      </p:sp>
-      <p:sp>
-        <p:nvSpPr>
-          <p:cNvPr id="3" name="Text Placeholder 2"/>
-          <p:cNvSpPr>
-            <a:spLocks noGrp="1"/>
-          </p:cNvSpPr>
-          <p:nvPr>
-            <p:ph type="body" idx="1"/>
+      </p:pic>
+      <p:sp>
+        <p:nvSpPr>
+          <p:cNvPr id="2" name="Title Placeholder 1"/>
+          <p:cNvSpPr>
+            <a:spLocks noGrp="1"/>
+          </p:cNvSpPr>
+          <p:nvPr>
+            <p:ph type="title"/>
           </p:nvPr>
         </p:nvSpPr>
         <p:spPr>
           <a:xfrm>
-            <a:off x="2589212" y="2133600"/>
-            <a:ext cx="8915400" cy="3886200"/>
+            <a:off x="2895600" y="764373"/>
+            <a:ext cx="8610600" cy="1293028"/>
           </a:xfrm>
           <a:prstGeom prst="rect">
             <a:avLst/>
           </a:prstGeom>
         </p:spPr>
         <p:txBody>
+          <a:bodyPr vert="horz" lIns="91440" tIns="45720" rIns="91440" bIns="45720" rtlCol="0" anchor="ctr">
+            <a:normAutofit/>
+          </a:bodyPr>
+          <a:lstStyle/>
+          <a:p>
+            <a:r>
+              <a:rPr lang="en-US"/>
+              <a:t>Click to edit Master title style</a:t>
+            </a:r>
+            <a:endParaRPr lang="en-US" dirty="0"/>
+          </a:p>
+        </p:txBody>
+      </p:sp>
+      <p:sp>
+        <p:nvSpPr>
+          <p:cNvPr id="3" name="Text Placeholder 2"/>
+          <p:cNvSpPr>
+            <a:spLocks noGrp="1"/>
+          </p:cNvSpPr>
+          <p:nvPr>
+            <p:ph type="body" idx="1"/>
+          </p:nvPr>
+        </p:nvSpPr>
+        <p:spPr>
+          <a:xfrm>
+            <a:off x="685800" y="2194560"/>
+            <a:ext cx="10820400" cy="4024125"/>
+          </a:xfrm>
+          <a:prstGeom prst="rect">
+            <a:avLst/>
+          </a:prstGeom>
+        </p:spPr>
+        <p:txBody>
           <a:bodyPr vert="horz" lIns="91440" tIns="45720" rIns="91440" bIns="45720" rtlCol="0">
             <a:normAutofit/>
           </a:bodyPr>
@@ -7503,8 +5685,8 @@
         </p:nvSpPr>
         <p:spPr>
           <a:xfrm>
-            <a:off x="10361612" y="6130437"/>
-            <a:ext cx="1146283" cy="370396"/>
+            <a:off x="8595360" y="6356350"/>
+            <a:ext cx="2910840" cy="365125"/>
           </a:xfrm>
           <a:prstGeom prst="rect">
             <a:avLst/>
@@ -7514,7 +5696,7 @@
           <a:bodyPr vert="horz" lIns="91440" tIns="45720" rIns="91440" bIns="45720" rtlCol="0" anchor="ctr"/>
           <a:lstStyle>
             <a:lvl1pPr algn="r">
-              <a:defRPr sz="900">
+              <a:defRPr sz="1050">
                 <a:solidFill>
                   <a:schemeClr val="tx1">
                     <a:tint val="75000"/>
@@ -7526,7 +5708,7 @@
           <a:p>
             <a:fld id="{124E9894-F119-A64C-B7CB-D7CE860A73BE}" type="datetime1">
               <a:rPr lang="en-US" smtClean="0"/>
-              <a:t>11/13/18</a:t>
+              <a:t>11/15/18</a:t>
             </a:fld>
             <a:endParaRPr lang="en-US" dirty="0"/>
           </a:p>
@@ -7544,8 +5726,8 @@
         </p:nvSpPr>
         <p:spPr>
           <a:xfrm>
-            <a:off x="2589212" y="6135808"/>
-            <a:ext cx="7619999" cy="365125"/>
+            <a:off x="685800" y="6355845"/>
+            <a:ext cx="7772400" cy="365125"/>
           </a:xfrm>
           <a:prstGeom prst="rect">
             <a:avLst/>
@@ -7555,7 +5737,7 @@
           <a:bodyPr vert="horz" lIns="91440" tIns="45720" rIns="91440" bIns="45720" rtlCol="0" anchor="ctr"/>
           <a:lstStyle>
             <a:lvl1pPr algn="l">
-              <a:defRPr sz="900">
+              <a:defRPr sz="1050">
                 <a:solidFill>
                   <a:schemeClr val="tx1">
                     <a:tint val="75000"/>
@@ -7579,10 +5761,10 @@
             <p:ph type="sldNum" sz="quarter" idx="4"/>
           </p:nvPr>
         </p:nvSpPr>
-        <p:spPr bwMode="gray">
+        <p:spPr>
           <a:xfrm>
-            <a:off x="531812" y="787782"/>
-            <a:ext cx="779767" cy="365125"/>
+            <a:off x="8763000" y="381000"/>
+            <a:ext cx="2743200" cy="365125"/>
           </a:xfrm>
           <a:prstGeom prst="rect">
             <a:avLst/>
@@ -7592,9 +5774,11 @@
           <a:bodyPr vert="horz" lIns="91440" tIns="45720" rIns="91440" bIns="45720" rtlCol="0" anchor="ctr"/>
           <a:lstStyle>
             <a:lvl1pPr algn="r">
-              <a:defRPr sz="2000">
+              <a:defRPr sz="1050">
                 <a:solidFill>
-                  <a:srgbClr val="FEFFFF"/>
+                  <a:schemeClr val="tx1">
+                    <a:tint val="75000"/>
+                  </a:schemeClr>
                 </a:solidFill>
               </a:defRPr>
             </a:lvl1pPr>
@@ -7611,317 +5795,208 @@
     </p:spTree>
     <p:extLst>
       <p:ext uri="{BB962C8B-B14F-4D97-AF65-F5344CB8AC3E}">
-        <p14:creationId xmlns:p14="http://schemas.microsoft.com/office/powerpoint/2010/main" val="3590597487"/>
+        <p14:creationId xmlns:p14="http://schemas.microsoft.com/office/powerpoint/2010/main" val="604263288"/>
       </p:ext>
     </p:extLst>
   </p:cSld>
   <p:clrMap bg1="lt1" tx1="dk1" bg2="lt2" tx2="dk2" accent1="accent1" accent2="accent2" accent3="accent3" accent4="accent4" accent5="accent5" accent6="accent6" hlink="hlink" folHlink="folHlink"/>
   <p:sldLayoutIdLst>
-    <p:sldLayoutId id="2147483973" r:id="rId1"/>
-    <p:sldLayoutId id="2147483974" r:id="rId2"/>
-    <p:sldLayoutId id="2147483975" r:id="rId3"/>
-    <p:sldLayoutId id="2147483976" r:id="rId4"/>
-    <p:sldLayoutId id="2147483977" r:id="rId5"/>
-    <p:sldLayoutId id="2147483978" r:id="rId6"/>
-    <p:sldLayoutId id="2147483979" r:id="rId7"/>
-    <p:sldLayoutId id="2147483980" r:id="rId8"/>
-    <p:sldLayoutId id="2147483981" r:id="rId9"/>
-    <p:sldLayoutId id="2147483982" r:id="rId10"/>
-    <p:sldLayoutId id="2147483983" r:id="rId11"/>
-    <p:sldLayoutId id="2147483984" r:id="rId12"/>
-    <p:sldLayoutId id="2147483985" r:id="rId13"/>
-    <p:sldLayoutId id="2147483986" r:id="rId14"/>
-    <p:sldLayoutId id="2147483987" r:id="rId15"/>
-    <p:sldLayoutId id="2147483988" r:id="rId16"/>
+    <p:sldLayoutId id="2147484008" r:id="rId1"/>
+    <p:sldLayoutId id="2147484009" r:id="rId2"/>
+    <p:sldLayoutId id="2147484010" r:id="rId3"/>
+    <p:sldLayoutId id="2147484011" r:id="rId4"/>
+    <p:sldLayoutId id="2147484012" r:id="rId5"/>
+    <p:sldLayoutId id="2147484013" r:id="rId6"/>
+    <p:sldLayoutId id="2147484014" r:id="rId7"/>
+    <p:sldLayoutId id="2147484015" r:id="rId8"/>
+    <p:sldLayoutId id="2147484016" r:id="rId9"/>
+    <p:sldLayoutId id="2147484017" r:id="rId10"/>
+    <p:sldLayoutId id="2147484018" r:id="rId11"/>
+    <p:sldLayoutId id="2147484019" r:id="rId12"/>
+    <p:sldLayoutId id="2147484020" r:id="rId13"/>
+    <p:sldLayoutId id="2147484021" r:id="rId14"/>
+    <p:sldLayoutId id="2147484022" r:id="rId15"/>
+    <p:sldLayoutId id="2147484023" r:id="rId16"/>
+    <p:sldLayoutId id="2147484024" r:id="rId17"/>
   </p:sldLayoutIdLst>
   <p:hf hdr="0" ftr="0" dt="0"/>
   <p:txStyles>
     <p:titleStyle>
-      <a:lvl1pPr algn="l" defTabSz="457200" rtl="0" eaLnBrk="1" latinLnBrk="0" hangingPunct="1">
+      <a:lvl1pPr algn="r" defTabSz="914400" rtl="0" eaLnBrk="1" latinLnBrk="0" hangingPunct="1">
+        <a:lnSpc>
+          <a:spcPct val="90000"/>
+        </a:lnSpc>
         <a:spcBef>
           <a:spcPct val="0"/>
         </a:spcBef>
         <a:buNone/>
-        <a:defRPr sz="3600" kern="1200">
+        <a:defRPr sz="4000" kern="1200" cap="all" baseline="0">
           <a:solidFill>
-            <a:schemeClr val="tx1">
-              <a:lumMod val="85000"/>
-              <a:lumOff val="15000"/>
-            </a:schemeClr>
+            <a:schemeClr val="tx1"/>
           </a:solidFill>
           <a:latin typeface="+mj-lt"/>
           <a:ea typeface="+mj-ea"/>
           <a:cs typeface="+mj-cs"/>
         </a:defRPr>
       </a:lvl1pPr>
-      <a:lvl2pPr eaLnBrk="1" hangingPunct="1">
-        <a:defRPr>
-          <a:solidFill>
-            <a:schemeClr val="tx2"/>
-          </a:solidFill>
-        </a:defRPr>
-      </a:lvl2pPr>
-      <a:lvl3pPr eaLnBrk="1" hangingPunct="1">
-        <a:defRPr>
-          <a:solidFill>
-            <a:schemeClr val="tx2"/>
-          </a:solidFill>
-        </a:defRPr>
-      </a:lvl3pPr>
-      <a:lvl4pPr eaLnBrk="1" hangingPunct="1">
-        <a:defRPr>
-          <a:solidFill>
-            <a:schemeClr val="tx2"/>
-          </a:solidFill>
-        </a:defRPr>
-      </a:lvl4pPr>
-      <a:lvl5pPr eaLnBrk="1" hangingPunct="1">
-        <a:defRPr>
-          <a:solidFill>
-            <a:schemeClr val="tx2"/>
-          </a:solidFill>
-        </a:defRPr>
-      </a:lvl5pPr>
-      <a:lvl6pPr eaLnBrk="1" hangingPunct="1">
-        <a:defRPr>
-          <a:solidFill>
-            <a:schemeClr val="tx2"/>
-          </a:solidFill>
-        </a:defRPr>
-      </a:lvl6pPr>
-      <a:lvl7pPr eaLnBrk="1" hangingPunct="1">
-        <a:defRPr>
-          <a:solidFill>
-            <a:schemeClr val="tx2"/>
-          </a:solidFill>
-        </a:defRPr>
-      </a:lvl7pPr>
-      <a:lvl8pPr eaLnBrk="1" hangingPunct="1">
-        <a:defRPr>
-          <a:solidFill>
-            <a:schemeClr val="tx2"/>
-          </a:solidFill>
-        </a:defRPr>
-      </a:lvl8pPr>
-      <a:lvl9pPr eaLnBrk="1" hangingPunct="1">
-        <a:defRPr>
-          <a:solidFill>
-            <a:schemeClr val="tx2"/>
-          </a:solidFill>
-        </a:defRPr>
-      </a:lvl9pPr>
     </p:titleStyle>
     <p:bodyStyle>
-      <a:lvl1pPr marL="342900" indent="-342900" algn="l" defTabSz="457200" rtl="0" eaLnBrk="1" latinLnBrk="0" hangingPunct="1">
+      <a:lvl1pPr marL="228600" indent="-228600" algn="l" defTabSz="914400" rtl="0" eaLnBrk="1" latinLnBrk="0" hangingPunct="1">
+        <a:lnSpc>
+          <a:spcPct val="90000"/>
+        </a:lnSpc>
         <a:spcBef>
           <a:spcPts val="1000"/>
         </a:spcBef>
-        <a:spcAft>
-          <a:spcPts val="0"/>
-        </a:spcAft>
-        <a:buClr>
-          <a:schemeClr val="accent1"/>
-        </a:buClr>
-        <a:buFont typeface="Wingdings 3" charset="2"/>
-        <a:buChar char=""/>
-        <a:defRPr sz="1800" kern="1200">
+        <a:buFont typeface="Arial" panose="020B0604020202020204" pitchFamily="34" charset="0"/>
+        <a:buChar char="•"/>
+        <a:defRPr sz="2200" kern="1200">
           <a:solidFill>
-            <a:schemeClr val="tx1">
-              <a:lumMod val="75000"/>
-              <a:lumOff val="25000"/>
-            </a:schemeClr>
+            <a:schemeClr val="tx1"/>
           </a:solidFill>
           <a:latin typeface="+mn-lt"/>
           <a:ea typeface="+mn-ea"/>
           <a:cs typeface="+mn-cs"/>
         </a:defRPr>
       </a:lvl1pPr>
-      <a:lvl2pPr marL="742950" indent="-285750" algn="l" defTabSz="457200" rtl="0" eaLnBrk="1" latinLnBrk="0" hangingPunct="1">
+      <a:lvl2pPr marL="685800" indent="-228600" algn="l" defTabSz="914400" rtl="0" eaLnBrk="1" latinLnBrk="0" hangingPunct="1">
+        <a:lnSpc>
+          <a:spcPct val="90000"/>
+        </a:lnSpc>
         <a:spcBef>
-          <a:spcPts val="1000"/>
+          <a:spcPts val="500"/>
         </a:spcBef>
-        <a:spcAft>
-          <a:spcPts val="0"/>
-        </a:spcAft>
-        <a:buClr>
-          <a:schemeClr val="accent1"/>
-        </a:buClr>
-        <a:buFont typeface="Wingdings 3" charset="2"/>
-        <a:buChar char=""/>
-        <a:defRPr sz="1600" kern="1200">
+        <a:buFont typeface="Arial" panose="020B0604020202020204" pitchFamily="34" charset="0"/>
+        <a:buChar char="•"/>
+        <a:defRPr sz="2000" kern="1200">
           <a:solidFill>
-            <a:schemeClr val="tx1">
-              <a:lumMod val="75000"/>
-              <a:lumOff val="25000"/>
-            </a:schemeClr>
+            <a:schemeClr val="tx1"/>
           </a:solidFill>
           <a:latin typeface="+mn-lt"/>
           <a:ea typeface="+mn-ea"/>
           <a:cs typeface="+mn-cs"/>
         </a:defRPr>
       </a:lvl2pPr>
-      <a:lvl3pPr marL="1143000" indent="-228600" algn="l" defTabSz="457200" rtl="0" eaLnBrk="1" latinLnBrk="0" hangingPunct="1">
+      <a:lvl3pPr marL="1143000" indent="-228600" algn="l" defTabSz="914400" rtl="0" eaLnBrk="1" latinLnBrk="0" hangingPunct="1">
+        <a:lnSpc>
+          <a:spcPct val="90000"/>
+        </a:lnSpc>
         <a:spcBef>
-          <a:spcPts val="1000"/>
+          <a:spcPts val="500"/>
         </a:spcBef>
-        <a:spcAft>
-          <a:spcPts val="0"/>
-        </a:spcAft>
-        <a:buClr>
-          <a:schemeClr val="accent1"/>
-        </a:buClr>
-        <a:buFont typeface="Wingdings 3" charset="2"/>
-        <a:buChar char=""/>
-        <a:defRPr sz="1400" kern="1200">
+        <a:buFont typeface="Arial" panose="020B0604020202020204" pitchFamily="34" charset="0"/>
+        <a:buChar char="•"/>
+        <a:defRPr sz="1800" kern="1200">
           <a:solidFill>
-            <a:schemeClr val="tx1">
-              <a:lumMod val="75000"/>
-              <a:lumOff val="25000"/>
-            </a:schemeClr>
+            <a:schemeClr val="tx1"/>
           </a:solidFill>
           <a:latin typeface="+mn-lt"/>
           <a:ea typeface="+mn-ea"/>
           <a:cs typeface="+mn-cs"/>
         </a:defRPr>
       </a:lvl3pPr>
-      <a:lvl4pPr marL="1600200" indent="-228600" algn="l" defTabSz="457200" rtl="0" eaLnBrk="1" latinLnBrk="0" hangingPunct="1">
+      <a:lvl4pPr marL="1600200" indent="-228600" algn="l" defTabSz="914400" rtl="0" eaLnBrk="1" latinLnBrk="0" hangingPunct="1">
+        <a:lnSpc>
+          <a:spcPct val="90000"/>
+        </a:lnSpc>
         <a:spcBef>
-          <a:spcPts val="1000"/>
+          <a:spcPts val="500"/>
         </a:spcBef>
-        <a:spcAft>
-          <a:spcPts val="0"/>
-        </a:spcAft>
-        <a:buClr>
-          <a:schemeClr val="accent1"/>
-        </a:buClr>
-        <a:buFont typeface="Wingdings 3" charset="2"/>
-        <a:buChar char=""/>
-        <a:defRPr sz="1200" kern="1200">
+        <a:buFont typeface="Arial" panose="020B0604020202020204" pitchFamily="34" charset="0"/>
+        <a:buChar char="•"/>
+        <a:defRPr sz="1600" kern="1200">
           <a:solidFill>
-            <a:schemeClr val="tx1">
-              <a:lumMod val="75000"/>
-              <a:lumOff val="25000"/>
-            </a:schemeClr>
+            <a:schemeClr val="tx1"/>
           </a:solidFill>
           <a:latin typeface="+mn-lt"/>
           <a:ea typeface="+mn-ea"/>
           <a:cs typeface="+mn-cs"/>
         </a:defRPr>
       </a:lvl4pPr>
-      <a:lvl5pPr marL="2057400" indent="-228600" algn="l" defTabSz="457200" rtl="0" eaLnBrk="1" latinLnBrk="0" hangingPunct="1">
+      <a:lvl5pPr marL="2057400" indent="-228600" algn="l" defTabSz="914400" rtl="0" eaLnBrk="1" latinLnBrk="0" hangingPunct="1">
+        <a:lnSpc>
+          <a:spcPct val="90000"/>
+        </a:lnSpc>
         <a:spcBef>
-          <a:spcPts val="1000"/>
+          <a:spcPts val="500"/>
         </a:spcBef>
-        <a:spcAft>
-          <a:spcPts val="0"/>
-        </a:spcAft>
-        <a:buClr>
-          <a:schemeClr val="accent1"/>
-        </a:buClr>
-        <a:buFont typeface="Wingdings 3" charset="2"/>
-        <a:buChar char=""/>
-        <a:defRPr sz="1200" kern="1200">
+        <a:buFont typeface="Arial" panose="020B0604020202020204" pitchFamily="34" charset="0"/>
+        <a:buChar char="•"/>
+        <a:defRPr sz="1600" kern="1200">
           <a:solidFill>
-            <a:schemeClr val="tx1">
-              <a:lumMod val="75000"/>
-              <a:lumOff val="25000"/>
-            </a:schemeClr>
+            <a:schemeClr val="tx1"/>
           </a:solidFill>
           <a:latin typeface="+mn-lt"/>
           <a:ea typeface="+mn-ea"/>
           <a:cs typeface="+mn-cs"/>
         </a:defRPr>
       </a:lvl5pPr>
-      <a:lvl6pPr marL="2514600" indent="-228600" algn="l" defTabSz="457200" rtl="0" eaLnBrk="1" latinLnBrk="0" hangingPunct="1">
+      <a:lvl6pPr marL="2514600" indent="-228600" algn="l" defTabSz="914400" rtl="0" eaLnBrk="1" latinLnBrk="0" hangingPunct="1">
+        <a:lnSpc>
+          <a:spcPct val="90000"/>
+        </a:lnSpc>
         <a:spcBef>
-          <a:spcPts val="1000"/>
+          <a:spcPts val="500"/>
         </a:spcBef>
-        <a:spcAft>
-          <a:spcPts val="0"/>
-        </a:spcAft>
-        <a:buClr>
-          <a:schemeClr val="accent1"/>
-        </a:buClr>
-        <a:buFont typeface="Wingdings 3" charset="2"/>
-        <a:buChar char=""/>
-        <a:defRPr sz="1200" kern="1200">
+        <a:buFont typeface="Arial" panose="020B0604020202020204" pitchFamily="34" charset="0"/>
+        <a:buChar char="•"/>
+        <a:defRPr sz="1600" kern="1200">
           <a:solidFill>
-            <a:schemeClr val="tx1">
-              <a:lumMod val="75000"/>
-              <a:lumOff val="25000"/>
-            </a:schemeClr>
+            <a:schemeClr val="tx1"/>
           </a:solidFill>
           <a:latin typeface="+mn-lt"/>
           <a:ea typeface="+mn-ea"/>
           <a:cs typeface="+mn-cs"/>
         </a:defRPr>
       </a:lvl6pPr>
-      <a:lvl7pPr marL="2971800" indent="-228600" algn="l" defTabSz="457200" rtl="0" eaLnBrk="1" latinLnBrk="0" hangingPunct="1">
+      <a:lvl7pPr marL="2971800" indent="-228600" algn="l" defTabSz="914400" rtl="0" eaLnBrk="1" latinLnBrk="0" hangingPunct="1">
+        <a:lnSpc>
+          <a:spcPct val="90000"/>
+        </a:lnSpc>
         <a:spcBef>
-          <a:spcPts val="1000"/>
+          <a:spcPts val="500"/>
         </a:spcBef>
-        <a:spcAft>
-          <a:spcPts val="0"/>
-        </a:spcAft>
-        <a:buClr>
-          <a:schemeClr val="accent1"/>
-        </a:buClr>
-        <a:buFont typeface="Wingdings 3" charset="2"/>
-        <a:buChar char=""/>
-        <a:defRPr sz="1200" kern="1200">
+        <a:buFont typeface="Arial" panose="020B0604020202020204" pitchFamily="34" charset="0"/>
+        <a:buChar char="•"/>
+        <a:defRPr sz="1600" kern="1200">
           <a:solidFill>
-            <a:schemeClr val="tx1">
-              <a:lumMod val="75000"/>
-              <a:lumOff val="25000"/>
-            </a:schemeClr>
+            <a:schemeClr val="tx1"/>
           </a:solidFill>
           <a:latin typeface="+mn-lt"/>
           <a:ea typeface="+mn-ea"/>
           <a:cs typeface="+mn-cs"/>
         </a:defRPr>
       </a:lvl7pPr>
-      <a:lvl8pPr marL="3429000" indent="-228600" algn="l" defTabSz="457200" rtl="0" eaLnBrk="1" latinLnBrk="0" hangingPunct="1">
+      <a:lvl8pPr marL="3429000" indent="-228600" algn="l" defTabSz="914400" rtl="0" eaLnBrk="1" latinLnBrk="0" hangingPunct="1">
+        <a:lnSpc>
+          <a:spcPct val="90000"/>
+        </a:lnSpc>
         <a:spcBef>
-          <a:spcPts val="1000"/>
+          <a:spcPts val="500"/>
         </a:spcBef>
-        <a:spcAft>
-          <a:spcPts val="0"/>
-        </a:spcAft>
-        <a:buClr>
-          <a:schemeClr val="accent1"/>
-        </a:buClr>
-        <a:buFont typeface="Wingdings 3" charset="2"/>
-        <a:buChar char=""/>
-        <a:defRPr sz="1200" kern="1200">
+        <a:buFont typeface="Arial" panose="020B0604020202020204" pitchFamily="34" charset="0"/>
+        <a:buChar char="•"/>
+        <a:defRPr sz="1600" kern="1200">
           <a:solidFill>
-            <a:schemeClr val="tx1">
-              <a:lumMod val="75000"/>
-              <a:lumOff val="25000"/>
-            </a:schemeClr>
+            <a:schemeClr val="tx1"/>
           </a:solidFill>
           <a:latin typeface="+mn-lt"/>
           <a:ea typeface="+mn-ea"/>
           <a:cs typeface="+mn-cs"/>
         </a:defRPr>
       </a:lvl8pPr>
-      <a:lvl9pPr marL="3886200" indent="-228600" algn="l" defTabSz="457200" rtl="0" eaLnBrk="1" latinLnBrk="0" hangingPunct="1">
+      <a:lvl9pPr marL="3886200" indent="-228600" algn="l" defTabSz="914400" rtl="0" eaLnBrk="1" latinLnBrk="0" hangingPunct="1">
+        <a:lnSpc>
+          <a:spcPct val="90000"/>
+        </a:lnSpc>
         <a:spcBef>
-          <a:spcPts val="1000"/>
+          <a:spcPts val="500"/>
         </a:spcBef>
-        <a:spcAft>
-          <a:spcPts val="0"/>
-        </a:spcAft>
-        <a:buClr>
-          <a:schemeClr val="accent1"/>
-        </a:buClr>
-        <a:buFont typeface="Wingdings 3" charset="2"/>
-        <a:buChar char=""/>
-        <a:defRPr sz="1200" kern="1200">
+        <a:buFont typeface="Arial" panose="020B0604020202020204" pitchFamily="34" charset="0"/>
+        <a:buChar char="•"/>
+        <a:defRPr sz="1600" kern="1200">
           <a:solidFill>
-            <a:schemeClr val="tx1">
-              <a:lumMod val="75000"/>
-              <a:lumOff val="25000"/>
-            </a:schemeClr>
+            <a:schemeClr val="tx1"/>
           </a:solidFill>
           <a:latin typeface="+mn-lt"/>
           <a:ea typeface="+mn-ea"/>
@@ -7933,7 +6008,7 @@
       <a:defPPr>
         <a:defRPr lang="en-US"/>
       </a:defPPr>
-      <a:lvl1pPr marL="0" algn="l" defTabSz="457200" rtl="0" eaLnBrk="1" latinLnBrk="0" hangingPunct="1">
+      <a:lvl1pPr marL="0" algn="l" defTabSz="914400" rtl="0" eaLnBrk="1" latinLnBrk="0" hangingPunct="1">
         <a:defRPr sz="1800" kern="1200">
           <a:solidFill>
             <a:schemeClr val="tx1"/>
@@ -7943,7 +6018,7 @@
           <a:cs typeface="+mn-cs"/>
         </a:defRPr>
       </a:lvl1pPr>
-      <a:lvl2pPr marL="457200" algn="l" defTabSz="457200" rtl="0" eaLnBrk="1" latinLnBrk="0" hangingPunct="1">
+      <a:lvl2pPr marL="457200" algn="l" defTabSz="914400" rtl="0" eaLnBrk="1" latinLnBrk="0" hangingPunct="1">
         <a:defRPr sz="1800" kern="1200">
           <a:solidFill>
             <a:schemeClr val="tx1"/>
@@ -7953,7 +6028,7 @@
           <a:cs typeface="+mn-cs"/>
         </a:defRPr>
       </a:lvl2pPr>
-      <a:lvl3pPr marL="914400" algn="l" defTabSz="457200" rtl="0" eaLnBrk="1" latinLnBrk="0" hangingPunct="1">
+      <a:lvl3pPr marL="914400" algn="l" defTabSz="914400" rtl="0" eaLnBrk="1" latinLnBrk="0" hangingPunct="1">
         <a:defRPr sz="1800" kern="1200">
           <a:solidFill>
             <a:schemeClr val="tx1"/>
@@ -7963,7 +6038,7 @@
           <a:cs typeface="+mn-cs"/>
         </a:defRPr>
       </a:lvl3pPr>
-      <a:lvl4pPr marL="1371600" algn="l" defTabSz="457200" rtl="0" eaLnBrk="1" latinLnBrk="0" hangingPunct="1">
+      <a:lvl4pPr marL="1371600" algn="l" defTabSz="914400" rtl="0" eaLnBrk="1" latinLnBrk="0" hangingPunct="1">
         <a:defRPr sz="1800" kern="1200">
           <a:solidFill>
             <a:schemeClr val="tx1"/>
@@ -7973,7 +6048,7 @@
           <a:cs typeface="+mn-cs"/>
         </a:defRPr>
       </a:lvl4pPr>
-      <a:lvl5pPr marL="1828800" algn="l" defTabSz="457200" rtl="0" eaLnBrk="1" latinLnBrk="0" hangingPunct="1">
+      <a:lvl5pPr marL="1828800" algn="l" defTabSz="914400" rtl="0" eaLnBrk="1" latinLnBrk="0" hangingPunct="1">
         <a:defRPr sz="1800" kern="1200">
           <a:solidFill>
             <a:schemeClr val="tx1"/>
@@ -7983,7 +6058,7 @@
           <a:cs typeface="+mn-cs"/>
         </a:defRPr>
       </a:lvl5pPr>
-      <a:lvl6pPr marL="2286000" algn="l" defTabSz="457200" rtl="0" eaLnBrk="1" latinLnBrk="0" hangingPunct="1">
+      <a:lvl6pPr marL="2286000" algn="l" defTabSz="914400" rtl="0" eaLnBrk="1" latinLnBrk="0" hangingPunct="1">
         <a:defRPr sz="1800" kern="1200">
           <a:solidFill>
             <a:schemeClr val="tx1"/>
@@ -7993,7 +6068,7 @@
           <a:cs typeface="+mn-cs"/>
         </a:defRPr>
       </a:lvl6pPr>
-      <a:lvl7pPr marL="2743200" algn="l" defTabSz="457200" rtl="0" eaLnBrk="1" latinLnBrk="0" hangingPunct="1">
+      <a:lvl7pPr marL="2743200" algn="l" defTabSz="914400" rtl="0" eaLnBrk="1" latinLnBrk="0" hangingPunct="1">
         <a:defRPr sz="1800" kern="1200">
           <a:solidFill>
             <a:schemeClr val="tx1"/>
@@ -8003,7 +6078,7 @@
           <a:cs typeface="+mn-cs"/>
         </a:defRPr>
       </a:lvl7pPr>
-      <a:lvl8pPr marL="3200400" algn="l" defTabSz="457200" rtl="0" eaLnBrk="1" latinLnBrk="0" hangingPunct="1">
+      <a:lvl8pPr marL="3200400" algn="l" defTabSz="914400" rtl="0" eaLnBrk="1" latinLnBrk="0" hangingPunct="1">
         <a:defRPr sz="1800" kern="1200">
           <a:solidFill>
             <a:schemeClr val="tx1"/>
@@ -8013,7 +6088,7 @@
           <a:cs typeface="+mn-cs"/>
         </a:defRPr>
       </a:lvl8pPr>
-      <a:lvl9pPr marL="3657600" algn="l" defTabSz="457200" rtl="0" eaLnBrk="1" latinLnBrk="0" hangingPunct="1">
+      <a:lvl9pPr marL="3657600" algn="l" defTabSz="914400" rtl="0" eaLnBrk="1" latinLnBrk="0" hangingPunct="1">
         <a:defRPr sz="1800" kern="1200">
           <a:solidFill>
             <a:schemeClr val="tx1"/>
@@ -8063,8 +6138,8 @@
         </p:nvSpPr>
         <p:spPr>
           <a:xfrm>
-            <a:off x="2589213" y="490330"/>
-            <a:ext cx="8915399" cy="4287051"/>
+            <a:off x="291549" y="1046917"/>
+            <a:ext cx="11213064" cy="2782957"/>
           </a:xfrm>
         </p:spPr>
         <p:txBody>
@@ -8073,51 +6148,64 @@
           </a:bodyPr>
           <a:lstStyle/>
           <a:p>
-            <a:r>
-              <a:rPr lang="pt-BR" b="1" dirty="0"/>
+            <a:pPr algn="ctr"/>
+            <a:r>
+              <a:rPr lang="pt-BR" sz="4400" b="1" dirty="0"/>
               <a:t>Aplicações de troca de mensagens com o protocolo </a:t>
             </a:r>
             <a:r>
-              <a:rPr lang="pt-BR" b="1" i="1" dirty="0"/>
+              <a:rPr lang="pt-BR" sz="4400" b="1" i="1" dirty="0"/>
               <a:t>XMPP: </a:t>
             </a:r>
             <a:r>
-              <a:rPr lang="pt-BR" b="1" i="1" dirty="0" err="1"/>
+              <a:rPr lang="pt-BR" sz="4400" b="1" i="1" dirty="0" err="1"/>
               <a:t>eXtensible</a:t>
             </a:r>
             <a:r>
-              <a:rPr lang="pt-BR" b="1" i="1" dirty="0"/>
+              <a:rPr lang="pt-BR" sz="4400" b="1" i="1" dirty="0"/>
               <a:t> </a:t>
             </a:r>
             <a:r>
-              <a:rPr lang="pt-BR" b="1" i="1" dirty="0" err="1"/>
+              <a:rPr lang="pt-BR" sz="4400" b="1" i="1" dirty="0" err="1"/>
               <a:t>Messaging</a:t>
             </a:r>
             <a:r>
-              <a:rPr lang="pt-BR" b="1" i="1" dirty="0"/>
+              <a:rPr lang="pt-BR" sz="4400" b="1" i="1" dirty="0"/>
               <a:t> </a:t>
             </a:r>
             <a:r>
-              <a:rPr lang="pt-BR" b="1" i="1" dirty="0" err="1"/>
+              <a:rPr lang="pt-BR" sz="4400" b="1" i="1" dirty="0" err="1"/>
               <a:t>and</a:t>
             </a:r>
             <a:r>
-              <a:rPr lang="pt-BR" b="1" i="1" dirty="0"/>
+              <a:rPr lang="pt-BR" sz="4400" b="1" i="1" dirty="0"/>
               <a:t> </a:t>
             </a:r>
             <a:r>
-              <a:rPr lang="pt-BR" b="1" i="1" dirty="0" err="1"/>
+              <a:rPr lang="pt-BR" sz="4400" b="1" i="1" dirty="0" err="1"/>
               <a:t>Presense</a:t>
             </a:r>
             <a:r>
-              <a:rPr lang="pt-BR" b="1" i="1" dirty="0"/>
+              <a:rPr lang="pt-BR" sz="4400" b="1" i="1" dirty="0"/>
               <a:t> </a:t>
             </a:r>
             <a:r>
-              <a:rPr lang="pt-BR" b="1" i="1" dirty="0" err="1"/>
+              <a:rPr lang="pt-BR" sz="4400" b="1" i="1" dirty="0" err="1"/>
               <a:t>Protocol</a:t>
             </a:r>
-            <a:endParaRPr lang="pt-BR" b="1" i="1" dirty="0"/>
+            <a:br>
+              <a:rPr lang="pt-BR" sz="4400" b="1" i="1" dirty="0"/>
+            </a:br>
+            <a:r>
+              <a:rPr lang="pt-BR" sz="4400" b="1" i="1" dirty="0">
+                <a:hlinkClick r:id="rId2"/>
+              </a:rPr>
+              <a:t>https://xmpp.org</a:t>
+            </a:r>
+            <a:r>
+              <a:rPr lang="pt-BR" sz="4400" b="1" i="1" dirty="0"/>
+              <a:t> </a:t>
+            </a:r>
           </a:p>
         </p:txBody>
       </p:sp>
@@ -8139,7 +6227,7 @@
         </p:nvSpPr>
         <p:spPr>
           <a:xfrm>
-            <a:off x="2589213" y="4777379"/>
+            <a:off x="2350674" y="3880384"/>
             <a:ext cx="8915399" cy="1726938"/>
           </a:xfrm>
         </p:spPr>
@@ -8163,7 +6251,7 @@
           <a:p>
             <a:r>
               <a:rPr lang="pt-BR" b="1" dirty="0">
-                <a:hlinkClick r:id="rId2"/>
+                <a:hlinkClick r:id="rId3"/>
               </a:rPr>
               <a:t>http://twitter.com/manoelcampos</a:t>
             </a:r>
@@ -8175,7 +6263,7 @@
           <a:p>
             <a:r>
               <a:rPr lang="pt-BR" b="1" dirty="0">
-                <a:hlinkClick r:id="rId3"/>
+                <a:hlinkClick r:id="rId4"/>
               </a:rPr>
               <a:t>http://github.com/manoelcampos</a:t>
             </a:r>
@@ -8263,8 +6351,8 @@
         </p:nvSpPr>
         <p:spPr>
           <a:xfrm>
-            <a:off x="1693889" y="354280"/>
-            <a:ext cx="10253272" cy="717704"/>
+            <a:off x="79512" y="59918"/>
+            <a:ext cx="11947161" cy="1058774"/>
           </a:xfrm>
         </p:spPr>
         <p:txBody>
@@ -8275,10 +6363,82 @@
           <a:p>
             <a:pPr algn="ctr"/>
             <a:r>
-              <a:rPr lang="pt-BR" b="1" dirty="0"/>
-              <a:t>Arquitetura Cliente/Servidor Descentralizada XMPP</a:t>
-            </a:r>
-            <a:endParaRPr lang="pt-BR" dirty="0"/>
+              <a:rPr lang="pt-BR" b="1" dirty="0">
+                <a:solidFill>
+                  <a:schemeClr val="bg1"/>
+                </a:solidFill>
+                <a:effectLst>
+                  <a:outerShdw blurRad="228600" dist="38100" dir="2700000" algn="tl" rotWithShape="0">
+                    <a:srgbClr val="000000"/>
+                  </a:outerShdw>
+                </a:effectLst>
+              </a:rPr>
+              <a:t>Arquitetura Cliente/Servidor </a:t>
+            </a:r>
+            <a:br>
+              <a:rPr lang="pt-BR" b="1" dirty="0">
+                <a:solidFill>
+                  <a:schemeClr val="bg1"/>
+                </a:solidFill>
+                <a:effectLst>
+                  <a:outerShdw blurRad="228600" dist="38100" dir="2700000" algn="tl" rotWithShape="0">
+                    <a:srgbClr val="000000"/>
+                  </a:outerShdw>
+                </a:effectLst>
+              </a:rPr>
+            </a:br>
+            <a:r>
+              <a:rPr lang="pt-BR" b="1" dirty="0">
+                <a:solidFill>
+                  <a:schemeClr val="bg1"/>
+                </a:solidFill>
+                <a:effectLst>
+                  <a:outerShdw blurRad="228600" dist="38100" dir="2700000" algn="tl" rotWithShape="0">
+                    <a:srgbClr val="000000"/>
+                  </a:outerShdw>
+                </a:effectLst>
+              </a:rPr>
+              <a:t>Descentralizada XMPP</a:t>
+            </a:r>
+            <a:endParaRPr lang="pt-BR" dirty="0">
+              <a:solidFill>
+                <a:schemeClr val="bg1"/>
+              </a:solidFill>
+              <a:effectLst>
+                <a:outerShdw blurRad="228600" dist="38100" dir="2700000" algn="tl" rotWithShape="0">
+                  <a:srgbClr val="000000"/>
+                </a:outerShdw>
+              </a:effectLst>
+            </a:endParaRPr>
+          </a:p>
+        </p:txBody>
+      </p:sp>
+      <p:sp>
+        <p:nvSpPr>
+          <p:cNvPr id="3" name="Slide Number Placeholder 2">
+            <a:extLst>
+              <a:ext uri="{FF2B5EF4-FFF2-40B4-BE49-F238E27FC236}">
+                <a16:creationId xmlns:a16="http://schemas.microsoft.com/office/drawing/2014/main" id="{E8782EBD-1415-0F4A-9755-9CBACA835A18}"/>
+              </a:ext>
+            </a:extLst>
+          </p:cNvPr>
+          <p:cNvSpPr>
+            <a:spLocks noGrp="1"/>
+          </p:cNvSpPr>
+          <p:nvPr>
+            <p:ph type="sldNum" sz="quarter" idx="12"/>
+          </p:nvPr>
+        </p:nvSpPr>
+        <p:spPr/>
+        <p:txBody>
+          <a:bodyPr/>
+          <a:lstStyle/>
+          <a:p>
+            <a:fld id="{2183B7EE-0FBE-B749-875F-ED24F5ECD71F}" type="slidenum">
+              <a:rPr lang="en-US" smtClean="0"/>
+              <a:t>10</a:t>
+            </a:fld>
+            <a:endParaRPr lang="en-US" dirty="0"/>
           </a:p>
         </p:txBody>
       </p:sp>
@@ -8582,35 +6742,6 @@
           </a:fontRef>
         </p:style>
       </p:cxnSp>
-      <p:sp>
-        <p:nvSpPr>
-          <p:cNvPr id="3" name="Slide Number Placeholder 2">
-            <a:extLst>
-              <a:ext uri="{FF2B5EF4-FFF2-40B4-BE49-F238E27FC236}">
-                <a16:creationId xmlns:a16="http://schemas.microsoft.com/office/drawing/2014/main" id="{E8782EBD-1415-0F4A-9755-9CBACA835A18}"/>
-              </a:ext>
-            </a:extLst>
-          </p:cNvPr>
-          <p:cNvSpPr>
-            <a:spLocks noGrp="1"/>
-          </p:cNvSpPr>
-          <p:nvPr>
-            <p:ph type="sldNum" sz="quarter" idx="12"/>
-          </p:nvPr>
-        </p:nvSpPr>
-        <p:spPr/>
-        <p:txBody>
-          <a:bodyPr/>
-          <a:lstStyle/>
-          <a:p>
-            <a:fld id="{2183B7EE-0FBE-B749-875F-ED24F5ECD71F}" type="slidenum">
-              <a:rPr lang="en-US" smtClean="0"/>
-              <a:t>10</a:t>
-            </a:fld>
-            <a:endParaRPr lang="en-US" dirty="0"/>
-          </a:p>
-        </p:txBody>
-      </p:sp>
       <p:pic>
         <p:nvPicPr>
           <p:cNvPr id="49" name="Picture 48">
@@ -9763,7 +7894,7 @@
         </p:nvSpPr>
         <p:spPr>
           <a:xfrm>
-            <a:off x="1974575" y="624110"/>
+            <a:off x="1974575" y="774010"/>
             <a:ext cx="9530038" cy="739995"/>
           </a:xfrm>
         </p:spPr>
@@ -9773,7 +7904,6 @@
           </a:bodyPr>
           <a:lstStyle/>
           <a:p>
-            <a:pPr algn="ctr"/>
             <a:r>
               <a:rPr lang="pt-BR" b="1" dirty="0"/>
               <a:t>Arquitetura de uma Rede XMPP</a:t>
@@ -10125,7 +8255,7 @@
         </p:nvSpPr>
         <p:spPr>
           <a:xfrm>
-            <a:off x="1974575" y="624110"/>
+            <a:off x="1974575" y="789000"/>
             <a:ext cx="9530038" cy="739995"/>
           </a:xfrm>
         </p:spPr>
@@ -10135,7 +8265,6 @@
           </a:bodyPr>
           <a:lstStyle/>
           <a:p>
-            <a:pPr algn="ctr"/>
             <a:r>
               <a:rPr lang="pt-BR" b="1" dirty="0"/>
               <a:t>Arquitetura de uma Rede XMPP</a:t>
@@ -10428,7 +8557,7 @@
         </p:nvSpPr>
         <p:spPr>
           <a:xfrm>
-            <a:off x="1974575" y="624110"/>
+            <a:off x="1974575" y="729040"/>
             <a:ext cx="9530038" cy="739995"/>
           </a:xfrm>
         </p:spPr>
@@ -10438,7 +8567,6 @@
           </a:bodyPr>
           <a:lstStyle/>
           <a:p>
-            <a:pPr algn="ctr"/>
             <a:r>
               <a:rPr lang="pt-BR" b="1" dirty="0"/>
               <a:t>Arquitetura de uma Rede XMPP</a:t>
@@ -10869,16 +8997,97 @@
         </p:spPr>
         <p:txBody>
           <a:bodyPr>
+            <a:normAutofit fontScale="90000"/>
+          </a:bodyPr>
+          <a:lstStyle/>
+          <a:p>
+            <a:pPr algn="ctr"/>
+            <a:r>
+              <a:rPr lang="pt-BR" b="1" dirty="0">
+                <a:solidFill>
+                  <a:schemeClr val="bg1"/>
+                </a:solidFill>
+                <a:effectLst>
+                  <a:outerShdw blurRad="241300" dist="50800" dir="5400000" algn="ctr" rotWithShape="0">
+                    <a:schemeClr val="tx1"/>
+                  </a:outerShdw>
+                </a:effectLst>
+              </a:rPr>
+              <a:t>Comparação com a arquitetura Web</a:t>
+            </a:r>
+            <a:endParaRPr lang="pt-BR" dirty="0">
+              <a:solidFill>
+                <a:schemeClr val="bg1"/>
+              </a:solidFill>
+              <a:effectLst>
+                <a:outerShdw blurRad="241300" dist="50800" dir="5400000" algn="ctr" rotWithShape="0">
+                  <a:schemeClr val="tx1"/>
+                </a:outerShdw>
+              </a:effectLst>
+            </a:endParaRPr>
+          </a:p>
+        </p:txBody>
+      </p:sp>
+      <p:sp>
+        <p:nvSpPr>
+          <p:cNvPr id="66" name="Content Placeholder 2">
+            <a:extLst>
+              <a:ext uri="{FF2B5EF4-FFF2-40B4-BE49-F238E27FC236}">
+                <a16:creationId xmlns:a16="http://schemas.microsoft.com/office/drawing/2014/main" id="{7DD7200E-83C5-FE41-A371-CC6A4884910F}"/>
+              </a:ext>
+            </a:extLst>
+          </p:cNvPr>
+          <p:cNvSpPr>
+            <a:spLocks noGrp="1"/>
+          </p:cNvSpPr>
+          <p:nvPr>
+            <p:ph idx="1"/>
+          </p:nvPr>
+        </p:nvSpPr>
+        <p:spPr>
+          <a:xfrm>
+            <a:off x="2256997" y="1197060"/>
+            <a:ext cx="6290786" cy="3965756"/>
+          </a:xfrm>
+        </p:spPr>
+        <p:txBody>
+          <a:bodyPr>
             <a:normAutofit/>
           </a:bodyPr>
           <a:lstStyle/>
           <a:p>
-            <a:pPr algn="ctr"/>
-            <a:r>
-              <a:rPr lang="pt-BR" b="1" dirty="0"/>
-              <a:t>Comparação com a arquitetura Web</a:t>
-            </a:r>
-            <a:endParaRPr lang="pt-BR" dirty="0"/>
+            <a:r>
+              <a:rPr lang="pt-BR" sz="2400" dirty="0"/>
+              <a:t>Aplicações web tradicionais acessam um servidor principal</a:t>
+            </a:r>
+          </a:p>
+          <a:p>
+            <a:r>
+              <a:rPr lang="pt-BR" sz="2400" dirty="0"/>
+              <a:t>O cliente comumente apenas acessa recursos em diferentes serviços (como páginas adicionais, arquivos </a:t>
+            </a:r>
+            <a:r>
+              <a:rPr lang="pt-BR" sz="2400" dirty="0" err="1"/>
+              <a:t>js</a:t>
+            </a:r>
+            <a:r>
+              <a:rPr lang="pt-BR" sz="2400" dirty="0"/>
+              <a:t> e </a:t>
+            </a:r>
+            <a:r>
+              <a:rPr lang="pt-BR" sz="2400" dirty="0" err="1"/>
+              <a:t>css</a:t>
+            </a:r>
+            <a:r>
+              <a:rPr lang="pt-BR" sz="2400" dirty="0"/>
+              <a:t>, etc.)</a:t>
+            </a:r>
+          </a:p>
+          <a:p>
+            <a:r>
+              <a:rPr lang="pt-BR" sz="2400" dirty="0"/>
+              <a:t>Mas normalmente não há qualquer cooperação (comunicação) entre servidores como ocorre na rede XMPP</a:t>
+            </a:r>
           </a:p>
         </p:txBody>
       </p:sp>
@@ -10942,69 +9151,6 @@
             <a:r>
               <a:rPr lang="pt-BR" sz="1000" dirty="0"/>
               <a:t>Imagem Adaptada de [2]</a:t>
-            </a:r>
-          </a:p>
-        </p:txBody>
-      </p:sp>
-      <p:sp>
-        <p:nvSpPr>
-          <p:cNvPr id="66" name="Content Placeholder 2">
-            <a:extLst>
-              <a:ext uri="{FF2B5EF4-FFF2-40B4-BE49-F238E27FC236}">
-                <a16:creationId xmlns:a16="http://schemas.microsoft.com/office/drawing/2014/main" id="{7DD7200E-83C5-FE41-A371-CC6A4884910F}"/>
-              </a:ext>
-            </a:extLst>
-          </p:cNvPr>
-          <p:cNvSpPr>
-            <a:spLocks noGrp="1"/>
-          </p:cNvSpPr>
-          <p:nvPr>
-            <p:ph idx="1"/>
-          </p:nvPr>
-        </p:nvSpPr>
-        <p:spPr>
-          <a:xfrm>
-            <a:off x="2256997" y="1197060"/>
-            <a:ext cx="6290786" cy="3965756"/>
-          </a:xfrm>
-        </p:spPr>
-        <p:txBody>
-          <a:bodyPr>
-            <a:normAutofit/>
-          </a:bodyPr>
-          <a:lstStyle/>
-          <a:p>
-            <a:r>
-              <a:rPr lang="pt-BR" sz="2400" dirty="0"/>
-              <a:t>Aplicações web tradicionais acessam um servidor principal</a:t>
-            </a:r>
-          </a:p>
-          <a:p>
-            <a:r>
-              <a:rPr lang="pt-BR" sz="2400" dirty="0"/>
-              <a:t>O cliente comumente apenas acessa recursos em diferentes serviços (como páginas adicionais, arquivos </a:t>
-            </a:r>
-            <a:r>
-              <a:rPr lang="pt-BR" sz="2400" dirty="0" err="1"/>
-              <a:t>js</a:t>
-            </a:r>
-            <a:r>
-              <a:rPr lang="pt-BR" sz="2400" dirty="0"/>
-              <a:t> e </a:t>
-            </a:r>
-            <a:r>
-              <a:rPr lang="pt-BR" sz="2400" dirty="0" err="1"/>
-              <a:t>css</a:t>
-            </a:r>
-            <a:r>
-              <a:rPr lang="pt-BR" sz="2400" dirty="0"/>
-              <a:t>, etc.)</a:t>
-            </a:r>
-          </a:p>
-          <a:p>
-            <a:r>
-              <a:rPr lang="pt-BR" sz="2400" dirty="0"/>
-              <a:t>Mas normalmente não há qualquer cooperação (comunicação) entre servidores como ocorre na rede XMPP</a:t>
             </a:r>
           </a:p>
         </p:txBody>
@@ -11888,10 +10034,81 @@
           <a:p>
             <a:pPr algn="ctr"/>
             <a:r>
-              <a:rPr lang="pt-BR" b="1" dirty="0"/>
+              <a:rPr lang="pt-BR" b="1" dirty="0">
+                <a:solidFill>
+                  <a:schemeClr val="bg1"/>
+                </a:solidFill>
+                <a:effectLst>
+                  <a:outerShdw blurRad="228600" dist="50800" dir="5400000" algn="ctr" rotWithShape="0">
+                    <a:schemeClr val="tx1"/>
+                  </a:outerShdw>
+                </a:effectLst>
+              </a:rPr>
               <a:t>Comparação com arquitetura de servidores de e-mail</a:t>
             </a:r>
-            <a:endParaRPr lang="pt-BR" dirty="0"/>
+            <a:endParaRPr lang="pt-BR" dirty="0">
+              <a:solidFill>
+                <a:schemeClr val="bg1"/>
+              </a:solidFill>
+              <a:effectLst>
+                <a:outerShdw blurRad="228600" dist="50800" dir="5400000" algn="ctr" rotWithShape="0">
+                  <a:schemeClr val="tx1"/>
+                </a:outerShdw>
+              </a:effectLst>
+            </a:endParaRPr>
+          </a:p>
+        </p:txBody>
+      </p:sp>
+      <p:sp>
+        <p:nvSpPr>
+          <p:cNvPr id="66" name="Content Placeholder 2">
+            <a:extLst>
+              <a:ext uri="{FF2B5EF4-FFF2-40B4-BE49-F238E27FC236}">
+                <a16:creationId xmlns:a16="http://schemas.microsoft.com/office/drawing/2014/main" id="{7DD7200E-83C5-FE41-A371-CC6A4884910F}"/>
+              </a:ext>
+            </a:extLst>
+          </p:cNvPr>
+          <p:cNvSpPr>
+            <a:spLocks noGrp="1"/>
+          </p:cNvSpPr>
+          <p:nvPr>
+            <p:ph idx="1"/>
+          </p:nvPr>
+        </p:nvSpPr>
+        <p:spPr>
+          <a:xfrm>
+            <a:off x="1590297" y="1406919"/>
+            <a:ext cx="4795832" cy="5314860"/>
+          </a:xfrm>
+        </p:spPr>
+        <p:txBody>
+          <a:bodyPr>
+            <a:normAutofit/>
+          </a:bodyPr>
+          <a:lstStyle/>
+          <a:p>
+            <a:r>
+              <a:rPr lang="pt-BR" sz="2400" dirty="0"/>
+              <a:t>Redes de servidores de e-mail já têm uma arquitetura mais parecida com o XMPP</a:t>
+            </a:r>
+          </a:p>
+          <a:p>
+            <a:r>
+              <a:rPr lang="pt-BR" sz="2400" dirty="0"/>
+              <a:t>Quando um cliente envia um e-mail, a mensagem pode passar por vários servidores até chegar ao cliente de destino</a:t>
+            </a:r>
+          </a:p>
+          <a:p>
+            <a:r>
+              <a:rPr lang="pt-BR" sz="2400" dirty="0"/>
+              <a:t>Os servidores estão interligados e cooperam para a entrega da mensagem</a:t>
+            </a:r>
+          </a:p>
+          <a:p>
+            <a:r>
+              <a:rPr lang="pt-BR" sz="2400" dirty="0"/>
+              <a:t>Este é o mesmo modelo usado por servidores DNS</a:t>
+            </a:r>
           </a:p>
         </p:txBody>
       </p:sp>
@@ -11955,59 +10172,6 @@
             <a:r>
               <a:rPr lang="pt-BR" sz="1000" dirty="0"/>
               <a:t>Imagem Adaptada de [2]</a:t>
-            </a:r>
-          </a:p>
-        </p:txBody>
-      </p:sp>
-      <p:sp>
-        <p:nvSpPr>
-          <p:cNvPr id="66" name="Content Placeholder 2">
-            <a:extLst>
-              <a:ext uri="{FF2B5EF4-FFF2-40B4-BE49-F238E27FC236}">
-                <a16:creationId xmlns:a16="http://schemas.microsoft.com/office/drawing/2014/main" id="{7DD7200E-83C5-FE41-A371-CC6A4884910F}"/>
-              </a:ext>
-            </a:extLst>
-          </p:cNvPr>
-          <p:cNvSpPr>
-            <a:spLocks noGrp="1"/>
-          </p:cNvSpPr>
-          <p:nvPr>
-            <p:ph idx="1"/>
-          </p:nvPr>
-        </p:nvSpPr>
-        <p:spPr>
-          <a:xfrm>
-            <a:off x="1590297" y="1406919"/>
-            <a:ext cx="4795832" cy="5314860"/>
-          </a:xfrm>
-        </p:spPr>
-        <p:txBody>
-          <a:bodyPr>
-            <a:normAutofit lnSpcReduction="10000"/>
-          </a:bodyPr>
-          <a:lstStyle/>
-          <a:p>
-            <a:r>
-              <a:rPr lang="pt-BR" sz="2400" dirty="0"/>
-              <a:t>Redes de servidores de e-mail já têm uma arquitetura mais parecida com o XMPP</a:t>
-            </a:r>
-          </a:p>
-          <a:p>
-            <a:r>
-              <a:rPr lang="pt-BR" sz="2400" dirty="0"/>
-              <a:t>Quando um cliente envia um e-mail, a mensagem pode passar por vários servidores até chegar ao cliente de destino</a:t>
-            </a:r>
-          </a:p>
-          <a:p>
-            <a:r>
-              <a:rPr lang="pt-BR" sz="2400" dirty="0"/>
-              <a:t>Os servidores estão interligados e cooperam para a entrega da mensagem</a:t>
-            </a:r>
-          </a:p>
-          <a:p>
-            <a:r>
-              <a:rPr lang="pt-BR" sz="2400" dirty="0"/>
-              <a:t>Este é o mesmo modelo usado por servidores DNS</a:t>
             </a:r>
           </a:p>
         </p:txBody>
@@ -12956,80 +11120,34 @@
         </p:spPr>
         <p:txBody>
           <a:bodyPr>
-            <a:normAutofit/>
+            <a:normAutofit fontScale="90000"/>
           </a:bodyPr>
           <a:lstStyle/>
           <a:p>
             <a:pPr algn="ctr"/>
             <a:r>
-              <a:rPr lang="pt-BR" b="1" dirty="0"/>
+              <a:rPr lang="pt-BR" b="1" dirty="0">
+                <a:solidFill>
+                  <a:schemeClr val="bg1"/>
+                </a:solidFill>
+                <a:effectLst>
+                  <a:outerShdw blurRad="228600" dist="50800" dir="5400000" algn="ctr" rotWithShape="0">
+                    <a:schemeClr val="tx1"/>
+                  </a:outerShdw>
+                </a:effectLst>
+              </a:rPr>
               <a:t>Comparação das Arquiteturas</a:t>
             </a:r>
-            <a:endParaRPr lang="pt-BR" dirty="0"/>
-          </a:p>
-        </p:txBody>
-      </p:sp>
-      <p:sp>
-        <p:nvSpPr>
-          <p:cNvPr id="3" name="Slide Number Placeholder 2">
-            <a:extLst>
-              <a:ext uri="{FF2B5EF4-FFF2-40B4-BE49-F238E27FC236}">
-                <a16:creationId xmlns:a16="http://schemas.microsoft.com/office/drawing/2014/main" id="{E8782EBD-1415-0F4A-9755-9CBACA835A18}"/>
-              </a:ext>
-            </a:extLst>
-          </p:cNvPr>
-          <p:cNvSpPr>
-            <a:spLocks noGrp="1"/>
-          </p:cNvSpPr>
-          <p:nvPr>
-            <p:ph type="sldNum" sz="quarter" idx="12"/>
-          </p:nvPr>
-        </p:nvSpPr>
-        <p:spPr/>
-        <p:txBody>
-          <a:bodyPr/>
-          <a:lstStyle/>
-          <a:p>
-            <a:fld id="{2183B7EE-0FBE-B749-875F-ED24F5ECD71F}" type="slidenum">
-              <a:rPr lang="en-US" smtClean="0"/>
-              <a:t>16</a:t>
-            </a:fld>
-            <a:endParaRPr lang="en-US" dirty="0"/>
-          </a:p>
-        </p:txBody>
-      </p:sp>
-      <p:sp>
-        <p:nvSpPr>
-          <p:cNvPr id="99" name="TextBox 98">
-            <a:extLst>
-              <a:ext uri="{FF2B5EF4-FFF2-40B4-BE49-F238E27FC236}">
-                <a16:creationId xmlns:a16="http://schemas.microsoft.com/office/drawing/2014/main" id="{5F286A07-BF9D-054F-AE9E-916D0265B2F3}"/>
-              </a:ext>
-            </a:extLst>
-          </p:cNvPr>
-          <p:cNvSpPr txBox="1"/>
-          <p:nvPr/>
-        </p:nvSpPr>
-        <p:spPr>
-          <a:xfrm>
-            <a:off x="5729862" y="6549433"/>
-            <a:ext cx="1710725" cy="246221"/>
-          </a:xfrm>
-          <a:prstGeom prst="rect">
-            <a:avLst/>
-          </a:prstGeom>
-          <a:noFill/>
-        </p:spPr>
-        <p:txBody>
-          <a:bodyPr wrap="none" rtlCol="0">
-            <a:spAutoFit/>
-          </a:bodyPr>
-          <a:lstStyle/>
-          <a:p>
-            <a:r>
-              <a:rPr lang="pt-BR" sz="1000" dirty="0"/>
-              <a:t>Tabela adaptada de [2]</a:t>
-            </a:r>
+            <a:endParaRPr lang="pt-BR" dirty="0">
+              <a:solidFill>
+                <a:schemeClr val="bg1"/>
+              </a:solidFill>
+              <a:effectLst>
+                <a:outerShdw blurRad="228600" dist="50800" dir="5400000" algn="ctr" rotWithShape="0">
+                  <a:schemeClr val="tx1"/>
+                </a:outerShdw>
+              </a:effectLst>
+            </a:endParaRPr>
           </a:p>
         </p:txBody>
       </p:sp>
@@ -13289,6 +11407,70 @@
           </a:graphicData>
         </a:graphic>
       </p:graphicFrame>
+      <p:sp>
+        <p:nvSpPr>
+          <p:cNvPr id="3" name="Slide Number Placeholder 2">
+            <a:extLst>
+              <a:ext uri="{FF2B5EF4-FFF2-40B4-BE49-F238E27FC236}">
+                <a16:creationId xmlns:a16="http://schemas.microsoft.com/office/drawing/2014/main" id="{E8782EBD-1415-0F4A-9755-9CBACA835A18}"/>
+              </a:ext>
+            </a:extLst>
+          </p:cNvPr>
+          <p:cNvSpPr>
+            <a:spLocks noGrp="1"/>
+          </p:cNvSpPr>
+          <p:nvPr>
+            <p:ph type="sldNum" sz="quarter" idx="12"/>
+          </p:nvPr>
+        </p:nvSpPr>
+        <p:spPr/>
+        <p:txBody>
+          <a:bodyPr/>
+          <a:lstStyle/>
+          <a:p>
+            <a:fld id="{2183B7EE-0FBE-B749-875F-ED24F5ECD71F}" type="slidenum">
+              <a:rPr lang="en-US" smtClean="0"/>
+              <a:t>16</a:t>
+            </a:fld>
+            <a:endParaRPr lang="en-US" dirty="0"/>
+          </a:p>
+        </p:txBody>
+      </p:sp>
+      <p:sp>
+        <p:nvSpPr>
+          <p:cNvPr id="99" name="TextBox 98">
+            <a:extLst>
+              <a:ext uri="{FF2B5EF4-FFF2-40B4-BE49-F238E27FC236}">
+                <a16:creationId xmlns:a16="http://schemas.microsoft.com/office/drawing/2014/main" id="{5F286A07-BF9D-054F-AE9E-916D0265B2F3}"/>
+              </a:ext>
+            </a:extLst>
+          </p:cNvPr>
+          <p:cNvSpPr txBox="1"/>
+          <p:nvPr/>
+        </p:nvSpPr>
+        <p:spPr>
+          <a:xfrm>
+            <a:off x="5729862" y="6549433"/>
+            <a:ext cx="1710725" cy="246221"/>
+          </a:xfrm>
+          <a:prstGeom prst="rect">
+            <a:avLst/>
+          </a:prstGeom>
+          <a:noFill/>
+        </p:spPr>
+        <p:txBody>
+          <a:bodyPr wrap="none" rtlCol="0">
+            <a:spAutoFit/>
+          </a:bodyPr>
+          <a:lstStyle/>
+          <a:p>
+            <a:r>
+              <a:rPr lang="pt-BR" sz="1000" dirty="0"/>
+              <a:t>Tabela adaptada de [2]</a:t>
+            </a:r>
+          </a:p>
+        </p:txBody>
+      </p:sp>
     </p:spTree>
     <p:extLst>
       <p:ext uri="{BB962C8B-B14F-4D97-AF65-F5344CB8AC3E}">
@@ -13368,8 +11550,8 @@
         </p:nvSpPr>
         <p:spPr>
           <a:xfrm>
-            <a:off x="2589212" y="1552755"/>
-            <a:ext cx="8915400" cy="5089585"/>
+            <a:off x="2589212" y="1837566"/>
+            <a:ext cx="8915400" cy="4256062"/>
           </a:xfrm>
         </p:spPr>
         <p:txBody>
@@ -13507,95 +11689,6 @@
       </p:grpSpPr>
       <p:sp>
         <p:nvSpPr>
-          <p:cNvPr id="2" name="Title 1">
-            <a:extLst>
-              <a:ext uri="{FF2B5EF4-FFF2-40B4-BE49-F238E27FC236}">
-                <a16:creationId xmlns:a16="http://schemas.microsoft.com/office/drawing/2014/main" id="{58204B45-BA2F-544A-ADBD-2B584480C63E}"/>
-              </a:ext>
-            </a:extLst>
-          </p:cNvPr>
-          <p:cNvSpPr>
-            <a:spLocks noGrp="1"/>
-          </p:cNvSpPr>
-          <p:nvPr>
-            <p:ph type="title"/>
-          </p:nvPr>
-        </p:nvSpPr>
-        <p:spPr>
-          <a:xfrm>
-            <a:off x="1974575" y="624110"/>
-            <a:ext cx="9530038" cy="1509490"/>
-          </a:xfrm>
-        </p:spPr>
-        <p:txBody>
-          <a:bodyPr>
-            <a:normAutofit fontScale="90000"/>
-          </a:bodyPr>
-          <a:lstStyle/>
-          <a:p>
-            <a:pPr algn="ctr"/>
-            <a:r>
-              <a:rPr lang="pt-BR" b="1" i="1" dirty="0"/>
-              <a:t>XMPP</a:t>
-            </a:r>
-            <a:br>
-              <a:rPr lang="pt-BR" b="1" i="1" dirty="0"/>
-            </a:br>
-            <a:r>
-              <a:rPr lang="pt-BR" b="1" i="1" dirty="0" err="1"/>
-              <a:t>eXtensible</a:t>
-            </a:r>
-            <a:r>
-              <a:rPr lang="pt-BR" b="1" i="1" dirty="0"/>
-              <a:t> </a:t>
-            </a:r>
-            <a:r>
-              <a:rPr lang="pt-BR" b="1" i="1" dirty="0" err="1"/>
-              <a:t>Messaging</a:t>
-            </a:r>
-            <a:r>
-              <a:rPr lang="pt-BR" b="1" i="1" dirty="0"/>
-              <a:t> </a:t>
-            </a:r>
-            <a:r>
-              <a:rPr lang="pt-BR" b="1" i="1" dirty="0" err="1"/>
-              <a:t>and</a:t>
-            </a:r>
-            <a:r>
-              <a:rPr lang="pt-BR" b="1" i="1" dirty="0"/>
-              <a:t> </a:t>
-            </a:r>
-            <a:r>
-              <a:rPr lang="pt-BR" b="1" i="1" dirty="0" err="1"/>
-              <a:t>Presense</a:t>
-            </a:r>
-            <a:r>
-              <a:rPr lang="pt-BR" b="1" i="1" dirty="0"/>
-              <a:t> </a:t>
-            </a:r>
-            <a:r>
-              <a:rPr lang="pt-BR" b="1" i="1" dirty="0" err="1"/>
-              <a:t>Protocol</a:t>
-            </a:r>
-            <a:br>
-              <a:rPr lang="pt-BR" b="1" i="1" dirty="0"/>
-            </a:br>
-            <a:r>
-              <a:rPr lang="pt-BR" b="1" i="1" dirty="0">
-                <a:hlinkClick r:id="rId2"/>
-              </a:rPr>
-              <a:t>https://xmpp.org</a:t>
-            </a:r>
-            <a:r>
-              <a:rPr lang="pt-BR" b="1" i="1" dirty="0"/>
-              <a:t> </a:t>
-            </a:r>
-            <a:endParaRPr lang="pt-BR" dirty="0"/>
-          </a:p>
-        </p:txBody>
-      </p:sp>
-      <p:sp>
-        <p:nvSpPr>
           <p:cNvPr id="3" name="Content Placeholder 2">
             <a:extLst>
               <a:ext uri="{FF2B5EF4-FFF2-40B4-BE49-F238E27FC236}">
@@ -13679,6 +11772,82 @@
               <a:t>2</a:t>
             </a:fld>
             <a:endParaRPr lang="en-US" dirty="0"/>
+          </a:p>
+        </p:txBody>
+      </p:sp>
+      <p:sp>
+        <p:nvSpPr>
+          <p:cNvPr id="7" name="Title 1">
+            <a:extLst>
+              <a:ext uri="{FF2B5EF4-FFF2-40B4-BE49-F238E27FC236}">
+                <a16:creationId xmlns:a16="http://schemas.microsoft.com/office/drawing/2014/main" id="{B7621E9A-A403-2E4F-903F-60CBC83A635F}"/>
+              </a:ext>
+            </a:extLst>
+          </p:cNvPr>
+          <p:cNvSpPr>
+            <a:spLocks noGrp="1"/>
+          </p:cNvSpPr>
+          <p:nvPr>
+            <p:ph type="title"/>
+          </p:nvPr>
+        </p:nvSpPr>
+        <p:spPr>
+          <a:xfrm>
+            <a:off x="1974575" y="624110"/>
+            <a:ext cx="9530038" cy="1164933"/>
+          </a:xfrm>
+        </p:spPr>
+        <p:txBody>
+          <a:bodyPr>
+            <a:normAutofit fontScale="90000"/>
+          </a:bodyPr>
+          <a:lstStyle/>
+          <a:p>
+            <a:pPr algn="ctr"/>
+            <a:r>
+              <a:rPr lang="pt-BR" b="1" i="1" dirty="0"/>
+              <a:t>XMPP</a:t>
+            </a:r>
+            <a:br>
+              <a:rPr lang="pt-BR" b="1" i="1" dirty="0"/>
+            </a:br>
+            <a:r>
+              <a:rPr lang="pt-BR" b="1" i="1" dirty="0" err="1"/>
+              <a:t>eXtensible</a:t>
+            </a:r>
+            <a:r>
+              <a:rPr lang="pt-BR" b="1" i="1" dirty="0"/>
+              <a:t> </a:t>
+            </a:r>
+            <a:r>
+              <a:rPr lang="pt-BR" b="1" i="1" dirty="0" err="1"/>
+              <a:t>Messaging</a:t>
+            </a:r>
+            <a:r>
+              <a:rPr lang="pt-BR" b="1" i="1" dirty="0"/>
+              <a:t> </a:t>
+            </a:r>
+            <a:r>
+              <a:rPr lang="pt-BR" b="1" i="1" dirty="0" err="1"/>
+              <a:t>and</a:t>
+            </a:r>
+            <a:r>
+              <a:rPr lang="pt-BR" b="1" i="1" dirty="0"/>
+              <a:t> </a:t>
+            </a:r>
+            <a:r>
+              <a:rPr lang="pt-BR" b="1" i="1" dirty="0" err="1"/>
+              <a:t>Presense</a:t>
+            </a:r>
+            <a:r>
+              <a:rPr lang="pt-BR" b="1" i="1" dirty="0"/>
+              <a:t> </a:t>
+            </a:r>
+            <a:r>
+              <a:rPr lang="pt-BR" b="1" i="1" dirty="0" err="1"/>
+              <a:t>Protocol</a:t>
+            </a:r>
+            <a:endParaRPr lang="pt-BR" dirty="0"/>
           </a:p>
         </p:txBody>
       </p:sp>
@@ -14806,7 +12975,7 @@
         </p:nvSpPr>
         <p:spPr>
           <a:xfrm>
-            <a:off x="2589212" y="1444487"/>
+            <a:off x="2589212" y="1749287"/>
             <a:ext cx="8915400" cy="4692021"/>
           </a:xfrm>
         </p:spPr>
@@ -15122,7 +13291,7 @@
         </p:nvSpPr>
         <p:spPr>
           <a:xfrm>
-            <a:off x="2589212" y="1444487"/>
+            <a:off x="2589212" y="1749287"/>
             <a:ext cx="8915400" cy="4692021"/>
           </a:xfrm>
         </p:spPr>
@@ -15516,13 +13685,13 @@
         </p:nvSpPr>
         <p:spPr>
           <a:xfrm>
-            <a:off x="2589212" y="1444487"/>
+            <a:off x="2589212" y="1656521"/>
             <a:ext cx="8915400" cy="4692021"/>
           </a:xfrm>
         </p:spPr>
         <p:txBody>
           <a:bodyPr>
-            <a:normAutofit fontScale="92500" lnSpcReduction="10000"/>
+            <a:normAutofit lnSpcReduction="10000"/>
           </a:bodyPr>
           <a:lstStyle/>
           <a:p>
@@ -15968,7 +14137,7 @@
         </p:nvSpPr>
         <p:spPr>
           <a:xfrm>
-            <a:off x="2589212" y="1444487"/>
+            <a:off x="2589212" y="1749287"/>
             <a:ext cx="8915400" cy="4692021"/>
           </a:xfrm>
         </p:spPr>
@@ -16046,14 +14215,10 @@
             </a:r>
             <a:r>
               <a:rPr lang="pt-BR" sz="2400" dirty="0"/>
-              <a:t>, também aberto e altamente </a:t>
-            </a:r>
-            <a:r>
-              <a:rPr lang="pt-BR" sz="2400"/>
-              <a:t>escalável </a:t>
-            </a:r>
-            <a:r>
-              <a:rPr lang="pt-BR" sz="2400" i="1"/>
+              <a:t>, também aberto e altamente escalável </a:t>
+            </a:r>
+            <a:r>
+              <a:rPr lang="pt-BR" sz="2400" i="1" dirty="0"/>
               <a:t>(</a:t>
             </a:r>
             <a:r>
@@ -16796,9 +14961,9 @@
 </file>
 
 <file path=ppt/theme/theme1.xml><?xml version="1.0" encoding="utf-8"?>
-<a:theme xmlns:a="http://schemas.openxmlformats.org/drawingml/2006/main" name="Wisp">
+<a:theme xmlns:a="http://schemas.openxmlformats.org/drawingml/2006/main" name="Vapor Trail">
   <a:themeElements>
-    <a:clrScheme name="Wisp">
+    <a:clrScheme name="Vapor Trail">
       <a:dk1>
         <a:sysClr val="windowText" lastClr="000000"/>
       </a:dk1>
@@ -16806,48 +14971,83 @@
         <a:sysClr val="window" lastClr="FFFFFF"/>
       </a:lt1>
       <a:dk2>
-        <a:srgbClr val="766F54"/>
+        <a:srgbClr val="454545"/>
       </a:dk2>
       <a:lt2>
-        <a:srgbClr val="E3EACF"/>
+        <a:srgbClr val="DADADA"/>
       </a:lt2>
       <a:accent1>
-        <a:srgbClr val="A53010"/>
+        <a:srgbClr val="C4220D"/>
       </a:accent1>
       <a:accent2>
-        <a:srgbClr val="DE7E18"/>
+        <a:srgbClr val="EB7712"/>
       </a:accent2>
       <a:accent3>
-        <a:srgbClr val="9F8351"/>
+        <a:srgbClr val="ECBD31"/>
       </a:accent3>
       <a:accent4>
-        <a:srgbClr val="728653"/>
+        <a:srgbClr val="92CE4A"/>
       </a:accent4>
       <a:accent5>
-        <a:srgbClr val="92AA4C"/>
+        <a:srgbClr val="50CFB4"/>
       </a:accent5>
       <a:accent6>
-        <a:srgbClr val="6AAC91"/>
+        <a:srgbClr val="0D8EC5"/>
       </a:accent6>
       <a:hlink>
-        <a:srgbClr val="FB4A18"/>
+        <a:srgbClr val="EA5A0C"/>
       </a:hlink>
       <a:folHlink>
-        <a:srgbClr val="FB9318"/>
+        <a:srgbClr val="F09D3A"/>
       </a:folHlink>
     </a:clrScheme>
-    <a:fontScheme name="Wisp">
+    <a:fontScheme name="Vapor Trail">
       <a:majorFont>
         <a:latin typeface="Century Gothic" panose="020B0502020202020204"/>
         <a:ea typeface=""/>
         <a:cs typeface=""/>
-        <a:font script="Jpan" typeface="メイリオ"/>
-        <a:font script="Hang" typeface="HY중고딕"/>
-        <a:font script="Hans" typeface="幼圆"/>
-        <a:font script="Hant" typeface="微軟正黑體"/>
-        <a:font script="Arab" typeface="Tahoma"/>
-        <a:font script="Hebr" typeface="Gisha"/>
-        <a:font script="Thai" typeface="DilleniaUPC"/>
+        <a:font script="Jpan" typeface="ＭＳ Ｐゴシック"/>
+        <a:font script="Hang" typeface="맑은 고딕"/>
+        <a:font script="Hans" typeface="宋体"/>
+        <a:font script="Hant" typeface="新細明體"/>
+        <a:font script="Arab" typeface="Times New Roman"/>
+        <a:font script="Hebr" typeface="Times New Roman"/>
+        <a:font script="Thai" typeface="Angsana New"/>
+        <a:font script="Ethi" typeface="Nyala"/>
+        <a:font script="Beng" typeface="Vrinda"/>
+        <a:font script="Gujr" typeface="Shruti"/>
+        <a:font script="Khmr" typeface="MoolBoran"/>
+        <a:font script="Knda" typeface="Tunga"/>
+        <a:font script="Guru" typeface="Raavi"/>
+        <a:font script="Cans" typeface="Euphemia"/>
+        <a:font script="Cher" typeface="Plantagenet Cherokee"/>
+        <a:font script="Yiii" typeface="Microsoft Yi Baiti"/>
+        <a:font script="Tibt" typeface="Microsoft Himalaya"/>
+        <a:font script="Thaa" typeface="MV Boli"/>
+        <a:font script="Deva" typeface="Mangal"/>
+        <a:font script="Telu" typeface="Gautami"/>
+        <a:font script="Taml" typeface="Latha"/>
+        <a:font script="Syrc" typeface="Estrangelo Edessa"/>
+        <a:font script="Orya" typeface="Kalinga"/>
+        <a:font script="Mlym" typeface="Kartika"/>
+        <a:font script="Laoo" typeface="DokChampa"/>
+        <a:font script="Sinh" typeface="Iskoola Pota"/>
+        <a:font script="Mong" typeface="Mongolian Baiti"/>
+        <a:font script="Viet" typeface="Times New Roman"/>
+        <a:font script="Uigh" typeface="Microsoft Uighur"/>
+        <a:font script="Geor" typeface="Sylfaen"/>
+      </a:majorFont>
+      <a:minorFont>
+        <a:latin typeface="Century Gothic" panose="020B0502020202020204"/>
+        <a:ea typeface=""/>
+        <a:cs typeface=""/>
+        <a:font script="Jpan" typeface="ＭＳ Ｐゴシック"/>
+        <a:font script="Hang" typeface="맑은 고딕"/>
+        <a:font script="Hans" typeface="宋体"/>
+        <a:font script="Hant" typeface="新細明體"/>
+        <a:font script="Arab" typeface="Arial"/>
+        <a:font script="Hebr" typeface="Arial"/>
+        <a:font script="Thai" typeface="Cordia New"/>
         <a:font script="Ethi" typeface="Nyala"/>
         <a:font script="Beng" typeface="Vrinda"/>
         <a:font script="Gujr" typeface="Shruti"/>
@@ -16868,69 +15068,57 @@
         <a:font script="Laoo" typeface="DokChampa"/>
         <a:font script="Sinh" typeface="Iskoola Pota"/>
         <a:font script="Mong" typeface="Mongolian Baiti"/>
-        <a:font script="Viet" typeface="Tahoma"/>
-        <a:font script="Uigh" typeface="Microsoft Uighur"/>
-        <a:font script="Geor" typeface="Sylfaen"/>
-      </a:majorFont>
-      <a:minorFont>
-        <a:latin typeface="Century Gothic" panose="020B0502020202020204"/>
-        <a:ea typeface=""/>
-        <a:cs typeface=""/>
-        <a:font script="Jpan" typeface="メイリオ"/>
-        <a:font script="Hang" typeface="HY중고딕"/>
-        <a:font script="Hans" typeface="幼圆"/>
-        <a:font script="Hant" typeface="微軟正黑體"/>
-        <a:font script="Arab" typeface="Tahoma"/>
-        <a:font script="Hebr" typeface="Gisha"/>
-        <a:font script="Thai" typeface="DilleniaUPC"/>
-        <a:font script="Ethi" typeface="Nyala"/>
-        <a:font script="Beng" typeface="Vrinda"/>
-        <a:font script="Gujr" typeface="Shruti"/>
-        <a:font script="Khmr" typeface="DaunPenh"/>
-        <a:font script="Knda" typeface="Tunga"/>
-        <a:font script="Guru" typeface="Raavi"/>
-        <a:font script="Cans" typeface="Euphemia"/>
-        <a:font script="Cher" typeface="Plantagenet Cherokee"/>
-        <a:font script="Yiii" typeface="Microsoft Yi Baiti"/>
-        <a:font script="Tibt" typeface="Microsoft Himalaya"/>
-        <a:font script="Thaa" typeface="MV Boli"/>
-        <a:font script="Deva" typeface="Mangal"/>
-        <a:font script="Telu" typeface="Gautami"/>
-        <a:font script="Taml" typeface="Latha"/>
-        <a:font script="Syrc" typeface="Estrangelo Edessa"/>
-        <a:font script="Orya" typeface="Kalinga"/>
-        <a:font script="Mlym" typeface="Kartika"/>
-        <a:font script="Laoo" typeface="DokChampa"/>
-        <a:font script="Sinh" typeface="Iskoola Pota"/>
-        <a:font script="Mong" typeface="Mongolian Baiti"/>
-        <a:font script="Viet" typeface="Tahoma"/>
+        <a:font script="Viet" typeface="Arial"/>
         <a:font script="Uigh" typeface="Microsoft Uighur"/>
         <a:font script="Geor" typeface="Sylfaen"/>
       </a:minorFont>
     </a:fontScheme>
-    <a:fmtScheme name="Wisp">
+    <a:fmtScheme name="Vapor Trail">
       <a:fillStyleLst>
         <a:solidFill>
           <a:schemeClr val="phClr"/>
-        </a:solidFill>
-        <a:solidFill>
-          <a:schemeClr val="phClr">
-            <a:tint val="70000"/>
-            <a:lumMod val="104000"/>
-          </a:schemeClr>
         </a:solidFill>
         <a:gradFill rotWithShape="1">
           <a:gsLst>
             <a:gs pos="0">
               <a:schemeClr val="phClr">
-                <a:tint val="96000"/>
+                <a:tint val="69000"/>
+                <a:alpha val="100000"/>
+                <a:satMod val="109000"/>
+                <a:lumMod val="110000"/>
+              </a:schemeClr>
+            </a:gs>
+            <a:gs pos="52000">
+              <a:schemeClr val="phClr">
+                <a:tint val="74000"/>
+                <a:satMod val="100000"/>
                 <a:lumMod val="104000"/>
               </a:schemeClr>
             </a:gs>
             <a:gs pos="100000">
               <a:schemeClr val="phClr">
-                <a:shade val="98000"/>
-                <a:lumMod val="94000"/>
+                <a:tint val="78000"/>
+                <a:satMod val="100000"/>
+                <a:lumMod val="100000"/>
+              </a:schemeClr>
+            </a:gs>
+          </a:gsLst>
+          <a:lin ang="5400000" scaled="0"/>
+        </a:gradFill>
+        <a:gradFill rotWithShape="1">
+          <a:gsLst>
+            <a:gs pos="0">
+              <a:schemeClr val="phClr">
+                <a:tint val="96000"/>
+                <a:satMod val="100000"/>
+                <a:lumMod val="104000"/>
+              </a:schemeClr>
+            </a:gs>
+            <a:gs pos="78000">
+              <a:schemeClr val="phClr">
+                <a:shade val="100000"/>
+                <a:satMod val="110000"/>
+                <a:lumMod val="100000"/>
               </a:schemeClr>
             </a:gs>
           </a:gsLst>
@@ -16938,21 +15126,19 @@
         </a:gradFill>
       </a:fillStyleLst>
       <a:lnStyleLst>
-        <a:ln w="9525" cap="rnd" cmpd="sng" algn="ctr">
-          <a:solidFill>
-            <a:schemeClr val="phClr">
-              <a:shade val="90000"/>
-            </a:schemeClr>
-          </a:solidFill>
-          <a:prstDash val="solid"/>
-        </a:ln>
-        <a:ln w="15875" cap="rnd" cmpd="sng" algn="ctr">
+        <a:ln w="9525" cap="flat" cmpd="sng" algn="ctr">
           <a:solidFill>
             <a:schemeClr val="phClr"/>
           </a:solidFill>
           <a:prstDash val="solid"/>
         </a:ln>
-        <a:ln w="22225" cap="rnd" cmpd="sng" algn="ctr">
+        <a:ln w="12700" cap="flat" cmpd="sng" algn="ctr">
+          <a:solidFill>
+            <a:schemeClr val="phClr"/>
+          </a:solidFill>
+          <a:prstDash val="solid"/>
+        </a:ln>
+        <a:ln w="19050" cap="flat" cmpd="sng" algn="ctr">
           <a:solidFill>
             <a:schemeClr val="phClr"/>
           </a:solidFill>
@@ -16964,66 +15150,72 @@
           <a:effectLst/>
         </a:effectStyle>
         <a:effectStyle>
+          <a:effectLst/>
+          <a:scene3d>
+            <a:camera prst="orthographicFront">
+              <a:rot lat="0" lon="0" rev="0"/>
+            </a:camera>
+            <a:lightRig rig="threePt" dir="t"/>
+          </a:scene3d>
+          <a:sp3d>
+            <a:bevelT w="25400" h="12700"/>
+          </a:sp3d>
+        </a:effectStyle>
+        <a:effectStyle>
           <a:effectLst>
-            <a:outerShdw blurRad="38100" dist="25400" dir="5400000" rotWithShape="0">
+            <a:outerShdw blurRad="57150" dist="19050" dir="5400000" algn="ctr" rotWithShape="0">
               <a:srgbClr val="000000">
-                <a:alpha val="25000"/>
+                <a:alpha val="48000"/>
               </a:srgbClr>
             </a:outerShdw>
           </a:effectLst>
-        </a:effectStyle>
-        <a:effectStyle>
-          <a:effectLst>
-            <a:outerShdw blurRad="50800" dist="38100" dir="5400000" rotWithShape="0">
-              <a:srgbClr val="000000">
-                <a:alpha val="60000"/>
-              </a:srgbClr>
-            </a:outerShdw>
-          </a:effectLst>
+          <a:scene3d>
+            <a:camera prst="orthographicFront">
+              <a:rot lat="0" lon="0" rev="0"/>
+            </a:camera>
+            <a:lightRig rig="threePt" dir="t"/>
+          </a:scene3d>
+          <a:sp3d>
+            <a:bevelT w="50800" h="25400"/>
+          </a:sp3d>
         </a:effectStyle>
       </a:effectStyleLst>
       <a:bgFillStyleLst>
         <a:solidFill>
           <a:schemeClr val="phClr"/>
         </a:solidFill>
+        <a:solidFill>
+          <a:schemeClr val="phClr">
+            <a:tint val="95000"/>
+            <a:satMod val="170000"/>
+          </a:schemeClr>
+        </a:solidFill>
         <a:gradFill rotWithShape="1">
           <a:gsLst>
             <a:gs pos="0">
               <a:schemeClr val="phClr">
-                <a:tint val="90000"/>
-                <a:lumMod val="120000"/>
+                <a:tint val="93000"/>
+                <a:shade val="98000"/>
+                <a:satMod val="150000"/>
+                <a:lumMod val="102000"/>
+              </a:schemeClr>
+            </a:gs>
+            <a:gs pos="50000">
+              <a:schemeClr val="phClr">
+                <a:tint val="98000"/>
+                <a:shade val="90000"/>
+                <a:satMod val="130000"/>
+                <a:lumMod val="103000"/>
               </a:schemeClr>
             </a:gs>
             <a:gs pos="100000">
               <a:schemeClr val="phClr">
-                <a:shade val="98000"/>
+                <a:shade val="63000"/>
                 <a:satMod val="120000"/>
-                <a:lumMod val="98000"/>
               </a:schemeClr>
             </a:gs>
           </a:gsLst>
           <a:lin ang="5400000" scaled="0"/>
-        </a:gradFill>
-        <a:gradFill rotWithShape="1">
-          <a:gsLst>
-            <a:gs pos="0">
-              <a:schemeClr val="phClr">
-                <a:tint val="90000"/>
-                <a:satMod val="92000"/>
-                <a:lumMod val="120000"/>
-              </a:schemeClr>
-            </a:gs>
-            <a:gs pos="100000">
-              <a:schemeClr val="phClr">
-                <a:shade val="98000"/>
-                <a:satMod val="120000"/>
-                <a:lumMod val="98000"/>
-              </a:schemeClr>
-            </a:gs>
-          </a:gsLst>
-          <a:path path="circle">
-            <a:fillToRect l="50000" t="50000" r="100000" b="100000"/>
-          </a:path>
         </a:gradFill>
       </a:bgFillStyleLst>
     </a:fmtScheme>
@@ -17032,7 +15224,7 @@
   <a:extraClrSchemeLst/>
   <a:extLst>
     <a:ext uri="{05A4C25C-085E-4340-85A3-A5531E510DB2}">
-      <thm15:themeFamily xmlns:thm15="http://schemas.microsoft.com/office/thememl/2012/main" name="Wisp" id="{7CB32D59-10C0-40DD-B7BD-2E94284A981C}" vid="{24B1A44C-C006-48B2-A4D7-E5549B3D8CD4}"/>
+      <thm15:themeFamily xmlns:thm15="http://schemas.microsoft.com/office/thememl/2012/main" name="Vapor Trail" id="{4FDF2955-7D9C-493C-B9F9-C205151B46CD}" vid="{FE1EB5C7-81A8-4CBA-AE6E-B3BF73DC3895}"/>
     </a:ext>
   </a:extLst>
 </a:theme>

--- a/projects/06-xmpp-chat-client/xmpp.pptx
+++ b/projects/06-xmpp-chat-client/xmpp.pptx
@@ -213,7 +213,7 @@
           <a:p>
             <a:fld id="{7497B6E1-7C5B-524D-B5EB-5E6695205380}" type="datetimeFigureOut">
               <a:rPr lang="pt-BR" smtClean="0"/>
-              <a:t>15/11/2018</a:t>
+              <a:t>18/11/2018</a:t>
             </a:fld>
             <a:endParaRPr lang="pt-BR"/>
           </a:p>
@@ -651,7 +651,7 @@
           <a:p>
             <a:fld id="{19E7D63B-43B5-8A4C-BD12-76889BE136BD}" type="datetime1">
               <a:rPr lang="en-US" smtClean="0"/>
-              <a:t>11/15/18</a:t>
+              <a:t>11/18/18</a:t>
             </a:fld>
             <a:endParaRPr lang="en-US" dirty="0"/>
           </a:p>
@@ -918,7 +918,7 @@
           <a:p>
             <a:fld id="{124E9894-F119-A64C-B7CB-D7CE860A73BE}" type="datetime1">
               <a:rPr lang="en-US" smtClean="0"/>
-              <a:t>11/15/18</a:t>
+              <a:t>11/18/18</a:t>
             </a:fld>
             <a:endParaRPr lang="en-US" dirty="0"/>
           </a:p>
@@ -1150,7 +1150,7 @@
           <a:p>
             <a:fld id="{124E9894-F119-A64C-B7CB-D7CE860A73BE}" type="datetime1">
               <a:rPr lang="en-US" smtClean="0"/>
-              <a:t>11/15/18</a:t>
+              <a:t>11/18/18</a:t>
             </a:fld>
             <a:endParaRPr lang="en-US" dirty="0"/>
           </a:p>
@@ -1461,7 +1461,7 @@
           <a:p>
             <a:fld id="{124E9894-F119-A64C-B7CB-D7CE860A73BE}" type="datetime1">
               <a:rPr lang="en-US" smtClean="0"/>
-              <a:t>11/15/18</a:t>
+              <a:t>11/18/18</a:t>
             </a:fld>
             <a:endParaRPr lang="en-US" dirty="0"/>
           </a:p>
@@ -1935,7 +1935,7 @@
           <a:p>
             <a:fld id="{B4BBB50B-BAA3-9748-978F-08A7877AB7D9}" type="datetime1">
               <a:rPr lang="en-US" smtClean="0"/>
-              <a:t>11/15/18</a:t>
+              <a:t>11/18/18</a:t>
             </a:fld>
             <a:endParaRPr lang="en-US" dirty="0"/>
           </a:p>
@@ -2482,7 +2482,7 @@
           <a:p>
             <a:fld id="{124E9894-F119-A64C-B7CB-D7CE860A73BE}" type="datetime1">
               <a:rPr lang="en-US" smtClean="0"/>
-              <a:t>11/15/18</a:t>
+              <a:t>11/18/18</a:t>
             </a:fld>
             <a:endParaRPr lang="en-US" dirty="0"/>
           </a:p>
@@ -3257,7 +3257,7 @@
           <a:p>
             <a:fld id="{124E9894-F119-A64C-B7CB-D7CE860A73BE}" type="datetime1">
               <a:rPr lang="en-US" smtClean="0"/>
-              <a:t>11/15/18</a:t>
+              <a:t>11/18/18</a:t>
             </a:fld>
             <a:endParaRPr lang="en-US" dirty="0"/>
           </a:p>
@@ -3433,7 +3433,7 @@
           <a:p>
             <a:fld id="{45040DEA-CE02-EF42-8F10-34F709D8505D}" type="datetime1">
               <a:rPr lang="en-US" smtClean="0"/>
-              <a:t>11/15/18</a:t>
+              <a:t>11/18/18</a:t>
             </a:fld>
             <a:endParaRPr lang="en-US" dirty="0"/>
           </a:p>
@@ -3656,7 +3656,7 @@
           <a:p>
             <a:fld id="{A0C1C801-5706-434E-AB65-DDFBCF1F55D2}" type="datetime1">
               <a:rPr lang="en-US" smtClean="0"/>
-              <a:t>11/15/18</a:t>
+              <a:t>11/18/18</a:t>
             </a:fld>
             <a:endParaRPr lang="en-US" dirty="0"/>
           </a:p>
@@ -3836,7 +3836,7 @@
           <a:p>
             <a:fld id="{39AE0FD8-7D7B-EA4F-8AF8-8B97820A0C5D}" type="datetime1">
               <a:rPr lang="en-US" smtClean="0"/>
-              <a:t>11/15/18</a:t>
+              <a:t>11/18/18</a:t>
             </a:fld>
             <a:endParaRPr lang="en-US" dirty="0"/>
           </a:p>
@@ -4125,7 +4125,7 @@
           <a:p>
             <a:fld id="{7FC94D43-3F68-DC43-8EF0-95FB3D51CCCF}" type="datetime1">
               <a:rPr lang="en-US" smtClean="0"/>
-              <a:t>11/15/18</a:t>
+              <a:t>11/18/18</a:t>
             </a:fld>
             <a:endParaRPr lang="en-US" dirty="0"/>
           </a:p>
@@ -4367,7 +4367,7 @@
           <a:p>
             <a:fld id="{BD42CFC2-1CE8-9045-8C9C-0F183F0FB455}" type="datetime1">
               <a:rPr lang="en-US" smtClean="0"/>
-              <a:t>11/15/18</a:t>
+              <a:t>11/18/18</a:t>
             </a:fld>
             <a:endParaRPr lang="en-US" dirty="0"/>
           </a:p>
@@ -4746,7 +4746,7 @@
           <a:p>
             <a:fld id="{F1B5C6E2-D044-C748-9C41-86C9B2F84EB9}" type="datetime1">
               <a:rPr lang="en-US" smtClean="0"/>
-              <a:t>11/15/18</a:t>
+              <a:t>11/18/18</a:t>
             </a:fld>
             <a:endParaRPr lang="en-US" dirty="0"/>
           </a:p>
@@ -4864,7 +4864,7 @@
           <a:p>
             <a:fld id="{359C32BA-C166-AC45-9FCD-8BF0F43629D9}" type="datetime1">
               <a:rPr lang="en-US" smtClean="0"/>
-              <a:t>11/15/18</a:t>
+              <a:t>11/18/18</a:t>
             </a:fld>
             <a:endParaRPr lang="en-US" dirty="0"/>
           </a:p>
@@ -4959,7 +4959,7 @@
           <a:p>
             <a:fld id="{E5D0D591-4B92-A44B-A0EA-798E76AD0368}" type="datetime1">
               <a:rPr lang="en-US" smtClean="0"/>
-              <a:t>11/15/18</a:t>
+              <a:t>11/18/18</a:t>
             </a:fld>
             <a:endParaRPr lang="en-US" dirty="0"/>
           </a:p>
@@ -5208,7 +5208,7 @@
           <a:p>
             <a:fld id="{8201F472-E17F-4B47-A44B-A2249FA27ED2}" type="datetime1">
               <a:rPr lang="en-US" smtClean="0"/>
-              <a:t>11/15/18</a:t>
+              <a:t>11/18/18</a:t>
             </a:fld>
             <a:endParaRPr lang="en-US" dirty="0"/>
           </a:p>
@@ -5465,7 +5465,7 @@
           <a:p>
             <a:fld id="{8BEFB9EE-CDF2-6F49-80F4-278D1604F10C}" type="datetime1">
               <a:rPr lang="en-US" smtClean="0"/>
-              <a:t>11/15/18</a:t>
+              <a:t>11/18/18</a:t>
             </a:fld>
             <a:endParaRPr lang="en-US" dirty="0"/>
           </a:p>
@@ -5708,7 +5708,7 @@
           <a:p>
             <a:fld id="{124E9894-F119-A64C-B7CB-D7CE860A73BE}" type="datetime1">
               <a:rPr lang="en-US" smtClean="0"/>
-              <a:t>11/15/18</a:t>
+              <a:t>11/18/18</a:t>
             </a:fld>
             <a:endParaRPr lang="en-US" dirty="0"/>
           </a:p>
@@ -7954,7 +7954,7 @@
           <a:p>
             <a:r>
               <a:rPr lang="pt-BR" sz="2400" dirty="0"/>
-              <a:t>Mensagens trocadas entre os clientes de um mesmo domínio são por um servidor de tal domínio</a:t>
+              <a:t>Mensagens trocadas entre os clientes de um mesmo domínio são entregues por um servidor de tal domínio</a:t>
             </a:r>
           </a:p>
           <a:p>
@@ -12608,7 +12608,7 @@
           <a:p>
             <a:r>
               <a:rPr lang="pt-BR" sz="2400" dirty="0"/>
-              <a:t>Comunicação segura com uso de </a:t>
+              <a:t>Comunicação segura com </a:t>
             </a:r>
             <a:r>
               <a:rPr lang="pt-BR" sz="2400" i="1" dirty="0" err="1"/>
@@ -12628,7 +12628,7 @@
             </a:r>
             <a:r>
               <a:rPr lang="pt-BR" sz="2400" dirty="0"/>
-              <a:t> (TLS), protocolo de criptografia usado, por exemplo, pelo HTTPS</a:t>
+              <a:t> (TLS) - o protocolo de criptografia usado, por exemplo, pelo HTTPS</a:t>
             </a:r>
           </a:p>
           <a:p>
@@ -13350,7 +13350,7 @@
           <a:p>
             <a:r>
               <a:rPr lang="pt-BR" sz="2400" dirty="0"/>
-              <a:t>Tal versão modificada reduz o tamanho dos dados XML transmitidos, reduzindo consumo de banda e tempo e entrega de mensagens</a:t>
+              <a:t>Tal versão modificada reduz o tamanho dos dados XML transmitidos, reduzindo consumo de banda e tempo de entrega de mensagens</a:t>
             </a:r>
           </a:p>
         </p:txBody>
@@ -13691,21 +13691,29 @@
         </p:spPr>
         <p:txBody>
           <a:bodyPr>
-            <a:normAutofit lnSpcReduction="10000"/>
+            <a:normAutofit fontScale="92500" lnSpcReduction="10000"/>
           </a:bodyPr>
           <a:lstStyle/>
           <a:p>
             <a:pPr algn="just"/>
             <a:r>
               <a:rPr lang="pt-BR" sz="2400" dirty="0"/>
-              <a:t>Apesar das melhorias, como é um protocolo proprietário e não documentado, isso dificulta que outros desenvolvedores criem soluções para usar o WhatsApp</a:t>
+              <a:t>Apesar das melhorias, como é um protocolo proprietário e não documentado, isso dificulta que outros desenvolvedores criem soluções para integrar com o WhatsApp</a:t>
             </a:r>
           </a:p>
           <a:p>
             <a:pPr algn="just"/>
             <a:r>
               <a:rPr lang="pt-BR" sz="2400" dirty="0"/>
-              <a:t>O uso de uma versão proprietária do XMPP também prejudica a interoperabilidade garantida pelo protocolo original</a:t>
+              <a:t>O uso de uma versão proprietária do XMPP prejudica a interoperabilidade garantida pelo protocolo original: uma </a:t>
+            </a:r>
+            <a:r>
+              <a:rPr lang="pt-BR" sz="2400" dirty="0" err="1"/>
+              <a:t>app</a:t>
+            </a:r>
+            <a:r>
+              <a:rPr lang="pt-BR" sz="2400" dirty="0"/>
+              <a:t> usando XMPP não pode facilmente se comunicar com WhatsApp</a:t>
             </a:r>
           </a:p>
           <a:p>

--- a/projects/06-xmpp-chat-client/xmpp.pptx
+++ b/projects/06-xmpp-chat-client/xmpp.pptx
@@ -213,7 +213,7 @@
           <a:p>
             <a:fld id="{7497B6E1-7C5B-524D-B5EB-5E6695205380}" type="datetimeFigureOut">
               <a:rPr lang="pt-BR" smtClean="0"/>
-              <a:t>18/11/2018</a:t>
+              <a:t>19/11/2018</a:t>
             </a:fld>
             <a:endParaRPr lang="pt-BR"/>
           </a:p>
@@ -651,7 +651,7 @@
           <a:p>
             <a:fld id="{19E7D63B-43B5-8A4C-BD12-76889BE136BD}" type="datetime1">
               <a:rPr lang="en-US" smtClean="0"/>
-              <a:t>11/18/18</a:t>
+              <a:t>11/19/18</a:t>
             </a:fld>
             <a:endParaRPr lang="en-US" dirty="0"/>
           </a:p>
@@ -918,7 +918,7 @@
           <a:p>
             <a:fld id="{124E9894-F119-A64C-B7CB-D7CE860A73BE}" type="datetime1">
               <a:rPr lang="en-US" smtClean="0"/>
-              <a:t>11/18/18</a:t>
+              <a:t>11/19/18</a:t>
             </a:fld>
             <a:endParaRPr lang="en-US" dirty="0"/>
           </a:p>
@@ -1150,7 +1150,7 @@
           <a:p>
             <a:fld id="{124E9894-F119-A64C-B7CB-D7CE860A73BE}" type="datetime1">
               <a:rPr lang="en-US" smtClean="0"/>
-              <a:t>11/18/18</a:t>
+              <a:t>11/19/18</a:t>
             </a:fld>
             <a:endParaRPr lang="en-US" dirty="0"/>
           </a:p>
@@ -1461,7 +1461,7 @@
           <a:p>
             <a:fld id="{124E9894-F119-A64C-B7CB-D7CE860A73BE}" type="datetime1">
               <a:rPr lang="en-US" smtClean="0"/>
-              <a:t>11/18/18</a:t>
+              <a:t>11/19/18</a:t>
             </a:fld>
             <a:endParaRPr lang="en-US" dirty="0"/>
           </a:p>
@@ -1935,7 +1935,7 @@
           <a:p>
             <a:fld id="{B4BBB50B-BAA3-9748-978F-08A7877AB7D9}" type="datetime1">
               <a:rPr lang="en-US" smtClean="0"/>
-              <a:t>11/18/18</a:t>
+              <a:t>11/19/18</a:t>
             </a:fld>
             <a:endParaRPr lang="en-US" dirty="0"/>
           </a:p>
@@ -2482,7 +2482,7 @@
           <a:p>
             <a:fld id="{124E9894-F119-A64C-B7CB-D7CE860A73BE}" type="datetime1">
               <a:rPr lang="en-US" smtClean="0"/>
-              <a:t>11/18/18</a:t>
+              <a:t>11/19/18</a:t>
             </a:fld>
             <a:endParaRPr lang="en-US" dirty="0"/>
           </a:p>
@@ -3257,7 +3257,7 @@
           <a:p>
             <a:fld id="{124E9894-F119-A64C-B7CB-D7CE860A73BE}" type="datetime1">
               <a:rPr lang="en-US" smtClean="0"/>
-              <a:t>11/18/18</a:t>
+              <a:t>11/19/18</a:t>
             </a:fld>
             <a:endParaRPr lang="en-US" dirty="0"/>
           </a:p>
@@ -3433,7 +3433,7 @@
           <a:p>
             <a:fld id="{45040DEA-CE02-EF42-8F10-34F709D8505D}" type="datetime1">
               <a:rPr lang="en-US" smtClean="0"/>
-              <a:t>11/18/18</a:t>
+              <a:t>11/19/18</a:t>
             </a:fld>
             <a:endParaRPr lang="en-US" dirty="0"/>
           </a:p>
@@ -3656,7 +3656,7 @@
           <a:p>
             <a:fld id="{A0C1C801-5706-434E-AB65-DDFBCF1F55D2}" type="datetime1">
               <a:rPr lang="en-US" smtClean="0"/>
-              <a:t>11/18/18</a:t>
+              <a:t>11/19/18</a:t>
             </a:fld>
             <a:endParaRPr lang="en-US" dirty="0"/>
           </a:p>
@@ -3836,7 +3836,7 @@
           <a:p>
             <a:fld id="{39AE0FD8-7D7B-EA4F-8AF8-8B97820A0C5D}" type="datetime1">
               <a:rPr lang="en-US" smtClean="0"/>
-              <a:t>11/18/18</a:t>
+              <a:t>11/19/18</a:t>
             </a:fld>
             <a:endParaRPr lang="en-US" dirty="0"/>
           </a:p>
@@ -4125,7 +4125,7 @@
           <a:p>
             <a:fld id="{7FC94D43-3F68-DC43-8EF0-95FB3D51CCCF}" type="datetime1">
               <a:rPr lang="en-US" smtClean="0"/>
-              <a:t>11/18/18</a:t>
+              <a:t>11/19/18</a:t>
             </a:fld>
             <a:endParaRPr lang="en-US" dirty="0"/>
           </a:p>
@@ -4367,7 +4367,7 @@
           <a:p>
             <a:fld id="{BD42CFC2-1CE8-9045-8C9C-0F183F0FB455}" type="datetime1">
               <a:rPr lang="en-US" smtClean="0"/>
-              <a:t>11/18/18</a:t>
+              <a:t>11/19/18</a:t>
             </a:fld>
             <a:endParaRPr lang="en-US" dirty="0"/>
           </a:p>
@@ -4746,7 +4746,7 @@
           <a:p>
             <a:fld id="{F1B5C6E2-D044-C748-9C41-86C9B2F84EB9}" type="datetime1">
               <a:rPr lang="en-US" smtClean="0"/>
-              <a:t>11/18/18</a:t>
+              <a:t>11/19/18</a:t>
             </a:fld>
             <a:endParaRPr lang="en-US" dirty="0"/>
           </a:p>
@@ -4864,7 +4864,7 @@
           <a:p>
             <a:fld id="{359C32BA-C166-AC45-9FCD-8BF0F43629D9}" type="datetime1">
               <a:rPr lang="en-US" smtClean="0"/>
-              <a:t>11/18/18</a:t>
+              <a:t>11/19/18</a:t>
             </a:fld>
             <a:endParaRPr lang="en-US" dirty="0"/>
           </a:p>
@@ -4959,7 +4959,7 @@
           <a:p>
             <a:fld id="{E5D0D591-4B92-A44B-A0EA-798E76AD0368}" type="datetime1">
               <a:rPr lang="en-US" smtClean="0"/>
-              <a:t>11/18/18</a:t>
+              <a:t>11/19/18</a:t>
             </a:fld>
             <a:endParaRPr lang="en-US" dirty="0"/>
           </a:p>
@@ -5208,7 +5208,7 @@
           <a:p>
             <a:fld id="{8201F472-E17F-4B47-A44B-A2249FA27ED2}" type="datetime1">
               <a:rPr lang="en-US" smtClean="0"/>
-              <a:t>11/18/18</a:t>
+              <a:t>11/19/18</a:t>
             </a:fld>
             <a:endParaRPr lang="en-US" dirty="0"/>
           </a:p>
@@ -5465,7 +5465,7 @@
           <a:p>
             <a:fld id="{8BEFB9EE-CDF2-6F49-80F4-278D1604F10C}" type="datetime1">
               <a:rPr lang="en-US" smtClean="0"/>
-              <a:t>11/18/18</a:t>
+              <a:t>11/19/18</a:t>
             </a:fld>
             <a:endParaRPr lang="en-US" dirty="0"/>
           </a:p>
@@ -5708,7 +5708,7 @@
           <a:p>
             <a:fld id="{124E9894-F119-A64C-B7CB-D7CE860A73BE}" type="datetime1">
               <a:rPr lang="en-US" smtClean="0"/>
-              <a:t>11/18/18</a:t>
+              <a:t>11/19/18</a:t>
             </a:fld>
             <a:endParaRPr lang="en-US" dirty="0"/>
           </a:p>

--- a/projects/06-xmpp-chat-client/xmpp.pptx
+++ b/projects/06-xmpp-chat-client/xmpp.pptx
@@ -5,7 +5,7 @@
     <p:sldMasterId id="2147484007" r:id="rId1"/>
   </p:sldMasterIdLst>
   <p:notesMasterIdLst>
-    <p:notesMasterId r:id="rId19"/>
+    <p:notesMasterId r:id="rId20"/>
   </p:notesMasterIdLst>
   <p:sldIdLst>
     <p:sldId id="266" r:id="rId2"/>
@@ -24,7 +24,8 @@
     <p:sldId id="293" r:id="rId15"/>
     <p:sldId id="294" r:id="rId16"/>
     <p:sldId id="295" r:id="rId17"/>
-    <p:sldId id="281" r:id="rId18"/>
+    <p:sldId id="296" r:id="rId18"/>
+    <p:sldId id="281" r:id="rId19"/>
   </p:sldIdLst>
   <p:sldSz cx="12192000" cy="6858000"/>
   <p:notesSz cx="6858000" cy="9144000"/>
@@ -180,7 +181,7 @@
             </a:lvl1pPr>
           </a:lstStyle>
           <a:p>
-            <a:endParaRPr lang="pt-BR"/>
+            <a:endParaRPr lang="pt-BR" dirty="0"/>
           </a:p>
         </p:txBody>
       </p:sp>
@@ -213,9 +214,9 @@
           <a:p>
             <a:fld id="{7497B6E1-7C5B-524D-B5EB-5E6695205380}" type="datetimeFigureOut">
               <a:rPr lang="pt-BR" smtClean="0"/>
-              <a:t>19/11/2018</a:t>
+              <a:t>22/11/2018</a:t>
             </a:fld>
-            <a:endParaRPr lang="pt-BR"/>
+            <a:endParaRPr lang="pt-BR" dirty="0"/>
           </a:p>
         </p:txBody>
       </p:sp>
@@ -248,7 +249,7 @@
           <a:bodyPr vert="horz" lIns="91440" tIns="45720" rIns="91440" bIns="45720" rtlCol="0" anchor="ctr"/>
           <a:lstStyle/>
           <a:p>
-            <a:endParaRPr lang="pt-BR"/>
+            <a:endParaRPr lang="pt-BR" dirty="0"/>
           </a:p>
         </p:txBody>
       </p:sp>
@@ -339,7 +340,7 @@
             </a:lvl1pPr>
           </a:lstStyle>
           <a:p>
-            <a:endParaRPr lang="pt-BR"/>
+            <a:endParaRPr lang="pt-BR" dirty="0"/>
           </a:p>
         </p:txBody>
       </p:sp>
@@ -374,7 +375,7 @@
               <a:rPr lang="pt-BR" smtClean="0"/>
               <a:t>‹#›</a:t>
             </a:fld>
-            <a:endParaRPr lang="pt-BR"/>
+            <a:endParaRPr lang="pt-BR" dirty="0"/>
           </a:p>
         </p:txBody>
       </p:sp>
@@ -651,7 +652,7 @@
           <a:p>
             <a:fld id="{19E7D63B-43B5-8A4C-BD12-76889BE136BD}" type="datetime1">
               <a:rPr lang="en-US" smtClean="0"/>
-              <a:t>11/19/18</a:t>
+              <a:t>11/22/18</a:t>
             </a:fld>
             <a:endParaRPr lang="en-US" dirty="0"/>
           </a:p>
@@ -829,10 +830,9 @@
           </a:lstStyle>
           <a:p>
             <a:r>
-              <a:rPr lang="en-US"/>
+              <a:rPr lang="en-US" dirty="0"/>
               <a:t>Click icon to add picture</a:t>
             </a:r>
-            <a:endParaRPr lang="en-US" dirty="0"/>
           </a:p>
         </p:txBody>
       </p:sp>
@@ -918,7 +918,7 @@
           <a:p>
             <a:fld id="{124E9894-F119-A64C-B7CB-D7CE860A73BE}" type="datetime1">
               <a:rPr lang="en-US" smtClean="0"/>
-              <a:t>11/19/18</a:t>
+              <a:t>11/22/18</a:t>
             </a:fld>
             <a:endParaRPr lang="en-US" dirty="0"/>
           </a:p>
@@ -1150,7 +1150,7 @@
           <a:p>
             <a:fld id="{124E9894-F119-A64C-B7CB-D7CE860A73BE}" type="datetime1">
               <a:rPr lang="en-US" smtClean="0"/>
-              <a:t>11/19/18</a:t>
+              <a:t>11/22/18</a:t>
             </a:fld>
             <a:endParaRPr lang="en-US" dirty="0"/>
           </a:p>
@@ -1461,7 +1461,7 @@
           <a:p>
             <a:fld id="{124E9894-F119-A64C-B7CB-D7CE860A73BE}" type="datetime1">
               <a:rPr lang="en-US" smtClean="0"/>
-              <a:t>11/19/18</a:t>
+              <a:t>11/22/18</a:t>
             </a:fld>
             <a:endParaRPr lang="en-US" dirty="0"/>
           </a:p>
@@ -1935,7 +1935,7 @@
           <a:p>
             <a:fld id="{B4BBB50B-BAA3-9748-978F-08A7877AB7D9}" type="datetime1">
               <a:rPr lang="en-US" smtClean="0"/>
-              <a:t>11/19/18</a:t>
+              <a:t>11/22/18</a:t>
             </a:fld>
             <a:endParaRPr lang="en-US" dirty="0"/>
           </a:p>
@@ -2482,7 +2482,7 @@
           <a:p>
             <a:fld id="{124E9894-F119-A64C-B7CB-D7CE860A73BE}" type="datetime1">
               <a:rPr lang="en-US" smtClean="0"/>
-              <a:t>11/19/18</a:t>
+              <a:t>11/22/18</a:t>
             </a:fld>
             <a:endParaRPr lang="en-US" dirty="0"/>
           </a:p>
@@ -2732,10 +2732,9 @@
           </a:lstStyle>
           <a:p>
             <a:r>
-              <a:rPr lang="en-US"/>
+              <a:rPr lang="en-US" dirty="0"/>
               <a:t>Click icon to add picture</a:t>
             </a:r>
-            <a:endParaRPr lang="en-US" dirty="0"/>
           </a:p>
         </p:txBody>
       </p:sp>
@@ -2949,10 +2948,9 @@
           </a:lstStyle>
           <a:p>
             <a:r>
-              <a:rPr lang="en-US"/>
+              <a:rPr lang="en-US" dirty="0"/>
               <a:t>Click icon to add picture</a:t>
             </a:r>
-            <a:endParaRPr lang="en-US" dirty="0"/>
           </a:p>
         </p:txBody>
       </p:sp>
@@ -3166,10 +3164,9 @@
           </a:lstStyle>
           <a:p>
             <a:r>
-              <a:rPr lang="en-US"/>
+              <a:rPr lang="en-US" dirty="0"/>
               <a:t>Click icon to add picture</a:t>
             </a:r>
-            <a:endParaRPr lang="en-US" dirty="0"/>
           </a:p>
         </p:txBody>
       </p:sp>
@@ -3257,7 +3254,7 @@
           <a:p>
             <a:fld id="{124E9894-F119-A64C-B7CB-D7CE860A73BE}" type="datetime1">
               <a:rPr lang="en-US" smtClean="0"/>
-              <a:t>11/19/18</a:t>
+              <a:t>11/22/18</a:t>
             </a:fld>
             <a:endParaRPr lang="en-US" dirty="0"/>
           </a:p>
@@ -3433,7 +3430,7 @@
           <a:p>
             <a:fld id="{45040DEA-CE02-EF42-8F10-34F709D8505D}" type="datetime1">
               <a:rPr lang="en-US" smtClean="0"/>
-              <a:t>11/19/18</a:t>
+              <a:t>11/22/18</a:t>
             </a:fld>
             <a:endParaRPr lang="en-US" dirty="0"/>
           </a:p>
@@ -3656,7 +3653,7 @@
           <a:p>
             <a:fld id="{A0C1C801-5706-434E-AB65-DDFBCF1F55D2}" type="datetime1">
               <a:rPr lang="en-US" smtClean="0"/>
-              <a:t>11/19/18</a:t>
+              <a:t>11/22/18</a:t>
             </a:fld>
             <a:endParaRPr lang="en-US" dirty="0"/>
           </a:p>
@@ -3836,7 +3833,7 @@
           <a:p>
             <a:fld id="{39AE0FD8-7D7B-EA4F-8AF8-8B97820A0C5D}" type="datetime1">
               <a:rPr lang="en-US" smtClean="0"/>
-              <a:t>11/19/18</a:t>
+              <a:t>11/22/18</a:t>
             </a:fld>
             <a:endParaRPr lang="en-US" dirty="0"/>
           </a:p>
@@ -4125,7 +4122,7 @@
           <a:p>
             <a:fld id="{7FC94D43-3F68-DC43-8EF0-95FB3D51CCCF}" type="datetime1">
               <a:rPr lang="en-US" smtClean="0"/>
-              <a:t>11/19/18</a:t>
+              <a:t>11/22/18</a:t>
             </a:fld>
             <a:endParaRPr lang="en-US" dirty="0"/>
           </a:p>
@@ -4367,7 +4364,7 @@
           <a:p>
             <a:fld id="{BD42CFC2-1CE8-9045-8C9C-0F183F0FB455}" type="datetime1">
               <a:rPr lang="en-US" smtClean="0"/>
-              <a:t>11/19/18</a:t>
+              <a:t>11/22/18</a:t>
             </a:fld>
             <a:endParaRPr lang="en-US" dirty="0"/>
           </a:p>
@@ -4746,7 +4743,7 @@
           <a:p>
             <a:fld id="{F1B5C6E2-D044-C748-9C41-86C9B2F84EB9}" type="datetime1">
               <a:rPr lang="en-US" smtClean="0"/>
-              <a:t>11/19/18</a:t>
+              <a:t>11/22/18</a:t>
             </a:fld>
             <a:endParaRPr lang="en-US" dirty="0"/>
           </a:p>
@@ -4864,7 +4861,7 @@
           <a:p>
             <a:fld id="{359C32BA-C166-AC45-9FCD-8BF0F43629D9}" type="datetime1">
               <a:rPr lang="en-US" smtClean="0"/>
-              <a:t>11/19/18</a:t>
+              <a:t>11/22/18</a:t>
             </a:fld>
             <a:endParaRPr lang="en-US" dirty="0"/>
           </a:p>
@@ -4959,7 +4956,7 @@
           <a:p>
             <a:fld id="{E5D0D591-4B92-A44B-A0EA-798E76AD0368}" type="datetime1">
               <a:rPr lang="en-US" smtClean="0"/>
-              <a:t>11/19/18</a:t>
+              <a:t>11/22/18</a:t>
             </a:fld>
             <a:endParaRPr lang="en-US" dirty="0"/>
           </a:p>
@@ -5208,7 +5205,7 @@
           <a:p>
             <a:fld id="{8201F472-E17F-4B47-A44B-A2249FA27ED2}" type="datetime1">
               <a:rPr lang="en-US" smtClean="0"/>
-              <a:t>11/19/18</a:t>
+              <a:t>11/22/18</a:t>
             </a:fld>
             <a:endParaRPr lang="en-US" dirty="0"/>
           </a:p>
@@ -5376,10 +5373,9 @@
           </a:lstStyle>
           <a:p>
             <a:r>
-              <a:rPr lang="en-US"/>
+              <a:rPr lang="en-US" dirty="0"/>
               <a:t>Click icon to add picture</a:t>
             </a:r>
-            <a:endParaRPr lang="en-US" dirty="0"/>
           </a:p>
         </p:txBody>
       </p:sp>
@@ -5465,7 +5461,7 @@
           <a:p>
             <a:fld id="{8BEFB9EE-CDF2-6F49-80F4-278D1604F10C}" type="datetime1">
               <a:rPr lang="en-US" smtClean="0"/>
-              <a:t>11/19/18</a:t>
+              <a:t>11/22/18</a:t>
             </a:fld>
             <a:endParaRPr lang="en-US" dirty="0"/>
           </a:p>
@@ -5708,7 +5704,7 @@
           <a:p>
             <a:fld id="{124E9894-F119-A64C-B7CB-D7CE860A73BE}" type="datetime1">
               <a:rPr lang="en-US" smtClean="0"/>
-              <a:t>11/19/18</a:t>
+              <a:t>11/22/18</a:t>
             </a:fld>
             <a:endParaRPr lang="en-US" dirty="0"/>
           </a:p>
@@ -6155,43 +6151,7 @@
             </a:r>
             <a:r>
               <a:rPr lang="pt-BR" sz="4400" b="1" i="1" dirty="0"/>
-              <a:t>XMPP: </a:t>
-            </a:r>
-            <a:r>
-              <a:rPr lang="pt-BR" sz="4400" b="1" i="1" dirty="0" err="1"/>
-              <a:t>eXtensible</a:t>
-            </a:r>
-            <a:r>
-              <a:rPr lang="pt-BR" sz="4400" b="1" i="1" dirty="0"/>
-              <a:t> </a:t>
-            </a:r>
-            <a:r>
-              <a:rPr lang="pt-BR" sz="4400" b="1" i="1" dirty="0" err="1"/>
-              <a:t>Messaging</a:t>
-            </a:r>
-            <a:r>
-              <a:rPr lang="pt-BR" sz="4400" b="1" i="1" dirty="0"/>
-              <a:t> </a:t>
-            </a:r>
-            <a:r>
-              <a:rPr lang="pt-BR" sz="4400" b="1" i="1" dirty="0" err="1"/>
-              <a:t>and</a:t>
-            </a:r>
-            <a:r>
-              <a:rPr lang="pt-BR" sz="4400" b="1" i="1" dirty="0"/>
-              <a:t> </a:t>
-            </a:r>
-            <a:r>
-              <a:rPr lang="pt-BR" sz="4400" b="1" i="1" dirty="0" err="1"/>
-              <a:t>Presense</a:t>
-            </a:r>
-            <a:r>
-              <a:rPr lang="pt-BR" sz="4400" b="1" i="1" dirty="0"/>
-              <a:t> </a:t>
-            </a:r>
-            <a:r>
-              <a:rPr lang="pt-BR" sz="4400" b="1" i="1" dirty="0" err="1"/>
-              <a:t>Protocol</a:t>
+              <a:t>XMPP: eXtensible Messaging and Presense Protocol</a:t>
             </a:r>
             <a:br>
               <a:rPr lang="pt-BR" sz="4400" b="1" i="1" dirty="0"/>
@@ -8303,15 +8263,7 @@
           <a:p>
             <a:r>
               <a:rPr lang="pt-BR" sz="2400" dirty="0"/>
-              <a:t>Como o XMPP é um protocolo aberto e </a:t>
-            </a:r>
-            <a:r>
-              <a:rPr lang="pt-BR" sz="2400" dirty="0" err="1"/>
-              <a:t>interoperável</a:t>
-            </a:r>
-            <a:r>
-              <a:rPr lang="pt-BR" sz="2400" dirty="0"/>
-              <a:t>, clientes de um domínio podem enviar mensagens para clientes de outro domínio</a:t>
+              <a:t>Como o XMPP é um protocolo aberto e interoperável, clientes de um domínio podem enviar mensagens para clientes de outro domínio</a:t>
             </a:r>
           </a:p>
           <a:p>
@@ -9064,23 +9016,7 @@
           <a:p>
             <a:r>
               <a:rPr lang="pt-BR" sz="2400" dirty="0"/>
-              <a:t>O cliente comumente apenas acessa recursos em diferentes serviços (como páginas adicionais, arquivos </a:t>
-            </a:r>
-            <a:r>
-              <a:rPr lang="pt-BR" sz="2400" dirty="0" err="1"/>
-              <a:t>js</a:t>
-            </a:r>
-            <a:r>
-              <a:rPr lang="pt-BR" sz="2400" dirty="0"/>
-              <a:t> e </a:t>
-            </a:r>
-            <a:r>
-              <a:rPr lang="pt-BR" sz="2400" dirty="0" err="1"/>
-              <a:t>css</a:t>
-            </a:r>
-            <a:r>
-              <a:rPr lang="pt-BR" sz="2400" dirty="0"/>
-              <a:t>, etc.)</a:t>
+              <a:t>O cliente comumente apenas acessa recursos em diferentes serviços (como páginas adicionais, arquivos js e css, etc.)</a:t>
             </a:r>
           </a:p>
           <a:p>
@@ -11503,6 +11439,871 @@
       </p:grpSpPr>
       <p:sp>
         <p:nvSpPr>
+          <p:cNvPr id="2" name="Title 1">
+            <a:extLst>
+              <a:ext uri="{FF2B5EF4-FFF2-40B4-BE49-F238E27FC236}">
+                <a16:creationId xmlns:a16="http://schemas.microsoft.com/office/drawing/2014/main" id="{58204B45-BA2F-544A-ADBD-2B584480C63E}"/>
+              </a:ext>
+            </a:extLst>
+          </p:cNvPr>
+          <p:cNvSpPr>
+            <a:spLocks noGrp="1"/>
+          </p:cNvSpPr>
+          <p:nvPr>
+            <p:ph type="title"/>
+          </p:nvPr>
+        </p:nvSpPr>
+        <p:spPr>
+          <a:xfrm>
+            <a:off x="3635679" y="365037"/>
+            <a:ext cx="8589364" cy="1005811"/>
+          </a:xfrm>
+        </p:spPr>
+        <p:txBody>
+          <a:bodyPr>
+            <a:normAutofit fontScale="90000"/>
+          </a:bodyPr>
+          <a:lstStyle/>
+          <a:p>
+            <a:pPr algn="ctr"/>
+            <a:r>
+              <a:rPr lang="pt-BR" b="1" dirty="0">
+                <a:solidFill>
+                  <a:schemeClr val="bg1"/>
+                </a:solidFill>
+                <a:effectLst>
+                  <a:outerShdw blurRad="228600" dist="50800" dir="5400000" algn="ctr" rotWithShape="0">
+                    <a:schemeClr val="tx1"/>
+                  </a:outerShdw>
+                </a:effectLst>
+              </a:rPr>
+              <a:t>Arquitetura </a:t>
+            </a:r>
+            <a:r>
+              <a:rPr lang="pt-BR" b="1" dirty="0" err="1">
+                <a:solidFill>
+                  <a:schemeClr val="bg1"/>
+                </a:solidFill>
+                <a:effectLst>
+                  <a:outerShdw blurRad="228600" dist="50800" dir="5400000" algn="ctr" rotWithShape="0">
+                    <a:schemeClr val="tx1"/>
+                  </a:outerShdw>
+                </a:effectLst>
+              </a:rPr>
+              <a:t>peer-to-peer</a:t>
+            </a:r>
+            <a:br>
+              <a:rPr lang="pt-BR" b="1" dirty="0">
+                <a:solidFill>
+                  <a:schemeClr val="bg1"/>
+                </a:solidFill>
+                <a:effectLst>
+                  <a:outerShdw blurRad="228600" dist="50800" dir="5400000" algn="ctr" rotWithShape="0">
+                    <a:schemeClr val="tx1"/>
+                  </a:outerShdw>
+                </a:effectLst>
+              </a:rPr>
+            </a:br>
+            <a:r>
+              <a:rPr lang="pt-BR" b="1" dirty="0">
+                <a:solidFill>
+                  <a:schemeClr val="bg1"/>
+                </a:solidFill>
+                <a:effectLst>
+                  <a:outerShdw blurRad="228600" dist="50800" dir="5400000" algn="ctr" rotWithShape="0">
+                    <a:schemeClr val="tx1"/>
+                  </a:outerShdw>
+                </a:effectLst>
+              </a:rPr>
+              <a:t>(p2p, ponto-a-ponto)</a:t>
+            </a:r>
+            <a:endParaRPr lang="pt-BR" dirty="0">
+              <a:solidFill>
+                <a:schemeClr val="bg1"/>
+              </a:solidFill>
+              <a:effectLst>
+                <a:outerShdw blurRad="228600" dist="50800" dir="5400000" algn="ctr" rotWithShape="0">
+                  <a:schemeClr val="tx1"/>
+                </a:outerShdw>
+              </a:effectLst>
+            </a:endParaRPr>
+          </a:p>
+        </p:txBody>
+      </p:sp>
+      <p:sp>
+        <p:nvSpPr>
+          <p:cNvPr id="66" name="Content Placeholder 2">
+            <a:extLst>
+              <a:ext uri="{FF2B5EF4-FFF2-40B4-BE49-F238E27FC236}">
+                <a16:creationId xmlns:a16="http://schemas.microsoft.com/office/drawing/2014/main" id="{7DD7200E-83C5-FE41-A371-CC6A4884910F}"/>
+              </a:ext>
+            </a:extLst>
+          </p:cNvPr>
+          <p:cNvSpPr>
+            <a:spLocks noGrp="1"/>
+          </p:cNvSpPr>
+          <p:nvPr>
+            <p:ph idx="1"/>
+          </p:nvPr>
+        </p:nvSpPr>
+        <p:spPr>
+          <a:xfrm>
+            <a:off x="543374" y="1671597"/>
+            <a:ext cx="9915903" cy="4805403"/>
+          </a:xfrm>
+        </p:spPr>
+        <p:txBody>
+          <a:bodyPr>
+            <a:normAutofit/>
+          </a:bodyPr>
+          <a:lstStyle/>
+          <a:p>
+            <a:r>
+              <a:rPr lang="pt-BR" sz="2400" dirty="0"/>
+              <a:t>Para transferência de arquivos e chamadas de voz e vídeo, existe uma extensão XMPP chamada </a:t>
+            </a:r>
+            <a:r>
+              <a:rPr lang="pt-BR" sz="2400" dirty="0">
+                <a:hlinkClick r:id="rId2"/>
+              </a:rPr>
+              <a:t>Jingle</a:t>
+            </a:r>
+            <a:r>
+              <a:rPr lang="pt-BR" sz="2400" dirty="0"/>
+              <a:t> que permite a comunicação ponto-a-ponto (P2P) entre dois clientes</a:t>
+            </a:r>
+          </a:p>
+          <a:p>
+            <a:r>
+              <a:rPr lang="pt-BR" sz="2400" dirty="0"/>
+              <a:t>Desta forma, após a conexão ser estabelecida, não há intermediação dos servidores</a:t>
+            </a:r>
+          </a:p>
+          <a:p>
+            <a:r>
+              <a:rPr lang="pt-BR" sz="2400" dirty="0"/>
+              <a:t>Isto torna a comunicação mais rápida (por remover intermediários) e evita sobrecarga do servidor</a:t>
+            </a:r>
+          </a:p>
+          <a:p>
+            <a:r>
+              <a:rPr lang="pt-BR" sz="2400" dirty="0"/>
+              <a:t>No caso de chamadas de voz e vídeo, normalmente é utilizado UDP como protocolo de transporte que não garante entrega</a:t>
+            </a:r>
+          </a:p>
+          <a:p>
+            <a:r>
+              <a:rPr lang="pt-BR" sz="2400" dirty="0"/>
+              <a:t>Se um pacote de voz for perdido, isto não afeta a qualidade da conversa</a:t>
+            </a:r>
+          </a:p>
+          <a:p>
+            <a:r>
+              <a:rPr lang="pt-BR" sz="2400" dirty="0"/>
+              <a:t>Se a perda for grande, vai tornar a comunicação difícil</a:t>
+            </a:r>
+          </a:p>
+        </p:txBody>
+      </p:sp>
+      <p:sp>
+        <p:nvSpPr>
+          <p:cNvPr id="3" name="Slide Number Placeholder 2">
+            <a:extLst>
+              <a:ext uri="{FF2B5EF4-FFF2-40B4-BE49-F238E27FC236}">
+                <a16:creationId xmlns:a16="http://schemas.microsoft.com/office/drawing/2014/main" id="{E8782EBD-1415-0F4A-9755-9CBACA835A18}"/>
+              </a:ext>
+            </a:extLst>
+          </p:cNvPr>
+          <p:cNvSpPr>
+            <a:spLocks noGrp="1"/>
+          </p:cNvSpPr>
+          <p:nvPr>
+            <p:ph type="sldNum" sz="quarter" idx="12"/>
+          </p:nvPr>
+        </p:nvSpPr>
+        <p:spPr/>
+        <p:txBody>
+          <a:bodyPr/>
+          <a:lstStyle/>
+          <a:p>
+            <a:fld id="{2183B7EE-0FBE-B749-875F-ED24F5ECD71F}" type="slidenum">
+              <a:rPr lang="en-US" smtClean="0"/>
+              <a:t>17</a:t>
+            </a:fld>
+            <a:endParaRPr lang="en-US" dirty="0"/>
+          </a:p>
+        </p:txBody>
+      </p:sp>
+      <p:grpSp>
+        <p:nvGrpSpPr>
+          <p:cNvPr id="10" name="Group 9">
+            <a:extLst>
+              <a:ext uri="{FF2B5EF4-FFF2-40B4-BE49-F238E27FC236}">
+                <a16:creationId xmlns:a16="http://schemas.microsoft.com/office/drawing/2014/main" id="{26297A48-6531-9643-9B8A-8896A2B42AF6}"/>
+              </a:ext>
+            </a:extLst>
+          </p:cNvPr>
+          <p:cNvGrpSpPr/>
+          <p:nvPr/>
+        </p:nvGrpSpPr>
+        <p:grpSpPr>
+          <a:xfrm>
+            <a:off x="9451467" y="2228188"/>
+            <a:ext cx="2601994" cy="4373089"/>
+            <a:chOff x="9451467" y="2228188"/>
+            <a:chExt cx="2601994" cy="4373089"/>
+          </a:xfrm>
+        </p:grpSpPr>
+        <p:pic>
+          <p:nvPicPr>
+            <p:cNvPr id="70" name="Picture 69" descr="An open computer sitting on a table&#13;&#10;&#13;&#10;Description automatically generated">
+              <a:extLst>
+                <a:ext uri="{FF2B5EF4-FFF2-40B4-BE49-F238E27FC236}">
+                  <a16:creationId xmlns:a16="http://schemas.microsoft.com/office/drawing/2014/main" id="{41AB3B17-C3C6-E247-B359-2D49CD0A40E9}"/>
+                </a:ext>
+              </a:extLst>
+            </p:cNvPr>
+            <p:cNvPicPr>
+              <a:picLocks noChangeAspect="1"/>
+            </p:cNvPicPr>
+            <p:nvPr/>
+          </p:nvPicPr>
+          <p:blipFill>
+            <a:blip r:embed="rId3"/>
+            <a:stretch>
+              <a:fillRect/>
+            </a:stretch>
+          </p:blipFill>
+          <p:spPr>
+            <a:xfrm>
+              <a:off x="10403734" y="5672758"/>
+              <a:ext cx="671808" cy="516876"/>
+            </a:xfrm>
+            <a:prstGeom prst="rect">
+              <a:avLst/>
+            </a:prstGeom>
+          </p:spPr>
+        </p:pic>
+        <p:pic>
+          <p:nvPicPr>
+            <p:cNvPr id="71" name="Picture 70" descr="Screen of a cell phone&#13;&#10;&#13;&#10;Description automatically generated">
+              <a:extLst>
+                <a:ext uri="{FF2B5EF4-FFF2-40B4-BE49-F238E27FC236}">
+                  <a16:creationId xmlns:a16="http://schemas.microsoft.com/office/drawing/2014/main" id="{424D59C7-7A58-BE42-8B73-2373AD2F04CC}"/>
+                </a:ext>
+              </a:extLst>
+            </p:cNvPr>
+            <p:cNvPicPr>
+              <a:picLocks noChangeAspect="1"/>
+            </p:cNvPicPr>
+            <p:nvPr/>
+          </p:nvPicPr>
+          <p:blipFill>
+            <a:blip r:embed="rId4"/>
+            <a:stretch>
+              <a:fillRect/>
+            </a:stretch>
+          </p:blipFill>
+          <p:spPr>
+            <a:xfrm>
+              <a:off x="10616173" y="2228188"/>
+              <a:ext cx="180695" cy="361393"/>
+            </a:xfrm>
+            <a:prstGeom prst="rect">
+              <a:avLst/>
+            </a:prstGeom>
+          </p:spPr>
+        </p:pic>
+        <p:sp>
+          <p:nvSpPr>
+            <p:cNvPr id="105" name="TextBox 104">
+              <a:extLst>
+                <a:ext uri="{FF2B5EF4-FFF2-40B4-BE49-F238E27FC236}">
+                  <a16:creationId xmlns:a16="http://schemas.microsoft.com/office/drawing/2014/main" id="{3CDB4B8F-DE15-C04C-A1E5-B62AEC11810E}"/>
+                </a:ext>
+              </a:extLst>
+            </p:cNvPr>
+            <p:cNvSpPr txBox="1"/>
+            <p:nvPr/>
+          </p:nvSpPr>
+          <p:spPr>
+            <a:xfrm>
+              <a:off x="9509178" y="2688873"/>
+              <a:ext cx="2460931" cy="369332"/>
+            </a:xfrm>
+            <a:prstGeom prst="rect">
+              <a:avLst/>
+            </a:prstGeom>
+            <a:noFill/>
+          </p:spPr>
+          <p:txBody>
+            <a:bodyPr vert="horz" wrap="none" rtlCol="0">
+              <a:spAutoFit/>
+            </a:bodyPr>
+            <a:lstStyle/>
+            <a:p>
+              <a:pPr algn="ctr"/>
+              <a:r>
+                <a:rPr lang="en-US" dirty="0"/>
+                <a:t>joão@servidor1.com</a:t>
+              </a:r>
+              <a:endParaRPr lang="pt-BR" sz="1600" b="1" dirty="0"/>
+            </a:p>
+          </p:txBody>
+        </p:sp>
+        <p:sp>
+          <p:nvSpPr>
+            <p:cNvPr id="106" name="TextBox 105">
+              <a:extLst>
+                <a:ext uri="{FF2B5EF4-FFF2-40B4-BE49-F238E27FC236}">
+                  <a16:creationId xmlns:a16="http://schemas.microsoft.com/office/drawing/2014/main" id="{97B548FE-CFEA-684F-B028-6D45799AE056}"/>
+                </a:ext>
+              </a:extLst>
+            </p:cNvPr>
+            <p:cNvSpPr txBox="1"/>
+            <p:nvPr/>
+          </p:nvSpPr>
+          <p:spPr>
+            <a:xfrm>
+              <a:off x="9451467" y="6231945"/>
+              <a:ext cx="2601994" cy="369332"/>
+            </a:xfrm>
+            <a:prstGeom prst="rect">
+              <a:avLst/>
+            </a:prstGeom>
+            <a:noFill/>
+          </p:spPr>
+          <p:txBody>
+            <a:bodyPr vert="horz" wrap="none" rtlCol="0">
+              <a:spAutoFit/>
+            </a:bodyPr>
+            <a:lstStyle/>
+            <a:p>
+              <a:pPr algn="ctr"/>
+              <a:r>
+                <a:rPr lang="en-US" dirty="0"/>
+                <a:t>maria@servidor2.com</a:t>
+              </a:r>
+              <a:endParaRPr lang="pt-BR" sz="1600" b="1" dirty="0"/>
+            </a:p>
+          </p:txBody>
+        </p:sp>
+        <p:cxnSp>
+          <p:nvCxnSpPr>
+            <p:cNvPr id="61" name="Curved Connector 60">
+              <a:extLst>
+                <a:ext uri="{FF2B5EF4-FFF2-40B4-BE49-F238E27FC236}">
+                  <a16:creationId xmlns:a16="http://schemas.microsoft.com/office/drawing/2014/main" id="{E505FC33-66C4-3142-BE3C-80B261E42378}"/>
+                </a:ext>
+              </a:extLst>
+            </p:cNvPr>
+            <p:cNvCxnSpPr>
+              <a:cxnSpLocks/>
+              <a:stCxn id="105" idx="2"/>
+              <a:endCxn id="70" idx="0"/>
+            </p:cNvCxnSpPr>
+            <p:nvPr/>
+          </p:nvCxnSpPr>
+          <p:spPr>
+            <a:xfrm rot="5400000">
+              <a:off x="9432365" y="4365478"/>
+              <a:ext cx="2614553" cy="6"/>
+            </a:xfrm>
+            <a:prstGeom prst="curvedConnector3">
+              <a:avLst>
+                <a:gd name="adj1" fmla="val 50000"/>
+              </a:avLst>
+            </a:prstGeom>
+            <a:ln w="34925">
+              <a:solidFill>
+                <a:srgbClr val="00B0F0"/>
+              </a:solidFill>
+              <a:headEnd type="triangle"/>
+              <a:tailEnd type="triangle"/>
+            </a:ln>
+          </p:spPr>
+          <p:style>
+            <a:lnRef idx="1">
+              <a:schemeClr val="accent1"/>
+            </a:lnRef>
+            <a:fillRef idx="0">
+              <a:schemeClr val="accent1"/>
+            </a:fillRef>
+            <a:effectRef idx="0">
+              <a:schemeClr val="accent1"/>
+            </a:effectRef>
+            <a:fontRef idx="minor">
+              <a:schemeClr val="tx1"/>
+            </a:fontRef>
+          </p:style>
+        </p:cxnSp>
+      </p:grpSp>
+    </p:spTree>
+    <p:extLst>
+      <p:ext uri="{BB962C8B-B14F-4D97-AF65-F5344CB8AC3E}">
+        <p14:creationId xmlns:p14="http://schemas.microsoft.com/office/powerpoint/2010/main" val="1879898067"/>
+      </p:ext>
+    </p:extLst>
+  </p:cSld>
+  <p:clrMapOvr>
+    <a:masterClrMapping/>
+  </p:clrMapOvr>
+  <p:timing>
+    <p:tnLst>
+      <p:par>
+        <p:cTn id="1" dur="indefinite" restart="never" nodeType="tmRoot">
+          <p:childTnLst>
+            <p:seq concurrent="1" nextAc="seek">
+              <p:cTn id="2" dur="indefinite" nodeType="mainSeq">
+                <p:childTnLst>
+                  <p:par>
+                    <p:cTn id="3" fill="hold">
+                      <p:stCondLst>
+                        <p:cond delay="indefinite"/>
+                      </p:stCondLst>
+                      <p:childTnLst>
+                        <p:par>
+                          <p:cTn id="4" fill="hold">
+                            <p:stCondLst>
+                              <p:cond delay="0"/>
+                            </p:stCondLst>
+                            <p:childTnLst>
+                              <p:par>
+                                <p:cTn id="5" presetID="9" presetClass="entr" presetSubtype="0" fill="hold" grpId="0" nodeType="clickEffect">
+                                  <p:stCondLst>
+                                    <p:cond delay="0"/>
+                                  </p:stCondLst>
+                                  <p:childTnLst>
+                                    <p:set>
+                                      <p:cBhvr>
+                                        <p:cTn id="6" dur="1" fill="hold">
+                                          <p:stCondLst>
+                                            <p:cond delay="0"/>
+                                          </p:stCondLst>
+                                        </p:cTn>
+                                        <p:tgtEl>
+                                          <p:spTgt spid="66">
+                                            <p:txEl>
+                                              <p:pRg st="0" end="0"/>
+                                            </p:txEl>
+                                          </p:spTgt>
+                                        </p:tgtEl>
+                                        <p:attrNameLst>
+                                          <p:attrName>style.visibility</p:attrName>
+                                        </p:attrNameLst>
+                                      </p:cBhvr>
+                                      <p:to>
+                                        <p:strVal val="visible"/>
+                                      </p:to>
+                                    </p:set>
+                                    <p:animEffect transition="in" filter="dissolve">
+                                      <p:cBhvr>
+                                        <p:cTn id="7" dur="500"/>
+                                        <p:tgtEl>
+                                          <p:spTgt spid="66">
+                                            <p:txEl>
+                                              <p:pRg st="0" end="0"/>
+                                            </p:txEl>
+                                          </p:spTgt>
+                                        </p:tgtEl>
+                                      </p:cBhvr>
+                                    </p:animEffect>
+                                  </p:childTnLst>
+                                </p:cTn>
+                              </p:par>
+                              <p:par>
+                                <p:cTn id="8" presetID="9" presetClass="entr" presetSubtype="0" fill="hold" nodeType="withEffect">
+                                  <p:stCondLst>
+                                    <p:cond delay="0"/>
+                                  </p:stCondLst>
+                                  <p:childTnLst>
+                                    <p:set>
+                                      <p:cBhvr>
+                                        <p:cTn id="9" dur="1" fill="hold">
+                                          <p:stCondLst>
+                                            <p:cond delay="0"/>
+                                          </p:stCondLst>
+                                        </p:cTn>
+                                        <p:tgtEl>
+                                          <p:spTgt spid="10"/>
+                                        </p:tgtEl>
+                                        <p:attrNameLst>
+                                          <p:attrName>style.visibility</p:attrName>
+                                        </p:attrNameLst>
+                                      </p:cBhvr>
+                                      <p:to>
+                                        <p:strVal val="visible"/>
+                                      </p:to>
+                                    </p:set>
+                                    <p:animEffect transition="in" filter="dissolve">
+                                      <p:cBhvr>
+                                        <p:cTn id="10" dur="500"/>
+                                        <p:tgtEl>
+                                          <p:spTgt spid="10"/>
+                                        </p:tgtEl>
+                                      </p:cBhvr>
+                                    </p:animEffect>
+                                  </p:childTnLst>
+                                </p:cTn>
+                              </p:par>
+                            </p:childTnLst>
+                          </p:cTn>
+                        </p:par>
+                      </p:childTnLst>
+                    </p:cTn>
+                  </p:par>
+                  <p:par>
+                    <p:cTn id="11" fill="hold">
+                      <p:stCondLst>
+                        <p:cond delay="indefinite"/>
+                      </p:stCondLst>
+                      <p:childTnLst>
+                        <p:par>
+                          <p:cTn id="12" fill="hold">
+                            <p:stCondLst>
+                              <p:cond delay="0"/>
+                            </p:stCondLst>
+                            <p:childTnLst>
+                              <p:par>
+                                <p:cTn id="13" presetID="9" presetClass="entr" presetSubtype="0" fill="hold" grpId="0" nodeType="clickEffect">
+                                  <p:stCondLst>
+                                    <p:cond delay="0"/>
+                                  </p:stCondLst>
+                                  <p:childTnLst>
+                                    <p:set>
+                                      <p:cBhvr>
+                                        <p:cTn id="14" dur="1" fill="hold">
+                                          <p:stCondLst>
+                                            <p:cond delay="0"/>
+                                          </p:stCondLst>
+                                        </p:cTn>
+                                        <p:tgtEl>
+                                          <p:spTgt spid="66">
+                                            <p:txEl>
+                                              <p:pRg st="1" end="1"/>
+                                            </p:txEl>
+                                          </p:spTgt>
+                                        </p:tgtEl>
+                                        <p:attrNameLst>
+                                          <p:attrName>style.visibility</p:attrName>
+                                        </p:attrNameLst>
+                                      </p:cBhvr>
+                                      <p:to>
+                                        <p:strVal val="visible"/>
+                                      </p:to>
+                                    </p:set>
+                                    <p:animEffect transition="in" filter="dissolve">
+                                      <p:cBhvr>
+                                        <p:cTn id="15" dur="500"/>
+                                        <p:tgtEl>
+                                          <p:spTgt spid="66">
+                                            <p:txEl>
+                                              <p:pRg st="1" end="1"/>
+                                            </p:txEl>
+                                          </p:spTgt>
+                                        </p:tgtEl>
+                                      </p:cBhvr>
+                                    </p:animEffect>
+                                  </p:childTnLst>
+                                </p:cTn>
+                              </p:par>
+                            </p:childTnLst>
+                          </p:cTn>
+                        </p:par>
+                      </p:childTnLst>
+                    </p:cTn>
+                  </p:par>
+                  <p:par>
+                    <p:cTn id="16" fill="hold">
+                      <p:stCondLst>
+                        <p:cond delay="indefinite"/>
+                      </p:stCondLst>
+                      <p:childTnLst>
+                        <p:par>
+                          <p:cTn id="17" fill="hold">
+                            <p:stCondLst>
+                              <p:cond delay="0"/>
+                            </p:stCondLst>
+                            <p:childTnLst>
+                              <p:par>
+                                <p:cTn id="18" presetID="9" presetClass="entr" presetSubtype="0" fill="hold" grpId="0" nodeType="clickEffect">
+                                  <p:stCondLst>
+                                    <p:cond delay="0"/>
+                                  </p:stCondLst>
+                                  <p:childTnLst>
+                                    <p:set>
+                                      <p:cBhvr>
+                                        <p:cTn id="19" dur="1" fill="hold">
+                                          <p:stCondLst>
+                                            <p:cond delay="0"/>
+                                          </p:stCondLst>
+                                        </p:cTn>
+                                        <p:tgtEl>
+                                          <p:spTgt spid="66">
+                                            <p:txEl>
+                                              <p:pRg st="2" end="2"/>
+                                            </p:txEl>
+                                          </p:spTgt>
+                                        </p:tgtEl>
+                                        <p:attrNameLst>
+                                          <p:attrName>style.visibility</p:attrName>
+                                        </p:attrNameLst>
+                                      </p:cBhvr>
+                                      <p:to>
+                                        <p:strVal val="visible"/>
+                                      </p:to>
+                                    </p:set>
+                                    <p:animEffect transition="in" filter="dissolve">
+                                      <p:cBhvr>
+                                        <p:cTn id="20" dur="500"/>
+                                        <p:tgtEl>
+                                          <p:spTgt spid="66">
+                                            <p:txEl>
+                                              <p:pRg st="2" end="2"/>
+                                            </p:txEl>
+                                          </p:spTgt>
+                                        </p:tgtEl>
+                                      </p:cBhvr>
+                                    </p:animEffect>
+                                  </p:childTnLst>
+                                </p:cTn>
+                              </p:par>
+                            </p:childTnLst>
+                          </p:cTn>
+                        </p:par>
+                      </p:childTnLst>
+                    </p:cTn>
+                  </p:par>
+                  <p:par>
+                    <p:cTn id="21" fill="hold">
+                      <p:stCondLst>
+                        <p:cond delay="indefinite"/>
+                      </p:stCondLst>
+                      <p:childTnLst>
+                        <p:par>
+                          <p:cTn id="22" fill="hold">
+                            <p:stCondLst>
+                              <p:cond delay="0"/>
+                            </p:stCondLst>
+                            <p:childTnLst>
+                              <p:par>
+                                <p:cTn id="23" presetID="9" presetClass="entr" presetSubtype="0" fill="hold" grpId="0" nodeType="clickEffect">
+                                  <p:stCondLst>
+                                    <p:cond delay="0"/>
+                                  </p:stCondLst>
+                                  <p:childTnLst>
+                                    <p:set>
+                                      <p:cBhvr>
+                                        <p:cTn id="24" dur="1" fill="hold">
+                                          <p:stCondLst>
+                                            <p:cond delay="0"/>
+                                          </p:stCondLst>
+                                        </p:cTn>
+                                        <p:tgtEl>
+                                          <p:spTgt spid="66">
+                                            <p:txEl>
+                                              <p:pRg st="3" end="3"/>
+                                            </p:txEl>
+                                          </p:spTgt>
+                                        </p:tgtEl>
+                                        <p:attrNameLst>
+                                          <p:attrName>style.visibility</p:attrName>
+                                        </p:attrNameLst>
+                                      </p:cBhvr>
+                                      <p:to>
+                                        <p:strVal val="visible"/>
+                                      </p:to>
+                                    </p:set>
+                                    <p:animEffect transition="in" filter="dissolve">
+                                      <p:cBhvr>
+                                        <p:cTn id="25" dur="500"/>
+                                        <p:tgtEl>
+                                          <p:spTgt spid="66">
+                                            <p:txEl>
+                                              <p:pRg st="3" end="3"/>
+                                            </p:txEl>
+                                          </p:spTgt>
+                                        </p:tgtEl>
+                                      </p:cBhvr>
+                                    </p:animEffect>
+                                  </p:childTnLst>
+                                </p:cTn>
+                              </p:par>
+                            </p:childTnLst>
+                          </p:cTn>
+                        </p:par>
+                      </p:childTnLst>
+                    </p:cTn>
+                  </p:par>
+                  <p:par>
+                    <p:cTn id="26" fill="hold">
+                      <p:stCondLst>
+                        <p:cond delay="indefinite"/>
+                      </p:stCondLst>
+                      <p:childTnLst>
+                        <p:par>
+                          <p:cTn id="27" fill="hold">
+                            <p:stCondLst>
+                              <p:cond delay="0"/>
+                            </p:stCondLst>
+                            <p:childTnLst>
+                              <p:par>
+                                <p:cTn id="28" presetID="9" presetClass="entr" presetSubtype="0" fill="hold" grpId="0" nodeType="clickEffect">
+                                  <p:stCondLst>
+                                    <p:cond delay="0"/>
+                                  </p:stCondLst>
+                                  <p:childTnLst>
+                                    <p:set>
+                                      <p:cBhvr>
+                                        <p:cTn id="29" dur="1" fill="hold">
+                                          <p:stCondLst>
+                                            <p:cond delay="0"/>
+                                          </p:stCondLst>
+                                        </p:cTn>
+                                        <p:tgtEl>
+                                          <p:spTgt spid="66">
+                                            <p:txEl>
+                                              <p:pRg st="4" end="4"/>
+                                            </p:txEl>
+                                          </p:spTgt>
+                                        </p:tgtEl>
+                                        <p:attrNameLst>
+                                          <p:attrName>style.visibility</p:attrName>
+                                        </p:attrNameLst>
+                                      </p:cBhvr>
+                                      <p:to>
+                                        <p:strVal val="visible"/>
+                                      </p:to>
+                                    </p:set>
+                                    <p:animEffect transition="in" filter="dissolve">
+                                      <p:cBhvr>
+                                        <p:cTn id="30" dur="500"/>
+                                        <p:tgtEl>
+                                          <p:spTgt spid="66">
+                                            <p:txEl>
+                                              <p:pRg st="4" end="4"/>
+                                            </p:txEl>
+                                          </p:spTgt>
+                                        </p:tgtEl>
+                                      </p:cBhvr>
+                                    </p:animEffect>
+                                  </p:childTnLst>
+                                </p:cTn>
+                              </p:par>
+                            </p:childTnLst>
+                          </p:cTn>
+                        </p:par>
+                      </p:childTnLst>
+                    </p:cTn>
+                  </p:par>
+                  <p:par>
+                    <p:cTn id="31" fill="hold">
+                      <p:stCondLst>
+                        <p:cond delay="indefinite"/>
+                      </p:stCondLst>
+                      <p:childTnLst>
+                        <p:par>
+                          <p:cTn id="32" fill="hold">
+                            <p:stCondLst>
+                              <p:cond delay="0"/>
+                            </p:stCondLst>
+                            <p:childTnLst>
+                              <p:par>
+                                <p:cTn id="33" presetID="9" presetClass="entr" presetSubtype="0" fill="hold" grpId="0" nodeType="clickEffect">
+                                  <p:stCondLst>
+                                    <p:cond delay="0"/>
+                                  </p:stCondLst>
+                                  <p:childTnLst>
+                                    <p:set>
+                                      <p:cBhvr>
+                                        <p:cTn id="34" dur="1" fill="hold">
+                                          <p:stCondLst>
+                                            <p:cond delay="0"/>
+                                          </p:stCondLst>
+                                        </p:cTn>
+                                        <p:tgtEl>
+                                          <p:spTgt spid="66">
+                                            <p:txEl>
+                                              <p:pRg st="5" end="5"/>
+                                            </p:txEl>
+                                          </p:spTgt>
+                                        </p:tgtEl>
+                                        <p:attrNameLst>
+                                          <p:attrName>style.visibility</p:attrName>
+                                        </p:attrNameLst>
+                                      </p:cBhvr>
+                                      <p:to>
+                                        <p:strVal val="visible"/>
+                                      </p:to>
+                                    </p:set>
+                                    <p:animEffect transition="in" filter="dissolve">
+                                      <p:cBhvr>
+                                        <p:cTn id="35" dur="500"/>
+                                        <p:tgtEl>
+                                          <p:spTgt spid="66">
+                                            <p:txEl>
+                                              <p:pRg st="5" end="5"/>
+                                            </p:txEl>
+                                          </p:spTgt>
+                                        </p:tgtEl>
+                                      </p:cBhvr>
+                                    </p:animEffect>
+                                  </p:childTnLst>
+                                </p:cTn>
+                              </p:par>
+                            </p:childTnLst>
+                          </p:cTn>
+                        </p:par>
+                      </p:childTnLst>
+                    </p:cTn>
+                  </p:par>
+                </p:childTnLst>
+              </p:cTn>
+              <p:prevCondLst>
+                <p:cond evt="onPrev" delay="0">
+                  <p:tgtEl>
+                    <p:sldTgt/>
+                  </p:tgtEl>
+                </p:cond>
+              </p:prevCondLst>
+              <p:nextCondLst>
+                <p:cond evt="onNext" delay="0">
+                  <p:tgtEl>
+                    <p:sldTgt/>
+                  </p:tgtEl>
+                </p:cond>
+              </p:nextCondLst>
+            </p:seq>
+          </p:childTnLst>
+        </p:cTn>
+      </p:par>
+    </p:tnLst>
+    <p:bldLst>
+      <p:bldP spid="66" grpId="0" uiExpand="1" build="p"/>
+    </p:bldLst>
+  </p:timing>
+</p:sld>
+</file>
+
+<file path=ppt/slides/slide18.xml><?xml version="1.0" encoding="utf-8"?>
+<p:sld xmlns:a="http://schemas.openxmlformats.org/drawingml/2006/main" xmlns:r="http://schemas.openxmlformats.org/officeDocument/2006/relationships" xmlns:p="http://schemas.openxmlformats.org/presentationml/2006/main">
+  <p:cSld>
+    <p:spTree>
+      <p:nvGrpSpPr>
+        <p:cNvPr id="1" name=""/>
+        <p:cNvGrpSpPr/>
+        <p:nvPr/>
+      </p:nvGrpSpPr>
+      <p:grpSpPr>
+        <a:xfrm>
+          <a:off x="0" y="0"/>
+          <a:ext cx="0" cy="0"/>
+          <a:chOff x="0" y="0"/>
+          <a:chExt cx="0" cy="0"/>
+        </a:xfrm>
+      </p:grpSpPr>
+      <p:sp>
+        <p:nvSpPr>
           <p:cNvPr id="9" name="Title 8">
             <a:extLst>
               <a:ext uri="{FF2B5EF4-FFF2-40B4-BE49-F238E27FC236}">
@@ -11581,12 +12382,8 @@
               <a:t>[2] </a:t>
             </a:r>
             <a:r>
-              <a:rPr lang="en-US" sz="2800" dirty="0" err="1"/>
-              <a:t>Livro</a:t>
-            </a:r>
-            <a:r>
               <a:rPr lang="en-US" sz="2800" dirty="0"/>
-              <a:t> "</a:t>
+              <a:t>Livro "</a:t>
             </a:r>
             <a:r>
               <a:rPr lang="en-US" sz="2800" dirty="0">
@@ -11602,15 +12399,7 @@
           <a:p>
             <a:r>
               <a:rPr lang="en-US" sz="2800" dirty="0"/>
-              <a:t>[3] </a:t>
-            </a:r>
-            <a:r>
-              <a:rPr lang="en-US" sz="2800" dirty="0" err="1"/>
-              <a:t>Livro</a:t>
-            </a:r>
-            <a:r>
-              <a:rPr lang="en-US" sz="2800" dirty="0"/>
-              <a:t> "</a:t>
+              <a:t>[3] Livro "</a:t>
             </a:r>
             <a:r>
               <a:rPr lang="en-US" sz="2800" dirty="0">
@@ -11651,7 +12440,7 @@
           <a:p>
             <a:fld id="{2183B7EE-0FBE-B749-875F-ED24F5ECD71F}" type="slidenum">
               <a:rPr lang="en-US" smtClean="0"/>
-              <a:t>17</a:t>
+              <a:t>18</a:t>
             </a:fld>
             <a:endParaRPr lang="en-US" dirty="0"/>
           </a:p>
@@ -11812,40 +12601,8 @@
               <a:rPr lang="pt-BR" b="1" i="1" dirty="0"/>
             </a:br>
             <a:r>
-              <a:rPr lang="pt-BR" b="1" i="1" dirty="0" err="1"/>
-              <a:t>eXtensible</a:t>
-            </a:r>
-            <a:r>
               <a:rPr lang="pt-BR" b="1" i="1" dirty="0"/>
-              <a:t> </a:t>
-            </a:r>
-            <a:r>
-              <a:rPr lang="pt-BR" b="1" i="1" dirty="0" err="1"/>
-              <a:t>Messaging</a:t>
-            </a:r>
-            <a:r>
-              <a:rPr lang="pt-BR" b="1" i="1" dirty="0"/>
-              <a:t> </a:t>
-            </a:r>
-            <a:r>
-              <a:rPr lang="pt-BR" b="1" i="1" dirty="0" err="1"/>
-              <a:t>and</a:t>
-            </a:r>
-            <a:r>
-              <a:rPr lang="pt-BR" b="1" i="1" dirty="0"/>
-              <a:t> </a:t>
-            </a:r>
-            <a:r>
-              <a:rPr lang="pt-BR" b="1" i="1" dirty="0" err="1"/>
-              <a:t>Presense</a:t>
-            </a:r>
-            <a:r>
-              <a:rPr lang="pt-BR" b="1" i="1" dirty="0"/>
-              <a:t> </a:t>
-            </a:r>
-            <a:r>
-              <a:rPr lang="pt-BR" b="1" i="1" dirty="0" err="1"/>
-              <a:t>Protocol</a:t>
+              <a:t>eXtensible Messaging and Presense Protocol</a:t>
             </a:r>
             <a:endParaRPr lang="pt-BR" dirty="0"/>
           </a:p>
@@ -12195,40 +12952,8 @@
               <a:rPr lang="pt-BR" b="1" i="1" dirty="0"/>
             </a:br>
             <a:r>
-              <a:rPr lang="pt-BR" b="1" i="1" dirty="0" err="1"/>
-              <a:t>eXtensible</a:t>
-            </a:r>
-            <a:r>
               <a:rPr lang="pt-BR" b="1" i="1" dirty="0"/>
-              <a:t> </a:t>
-            </a:r>
-            <a:r>
-              <a:rPr lang="pt-BR" b="1" i="1" dirty="0" err="1"/>
-              <a:t>Messaging</a:t>
-            </a:r>
-            <a:r>
-              <a:rPr lang="pt-BR" b="1" i="1" dirty="0"/>
-              <a:t> </a:t>
-            </a:r>
-            <a:r>
-              <a:rPr lang="pt-BR" b="1" i="1" dirty="0" err="1"/>
-              <a:t>and</a:t>
-            </a:r>
-            <a:r>
-              <a:rPr lang="pt-BR" b="1" i="1" dirty="0"/>
-              <a:t> </a:t>
-            </a:r>
-            <a:r>
-              <a:rPr lang="pt-BR" b="1" i="1" dirty="0" err="1"/>
-              <a:t>Presense</a:t>
-            </a:r>
-            <a:r>
-              <a:rPr lang="pt-BR" b="1" i="1" dirty="0"/>
-              <a:t> </a:t>
-            </a:r>
-            <a:r>
-              <a:rPr lang="pt-BR" b="1" i="1" dirty="0" err="1"/>
-              <a:t>Protocol</a:t>
+              <a:t>eXtensible Messaging and Presense Protocol</a:t>
             </a:r>
             <a:endParaRPr lang="pt-BR" dirty="0"/>
           </a:p>
@@ -12264,26 +12989,10 @@
           <a:p>
             <a:r>
               <a:rPr lang="pt-BR" sz="2400" dirty="0"/>
-              <a:t>Apesar do ”</a:t>
-            </a:r>
-            <a:r>
-              <a:rPr lang="pt-BR" sz="2400" dirty="0" err="1"/>
-              <a:t>X</a:t>
-            </a:r>
-            <a:r>
-              <a:rPr lang="pt-BR" sz="2400" dirty="0"/>
-              <a:t>” </a:t>
-            </a:r>
-            <a:r>
-              <a:rPr lang="pt-BR" sz="2400" dirty="0" err="1"/>
-              <a:t>siginificar</a:t>
-            </a:r>
-            <a:r>
-              <a:rPr lang="pt-BR" sz="2400" dirty="0"/>
-              <a:t> </a:t>
-            </a:r>
-            <a:r>
-              <a:rPr lang="pt-BR" sz="2400" i="1" dirty="0" err="1"/>
+              <a:t>Apesar do ”X” significar </a:t>
+            </a:r>
+            <a:r>
+              <a:rPr lang="pt-BR" sz="2400" i="1" dirty="0"/>
               <a:t>eXtensible</a:t>
             </a:r>
             <a:r>
@@ -12294,18 +13003,10 @@
           <a:p>
             <a:r>
               <a:rPr lang="pt-BR" sz="2400" dirty="0"/>
-              <a:t>O “</a:t>
-            </a:r>
-            <a:r>
-              <a:rPr lang="pt-BR" sz="2400" dirty="0" err="1"/>
-              <a:t>X</a:t>
-            </a:r>
-            <a:r>
-              <a:rPr lang="pt-BR" sz="2400" dirty="0"/>
-              <a:t>” em XML também significa </a:t>
-            </a:r>
-            <a:r>
-              <a:rPr lang="pt-BR" sz="2400" i="1" dirty="0" err="1"/>
+              <a:t>O “X” em XML também significa </a:t>
+            </a:r>
+            <a:r>
+              <a:rPr lang="pt-BR" sz="2400" i="1" dirty="0"/>
               <a:t>eXtensible</a:t>
             </a:r>
             <a:r>
@@ -12611,20 +13312,8 @@
               <a:t>Comunicação segura com </a:t>
             </a:r>
             <a:r>
-              <a:rPr lang="pt-BR" sz="2400" i="1" dirty="0" err="1"/>
-              <a:t>Transport</a:t>
-            </a:r>
-            <a:r>
               <a:rPr lang="pt-BR" sz="2400" i="1" dirty="0"/>
-              <a:t> </a:t>
-            </a:r>
-            <a:r>
-              <a:rPr lang="pt-BR" sz="2400" i="1" dirty="0" err="1"/>
-              <a:t>Layer</a:t>
-            </a:r>
-            <a:r>
-              <a:rPr lang="pt-BR" sz="2400" i="1" dirty="0"/>
-              <a:t> Security</a:t>
+              <a:t>Transport Layer Security</a:t>
             </a:r>
             <a:r>
               <a:rPr lang="pt-BR" sz="2400" dirty="0"/>
@@ -12990,7 +13679,7 @@
               <a:t>Iniciado em 1999 com o nome de </a:t>
             </a:r>
             <a:r>
-              <a:rPr lang="pt-BR" sz="2400" i="1" dirty="0" err="1"/>
+              <a:rPr lang="pt-BR" sz="2400" i="1" dirty="0"/>
               <a:t>Jabber</a:t>
             </a:r>
             <a:r>
@@ -13001,23 +13690,7 @@
           <a:p>
             <a:r>
               <a:rPr lang="pt-BR" sz="2400" dirty="0"/>
-              <a:t>A primeira grande empresa a usar o protocolo foi a Google em 2005 para o desenvolvimento do </a:t>
-            </a:r>
-            <a:r>
-              <a:rPr lang="pt-BR" sz="2400" dirty="0" err="1"/>
-              <a:t>GTalk</a:t>
-            </a:r>
-            <a:r>
-              <a:rPr lang="pt-BR" sz="2400" dirty="0"/>
-              <a:t> (atualmente Google </a:t>
-            </a:r>
-            <a:r>
-              <a:rPr lang="pt-BR" sz="2400" dirty="0" err="1"/>
-              <a:t>Hangout</a:t>
-            </a:r>
-            <a:r>
-              <a:rPr lang="pt-BR" sz="2400" dirty="0"/>
-              <a:t>).</a:t>
+              <a:t>A primeira grande empresa a usar o protocolo foi a Google em 2005 para o desenvolvimento do GTalk (atualmente Google Hangout).</a:t>
             </a:r>
           </a:p>
         </p:txBody>
@@ -13316,15 +13989,7 @@
           <a:p>
             <a:r>
               <a:rPr lang="pt-BR" sz="2400" dirty="0"/>
-              <a:t>Na verdade, o </a:t>
-            </a:r>
-            <a:r>
-              <a:rPr lang="pt-BR" sz="2400" dirty="0" err="1"/>
-              <a:t>WhatApp</a:t>
-            </a:r>
-            <a:r>
-              <a:rPr lang="pt-BR" sz="2400" dirty="0"/>
-              <a:t> utiliza uma versão </a:t>
+              <a:t>Na verdade, o WhatApp utiliza uma versão </a:t>
             </a:r>
             <a:r>
               <a:rPr lang="pt-BR" sz="2400" dirty="0">
@@ -13705,30 +14370,14 @@
             <a:pPr algn="just"/>
             <a:r>
               <a:rPr lang="pt-BR" sz="2400" dirty="0"/>
-              <a:t>O uso de uma versão proprietária do XMPP prejudica a interoperabilidade garantida pelo protocolo original: uma </a:t>
-            </a:r>
-            <a:r>
-              <a:rPr lang="pt-BR" sz="2400" dirty="0" err="1"/>
-              <a:t>app</a:t>
-            </a:r>
+              <a:t>O uso de uma versão proprietária do XMPP prejudica a interoperabilidade garantida pelo protocolo original: uma app usando XMPP não pode facilmente se comunicar com WhatsApp</a:t>
+            </a:r>
+          </a:p>
+          <a:p>
+            <a:pPr algn="just"/>
             <a:r>
               <a:rPr lang="pt-BR" sz="2400" dirty="0"/>
-              <a:t> usando XMPP não pode facilmente se comunicar com WhatsApp</a:t>
-            </a:r>
-          </a:p>
-          <a:p>
-            <a:pPr algn="just"/>
-            <a:r>
-              <a:rPr lang="pt-BR" sz="2400" dirty="0"/>
-              <a:t>Aplicações clientes de </a:t>
-            </a:r>
-            <a:r>
-              <a:rPr lang="pt-BR" sz="2400" dirty="0" err="1"/>
-              <a:t>WhatApp</a:t>
-            </a:r>
-            <a:r>
-              <a:rPr lang="pt-BR" sz="2400" dirty="0"/>
-              <a:t> para diferentes plataformas como Linux e Windows são desenvolvidas por meio de “gambiarras” 😲</a:t>
+              <a:t>Aplicações clientes de WhatApp para diferentes plataformas como Linux e Windows são desenvolvidas por meio de “gambiarras” 😲</a:t>
             </a:r>
           </a:p>
           <a:p>
@@ -14113,15 +14762,7 @@
             <a:pPr algn="ctr"/>
             <a:r>
               <a:rPr lang="pt-BR" b="1" i="1" dirty="0"/>
-              <a:t>Outros </a:t>
-            </a:r>
-            <a:r>
-              <a:rPr lang="pt-BR" b="1" i="1" dirty="0" err="1"/>
-              <a:t>Apps</a:t>
-            </a:r>
-            <a:r>
-              <a:rPr lang="pt-BR" b="1" i="1" dirty="0"/>
-              <a:t> Famosos</a:t>
+              <a:t>Outros Apps Famosos</a:t>
             </a:r>
             <a:endParaRPr lang="pt-BR" dirty="0"/>
           </a:p>
@@ -14157,30 +14798,18 @@
           <a:p>
             <a:r>
               <a:rPr lang="pt-BR" sz="2400" dirty="0"/>
-              <a:t>Se você está se perguntando sobre outros </a:t>
-            </a:r>
-            <a:r>
-              <a:rPr lang="pt-BR" sz="2400" dirty="0" err="1"/>
-              <a:t>apps</a:t>
-            </a:r>
-            <a:r>
-              <a:rPr lang="pt-BR" sz="2400" dirty="0"/>
-              <a:t> como </a:t>
-            </a:r>
-            <a:r>
-              <a:rPr lang="pt-BR" sz="2400" i="1" dirty="0" err="1"/>
-              <a:t>Facebook</a:t>
+              <a:t>Se você está se perguntando sobre outros apps como </a:t>
             </a:r>
             <a:r>
               <a:rPr lang="pt-BR" sz="2400" i="1" dirty="0"/>
-              <a:t> Messenger</a:t>
+              <a:t>Facebook Messenger</a:t>
             </a:r>
             <a:r>
               <a:rPr lang="pt-BR" sz="2400" dirty="0"/>
               <a:t> ou </a:t>
             </a:r>
             <a:r>
-              <a:rPr lang="pt-BR" sz="2400" i="1" dirty="0" err="1"/>
+              <a:rPr lang="pt-BR" sz="2400" i="1" dirty="0"/>
               <a:t>Telegram</a:t>
             </a:r>
             <a:r>
@@ -14244,15 +14873,7 @@
           <a:p>
             <a:r>
               <a:rPr lang="pt-BR" sz="2400" dirty="0"/>
-              <a:t>O </a:t>
-            </a:r>
-            <a:r>
-              <a:rPr lang="pt-BR" sz="2400" dirty="0" err="1"/>
-              <a:t>Telegram</a:t>
-            </a:r>
-            <a:r>
-              <a:rPr lang="pt-BR" sz="2400" dirty="0"/>
-              <a:t> usa o protocolo </a:t>
+              <a:t>O Telegram usa o protocolo </a:t>
             </a:r>
             <a:r>
               <a:rPr lang="pt-BR" sz="2400" dirty="0">
@@ -14617,12 +15238,8 @@
           </a:p>
           <a:p>
             <a:r>
-              <a:rPr lang="pt-BR" sz="2400" dirty="0" err="1"/>
-              <a:t>Avatar</a:t>
-            </a:r>
-            <a:r>
               <a:rPr lang="pt-BR" sz="2400" dirty="0"/>
-              <a:t> (foto para o perfil do usuário)</a:t>
+              <a:t>Avatar (foto para o perfil do usuário)</a:t>
             </a:r>
           </a:p>
           <a:p>

--- a/projects/06-xmpp-chat-client/xmpp.pptx
+++ b/projects/06-xmpp-chat-client/xmpp.pptx
@@ -5,7 +5,7 @@
     <p:sldMasterId id="2147484007" r:id="rId1"/>
   </p:sldMasterIdLst>
   <p:notesMasterIdLst>
-    <p:notesMasterId r:id="rId20"/>
+    <p:notesMasterId r:id="rId21"/>
   </p:notesMasterIdLst>
   <p:sldIdLst>
     <p:sldId id="266" r:id="rId2"/>
@@ -25,7 +25,8 @@
     <p:sldId id="294" r:id="rId16"/>
     <p:sldId id="295" r:id="rId17"/>
     <p:sldId id="296" r:id="rId18"/>
-    <p:sldId id="281" r:id="rId19"/>
+    <p:sldId id="297" r:id="rId19"/>
+    <p:sldId id="281" r:id="rId20"/>
   </p:sldIdLst>
   <p:sldSz cx="12192000" cy="6858000"/>
   <p:notesSz cx="6858000" cy="9144000"/>
@@ -214,7 +215,7 @@
           <a:p>
             <a:fld id="{7497B6E1-7C5B-524D-B5EB-5E6695205380}" type="datetimeFigureOut">
               <a:rPr lang="pt-BR" smtClean="0"/>
-              <a:t>22/11/2018</a:t>
+              <a:t>03/12/2018</a:t>
             </a:fld>
             <a:endParaRPr lang="pt-BR" dirty="0"/>
           </a:p>
@@ -652,7 +653,7 @@
           <a:p>
             <a:fld id="{19E7D63B-43B5-8A4C-BD12-76889BE136BD}" type="datetime1">
               <a:rPr lang="en-US" smtClean="0"/>
-              <a:t>11/22/18</a:t>
+              <a:t>12/3/18</a:t>
             </a:fld>
             <a:endParaRPr lang="en-US" dirty="0"/>
           </a:p>
@@ -918,7 +919,7 @@
           <a:p>
             <a:fld id="{124E9894-F119-A64C-B7CB-D7CE860A73BE}" type="datetime1">
               <a:rPr lang="en-US" smtClean="0"/>
-              <a:t>11/22/18</a:t>
+              <a:t>12/3/18</a:t>
             </a:fld>
             <a:endParaRPr lang="en-US" dirty="0"/>
           </a:p>
@@ -1150,7 +1151,7 @@
           <a:p>
             <a:fld id="{124E9894-F119-A64C-B7CB-D7CE860A73BE}" type="datetime1">
               <a:rPr lang="en-US" smtClean="0"/>
-              <a:t>11/22/18</a:t>
+              <a:t>12/3/18</a:t>
             </a:fld>
             <a:endParaRPr lang="en-US" dirty="0"/>
           </a:p>
@@ -1461,7 +1462,7 @@
           <a:p>
             <a:fld id="{124E9894-F119-A64C-B7CB-D7CE860A73BE}" type="datetime1">
               <a:rPr lang="en-US" smtClean="0"/>
-              <a:t>11/22/18</a:t>
+              <a:t>12/3/18</a:t>
             </a:fld>
             <a:endParaRPr lang="en-US" dirty="0"/>
           </a:p>
@@ -1935,7 +1936,7 @@
           <a:p>
             <a:fld id="{B4BBB50B-BAA3-9748-978F-08A7877AB7D9}" type="datetime1">
               <a:rPr lang="en-US" smtClean="0"/>
-              <a:t>11/22/18</a:t>
+              <a:t>12/3/18</a:t>
             </a:fld>
             <a:endParaRPr lang="en-US" dirty="0"/>
           </a:p>
@@ -2482,7 +2483,7 @@
           <a:p>
             <a:fld id="{124E9894-F119-A64C-B7CB-D7CE860A73BE}" type="datetime1">
               <a:rPr lang="en-US" smtClean="0"/>
-              <a:t>11/22/18</a:t>
+              <a:t>12/3/18</a:t>
             </a:fld>
             <a:endParaRPr lang="en-US" dirty="0"/>
           </a:p>
@@ -3254,7 +3255,7 @@
           <a:p>
             <a:fld id="{124E9894-F119-A64C-B7CB-D7CE860A73BE}" type="datetime1">
               <a:rPr lang="en-US" smtClean="0"/>
-              <a:t>11/22/18</a:t>
+              <a:t>12/3/18</a:t>
             </a:fld>
             <a:endParaRPr lang="en-US" dirty="0"/>
           </a:p>
@@ -3430,7 +3431,7 @@
           <a:p>
             <a:fld id="{45040DEA-CE02-EF42-8F10-34F709D8505D}" type="datetime1">
               <a:rPr lang="en-US" smtClean="0"/>
-              <a:t>11/22/18</a:t>
+              <a:t>12/3/18</a:t>
             </a:fld>
             <a:endParaRPr lang="en-US" dirty="0"/>
           </a:p>
@@ -3653,7 +3654,7 @@
           <a:p>
             <a:fld id="{A0C1C801-5706-434E-AB65-DDFBCF1F55D2}" type="datetime1">
               <a:rPr lang="en-US" smtClean="0"/>
-              <a:t>11/22/18</a:t>
+              <a:t>12/3/18</a:t>
             </a:fld>
             <a:endParaRPr lang="en-US" dirty="0"/>
           </a:p>
@@ -3833,7 +3834,7 @@
           <a:p>
             <a:fld id="{39AE0FD8-7D7B-EA4F-8AF8-8B97820A0C5D}" type="datetime1">
               <a:rPr lang="en-US" smtClean="0"/>
-              <a:t>11/22/18</a:t>
+              <a:t>12/3/18</a:t>
             </a:fld>
             <a:endParaRPr lang="en-US" dirty="0"/>
           </a:p>
@@ -4122,7 +4123,7 @@
           <a:p>
             <a:fld id="{7FC94D43-3F68-DC43-8EF0-95FB3D51CCCF}" type="datetime1">
               <a:rPr lang="en-US" smtClean="0"/>
-              <a:t>11/22/18</a:t>
+              <a:t>12/3/18</a:t>
             </a:fld>
             <a:endParaRPr lang="en-US" dirty="0"/>
           </a:p>
@@ -4364,7 +4365,7 @@
           <a:p>
             <a:fld id="{BD42CFC2-1CE8-9045-8C9C-0F183F0FB455}" type="datetime1">
               <a:rPr lang="en-US" smtClean="0"/>
-              <a:t>11/22/18</a:t>
+              <a:t>12/3/18</a:t>
             </a:fld>
             <a:endParaRPr lang="en-US" dirty="0"/>
           </a:p>
@@ -4743,7 +4744,7 @@
           <a:p>
             <a:fld id="{F1B5C6E2-D044-C748-9C41-86C9B2F84EB9}" type="datetime1">
               <a:rPr lang="en-US" smtClean="0"/>
-              <a:t>11/22/18</a:t>
+              <a:t>12/3/18</a:t>
             </a:fld>
             <a:endParaRPr lang="en-US" dirty="0"/>
           </a:p>
@@ -4861,7 +4862,7 @@
           <a:p>
             <a:fld id="{359C32BA-C166-AC45-9FCD-8BF0F43629D9}" type="datetime1">
               <a:rPr lang="en-US" smtClean="0"/>
-              <a:t>11/22/18</a:t>
+              <a:t>12/3/18</a:t>
             </a:fld>
             <a:endParaRPr lang="en-US" dirty="0"/>
           </a:p>
@@ -4956,7 +4957,7 @@
           <a:p>
             <a:fld id="{E5D0D591-4B92-A44B-A0EA-798E76AD0368}" type="datetime1">
               <a:rPr lang="en-US" smtClean="0"/>
-              <a:t>11/22/18</a:t>
+              <a:t>12/3/18</a:t>
             </a:fld>
             <a:endParaRPr lang="en-US" dirty="0"/>
           </a:p>
@@ -5205,7 +5206,7 @@
           <a:p>
             <a:fld id="{8201F472-E17F-4B47-A44B-A2249FA27ED2}" type="datetime1">
               <a:rPr lang="en-US" smtClean="0"/>
-              <a:t>11/22/18</a:t>
+              <a:t>12/3/18</a:t>
             </a:fld>
             <a:endParaRPr lang="en-US" dirty="0"/>
           </a:p>
@@ -5461,7 +5462,7 @@
           <a:p>
             <a:fld id="{8BEFB9EE-CDF2-6F49-80F4-278D1604F10C}" type="datetime1">
               <a:rPr lang="en-US" smtClean="0"/>
-              <a:t>11/22/18</a:t>
+              <a:t>12/3/18</a:t>
             </a:fld>
             <a:endParaRPr lang="en-US" dirty="0"/>
           </a:p>
@@ -5704,7 +5705,7 @@
           <a:p>
             <a:fld id="{124E9894-F119-A64C-B7CB-D7CE860A73BE}" type="datetime1">
               <a:rPr lang="en-US" smtClean="0"/>
-              <a:t>11/22/18</a:t>
+              <a:t>12/3/18</a:t>
             </a:fld>
             <a:endParaRPr lang="en-US" dirty="0"/>
           </a:p>
@@ -7890,8 +7891,8 @@
         </p:nvSpPr>
         <p:spPr>
           <a:xfrm>
-            <a:off x="2589212" y="1881809"/>
-            <a:ext cx="8915400" cy="4254699"/>
+            <a:off x="689113" y="1881809"/>
+            <a:ext cx="10815499" cy="4254699"/>
           </a:xfrm>
         </p:spPr>
         <p:txBody>
@@ -7901,24 +7902,21 @@
           <a:lstStyle/>
           <a:p>
             <a:r>
-              <a:rPr lang="pt-BR" sz="2400" dirty="0"/>
+              <a:rPr lang="pt-BR" sz="2800" dirty="0"/>
               <a:t>Clientes (usuários) pertencentes a um determinado domínio conectam em um servidor</a:t>
             </a:r>
           </a:p>
           <a:p>
             <a:r>
-              <a:rPr lang="pt-BR" sz="2400" dirty="0"/>
+              <a:rPr lang="pt-BR" sz="2800" dirty="0"/>
               <a:t>Servidores intermediam a comunicação</a:t>
             </a:r>
           </a:p>
           <a:p>
             <a:r>
-              <a:rPr lang="pt-BR" sz="2400" dirty="0"/>
+              <a:rPr lang="pt-BR" sz="2800" dirty="0"/>
               <a:t>Mensagens trocadas entre os clientes de um mesmo domínio são entregues por um servidor de tal domínio</a:t>
             </a:r>
-          </a:p>
-          <a:p>
-            <a:endParaRPr lang="pt-BR" sz="2400" dirty="0"/>
           </a:p>
         </p:txBody>
       </p:sp>
@@ -8251,8 +8249,8 @@
         </p:nvSpPr>
         <p:spPr>
           <a:xfrm>
-            <a:off x="2589212" y="1881809"/>
-            <a:ext cx="8915400" cy="4254699"/>
+            <a:off x="768626" y="1881809"/>
+            <a:ext cx="10735986" cy="4254699"/>
           </a:xfrm>
         </p:spPr>
         <p:txBody>
@@ -8262,18 +8260,18 @@
           <a:lstStyle/>
           <a:p>
             <a:r>
-              <a:rPr lang="pt-BR" sz="2400" dirty="0"/>
+              <a:rPr lang="pt-BR" sz="2800" dirty="0"/>
               <a:t>Como o XMPP é um protocolo aberto e interoperável, clientes de um domínio podem enviar mensagens para clientes de outro domínio</a:t>
             </a:r>
           </a:p>
           <a:p>
             <a:r>
-              <a:rPr lang="pt-BR" sz="2400" dirty="0"/>
+              <a:rPr lang="pt-BR" sz="2800" dirty="0"/>
               <a:t>Se o Cliente 1 enviar mensagem pro Cliente 8, a mesma passa pelo Servidor 1, que encaminha ao Servidor 3 para ser entregue ao Cliente 8</a:t>
             </a:r>
           </a:p>
           <a:p>
-            <a:endParaRPr lang="pt-BR" sz="2400" dirty="0"/>
+            <a:endParaRPr lang="pt-BR" sz="2800" dirty="0"/>
           </a:p>
         </p:txBody>
       </p:sp>
@@ -8545,8 +8543,8 @@
         </p:nvSpPr>
         <p:spPr>
           <a:xfrm>
-            <a:off x="2589212" y="1881809"/>
-            <a:ext cx="8915400" cy="4254699"/>
+            <a:off x="609600" y="1881809"/>
+            <a:ext cx="10895012" cy="4254699"/>
           </a:xfrm>
         </p:spPr>
         <p:txBody>
@@ -8556,97 +8554,101 @@
           <a:lstStyle/>
           <a:p>
             <a:r>
-              <a:rPr lang="pt-BR" sz="2400" dirty="0"/>
+              <a:rPr lang="pt-BR" sz="2800" dirty="0"/>
               <a:t>Servidores XMPP podem ser adicionados à rede por qualquer pessoa/empresa</a:t>
             </a:r>
           </a:p>
           <a:p>
             <a:r>
-              <a:rPr lang="pt-BR" sz="2400" dirty="0"/>
+              <a:rPr lang="pt-BR" sz="2800" dirty="0"/>
               <a:t>Existem implementações gratuitas de servidores como os projetos como o </a:t>
             </a:r>
             <a:r>
-              <a:rPr lang="pt-BR" sz="2400" dirty="0">
+              <a:rPr lang="pt-BR" sz="2800" dirty="0">
                 <a:hlinkClick r:id="rId2"/>
               </a:rPr>
               <a:t>Openfire</a:t>
             </a:r>
             <a:r>
-              <a:rPr lang="pt-BR" sz="2400" dirty="0"/>
+              <a:rPr lang="pt-BR" sz="2800" dirty="0"/>
               <a:t> ou </a:t>
             </a:r>
             <a:r>
-              <a:rPr lang="pt-BR" sz="2400" dirty="0">
+              <a:rPr lang="pt-BR" sz="2800" dirty="0">
                 <a:hlinkClick r:id="rId3"/>
               </a:rPr>
               <a:t>JabberD</a:t>
             </a:r>
             <a:r>
-              <a:rPr lang="pt-BR" sz="2400" dirty="0"/>
+              <a:rPr lang="pt-BR" sz="2800" dirty="0"/>
               <a:t>.</a:t>
             </a:r>
           </a:p>
           <a:p>
             <a:r>
-              <a:rPr lang="pt-BR" sz="2400" dirty="0"/>
+              <a:rPr lang="pt-BR" sz="2800" dirty="0"/>
               <a:t>Adicionalmente, existem inúmeros servidores gratuitos disponíveis na Web, onde você pode criar uma conta XMPP, como </a:t>
             </a:r>
             <a:r>
-              <a:rPr lang="pt-BR" sz="2400" dirty="0">
+              <a:rPr lang="pt-BR" sz="2800" dirty="0">
                 <a:hlinkClick r:id="rId4"/>
               </a:rPr>
-              <a:t>www.xabber.com</a:t>
-            </a:r>
-            <a:r>
-              <a:rPr lang="pt-BR" sz="2400" dirty="0"/>
+              <a:t>xabber.com</a:t>
+            </a:r>
+            <a:r>
+              <a:rPr lang="pt-BR" sz="2800" dirty="0"/>
               <a:t>, </a:t>
             </a:r>
             <a:r>
-              <a:rPr lang="pt-BR" sz="2400" dirty="0">
+              <a:rPr lang="pt-BR" sz="2800" dirty="0">
                 <a:hlinkClick r:id="rId5"/>
               </a:rPr>
               <a:t>jabber.at</a:t>
             </a:r>
             <a:r>
-              <a:rPr lang="pt-BR" sz="2400" dirty="0"/>
+              <a:rPr lang="pt-BR" sz="2800" dirty="0"/>
               <a:t>, </a:t>
             </a:r>
             <a:r>
-              <a:rPr lang="pt-BR" sz="2400" dirty="0">
+              <a:rPr lang="pt-BR" sz="2800" dirty="0">
                 <a:hlinkClick r:id="rId6"/>
               </a:rPr>
-              <a:t>www.jabbim.com</a:t>
-            </a:r>
-            <a:r>
-              <a:rPr lang="pt-BR" sz="2400" dirty="0"/>
-              <a:t> e inúmeros outros listados em </a:t>
-            </a:r>
-            <a:r>
-              <a:rPr lang="pt-BR" sz="2400" dirty="0">
+              <a:t>jabbim.com</a:t>
+            </a:r>
+            <a:r>
+              <a:rPr lang="pt-BR" sz="2800" dirty="0"/>
+              <a:t>, </a:t>
+            </a:r>
+            <a:r>
+              <a:rPr lang="pt-BR" sz="2800" dirty="0">
                 <a:hlinkClick r:id="rId7"/>
               </a:rPr>
-              <a:t>xmpp.net</a:t>
-            </a:r>
-            <a:r>
-              <a:rPr lang="pt-BR" sz="2400" dirty="0"/>
-              <a:t> ou </a:t>
-            </a:r>
-            <a:r>
-              <a:rPr lang="pt-BR" sz="2400" dirty="0">
+              <a:t>chinwag.im</a:t>
+            </a:r>
+            <a:r>
+              <a:rPr lang="pt-BR" sz="2800" dirty="0"/>
+              <a:t> e inúmeros outros listados em </a:t>
+            </a:r>
+            <a:r>
+              <a:rPr lang="pt-BR" sz="2800" dirty="0">
                 <a:hlinkClick r:id="rId8"/>
               </a:rPr>
+              <a:t>xmpp.net</a:t>
+            </a:r>
+            <a:r>
+              <a:rPr lang="pt-BR" sz="2800" dirty="0"/>
+              <a:t> ou </a:t>
+            </a:r>
+            <a:r>
+              <a:rPr lang="pt-BR" sz="2800" dirty="0">
+                <a:hlinkClick r:id="rId9"/>
+              </a:rPr>
               <a:t>list.jabber.at</a:t>
             </a:r>
             <a:r>
-              <a:rPr lang="pt-BR" sz="2400" dirty="0"/>
+              <a:rPr lang="pt-BR" sz="2800" dirty="0"/>
               <a:t>, por exemplo.</a:t>
             </a:r>
-          </a:p>
-          <a:p>
-            <a:endParaRPr lang="pt-BR" sz="2400" dirty="0"/>
-          </a:p>
-          <a:p>
-            <a:endParaRPr lang="pt-BR" sz="2400" dirty="0"/>
           </a:p>
         </p:txBody>
       </p:sp>
@@ -8998,30 +9000,30 @@
         </p:nvSpPr>
         <p:spPr>
           <a:xfrm>
-            <a:off x="2256997" y="1197060"/>
-            <a:ext cx="6290786" cy="3965756"/>
+            <a:off x="465938" y="1647633"/>
+            <a:ext cx="8081845" cy="3660842"/>
           </a:xfrm>
         </p:spPr>
         <p:txBody>
           <a:bodyPr>
-            <a:normAutofit/>
+            <a:noAutofit/>
           </a:bodyPr>
           <a:lstStyle/>
           <a:p>
             <a:r>
-              <a:rPr lang="pt-BR" sz="2400" dirty="0"/>
+              <a:rPr lang="pt-BR" sz="2800" dirty="0"/>
               <a:t>Aplicações web tradicionais acessam um servidor principal</a:t>
             </a:r>
           </a:p>
           <a:p>
             <a:r>
-              <a:rPr lang="pt-BR" sz="2400" dirty="0"/>
+              <a:rPr lang="pt-BR" sz="2800" dirty="0"/>
               <a:t>O cliente comumente apenas acessa recursos em diferentes serviços (como páginas adicionais, arquivos js e css, etc.)</a:t>
             </a:r>
           </a:p>
           <a:p>
             <a:r>
-              <a:rPr lang="pt-BR" sz="2400" dirty="0"/>
+              <a:rPr lang="pt-BR" sz="2800" dirty="0"/>
               <a:t>Mas normalmente não há qualquer cooperação (comunicação) entre servidores como ocorre na rede XMPP</a:t>
             </a:r>
           </a:p>
@@ -10013,8 +10015,8 @@
         </p:nvSpPr>
         <p:spPr>
           <a:xfrm>
-            <a:off x="1590297" y="1406919"/>
-            <a:ext cx="4795832" cy="5314860"/>
+            <a:off x="136631" y="1406919"/>
+            <a:ext cx="6249498" cy="5314860"/>
           </a:xfrm>
         </p:spPr>
         <p:txBody>
@@ -10024,25 +10026,25 @@
           <a:lstStyle/>
           <a:p>
             <a:r>
-              <a:rPr lang="pt-BR" sz="2400" dirty="0"/>
+              <a:rPr lang="pt-BR" sz="2800" dirty="0"/>
               <a:t>Redes de servidores de e-mail já têm uma arquitetura mais parecida com o XMPP</a:t>
             </a:r>
           </a:p>
           <a:p>
             <a:r>
-              <a:rPr lang="pt-BR" sz="2400" dirty="0"/>
+              <a:rPr lang="pt-BR" sz="2800" dirty="0"/>
               <a:t>Quando um cliente envia um e-mail, a mensagem pode passar por vários servidores até chegar ao cliente de destino</a:t>
             </a:r>
           </a:p>
           <a:p>
             <a:r>
-              <a:rPr lang="pt-BR" sz="2400" dirty="0"/>
+              <a:rPr lang="pt-BR" sz="2800" dirty="0"/>
               <a:t>Os servidores estão interligados e cooperam para a entrega da mensagem</a:t>
             </a:r>
           </a:p>
           <a:p>
             <a:r>
-              <a:rPr lang="pt-BR" sz="2400" dirty="0"/>
+              <a:rPr lang="pt-BR" sz="2800" dirty="0"/>
               <a:t>Este é o mesmo modelo usado por servidores DNS</a:t>
             </a:r>
           </a:p>
@@ -11103,14 +11105,14 @@
             <p:ph idx="1"/>
             <p:extLst>
               <p:ext uri="{D42A27DB-BD31-4B8C-83A1-F6EECF244321}">
-                <p14:modId xmlns:p14="http://schemas.microsoft.com/office/powerpoint/2010/main" val="3994565619"/>
+                <p14:modId xmlns:p14="http://schemas.microsoft.com/office/powerpoint/2010/main" val="451095549"/>
               </p:ext>
             </p:extLst>
           </p:nvPr>
         </p:nvGraphicFramePr>
         <p:xfrm>
-          <a:off x="2057569" y="1117618"/>
-          <a:ext cx="9994522" cy="2199640"/>
+          <a:off x="66261" y="1515183"/>
+          <a:ext cx="12085983" cy="3688080"/>
         </p:xfrm>
         <a:graphic>
           <a:graphicData uri="http://schemas.openxmlformats.org/drawingml/2006/table">
@@ -11119,28 +11121,28 @@
                 <a:tableStyleId>{912C8C85-51F0-491E-9774-3900AFEF0FD7}</a:tableStyleId>
               </a:tblPr>
               <a:tblGrid>
-                <a:gridCol w="3207895">
+                <a:gridCol w="4784035">
                   <a:extLst>
                     <a:ext uri="{9D8B030D-6E8A-4147-A177-3AD203B41FA5}">
                       <a16:colId xmlns:a16="http://schemas.microsoft.com/office/drawing/2014/main" val="4153959608"/>
                     </a:ext>
                   </a:extLst>
                 </a:gridCol>
-                <a:gridCol w="1997271">
+                <a:gridCol w="3034747">
                   <a:extLst>
                     <a:ext uri="{9D8B030D-6E8A-4147-A177-3AD203B41FA5}">
                       <a16:colId xmlns:a16="http://schemas.microsoft.com/office/drawing/2014/main" val="4038705159"/>
                     </a:ext>
                   </a:extLst>
                 </a:gridCol>
-                <a:gridCol w="2602583">
+                <a:gridCol w="2160105">
                   <a:extLst>
                     <a:ext uri="{9D8B030D-6E8A-4147-A177-3AD203B41FA5}">
                       <a16:colId xmlns:a16="http://schemas.microsoft.com/office/drawing/2014/main" val="672296576"/>
                     </a:ext>
                   </a:extLst>
                 </a:gridCol>
-                <a:gridCol w="2186773">
+                <a:gridCol w="2107096">
                   <a:extLst>
                     <a:ext uri="{9D8B030D-6E8A-4147-A177-3AD203B41FA5}">
                       <a16:colId xmlns:a16="http://schemas.microsoft.com/office/drawing/2014/main" val="1018424262"/>
@@ -11155,7 +11157,7 @@
                     <a:lstStyle/>
                     <a:p>
                       <a:r>
-                        <a:rPr lang="pt-BR" dirty="0"/>
+                        <a:rPr lang="pt-BR" sz="2800" dirty="0"/>
                         <a:t>Recurso</a:t>
                       </a:r>
                     </a:p>
@@ -11168,7 +11170,7 @@
                     <a:lstStyle/>
                     <a:p>
                       <a:r>
-                        <a:rPr lang="pt-BR" dirty="0"/>
+                        <a:rPr lang="pt-BR" sz="2800" dirty="0"/>
                         <a:t>Servidores Web</a:t>
                       </a:r>
                     </a:p>
@@ -11181,7 +11183,7 @@
                     <a:lstStyle/>
                     <a:p>
                       <a:r>
-                        <a:rPr lang="pt-BR" dirty="0"/>
+                        <a:rPr lang="pt-BR" sz="2800" dirty="0"/>
                         <a:t>Servidores de E-mail</a:t>
                       </a:r>
                     </a:p>
@@ -11194,7 +11196,7 @@
                     <a:lstStyle/>
                     <a:p>
                       <a:r>
-                        <a:rPr lang="pt-BR" dirty="0"/>
+                        <a:rPr lang="pt-BR" sz="2800" dirty="0"/>
                         <a:t>Servidores XMPP</a:t>
                       </a:r>
                     </a:p>
@@ -11214,13 +11216,13 @@
                     <a:lstStyle/>
                     <a:p>
                       <a:r>
-                        <a:rPr lang="pt-BR" dirty="0"/>
+                        <a:rPr lang="pt-BR" sz="2800" dirty="0"/>
                         <a:t>Conexão entre domínios</a:t>
                       </a:r>
                     </a:p>
                     <a:p>
                       <a:r>
-                        <a:rPr lang="pt-BR" dirty="0"/>
+                        <a:rPr lang="pt-BR" sz="2800" dirty="0"/>
                         <a:t>(interligação entre servidores) </a:t>
                       </a:r>
                     </a:p>
@@ -11233,7 +11235,7 @@
                     <a:lstStyle/>
                     <a:p>
                       <a:r>
-                        <a:rPr lang="pt-BR" dirty="0"/>
+                        <a:rPr lang="pt-BR" sz="2800" dirty="0"/>
                         <a:t>Normalmente não</a:t>
                       </a:r>
                     </a:p>
@@ -11246,7 +11248,7 @@
                     <a:lstStyle/>
                     <a:p>
                       <a:r>
-                        <a:rPr lang="pt-BR" dirty="0"/>
+                        <a:rPr lang="pt-BR" sz="2800" dirty="0"/>
                         <a:t>Sim</a:t>
                       </a:r>
                     </a:p>
@@ -11259,7 +11261,7 @@
                     <a:lstStyle/>
                     <a:p>
                       <a:r>
-                        <a:rPr lang="pt-BR" dirty="0"/>
+                        <a:rPr lang="pt-BR" sz="2800" dirty="0"/>
                         <a:t>Sim</a:t>
                       </a:r>
                     </a:p>
@@ -11279,7 +11281,7 @@
                     <a:lstStyle/>
                     <a:p>
                       <a:r>
-                        <a:rPr lang="pt-BR" dirty="0"/>
+                        <a:rPr lang="pt-BR" sz="2800" dirty="0"/>
                         <a:t>Número de saltos para entrega de mensagens</a:t>
                       </a:r>
                     </a:p>
@@ -11292,7 +11294,7 @@
                     <a:lstStyle/>
                     <a:p>
                       <a:r>
-                        <a:rPr lang="pt-BR" dirty="0"/>
+                        <a:rPr lang="pt-BR" sz="2800" dirty="0"/>
                         <a:t>Normalmente 1 (eventualmente mais de 1)</a:t>
                       </a:r>
                     </a:p>
@@ -11305,7 +11307,7 @@
                     <a:lstStyle/>
                     <a:p>
                       <a:r>
-                        <a:rPr lang="pt-BR" dirty="0"/>
+                        <a:rPr lang="pt-BR" sz="2800" dirty="0"/>
                         <a:t>1 ou vários</a:t>
                       </a:r>
                     </a:p>
@@ -11318,15 +11320,15 @@
                     <a:lstStyle/>
                     <a:p>
                       <a:r>
-                        <a:rPr lang="pt-BR" dirty="0"/>
+                        <a:rPr lang="pt-BR" sz="2800" dirty="0"/>
                         <a:t>1 ou no </a:t>
                       </a:r>
                       <a:r>
-                        <a:rPr lang="pt-BR" b="1" dirty="0"/>
+                        <a:rPr lang="pt-BR" sz="2800" b="1" dirty="0"/>
                         <a:t>máximo</a:t>
                       </a:r>
                       <a:r>
-                        <a:rPr lang="pt-BR" dirty="0"/>
+                        <a:rPr lang="pt-BR" sz="2800" dirty="0"/>
                         <a:t> 2</a:t>
                       </a:r>
                     </a:p>
@@ -11548,8 +11550,8 @@
         </p:nvSpPr>
         <p:spPr>
           <a:xfrm>
-            <a:off x="543374" y="1671597"/>
-            <a:ext cx="9915903" cy="4805403"/>
+            <a:off x="213595" y="1926427"/>
+            <a:ext cx="9109564" cy="3964707"/>
           </a:xfrm>
         </p:spPr>
         <p:txBody>
@@ -11559,48 +11561,30 @@
           <a:lstStyle/>
           <a:p>
             <a:r>
-              <a:rPr lang="pt-BR" sz="2400" dirty="0"/>
+              <a:rPr lang="pt-BR" sz="2800" dirty="0"/>
               <a:t>Para transferência de arquivos e chamadas de voz e vídeo, existe uma extensão XMPP chamada </a:t>
             </a:r>
             <a:r>
-              <a:rPr lang="pt-BR" sz="2400" dirty="0">
+              <a:rPr lang="pt-BR" sz="2800" dirty="0">
                 <a:hlinkClick r:id="rId2"/>
               </a:rPr>
               <a:t>Jingle</a:t>
             </a:r>
             <a:r>
-              <a:rPr lang="pt-BR" sz="2400" dirty="0"/>
+              <a:rPr lang="pt-BR" sz="2800" dirty="0"/>
               <a:t> que permite a comunicação ponto-a-ponto (P2P) entre dois clientes</a:t>
             </a:r>
           </a:p>
           <a:p>
             <a:r>
-              <a:rPr lang="pt-BR" sz="2400" dirty="0"/>
+              <a:rPr lang="pt-BR" sz="2800" dirty="0"/>
               <a:t>Desta forma, após a conexão ser estabelecida, não há intermediação dos servidores</a:t>
             </a:r>
           </a:p>
           <a:p>
             <a:r>
-              <a:rPr lang="pt-BR" sz="2400" dirty="0"/>
+              <a:rPr lang="pt-BR" sz="2800" dirty="0"/>
               <a:t>Isto torna a comunicação mais rápida (por remover intermediários) e evita sobrecarga do servidor</a:t>
-            </a:r>
-          </a:p>
-          <a:p>
-            <a:r>
-              <a:rPr lang="pt-BR" sz="2400" dirty="0"/>
-              <a:t>No caso de chamadas de voz e vídeo, normalmente é utilizado UDP como protocolo de transporte que não garante entrega</a:t>
-            </a:r>
-          </a:p>
-          <a:p>
-            <a:r>
-              <a:rPr lang="pt-BR" sz="2400" dirty="0"/>
-              <a:t>Se um pacote de voz for perdido, isto não afeta a qualidade da conversa</a:t>
-            </a:r>
-          </a:p>
-          <a:p>
-            <a:r>
-              <a:rPr lang="pt-BR" sz="2400" dirty="0"/>
-              <a:t>Se a perda for grande, vai tornar a comunicação difícil</a:t>
             </a:r>
           </a:p>
         </p:txBody>
@@ -11648,7 +11632,7 @@
         </p:nvGrpSpPr>
         <p:grpSpPr>
           <a:xfrm>
-            <a:off x="9451467" y="2228188"/>
+            <a:off x="9466457" y="1823456"/>
             <a:ext cx="2601994" cy="4373089"/>
             <a:chOff x="9451467" y="2228188"/>
             <a:chExt cx="2601994" cy="4373089"/>
@@ -12074,189 +12058,6 @@
                       </p:childTnLst>
                     </p:cTn>
                   </p:par>
-                  <p:par>
-                    <p:cTn id="21" fill="hold">
-                      <p:stCondLst>
-                        <p:cond delay="indefinite"/>
-                      </p:stCondLst>
-                      <p:childTnLst>
-                        <p:par>
-                          <p:cTn id="22" fill="hold">
-                            <p:stCondLst>
-                              <p:cond delay="0"/>
-                            </p:stCondLst>
-                            <p:childTnLst>
-                              <p:par>
-                                <p:cTn id="23" presetID="9" presetClass="entr" presetSubtype="0" fill="hold" grpId="0" nodeType="clickEffect">
-                                  <p:stCondLst>
-                                    <p:cond delay="0"/>
-                                  </p:stCondLst>
-                                  <p:childTnLst>
-                                    <p:set>
-                                      <p:cBhvr>
-                                        <p:cTn id="24" dur="1" fill="hold">
-                                          <p:stCondLst>
-                                            <p:cond delay="0"/>
-                                          </p:stCondLst>
-                                        </p:cTn>
-                                        <p:tgtEl>
-                                          <p:spTgt spid="66">
-                                            <p:txEl>
-                                              <p:pRg st="3" end="3"/>
-                                            </p:txEl>
-                                          </p:spTgt>
-                                        </p:tgtEl>
-                                        <p:attrNameLst>
-                                          <p:attrName>style.visibility</p:attrName>
-                                        </p:attrNameLst>
-                                      </p:cBhvr>
-                                      <p:to>
-                                        <p:strVal val="visible"/>
-                                      </p:to>
-                                    </p:set>
-                                    <p:animEffect transition="in" filter="dissolve">
-                                      <p:cBhvr>
-                                        <p:cTn id="25" dur="500"/>
-                                        <p:tgtEl>
-                                          <p:spTgt spid="66">
-                                            <p:txEl>
-                                              <p:pRg st="3" end="3"/>
-                                            </p:txEl>
-                                          </p:spTgt>
-                                        </p:tgtEl>
-                                      </p:cBhvr>
-                                    </p:animEffect>
-                                  </p:childTnLst>
-                                </p:cTn>
-                              </p:par>
-                            </p:childTnLst>
-                          </p:cTn>
-                        </p:par>
-                      </p:childTnLst>
-                    </p:cTn>
-                  </p:par>
-                  <p:par>
-                    <p:cTn id="26" fill="hold">
-                      <p:stCondLst>
-                        <p:cond delay="indefinite"/>
-                      </p:stCondLst>
-                      <p:childTnLst>
-                        <p:par>
-                          <p:cTn id="27" fill="hold">
-                            <p:stCondLst>
-                              <p:cond delay="0"/>
-                            </p:stCondLst>
-                            <p:childTnLst>
-                              <p:par>
-                                <p:cTn id="28" presetID="9" presetClass="entr" presetSubtype="0" fill="hold" grpId="0" nodeType="clickEffect">
-                                  <p:stCondLst>
-                                    <p:cond delay="0"/>
-                                  </p:stCondLst>
-                                  <p:childTnLst>
-                                    <p:set>
-                                      <p:cBhvr>
-                                        <p:cTn id="29" dur="1" fill="hold">
-                                          <p:stCondLst>
-                                            <p:cond delay="0"/>
-                                          </p:stCondLst>
-                                        </p:cTn>
-                                        <p:tgtEl>
-                                          <p:spTgt spid="66">
-                                            <p:txEl>
-                                              <p:pRg st="4" end="4"/>
-                                            </p:txEl>
-                                          </p:spTgt>
-                                        </p:tgtEl>
-                                        <p:attrNameLst>
-                                          <p:attrName>style.visibility</p:attrName>
-                                        </p:attrNameLst>
-                                      </p:cBhvr>
-                                      <p:to>
-                                        <p:strVal val="visible"/>
-                                      </p:to>
-                                    </p:set>
-                                    <p:animEffect transition="in" filter="dissolve">
-                                      <p:cBhvr>
-                                        <p:cTn id="30" dur="500"/>
-                                        <p:tgtEl>
-                                          <p:spTgt spid="66">
-                                            <p:txEl>
-                                              <p:pRg st="4" end="4"/>
-                                            </p:txEl>
-                                          </p:spTgt>
-                                        </p:tgtEl>
-                                      </p:cBhvr>
-                                    </p:animEffect>
-                                  </p:childTnLst>
-                                </p:cTn>
-                              </p:par>
-                            </p:childTnLst>
-                          </p:cTn>
-                        </p:par>
-                      </p:childTnLst>
-                    </p:cTn>
-                  </p:par>
-                  <p:par>
-                    <p:cTn id="31" fill="hold">
-                      <p:stCondLst>
-                        <p:cond delay="indefinite"/>
-                      </p:stCondLst>
-                      <p:childTnLst>
-                        <p:par>
-                          <p:cTn id="32" fill="hold">
-                            <p:stCondLst>
-                              <p:cond delay="0"/>
-                            </p:stCondLst>
-                            <p:childTnLst>
-                              <p:par>
-                                <p:cTn id="33" presetID="9" presetClass="entr" presetSubtype="0" fill="hold" grpId="0" nodeType="clickEffect">
-                                  <p:stCondLst>
-                                    <p:cond delay="0"/>
-                                  </p:stCondLst>
-                                  <p:childTnLst>
-                                    <p:set>
-                                      <p:cBhvr>
-                                        <p:cTn id="34" dur="1" fill="hold">
-                                          <p:stCondLst>
-                                            <p:cond delay="0"/>
-                                          </p:stCondLst>
-                                        </p:cTn>
-                                        <p:tgtEl>
-                                          <p:spTgt spid="66">
-                                            <p:txEl>
-                                              <p:pRg st="5" end="5"/>
-                                            </p:txEl>
-                                          </p:spTgt>
-                                        </p:tgtEl>
-                                        <p:attrNameLst>
-                                          <p:attrName>style.visibility</p:attrName>
-                                        </p:attrNameLst>
-                                      </p:cBhvr>
-                                      <p:to>
-                                        <p:strVal val="visible"/>
-                                      </p:to>
-                                    </p:set>
-                                    <p:animEffect transition="in" filter="dissolve">
-                                      <p:cBhvr>
-                                        <p:cTn id="35" dur="500"/>
-                                        <p:tgtEl>
-                                          <p:spTgt spid="66">
-                                            <p:txEl>
-                                              <p:pRg st="5" end="5"/>
-                                            </p:txEl>
-                                          </p:spTgt>
-                                        </p:tgtEl>
-                                      </p:cBhvr>
-                                    </p:animEffect>
-                                  </p:childTnLst>
-                                </p:cTn>
-                              </p:par>
-                            </p:childTnLst>
-                          </p:cTn>
-                        </p:par>
-                      </p:childTnLst>
-                    </p:cTn>
-                  </p:par>
                 </p:childTnLst>
               </p:cTn>
               <p:prevCondLst>
@@ -12304,6 +12105,625 @@
       </p:grpSpPr>
       <p:sp>
         <p:nvSpPr>
+          <p:cNvPr id="2" name="Title 1">
+            <a:extLst>
+              <a:ext uri="{FF2B5EF4-FFF2-40B4-BE49-F238E27FC236}">
+                <a16:creationId xmlns:a16="http://schemas.microsoft.com/office/drawing/2014/main" id="{58204B45-BA2F-544A-ADBD-2B584480C63E}"/>
+              </a:ext>
+            </a:extLst>
+          </p:cNvPr>
+          <p:cNvSpPr>
+            <a:spLocks noGrp="1"/>
+          </p:cNvSpPr>
+          <p:nvPr>
+            <p:ph type="title"/>
+          </p:nvPr>
+        </p:nvSpPr>
+        <p:spPr>
+          <a:xfrm>
+            <a:off x="3635679" y="365037"/>
+            <a:ext cx="8589364" cy="1005811"/>
+          </a:xfrm>
+        </p:spPr>
+        <p:txBody>
+          <a:bodyPr>
+            <a:normAutofit fontScale="90000"/>
+          </a:bodyPr>
+          <a:lstStyle/>
+          <a:p>
+            <a:pPr algn="ctr"/>
+            <a:r>
+              <a:rPr lang="pt-BR" b="1" dirty="0">
+                <a:solidFill>
+                  <a:schemeClr val="bg1"/>
+                </a:solidFill>
+                <a:effectLst>
+                  <a:outerShdw blurRad="228600" dist="50800" dir="5400000" algn="ctr" rotWithShape="0">
+                    <a:schemeClr val="tx1"/>
+                  </a:outerShdw>
+                </a:effectLst>
+              </a:rPr>
+              <a:t>Arquitetura </a:t>
+            </a:r>
+            <a:r>
+              <a:rPr lang="pt-BR" b="1" dirty="0" err="1">
+                <a:solidFill>
+                  <a:schemeClr val="bg1"/>
+                </a:solidFill>
+                <a:effectLst>
+                  <a:outerShdw blurRad="228600" dist="50800" dir="5400000" algn="ctr" rotWithShape="0">
+                    <a:schemeClr val="tx1"/>
+                  </a:outerShdw>
+                </a:effectLst>
+              </a:rPr>
+              <a:t>peer-to-peer</a:t>
+            </a:r>
+            <a:br>
+              <a:rPr lang="pt-BR" b="1" dirty="0">
+                <a:solidFill>
+                  <a:schemeClr val="bg1"/>
+                </a:solidFill>
+                <a:effectLst>
+                  <a:outerShdw blurRad="228600" dist="50800" dir="5400000" algn="ctr" rotWithShape="0">
+                    <a:schemeClr val="tx1"/>
+                  </a:outerShdw>
+                </a:effectLst>
+              </a:rPr>
+            </a:br>
+            <a:r>
+              <a:rPr lang="pt-BR" b="1" dirty="0">
+                <a:solidFill>
+                  <a:schemeClr val="bg1"/>
+                </a:solidFill>
+                <a:effectLst>
+                  <a:outerShdw blurRad="228600" dist="50800" dir="5400000" algn="ctr" rotWithShape="0">
+                    <a:schemeClr val="tx1"/>
+                  </a:outerShdw>
+                </a:effectLst>
+              </a:rPr>
+              <a:t>(p2p, ponto-a-ponto)</a:t>
+            </a:r>
+            <a:endParaRPr lang="pt-BR" dirty="0">
+              <a:solidFill>
+                <a:schemeClr val="bg1"/>
+              </a:solidFill>
+              <a:effectLst>
+                <a:outerShdw blurRad="228600" dist="50800" dir="5400000" algn="ctr" rotWithShape="0">
+                  <a:schemeClr val="tx1"/>
+                </a:outerShdw>
+              </a:effectLst>
+            </a:endParaRPr>
+          </a:p>
+        </p:txBody>
+      </p:sp>
+      <p:sp>
+        <p:nvSpPr>
+          <p:cNvPr id="66" name="Content Placeholder 2">
+            <a:extLst>
+              <a:ext uri="{FF2B5EF4-FFF2-40B4-BE49-F238E27FC236}">
+                <a16:creationId xmlns:a16="http://schemas.microsoft.com/office/drawing/2014/main" id="{7DD7200E-83C5-FE41-A371-CC6A4884910F}"/>
+              </a:ext>
+            </a:extLst>
+          </p:cNvPr>
+          <p:cNvSpPr>
+            <a:spLocks noGrp="1"/>
+          </p:cNvSpPr>
+          <p:nvPr>
+            <p:ph idx="1"/>
+          </p:nvPr>
+        </p:nvSpPr>
+        <p:spPr>
+          <a:xfrm>
+            <a:off x="393475" y="1978703"/>
+            <a:ext cx="8779778" cy="4721898"/>
+          </a:xfrm>
+        </p:spPr>
+        <p:txBody>
+          <a:bodyPr>
+            <a:normAutofit/>
+          </a:bodyPr>
+          <a:lstStyle/>
+          <a:p>
+            <a:r>
+              <a:rPr lang="pt-BR" sz="2800" dirty="0"/>
+              <a:t>No caso de chamadas de voz e vídeo, normalmente é utilizado UDP como protocolo de transporte que não garante entrega</a:t>
+            </a:r>
+          </a:p>
+          <a:p>
+            <a:r>
+              <a:rPr lang="pt-BR" sz="2800" dirty="0"/>
+              <a:t>Se um pacote de voz for perdido, isto não afeta a qualidade da conversa</a:t>
+            </a:r>
+          </a:p>
+          <a:p>
+            <a:r>
+              <a:rPr lang="pt-BR" sz="2800" dirty="0"/>
+              <a:t>Se a perda for grande, vai tornar a comunicação difícil</a:t>
+            </a:r>
+          </a:p>
+        </p:txBody>
+      </p:sp>
+      <p:sp>
+        <p:nvSpPr>
+          <p:cNvPr id="3" name="Slide Number Placeholder 2">
+            <a:extLst>
+              <a:ext uri="{FF2B5EF4-FFF2-40B4-BE49-F238E27FC236}">
+                <a16:creationId xmlns:a16="http://schemas.microsoft.com/office/drawing/2014/main" id="{E8782EBD-1415-0F4A-9755-9CBACA835A18}"/>
+              </a:ext>
+            </a:extLst>
+          </p:cNvPr>
+          <p:cNvSpPr>
+            <a:spLocks noGrp="1"/>
+          </p:cNvSpPr>
+          <p:nvPr>
+            <p:ph type="sldNum" sz="quarter" idx="12"/>
+          </p:nvPr>
+        </p:nvSpPr>
+        <p:spPr/>
+        <p:txBody>
+          <a:bodyPr/>
+          <a:lstStyle/>
+          <a:p>
+            <a:fld id="{2183B7EE-0FBE-B749-875F-ED24F5ECD71F}" type="slidenum">
+              <a:rPr lang="en-US" smtClean="0"/>
+              <a:t>18</a:t>
+            </a:fld>
+            <a:endParaRPr lang="en-US" dirty="0"/>
+          </a:p>
+        </p:txBody>
+      </p:sp>
+      <p:grpSp>
+        <p:nvGrpSpPr>
+          <p:cNvPr id="11" name="Group 10">
+            <a:extLst>
+              <a:ext uri="{FF2B5EF4-FFF2-40B4-BE49-F238E27FC236}">
+                <a16:creationId xmlns:a16="http://schemas.microsoft.com/office/drawing/2014/main" id="{30227624-EE6B-4541-8524-0E247FB476DD}"/>
+              </a:ext>
+            </a:extLst>
+          </p:cNvPr>
+          <p:cNvGrpSpPr/>
+          <p:nvPr/>
+        </p:nvGrpSpPr>
+        <p:grpSpPr>
+          <a:xfrm>
+            <a:off x="9466457" y="1823456"/>
+            <a:ext cx="2601994" cy="4373089"/>
+            <a:chOff x="9451467" y="2228188"/>
+            <a:chExt cx="2601994" cy="4373089"/>
+          </a:xfrm>
+        </p:grpSpPr>
+        <p:pic>
+          <p:nvPicPr>
+            <p:cNvPr id="12" name="Picture 11" descr="An open computer sitting on a table&#13;&#10;&#13;&#10;Description automatically generated">
+              <a:extLst>
+                <a:ext uri="{FF2B5EF4-FFF2-40B4-BE49-F238E27FC236}">
+                  <a16:creationId xmlns:a16="http://schemas.microsoft.com/office/drawing/2014/main" id="{ABFDDB4A-2D68-3146-AC99-F90C4FE4CD7D}"/>
+                </a:ext>
+              </a:extLst>
+            </p:cNvPr>
+            <p:cNvPicPr>
+              <a:picLocks noChangeAspect="1"/>
+            </p:cNvPicPr>
+            <p:nvPr/>
+          </p:nvPicPr>
+          <p:blipFill>
+            <a:blip r:embed="rId2"/>
+            <a:stretch>
+              <a:fillRect/>
+            </a:stretch>
+          </p:blipFill>
+          <p:spPr>
+            <a:xfrm>
+              <a:off x="10403734" y="5672758"/>
+              <a:ext cx="671808" cy="516876"/>
+            </a:xfrm>
+            <a:prstGeom prst="rect">
+              <a:avLst/>
+            </a:prstGeom>
+          </p:spPr>
+        </p:pic>
+        <p:pic>
+          <p:nvPicPr>
+            <p:cNvPr id="13" name="Picture 12" descr="Screen of a cell phone&#13;&#10;&#13;&#10;Description automatically generated">
+              <a:extLst>
+                <a:ext uri="{FF2B5EF4-FFF2-40B4-BE49-F238E27FC236}">
+                  <a16:creationId xmlns:a16="http://schemas.microsoft.com/office/drawing/2014/main" id="{0046F209-F0F7-7749-BD16-20D9EE597AE3}"/>
+                </a:ext>
+              </a:extLst>
+            </p:cNvPr>
+            <p:cNvPicPr>
+              <a:picLocks noChangeAspect="1"/>
+            </p:cNvPicPr>
+            <p:nvPr/>
+          </p:nvPicPr>
+          <p:blipFill>
+            <a:blip r:embed="rId3"/>
+            <a:stretch>
+              <a:fillRect/>
+            </a:stretch>
+          </p:blipFill>
+          <p:spPr>
+            <a:xfrm>
+              <a:off x="10616173" y="2228188"/>
+              <a:ext cx="180695" cy="361393"/>
+            </a:xfrm>
+            <a:prstGeom prst="rect">
+              <a:avLst/>
+            </a:prstGeom>
+          </p:spPr>
+        </p:pic>
+        <p:sp>
+          <p:nvSpPr>
+            <p:cNvPr id="14" name="TextBox 13">
+              <a:extLst>
+                <a:ext uri="{FF2B5EF4-FFF2-40B4-BE49-F238E27FC236}">
+                  <a16:creationId xmlns:a16="http://schemas.microsoft.com/office/drawing/2014/main" id="{BFF4F7B4-73EA-3B45-8EBE-497DB9631F24}"/>
+                </a:ext>
+              </a:extLst>
+            </p:cNvPr>
+            <p:cNvSpPr txBox="1"/>
+            <p:nvPr/>
+          </p:nvSpPr>
+          <p:spPr>
+            <a:xfrm>
+              <a:off x="9509178" y="2688873"/>
+              <a:ext cx="2460931" cy="369332"/>
+            </a:xfrm>
+            <a:prstGeom prst="rect">
+              <a:avLst/>
+            </a:prstGeom>
+            <a:noFill/>
+          </p:spPr>
+          <p:txBody>
+            <a:bodyPr vert="horz" wrap="none" rtlCol="0">
+              <a:spAutoFit/>
+            </a:bodyPr>
+            <a:lstStyle/>
+            <a:p>
+              <a:pPr algn="ctr"/>
+              <a:r>
+                <a:rPr lang="en-US" dirty="0"/>
+                <a:t>joão@servidor1.com</a:t>
+              </a:r>
+              <a:endParaRPr lang="pt-BR" sz="1600" b="1" dirty="0"/>
+            </a:p>
+          </p:txBody>
+        </p:sp>
+        <p:sp>
+          <p:nvSpPr>
+            <p:cNvPr id="15" name="TextBox 14">
+              <a:extLst>
+                <a:ext uri="{FF2B5EF4-FFF2-40B4-BE49-F238E27FC236}">
+                  <a16:creationId xmlns:a16="http://schemas.microsoft.com/office/drawing/2014/main" id="{F8A4B86C-554B-A540-87C7-70EFE90A29BD}"/>
+                </a:ext>
+              </a:extLst>
+            </p:cNvPr>
+            <p:cNvSpPr txBox="1"/>
+            <p:nvPr/>
+          </p:nvSpPr>
+          <p:spPr>
+            <a:xfrm>
+              <a:off x="9451467" y="6231945"/>
+              <a:ext cx="2601994" cy="369332"/>
+            </a:xfrm>
+            <a:prstGeom prst="rect">
+              <a:avLst/>
+            </a:prstGeom>
+            <a:noFill/>
+          </p:spPr>
+          <p:txBody>
+            <a:bodyPr vert="horz" wrap="none" rtlCol="0">
+              <a:spAutoFit/>
+            </a:bodyPr>
+            <a:lstStyle/>
+            <a:p>
+              <a:pPr algn="ctr"/>
+              <a:r>
+                <a:rPr lang="en-US" dirty="0"/>
+                <a:t>maria@servidor2.com</a:t>
+              </a:r>
+              <a:endParaRPr lang="pt-BR" sz="1600" b="1" dirty="0"/>
+            </a:p>
+          </p:txBody>
+        </p:sp>
+        <p:cxnSp>
+          <p:nvCxnSpPr>
+            <p:cNvPr id="16" name="Curved Connector 15">
+              <a:extLst>
+                <a:ext uri="{FF2B5EF4-FFF2-40B4-BE49-F238E27FC236}">
+                  <a16:creationId xmlns:a16="http://schemas.microsoft.com/office/drawing/2014/main" id="{2950E4E6-D813-EE41-9227-52A96521E923}"/>
+                </a:ext>
+              </a:extLst>
+            </p:cNvPr>
+            <p:cNvCxnSpPr>
+              <a:cxnSpLocks/>
+              <a:stCxn id="14" idx="2"/>
+              <a:endCxn id="12" idx="0"/>
+            </p:cNvCxnSpPr>
+            <p:nvPr/>
+          </p:nvCxnSpPr>
+          <p:spPr>
+            <a:xfrm rot="5400000">
+              <a:off x="9432365" y="4365478"/>
+              <a:ext cx="2614553" cy="6"/>
+            </a:xfrm>
+            <a:prstGeom prst="curvedConnector3">
+              <a:avLst>
+                <a:gd name="adj1" fmla="val 50000"/>
+              </a:avLst>
+            </a:prstGeom>
+            <a:ln w="34925">
+              <a:solidFill>
+                <a:srgbClr val="00B0F0"/>
+              </a:solidFill>
+              <a:headEnd type="triangle"/>
+              <a:tailEnd type="triangle"/>
+            </a:ln>
+          </p:spPr>
+          <p:style>
+            <a:lnRef idx="1">
+              <a:schemeClr val="accent1"/>
+            </a:lnRef>
+            <a:fillRef idx="0">
+              <a:schemeClr val="accent1"/>
+            </a:fillRef>
+            <a:effectRef idx="0">
+              <a:schemeClr val="accent1"/>
+            </a:effectRef>
+            <a:fontRef idx="minor">
+              <a:schemeClr val="tx1"/>
+            </a:fontRef>
+          </p:style>
+        </p:cxnSp>
+      </p:grpSp>
+    </p:spTree>
+    <p:extLst>
+      <p:ext uri="{BB962C8B-B14F-4D97-AF65-F5344CB8AC3E}">
+        <p14:creationId xmlns:p14="http://schemas.microsoft.com/office/powerpoint/2010/main" val="3172185136"/>
+      </p:ext>
+    </p:extLst>
+  </p:cSld>
+  <p:clrMapOvr>
+    <a:masterClrMapping/>
+  </p:clrMapOvr>
+  <p:timing>
+    <p:tnLst>
+      <p:par>
+        <p:cTn id="1" dur="indefinite" restart="never" nodeType="tmRoot">
+          <p:childTnLst>
+            <p:seq concurrent="1" nextAc="seek">
+              <p:cTn id="2" dur="indefinite" nodeType="mainSeq">
+                <p:childTnLst>
+                  <p:par>
+                    <p:cTn id="3" fill="hold">
+                      <p:stCondLst>
+                        <p:cond delay="indefinite"/>
+                      </p:stCondLst>
+                      <p:childTnLst>
+                        <p:par>
+                          <p:cTn id="4" fill="hold">
+                            <p:stCondLst>
+                              <p:cond delay="0"/>
+                            </p:stCondLst>
+                            <p:childTnLst>
+                              <p:par>
+                                <p:cTn id="5" presetID="9" presetClass="entr" presetSubtype="0" fill="hold" grpId="0" nodeType="clickEffect">
+                                  <p:stCondLst>
+                                    <p:cond delay="0"/>
+                                  </p:stCondLst>
+                                  <p:childTnLst>
+                                    <p:set>
+                                      <p:cBhvr>
+                                        <p:cTn id="6" dur="1" fill="hold">
+                                          <p:stCondLst>
+                                            <p:cond delay="0"/>
+                                          </p:stCondLst>
+                                        </p:cTn>
+                                        <p:tgtEl>
+                                          <p:spTgt spid="66">
+                                            <p:txEl>
+                                              <p:pRg st="0" end="0"/>
+                                            </p:txEl>
+                                          </p:spTgt>
+                                        </p:tgtEl>
+                                        <p:attrNameLst>
+                                          <p:attrName>style.visibility</p:attrName>
+                                        </p:attrNameLst>
+                                      </p:cBhvr>
+                                      <p:to>
+                                        <p:strVal val="visible"/>
+                                      </p:to>
+                                    </p:set>
+                                    <p:animEffect transition="in" filter="dissolve">
+                                      <p:cBhvr>
+                                        <p:cTn id="7" dur="500"/>
+                                        <p:tgtEl>
+                                          <p:spTgt spid="66">
+                                            <p:txEl>
+                                              <p:pRg st="0" end="0"/>
+                                            </p:txEl>
+                                          </p:spTgt>
+                                        </p:tgtEl>
+                                      </p:cBhvr>
+                                    </p:animEffect>
+                                  </p:childTnLst>
+                                </p:cTn>
+                              </p:par>
+                            </p:childTnLst>
+                          </p:cTn>
+                        </p:par>
+                      </p:childTnLst>
+                    </p:cTn>
+                  </p:par>
+                  <p:par>
+                    <p:cTn id="8" fill="hold">
+                      <p:stCondLst>
+                        <p:cond delay="indefinite"/>
+                      </p:stCondLst>
+                      <p:childTnLst>
+                        <p:par>
+                          <p:cTn id="9" fill="hold">
+                            <p:stCondLst>
+                              <p:cond delay="0"/>
+                            </p:stCondLst>
+                            <p:childTnLst>
+                              <p:par>
+                                <p:cTn id="10" presetID="9" presetClass="entr" presetSubtype="0" fill="hold" grpId="0" nodeType="clickEffect">
+                                  <p:stCondLst>
+                                    <p:cond delay="0"/>
+                                  </p:stCondLst>
+                                  <p:childTnLst>
+                                    <p:set>
+                                      <p:cBhvr>
+                                        <p:cTn id="11" dur="1" fill="hold">
+                                          <p:stCondLst>
+                                            <p:cond delay="0"/>
+                                          </p:stCondLst>
+                                        </p:cTn>
+                                        <p:tgtEl>
+                                          <p:spTgt spid="66">
+                                            <p:txEl>
+                                              <p:pRg st="1" end="1"/>
+                                            </p:txEl>
+                                          </p:spTgt>
+                                        </p:tgtEl>
+                                        <p:attrNameLst>
+                                          <p:attrName>style.visibility</p:attrName>
+                                        </p:attrNameLst>
+                                      </p:cBhvr>
+                                      <p:to>
+                                        <p:strVal val="visible"/>
+                                      </p:to>
+                                    </p:set>
+                                    <p:animEffect transition="in" filter="dissolve">
+                                      <p:cBhvr>
+                                        <p:cTn id="12" dur="500"/>
+                                        <p:tgtEl>
+                                          <p:spTgt spid="66">
+                                            <p:txEl>
+                                              <p:pRg st="1" end="1"/>
+                                            </p:txEl>
+                                          </p:spTgt>
+                                        </p:tgtEl>
+                                      </p:cBhvr>
+                                    </p:animEffect>
+                                  </p:childTnLst>
+                                </p:cTn>
+                              </p:par>
+                            </p:childTnLst>
+                          </p:cTn>
+                        </p:par>
+                      </p:childTnLst>
+                    </p:cTn>
+                  </p:par>
+                  <p:par>
+                    <p:cTn id="13" fill="hold">
+                      <p:stCondLst>
+                        <p:cond delay="indefinite"/>
+                      </p:stCondLst>
+                      <p:childTnLst>
+                        <p:par>
+                          <p:cTn id="14" fill="hold">
+                            <p:stCondLst>
+                              <p:cond delay="0"/>
+                            </p:stCondLst>
+                            <p:childTnLst>
+                              <p:par>
+                                <p:cTn id="15" presetID="9" presetClass="entr" presetSubtype="0" fill="hold" grpId="0" nodeType="clickEffect">
+                                  <p:stCondLst>
+                                    <p:cond delay="0"/>
+                                  </p:stCondLst>
+                                  <p:childTnLst>
+                                    <p:set>
+                                      <p:cBhvr>
+                                        <p:cTn id="16" dur="1" fill="hold">
+                                          <p:stCondLst>
+                                            <p:cond delay="0"/>
+                                          </p:stCondLst>
+                                        </p:cTn>
+                                        <p:tgtEl>
+                                          <p:spTgt spid="66">
+                                            <p:txEl>
+                                              <p:pRg st="2" end="2"/>
+                                            </p:txEl>
+                                          </p:spTgt>
+                                        </p:tgtEl>
+                                        <p:attrNameLst>
+                                          <p:attrName>style.visibility</p:attrName>
+                                        </p:attrNameLst>
+                                      </p:cBhvr>
+                                      <p:to>
+                                        <p:strVal val="visible"/>
+                                      </p:to>
+                                    </p:set>
+                                    <p:animEffect transition="in" filter="dissolve">
+                                      <p:cBhvr>
+                                        <p:cTn id="17" dur="500"/>
+                                        <p:tgtEl>
+                                          <p:spTgt spid="66">
+                                            <p:txEl>
+                                              <p:pRg st="2" end="2"/>
+                                            </p:txEl>
+                                          </p:spTgt>
+                                        </p:tgtEl>
+                                      </p:cBhvr>
+                                    </p:animEffect>
+                                  </p:childTnLst>
+                                </p:cTn>
+                              </p:par>
+                            </p:childTnLst>
+                          </p:cTn>
+                        </p:par>
+                      </p:childTnLst>
+                    </p:cTn>
+                  </p:par>
+                </p:childTnLst>
+              </p:cTn>
+              <p:prevCondLst>
+                <p:cond evt="onPrev" delay="0">
+                  <p:tgtEl>
+                    <p:sldTgt/>
+                  </p:tgtEl>
+                </p:cond>
+              </p:prevCondLst>
+              <p:nextCondLst>
+                <p:cond evt="onNext" delay="0">
+                  <p:tgtEl>
+                    <p:sldTgt/>
+                  </p:tgtEl>
+                </p:cond>
+              </p:nextCondLst>
+            </p:seq>
+          </p:childTnLst>
+        </p:cTn>
+      </p:par>
+    </p:tnLst>
+    <p:bldLst>
+      <p:bldP spid="66" grpId="0" uiExpand="1" build="p"/>
+    </p:bldLst>
+  </p:timing>
+</p:sld>
+</file>
+
+<file path=ppt/slides/slide19.xml><?xml version="1.0" encoding="utf-8"?>
+<p:sld xmlns:a="http://schemas.openxmlformats.org/drawingml/2006/main" xmlns:r="http://schemas.openxmlformats.org/officeDocument/2006/relationships" xmlns:p="http://schemas.openxmlformats.org/presentationml/2006/main">
+  <p:cSld>
+    <p:spTree>
+      <p:nvGrpSpPr>
+        <p:cNvPr id="1" name=""/>
+        <p:cNvGrpSpPr/>
+        <p:nvPr/>
+      </p:nvGrpSpPr>
+      <p:grpSpPr>
+        <a:xfrm>
+          <a:off x="0" y="0"/>
+          <a:ext cx="0" cy="0"/>
+          <a:chOff x="0" y="0"/>
+          <a:chExt cx="0" cy="0"/>
+        </a:xfrm>
+      </p:grpSpPr>
+      <p:sp>
+        <p:nvSpPr>
           <p:cNvPr id="9" name="Title 8">
             <a:extLst>
               <a:ext uri="{FF2B5EF4-FFF2-40B4-BE49-F238E27FC236}">
@@ -12351,8 +12771,8 @@
         </p:nvSpPr>
         <p:spPr>
           <a:xfrm>
-            <a:off x="2589212" y="1837566"/>
-            <a:ext cx="8915400" cy="4256062"/>
+            <a:off x="554636" y="1837566"/>
+            <a:ext cx="10949976" cy="4256062"/>
           </a:xfrm>
         </p:spPr>
         <p:txBody>
@@ -12440,7 +12860,7 @@
           <a:p>
             <a:fld id="{2183B7EE-0FBE-B749-875F-ED24F5ECD71F}" type="slidenum">
               <a:rPr lang="en-US" smtClean="0"/>
-              <a:t>18</a:t>
+              <a:t>19</a:t>
             </a:fld>
             <a:endParaRPr lang="en-US" dirty="0"/>
           </a:p>
@@ -12494,44 +12914,38 @@
         </p:nvSpPr>
         <p:spPr>
           <a:xfrm>
-            <a:off x="2589212" y="2358886"/>
-            <a:ext cx="8915400" cy="3777622"/>
+            <a:off x="509666" y="2358886"/>
+            <a:ext cx="10994946" cy="4118114"/>
           </a:xfrm>
         </p:spPr>
         <p:txBody>
           <a:bodyPr>
-            <a:normAutofit/>
+            <a:noAutofit/>
           </a:bodyPr>
           <a:lstStyle/>
           <a:p>
             <a:r>
-              <a:rPr lang="pt-BR" sz="2400" dirty="0"/>
+              <a:rPr lang="pt-BR" sz="2800" dirty="0"/>
               <a:t>Protocolo Extensível de Mensagens e Presença</a:t>
             </a:r>
           </a:p>
           <a:p>
             <a:r>
-              <a:rPr lang="pt-BR" sz="2400" dirty="0"/>
+              <a:rPr lang="pt-BR" sz="2800" dirty="0"/>
               <a:t>Amplamente utilizado para desenvolvimento de aplicações de mensagens instantâneas distribuídas e altamente escaláveis</a:t>
             </a:r>
           </a:p>
           <a:p>
             <a:r>
-              <a:rPr lang="pt-BR" sz="2400" dirty="0"/>
+              <a:rPr lang="pt-BR" sz="2800" dirty="0"/>
               <a:t>XMPP é um protocolo (especificação) padronizado, aberto e em constante atualização </a:t>
             </a:r>
           </a:p>
           <a:p>
             <a:r>
-              <a:rPr lang="pt-BR" sz="2400" dirty="0"/>
+              <a:rPr lang="pt-BR" sz="2800" dirty="0"/>
               <a:t>É um dos protocolos escaláveis mais modernos para troca de mensagens</a:t>
             </a:r>
-          </a:p>
-          <a:p>
-            <a:endParaRPr lang="pt-BR" sz="2400" dirty="0"/>
-          </a:p>
-          <a:p>
-            <a:endParaRPr lang="pt-BR" sz="2400" dirty="0"/>
           </a:p>
         </p:txBody>
       </p:sp>
@@ -12977,8 +13391,8 @@
         </p:nvSpPr>
         <p:spPr>
           <a:xfrm>
-            <a:off x="2589212" y="2358886"/>
-            <a:ext cx="8915400" cy="3777622"/>
+            <a:off x="599607" y="2358886"/>
+            <a:ext cx="10905005" cy="3777622"/>
           </a:xfrm>
         </p:spPr>
         <p:txBody>
@@ -12988,29 +13402,29 @@
           <a:lstStyle/>
           <a:p>
             <a:r>
-              <a:rPr lang="pt-BR" sz="2400" dirty="0"/>
+              <a:rPr lang="pt-BR" sz="2800" dirty="0"/>
               <a:t>Apesar do ”X” significar </a:t>
             </a:r>
             <a:r>
-              <a:rPr lang="pt-BR" sz="2400" i="1" dirty="0"/>
+              <a:rPr lang="pt-BR" sz="2800" i="1" dirty="0"/>
               <a:t>eXtensible</a:t>
             </a:r>
             <a:r>
-              <a:rPr lang="pt-BR" sz="2400" dirty="0"/>
+              <a:rPr lang="pt-BR" sz="2800" dirty="0"/>
               <a:t>, ele também lembra que o protocolo usa XML como formato de dados para troca de mensagens</a:t>
             </a:r>
           </a:p>
           <a:p>
             <a:r>
-              <a:rPr lang="pt-BR" sz="2400" dirty="0"/>
+              <a:rPr lang="pt-BR" sz="2800" dirty="0"/>
               <a:t>O “X” em XML também significa </a:t>
             </a:r>
             <a:r>
-              <a:rPr lang="pt-BR" sz="2400" i="1" dirty="0"/>
+              <a:rPr lang="pt-BR" sz="2800" i="1" dirty="0"/>
               <a:t>eXtensible</a:t>
             </a:r>
             <a:r>
-              <a:rPr lang="pt-BR" sz="2400" dirty="0"/>
+              <a:rPr lang="pt-BR" sz="2800" dirty="0"/>
               <a:t> 😁</a:t>
             </a:r>
           </a:p>
@@ -13285,8 +13699,8 @@
         </p:nvSpPr>
         <p:spPr>
           <a:xfrm>
-            <a:off x="2589212" y="2358886"/>
-            <a:ext cx="8915400" cy="3777622"/>
+            <a:off x="954157" y="2358886"/>
+            <a:ext cx="10550455" cy="3777622"/>
           </a:xfrm>
         </p:spPr>
         <p:txBody>
@@ -13296,41 +13710,29 @@
           <a:lstStyle/>
           <a:p>
             <a:r>
-              <a:rPr lang="pt-BR" sz="2400" dirty="0"/>
+              <a:rPr lang="pt-BR" sz="2800" dirty="0"/>
               <a:t>Detecção de presença (controle de status: online, off-line, ausente, etc.)</a:t>
             </a:r>
           </a:p>
           <a:p>
             <a:r>
-              <a:rPr lang="pt-BR" sz="2400" dirty="0"/>
+              <a:rPr lang="pt-BR" sz="2800" dirty="0"/>
               <a:t>Chamadas de vídeo e voz</a:t>
             </a:r>
           </a:p>
           <a:p>
             <a:r>
-              <a:rPr lang="pt-BR" sz="2400" dirty="0"/>
+              <a:rPr lang="pt-BR" sz="2800" dirty="0"/>
               <a:t>Comunicação segura com </a:t>
             </a:r>
             <a:r>
-              <a:rPr lang="pt-BR" sz="2400" i="1" dirty="0"/>
+              <a:rPr lang="pt-BR" sz="2800" i="1" dirty="0"/>
               <a:t>Transport Layer Security</a:t>
             </a:r>
             <a:r>
-              <a:rPr lang="pt-BR" sz="2400" dirty="0"/>
-              <a:t> (TLS) - o protocolo de criptografia usado, por exemplo, pelo HTTPS</a:t>
-            </a:r>
-          </a:p>
-          <a:p>
-            <a:endParaRPr lang="pt-BR" sz="2400" dirty="0"/>
-          </a:p>
-          <a:p>
-            <a:pPr marL="0" indent="0">
-              <a:buNone/>
-            </a:pPr>
-            <a:endParaRPr lang="pt-BR" sz="2400" dirty="0"/>
-          </a:p>
-          <a:p>
-            <a:endParaRPr lang="pt-BR" sz="2400" dirty="0"/>
+              <a:rPr lang="pt-BR" sz="2800" dirty="0"/>
+              <a:t> (TLS): o protocolo de criptografia usado, por exemplo, pelo HTTPS</a:t>
+            </a:r>
           </a:p>
         </p:txBody>
       </p:sp>
@@ -13664,8 +14066,8 @@
         </p:nvSpPr>
         <p:spPr>
           <a:xfrm>
-            <a:off x="2589212" y="1749287"/>
-            <a:ext cx="8915400" cy="4692021"/>
+            <a:off x="687387" y="1749287"/>
+            <a:ext cx="10817225" cy="4692021"/>
           </a:xfrm>
         </p:spPr>
         <p:txBody>
@@ -13675,21 +14077,21 @@
           <a:lstStyle/>
           <a:p>
             <a:r>
-              <a:rPr lang="pt-BR" sz="2400" dirty="0"/>
+              <a:rPr lang="pt-BR" sz="2800" dirty="0"/>
               <a:t>Iniciado em 1999 com o nome de </a:t>
             </a:r>
             <a:r>
-              <a:rPr lang="pt-BR" sz="2400" i="1" dirty="0"/>
+              <a:rPr lang="pt-BR" sz="2800" i="1" dirty="0"/>
               <a:t>Jabber</a:t>
             </a:r>
             <a:r>
-              <a:rPr lang="pt-BR" sz="2400" dirty="0"/>
+              <a:rPr lang="pt-BR" sz="2800" dirty="0"/>
               <a:t> (tal nome é usado até hoje, inclusive nas especificações do protocolo)</a:t>
             </a:r>
           </a:p>
           <a:p>
             <a:r>
-              <a:rPr lang="pt-BR" sz="2400" dirty="0"/>
+              <a:rPr lang="pt-BR" sz="2800" dirty="0"/>
               <a:t>A primeira grande empresa a usar o protocolo foi a Google em 2005 para o desenvolvimento do GTalk (atualmente Google Hangout).</a:t>
             </a:r>
           </a:p>
@@ -13964,8 +14366,8 @@
         </p:nvSpPr>
         <p:spPr>
           <a:xfrm>
-            <a:off x="2589212" y="1749287"/>
-            <a:ext cx="8915400" cy="4692021"/>
+            <a:off x="687387" y="1749287"/>
+            <a:ext cx="10817225" cy="4692021"/>
           </a:xfrm>
         </p:spPr>
         <p:txBody>
@@ -13975,46 +14377,46 @@
           <a:lstStyle/>
           <a:p>
             <a:r>
-              <a:rPr lang="pt-BR" sz="2400" dirty="0"/>
+              <a:rPr lang="pt-BR" sz="2800" dirty="0"/>
               <a:t>Como já podem ter imaginado, atualmente, a </a:t>
             </a:r>
             <a:r>
-              <a:rPr lang="pt-BR" sz="2400" dirty="0">
+              <a:rPr lang="pt-BR" sz="2800" dirty="0">
                 <a:hlinkClick r:id="rId2"/>
               </a:rPr>
               <a:t>aplicação mais popular usando XMPP é o WhatsApp</a:t>
             </a:r>
-            <a:endParaRPr lang="pt-BR" sz="2400" dirty="0"/>
-          </a:p>
-          <a:p>
-            <a:r>
-              <a:rPr lang="pt-BR" sz="2400" dirty="0"/>
+            <a:endParaRPr lang="pt-BR" sz="2800" dirty="0"/>
+          </a:p>
+          <a:p>
+            <a:r>
+              <a:rPr lang="pt-BR" sz="2800" dirty="0"/>
               <a:t>Na verdade, o WhatApp utiliza uma versão </a:t>
             </a:r>
             <a:r>
-              <a:rPr lang="pt-BR" sz="2400" dirty="0">
+              <a:rPr lang="pt-BR" sz="2800" dirty="0">
                 <a:hlinkClick r:id="rId3"/>
               </a:rPr>
               <a:t>proprietária, e não publicamente documentada do protocolo</a:t>
             </a:r>
             <a:r>
-              <a:rPr lang="pt-BR" sz="2400" dirty="0"/>
+              <a:rPr lang="pt-BR" sz="2800" dirty="0"/>
               <a:t>, chamada </a:t>
             </a:r>
             <a:r>
-              <a:rPr lang="pt-BR" sz="2400" dirty="0">
+              <a:rPr lang="pt-BR" sz="2800" dirty="0">
                 <a:hlinkClick r:id="rId4"/>
               </a:rPr>
               <a:t>FunXMPP</a:t>
             </a:r>
             <a:r>
-              <a:rPr lang="pt-BR" sz="2400" dirty="0"/>
+              <a:rPr lang="pt-BR" sz="2800" dirty="0"/>
               <a:t>.</a:t>
             </a:r>
           </a:p>
           <a:p>
             <a:r>
-              <a:rPr lang="pt-BR" sz="2400" dirty="0"/>
+              <a:rPr lang="pt-BR" sz="2800" dirty="0"/>
               <a:t>Tal versão modificada reduz o tamanho dos dados XML transmitidos, reduzindo consumo de banda e tempo de entrega de mensagens</a:t>
             </a:r>
           </a:p>
@@ -14313,7 +14715,7 @@
         </p:nvSpPr>
         <p:spPr>
           <a:xfrm>
-            <a:off x="1974575" y="624110"/>
+            <a:off x="1802298" y="54270"/>
             <a:ext cx="9530038" cy="1164933"/>
           </a:xfrm>
         </p:spPr>
@@ -14323,7 +14725,6 @@
           </a:bodyPr>
           <a:lstStyle/>
           <a:p>
-            <a:pPr algn="ctr"/>
             <a:r>
               <a:rPr lang="pt-BR" b="1" i="1" dirty="0"/>
               <a:t>XMPP: Histórico e Uso</a:t>
@@ -14350,46 +14751,46 @@
         </p:nvSpPr>
         <p:spPr>
           <a:xfrm>
-            <a:off x="2589212" y="1656521"/>
-            <a:ext cx="8915400" cy="4692021"/>
+            <a:off x="463826" y="1431235"/>
+            <a:ext cx="11423374" cy="4917307"/>
           </a:xfrm>
         </p:spPr>
         <p:txBody>
           <a:bodyPr>
-            <a:normAutofit fontScale="92500" lnSpcReduction="10000"/>
+            <a:noAutofit/>
           </a:bodyPr>
           <a:lstStyle/>
           <a:p>
             <a:pPr algn="just"/>
             <a:r>
-              <a:rPr lang="pt-BR" sz="2400" dirty="0"/>
+              <a:rPr lang="pt-BR" sz="2600" dirty="0"/>
               <a:t>Apesar das melhorias, como é um protocolo proprietário e não documentado, isso dificulta que outros desenvolvedores criem soluções para integrar com o WhatsApp</a:t>
             </a:r>
           </a:p>
           <a:p>
             <a:pPr algn="just"/>
             <a:r>
-              <a:rPr lang="pt-BR" sz="2400" dirty="0"/>
+              <a:rPr lang="pt-BR" sz="2600" dirty="0"/>
               <a:t>O uso de uma versão proprietária do XMPP prejudica a interoperabilidade garantida pelo protocolo original: uma app usando XMPP não pode facilmente se comunicar com WhatsApp</a:t>
             </a:r>
           </a:p>
           <a:p>
             <a:pPr algn="just"/>
             <a:r>
-              <a:rPr lang="pt-BR" sz="2400" dirty="0"/>
+              <a:rPr lang="pt-BR" sz="2600" dirty="0"/>
               <a:t>Aplicações clientes de WhatApp para diferentes plataformas como Linux e Windows são desenvolvidas por meio de “gambiarras” 😲</a:t>
             </a:r>
           </a:p>
           <a:p>
             <a:pPr algn="just"/>
             <a:r>
-              <a:rPr lang="pt-BR" sz="2400" dirty="0">
+              <a:rPr lang="pt-BR" sz="2600" dirty="0">
                 <a:hlinkClick r:id="rId2"/>
               </a:rPr>
               <a:t>Há uma API para permitir essa integração de apps de terceiros com o WhatsApp</a:t>
             </a:r>
             <a:r>
-              <a:rPr lang="pt-BR" sz="2400" dirty="0"/>
+              <a:rPr lang="pt-BR" sz="2600" dirty="0"/>
               <a:t>, mas o acesso é atualmente limitado à grandes empresas e provavelmente o WhatsApp visa lucro com tal iniciativa</a:t>
             </a:r>
           </a:p>
@@ -14786,8 +15187,8 @@
         </p:nvSpPr>
         <p:spPr>
           <a:xfrm>
-            <a:off x="2589212" y="1749287"/>
-            <a:ext cx="8915400" cy="4692021"/>
+            <a:off x="834887" y="1749287"/>
+            <a:ext cx="10669725" cy="4692021"/>
           </a:xfrm>
         </p:spPr>
         <p:txBody>
@@ -14797,97 +15198,94 @@
           <a:lstStyle/>
           <a:p>
             <a:r>
-              <a:rPr lang="pt-BR" sz="2400" dirty="0"/>
+              <a:rPr lang="pt-BR" sz="2800" dirty="0"/>
               <a:t>Se você está se perguntando sobre outros apps como </a:t>
             </a:r>
             <a:r>
-              <a:rPr lang="pt-BR" sz="2400" i="1" dirty="0"/>
+              <a:rPr lang="pt-BR" sz="2800" i="1" dirty="0"/>
               <a:t>Facebook Messenger</a:t>
             </a:r>
             <a:r>
-              <a:rPr lang="pt-BR" sz="2400" dirty="0"/>
+              <a:rPr lang="pt-BR" sz="2800" dirty="0"/>
               <a:t> ou </a:t>
             </a:r>
             <a:r>
-              <a:rPr lang="pt-BR" sz="2400" i="1" dirty="0"/>
+              <a:rPr lang="pt-BR" sz="2800" i="1" dirty="0"/>
               <a:t>Telegram</a:t>
             </a:r>
             <a:r>
-              <a:rPr lang="pt-BR" sz="2400" dirty="0"/>
+              <a:rPr lang="pt-BR" sz="2800" dirty="0"/>
               <a:t>, eles usam outros protocolos</a:t>
             </a:r>
           </a:p>
           <a:p>
             <a:r>
-              <a:rPr lang="pt-BR" sz="2400" dirty="0"/>
+              <a:rPr lang="pt-BR" sz="2800" dirty="0"/>
               <a:t>O </a:t>
             </a:r>
             <a:r>
-              <a:rPr lang="pt-BR" sz="2400" i="1" dirty="0">
+              <a:rPr lang="pt-BR" sz="2800" i="1" dirty="0">
                 <a:hlinkClick r:id="rId2"/>
               </a:rPr>
               <a:t>Facebok Messenger</a:t>
             </a:r>
             <a:r>
-              <a:rPr lang="pt-BR" sz="2400" dirty="0">
+              <a:rPr lang="pt-BR" sz="2800" dirty="0">
                 <a:hlinkClick r:id="rId2"/>
               </a:rPr>
               <a:t> iniciou com XMPP</a:t>
             </a:r>
             <a:r>
-              <a:rPr lang="pt-BR" sz="2400" dirty="0"/>
+              <a:rPr lang="pt-BR" sz="2800" dirty="0"/>
               <a:t> mas </a:t>
             </a:r>
             <a:r>
-              <a:rPr lang="pt-BR" sz="2400" dirty="0">
+              <a:rPr lang="pt-BR" sz="2800" dirty="0">
                 <a:hlinkClick r:id="rId3"/>
               </a:rPr>
               <a:t>migrou para </a:t>
             </a:r>
             <a:r>
-              <a:rPr lang="pt-BR" sz="2400" i="1" dirty="0">
+              <a:rPr lang="pt-BR" sz="2800" i="1" dirty="0">
                 <a:hlinkClick r:id="rId3"/>
               </a:rPr>
               <a:t>Message Queuing Telemetry Transport (MQTT)</a:t>
             </a:r>
             <a:r>
-              <a:rPr lang="pt-BR" sz="2400" dirty="0"/>
+              <a:rPr lang="pt-BR" sz="2800" dirty="0"/>
               <a:t>, também aberto e altamente escalável </a:t>
             </a:r>
             <a:r>
-              <a:rPr lang="pt-BR" sz="2400" i="1" dirty="0"/>
+              <a:rPr lang="pt-BR" sz="2800" i="1" dirty="0"/>
               <a:t>(</a:t>
             </a:r>
             <a:r>
-              <a:rPr lang="pt-BR" sz="2400" i="1" dirty="0">
+              <a:rPr lang="pt-BR" sz="2800" i="1" dirty="0">
                 <a:hlinkClick r:id="rId4"/>
               </a:rPr>
               <a:t>mqtt.org</a:t>
             </a:r>
             <a:r>
-              <a:rPr lang="pt-BR" sz="2400" i="1" dirty="0"/>
+              <a:rPr lang="pt-BR" sz="2800" i="1" dirty="0"/>
               <a:t>)</a:t>
             </a:r>
-            <a:endParaRPr lang="pt-BR" sz="2400" dirty="0"/>
-          </a:p>
-          <a:p>
-            <a:r>
-              <a:rPr lang="pt-BR" sz="2400" dirty="0"/>
+            <a:endParaRPr lang="pt-BR" sz="2800" dirty="0"/>
+          </a:p>
+          <a:p>
+            <a:r>
+              <a:rPr lang="pt-BR" sz="2800" dirty="0"/>
               <a:t>O Telegram usa o protocolo </a:t>
             </a:r>
             <a:r>
-              <a:rPr lang="pt-BR" sz="2400" dirty="0">
+              <a:rPr lang="pt-BR" sz="2800" dirty="0">
                 <a:hlinkClick r:id="rId5"/>
               </a:rPr>
               <a:t>MTProto</a:t>
             </a:r>
             <a:r>
-              <a:rPr lang="pt-BR" sz="2400" dirty="0"/>
+              <a:rPr lang="pt-BR" sz="2800" dirty="0"/>
               <a:t>, que não é padronizado mas que aparentemente é bem documentado</a:t>
             </a:r>
-          </a:p>
-          <a:p>
-            <a:endParaRPr lang="pt-BR" sz="2400" dirty="0"/>
           </a:p>
         </p:txBody>
       </p:sp>
@@ -15221,8 +15619,8 @@
         </p:nvSpPr>
         <p:spPr>
           <a:xfrm>
-            <a:off x="2589212" y="1881809"/>
-            <a:ext cx="8915400" cy="4254699"/>
+            <a:off x="687387" y="1881809"/>
+            <a:ext cx="10817225" cy="4254699"/>
           </a:xfrm>
         </p:spPr>
         <p:txBody>
@@ -15232,37 +15630,34 @@
           <a:lstStyle/>
           <a:p>
             <a:r>
-              <a:rPr lang="pt-BR" sz="2400" dirty="0"/>
+              <a:rPr lang="pt-BR" sz="2800" dirty="0"/>
               <a:t>Lista de contatos, envio de mensagens em grupos</a:t>
             </a:r>
           </a:p>
           <a:p>
             <a:r>
-              <a:rPr lang="pt-BR" sz="2400" dirty="0"/>
+              <a:rPr lang="pt-BR" sz="2800" dirty="0"/>
               <a:t>Avatar (foto para o perfil do usuário)</a:t>
             </a:r>
           </a:p>
           <a:p>
             <a:r>
-              <a:rPr lang="pt-BR" sz="2400" dirty="0"/>
+              <a:rPr lang="pt-BR" sz="2800" dirty="0"/>
               <a:t>Notificação de entrega de mensagens</a:t>
             </a:r>
           </a:p>
           <a:p>
             <a:r>
-              <a:rPr lang="pt-BR" sz="2400" dirty="0"/>
+              <a:rPr lang="pt-BR" sz="2800" dirty="0"/>
               <a:t>E muito mais em </a:t>
             </a:r>
             <a:r>
-              <a:rPr lang="pt-BR" sz="2400" b="1" i="1" dirty="0">
+              <a:rPr lang="pt-BR" sz="2800" b="1" i="1" dirty="0">
                 <a:hlinkClick r:id="rId2"/>
               </a:rPr>
               <a:t>https://xmpp.org/extensions</a:t>
             </a:r>
-            <a:endParaRPr lang="pt-BR" sz="2400" dirty="0"/>
-          </a:p>
-          <a:p>
-            <a:endParaRPr lang="pt-BR" sz="2400" dirty="0"/>
+            <a:endParaRPr lang="pt-BR" sz="2800" dirty="0"/>
           </a:p>
         </p:txBody>
       </p:sp>

--- a/projects/06-xmpp-chat-client/xmpp.pptx
+++ b/projects/06-xmpp-chat-client/xmpp.pptx
@@ -5,7 +5,7 @@
     <p:sldMasterId id="2147484007" r:id="rId1"/>
   </p:sldMasterIdLst>
   <p:notesMasterIdLst>
-    <p:notesMasterId r:id="rId21"/>
+    <p:notesMasterId r:id="rId22"/>
   </p:notesMasterIdLst>
   <p:sldIdLst>
     <p:sldId id="266" r:id="rId2"/>
@@ -15,18 +15,19 @@
     <p:sldId id="285" r:id="rId6"/>
     <p:sldId id="288" r:id="rId7"/>
     <p:sldId id="289" r:id="rId8"/>
-    <p:sldId id="287" r:id="rId9"/>
-    <p:sldId id="282" r:id="rId10"/>
-    <p:sldId id="272" r:id="rId11"/>
-    <p:sldId id="290" r:id="rId12"/>
-    <p:sldId id="291" r:id="rId13"/>
-    <p:sldId id="292" r:id="rId14"/>
-    <p:sldId id="293" r:id="rId15"/>
-    <p:sldId id="294" r:id="rId16"/>
-    <p:sldId id="295" r:id="rId17"/>
-    <p:sldId id="296" r:id="rId18"/>
-    <p:sldId id="297" r:id="rId19"/>
-    <p:sldId id="281" r:id="rId20"/>
+    <p:sldId id="298" r:id="rId9"/>
+    <p:sldId id="287" r:id="rId10"/>
+    <p:sldId id="282" r:id="rId11"/>
+    <p:sldId id="272" r:id="rId12"/>
+    <p:sldId id="290" r:id="rId13"/>
+    <p:sldId id="291" r:id="rId14"/>
+    <p:sldId id="292" r:id="rId15"/>
+    <p:sldId id="293" r:id="rId16"/>
+    <p:sldId id="294" r:id="rId17"/>
+    <p:sldId id="295" r:id="rId18"/>
+    <p:sldId id="296" r:id="rId19"/>
+    <p:sldId id="297" r:id="rId20"/>
+    <p:sldId id="281" r:id="rId21"/>
   </p:sldIdLst>
   <p:sldSz cx="12192000" cy="6858000"/>
   <p:notesSz cx="6858000" cy="9144000"/>
@@ -6188,7 +6189,7 @@
         </p:nvSpPr>
         <p:spPr>
           <a:xfrm>
-            <a:off x="2350674" y="3880384"/>
+            <a:off x="2350674" y="3933392"/>
             <a:ext cx="8915399" cy="1726938"/>
           </a:xfrm>
         </p:spPr>
@@ -6312,6 +6313,569 @@
         </p:nvSpPr>
         <p:spPr>
           <a:xfrm>
+            <a:off x="1974575" y="624110"/>
+            <a:ext cx="9530038" cy="1257699"/>
+          </a:xfrm>
+        </p:spPr>
+        <p:txBody>
+          <a:bodyPr>
+            <a:normAutofit/>
+          </a:bodyPr>
+          <a:lstStyle/>
+          <a:p>
+            <a:pPr algn="ctr"/>
+            <a:r>
+              <a:rPr lang="pt-BR" b="1" i="1" dirty="0"/>
+              <a:t>Exemplos de Extensões do XMPP </a:t>
+            </a:r>
+            <a:endParaRPr lang="pt-BR" dirty="0"/>
+          </a:p>
+        </p:txBody>
+      </p:sp>
+      <p:sp>
+        <p:nvSpPr>
+          <p:cNvPr id="3" name="Content Placeholder 2">
+            <a:extLst>
+              <a:ext uri="{FF2B5EF4-FFF2-40B4-BE49-F238E27FC236}">
+                <a16:creationId xmlns:a16="http://schemas.microsoft.com/office/drawing/2014/main" id="{C9044F89-E3C1-E349-B0DE-0B932821234C}"/>
+              </a:ext>
+            </a:extLst>
+          </p:cNvPr>
+          <p:cNvSpPr>
+            <a:spLocks noGrp="1"/>
+          </p:cNvSpPr>
+          <p:nvPr>
+            <p:ph idx="1"/>
+          </p:nvPr>
+        </p:nvSpPr>
+        <p:spPr>
+          <a:xfrm>
+            <a:off x="687387" y="1881809"/>
+            <a:ext cx="10817225" cy="4254699"/>
+          </a:xfrm>
+        </p:spPr>
+        <p:txBody>
+          <a:bodyPr>
+            <a:normAutofit/>
+          </a:bodyPr>
+          <a:lstStyle/>
+          <a:p>
+            <a:r>
+              <a:rPr lang="pt-BR" sz="2800" dirty="0"/>
+              <a:t>Lista de contatos, envio de mensagens em grupos</a:t>
+            </a:r>
+          </a:p>
+          <a:p>
+            <a:r>
+              <a:rPr lang="pt-BR" sz="2800" dirty="0"/>
+              <a:t>Avatar (foto para o perfil do usuário)</a:t>
+            </a:r>
+          </a:p>
+          <a:p>
+            <a:r>
+              <a:rPr lang="pt-BR" sz="2800" dirty="0"/>
+              <a:t>Notificação de entrega de mensagens</a:t>
+            </a:r>
+          </a:p>
+          <a:p>
+            <a:r>
+              <a:rPr lang="pt-BR" sz="2800" dirty="0"/>
+              <a:t>E muito mais em </a:t>
+            </a:r>
+            <a:r>
+              <a:rPr lang="pt-BR" sz="2800" b="1" i="1" dirty="0">
+                <a:hlinkClick r:id="rId2"/>
+              </a:rPr>
+              <a:t>https://xmpp.org/extensions</a:t>
+            </a:r>
+            <a:endParaRPr lang="pt-BR" sz="2800" dirty="0"/>
+          </a:p>
+        </p:txBody>
+      </p:sp>
+      <p:sp>
+        <p:nvSpPr>
+          <p:cNvPr id="4" name="Slide Number Placeholder 3">
+            <a:extLst>
+              <a:ext uri="{FF2B5EF4-FFF2-40B4-BE49-F238E27FC236}">
+                <a16:creationId xmlns:a16="http://schemas.microsoft.com/office/drawing/2014/main" id="{2EA509C2-078C-DE4C-BE59-C32AF18E82D6}"/>
+              </a:ext>
+            </a:extLst>
+          </p:cNvPr>
+          <p:cNvSpPr>
+            <a:spLocks noGrp="1"/>
+          </p:cNvSpPr>
+          <p:nvPr>
+            <p:ph type="sldNum" sz="quarter" idx="12"/>
+          </p:nvPr>
+        </p:nvSpPr>
+        <p:spPr/>
+        <p:txBody>
+          <a:bodyPr/>
+          <a:lstStyle/>
+          <a:p>
+            <a:fld id="{2183B7EE-0FBE-B749-875F-ED24F5ECD71F}" type="slidenum">
+              <a:rPr lang="en-US" smtClean="0"/>
+              <a:t>10</a:t>
+            </a:fld>
+            <a:endParaRPr lang="en-US" dirty="0"/>
+          </a:p>
+        </p:txBody>
+      </p:sp>
+    </p:spTree>
+    <p:extLst>
+      <p:ext uri="{BB962C8B-B14F-4D97-AF65-F5344CB8AC3E}">
+        <p14:creationId xmlns:p14="http://schemas.microsoft.com/office/powerpoint/2010/main" val="3209303160"/>
+      </p:ext>
+    </p:extLst>
+  </p:cSld>
+  <p:clrMapOvr>
+    <a:masterClrMapping/>
+  </p:clrMapOvr>
+  <p:timing>
+    <p:tnLst>
+      <p:par>
+        <p:cTn id="1" dur="indefinite" restart="never" nodeType="tmRoot">
+          <p:childTnLst>
+            <p:seq concurrent="1" nextAc="seek">
+              <p:cTn id="2" dur="indefinite" nodeType="mainSeq">
+                <p:childTnLst>
+                  <p:par>
+                    <p:cTn id="3" fill="hold">
+                      <p:stCondLst>
+                        <p:cond delay="indefinite"/>
+                      </p:stCondLst>
+                      <p:childTnLst>
+                        <p:par>
+                          <p:cTn id="4" fill="hold">
+                            <p:stCondLst>
+                              <p:cond delay="0"/>
+                            </p:stCondLst>
+                            <p:childTnLst>
+                              <p:par>
+                                <p:cTn id="5" presetID="9" presetClass="entr" presetSubtype="0" fill="hold" grpId="0" nodeType="clickEffect">
+                                  <p:stCondLst>
+                                    <p:cond delay="0"/>
+                                  </p:stCondLst>
+                                  <p:childTnLst>
+                                    <p:set>
+                                      <p:cBhvr>
+                                        <p:cTn id="6" dur="1" fill="hold">
+                                          <p:stCondLst>
+                                            <p:cond delay="0"/>
+                                          </p:stCondLst>
+                                        </p:cTn>
+                                        <p:tgtEl>
+                                          <p:spTgt spid="3">
+                                            <p:txEl>
+                                              <p:pRg st="0" end="0"/>
+                                            </p:txEl>
+                                          </p:spTgt>
+                                        </p:tgtEl>
+                                        <p:attrNameLst>
+                                          <p:attrName>style.visibility</p:attrName>
+                                        </p:attrNameLst>
+                                      </p:cBhvr>
+                                      <p:to>
+                                        <p:strVal val="visible"/>
+                                      </p:to>
+                                    </p:set>
+                                    <p:animEffect transition="in" filter="dissolve">
+                                      <p:cBhvr>
+                                        <p:cTn id="7" dur="500"/>
+                                        <p:tgtEl>
+                                          <p:spTgt spid="3">
+                                            <p:txEl>
+                                              <p:pRg st="0" end="0"/>
+                                            </p:txEl>
+                                          </p:spTgt>
+                                        </p:tgtEl>
+                                      </p:cBhvr>
+                                    </p:animEffect>
+                                  </p:childTnLst>
+                                </p:cTn>
+                              </p:par>
+                            </p:childTnLst>
+                          </p:cTn>
+                        </p:par>
+                      </p:childTnLst>
+                    </p:cTn>
+                  </p:par>
+                  <p:par>
+                    <p:cTn id="8" fill="hold">
+                      <p:stCondLst>
+                        <p:cond delay="indefinite"/>
+                      </p:stCondLst>
+                      <p:childTnLst>
+                        <p:par>
+                          <p:cTn id="9" fill="hold">
+                            <p:stCondLst>
+                              <p:cond delay="0"/>
+                            </p:stCondLst>
+                            <p:childTnLst>
+                              <p:par>
+                                <p:cTn id="10" presetID="9" presetClass="exit" presetSubtype="0" fill="hold" grpId="1" nodeType="clickEffect">
+                                  <p:stCondLst>
+                                    <p:cond delay="0"/>
+                                  </p:stCondLst>
+                                  <p:childTnLst>
+                                    <p:animEffect transition="out" filter="dissolve">
+                                      <p:cBhvr>
+                                        <p:cTn id="11" dur="500"/>
+                                        <p:tgtEl>
+                                          <p:spTgt spid="3">
+                                            <p:txEl>
+                                              <p:pRg st="0" end="0"/>
+                                            </p:txEl>
+                                          </p:spTgt>
+                                        </p:tgtEl>
+                                      </p:cBhvr>
+                                    </p:animEffect>
+                                    <p:set>
+                                      <p:cBhvr>
+                                        <p:cTn id="12" dur="1" fill="hold">
+                                          <p:stCondLst>
+                                            <p:cond delay="499"/>
+                                          </p:stCondLst>
+                                        </p:cTn>
+                                        <p:tgtEl>
+                                          <p:spTgt spid="3">
+                                            <p:txEl>
+                                              <p:pRg st="0" end="0"/>
+                                            </p:txEl>
+                                          </p:spTgt>
+                                        </p:tgtEl>
+                                        <p:attrNameLst>
+                                          <p:attrName>style.visibility</p:attrName>
+                                        </p:attrNameLst>
+                                      </p:cBhvr>
+                                      <p:to>
+                                        <p:strVal val="hidden"/>
+                                      </p:to>
+                                    </p:set>
+                                  </p:childTnLst>
+                                </p:cTn>
+                              </p:par>
+                              <p:par>
+                                <p:cTn id="13" presetID="9" presetClass="entr" presetSubtype="0" fill="hold" grpId="0" nodeType="withEffect">
+                                  <p:stCondLst>
+                                    <p:cond delay="0"/>
+                                  </p:stCondLst>
+                                  <p:childTnLst>
+                                    <p:set>
+                                      <p:cBhvr>
+                                        <p:cTn id="14" dur="1" fill="hold">
+                                          <p:stCondLst>
+                                            <p:cond delay="0"/>
+                                          </p:stCondLst>
+                                        </p:cTn>
+                                        <p:tgtEl>
+                                          <p:spTgt spid="3">
+                                            <p:txEl>
+                                              <p:pRg st="1" end="1"/>
+                                            </p:txEl>
+                                          </p:spTgt>
+                                        </p:tgtEl>
+                                        <p:attrNameLst>
+                                          <p:attrName>style.visibility</p:attrName>
+                                        </p:attrNameLst>
+                                      </p:cBhvr>
+                                      <p:to>
+                                        <p:strVal val="visible"/>
+                                      </p:to>
+                                    </p:set>
+                                    <p:animEffect transition="in" filter="dissolve">
+                                      <p:cBhvr>
+                                        <p:cTn id="15" dur="500"/>
+                                        <p:tgtEl>
+                                          <p:spTgt spid="3">
+                                            <p:txEl>
+                                              <p:pRg st="1" end="1"/>
+                                            </p:txEl>
+                                          </p:spTgt>
+                                        </p:tgtEl>
+                                      </p:cBhvr>
+                                    </p:animEffect>
+                                  </p:childTnLst>
+                                </p:cTn>
+                              </p:par>
+                            </p:childTnLst>
+                          </p:cTn>
+                        </p:par>
+                      </p:childTnLst>
+                    </p:cTn>
+                  </p:par>
+                  <p:par>
+                    <p:cTn id="16" fill="hold">
+                      <p:stCondLst>
+                        <p:cond delay="indefinite"/>
+                      </p:stCondLst>
+                      <p:childTnLst>
+                        <p:par>
+                          <p:cTn id="17" fill="hold">
+                            <p:stCondLst>
+                              <p:cond delay="0"/>
+                            </p:stCondLst>
+                            <p:childTnLst>
+                              <p:par>
+                                <p:cTn id="18" presetID="9" presetClass="exit" presetSubtype="0" fill="hold" grpId="1" nodeType="clickEffect">
+                                  <p:stCondLst>
+                                    <p:cond delay="0"/>
+                                  </p:stCondLst>
+                                  <p:childTnLst>
+                                    <p:animEffect transition="out" filter="dissolve">
+                                      <p:cBhvr>
+                                        <p:cTn id="19" dur="500"/>
+                                        <p:tgtEl>
+                                          <p:spTgt spid="3">
+                                            <p:txEl>
+                                              <p:pRg st="1" end="1"/>
+                                            </p:txEl>
+                                          </p:spTgt>
+                                        </p:tgtEl>
+                                      </p:cBhvr>
+                                    </p:animEffect>
+                                    <p:set>
+                                      <p:cBhvr>
+                                        <p:cTn id="20" dur="1" fill="hold">
+                                          <p:stCondLst>
+                                            <p:cond delay="499"/>
+                                          </p:stCondLst>
+                                        </p:cTn>
+                                        <p:tgtEl>
+                                          <p:spTgt spid="3">
+                                            <p:txEl>
+                                              <p:pRg st="1" end="1"/>
+                                            </p:txEl>
+                                          </p:spTgt>
+                                        </p:tgtEl>
+                                        <p:attrNameLst>
+                                          <p:attrName>style.visibility</p:attrName>
+                                        </p:attrNameLst>
+                                      </p:cBhvr>
+                                      <p:to>
+                                        <p:strVal val="hidden"/>
+                                      </p:to>
+                                    </p:set>
+                                  </p:childTnLst>
+                                </p:cTn>
+                              </p:par>
+                              <p:par>
+                                <p:cTn id="21" presetID="9" presetClass="entr" presetSubtype="0" fill="hold" grpId="0" nodeType="withEffect">
+                                  <p:stCondLst>
+                                    <p:cond delay="0"/>
+                                  </p:stCondLst>
+                                  <p:childTnLst>
+                                    <p:set>
+                                      <p:cBhvr>
+                                        <p:cTn id="22" dur="1" fill="hold">
+                                          <p:stCondLst>
+                                            <p:cond delay="0"/>
+                                          </p:stCondLst>
+                                        </p:cTn>
+                                        <p:tgtEl>
+                                          <p:spTgt spid="3">
+                                            <p:txEl>
+                                              <p:pRg st="2" end="2"/>
+                                            </p:txEl>
+                                          </p:spTgt>
+                                        </p:tgtEl>
+                                        <p:attrNameLst>
+                                          <p:attrName>style.visibility</p:attrName>
+                                        </p:attrNameLst>
+                                      </p:cBhvr>
+                                      <p:to>
+                                        <p:strVal val="visible"/>
+                                      </p:to>
+                                    </p:set>
+                                    <p:animEffect transition="in" filter="dissolve">
+                                      <p:cBhvr>
+                                        <p:cTn id="23" dur="500"/>
+                                        <p:tgtEl>
+                                          <p:spTgt spid="3">
+                                            <p:txEl>
+                                              <p:pRg st="2" end="2"/>
+                                            </p:txEl>
+                                          </p:spTgt>
+                                        </p:tgtEl>
+                                      </p:cBhvr>
+                                    </p:animEffect>
+                                  </p:childTnLst>
+                                </p:cTn>
+                              </p:par>
+                            </p:childTnLst>
+                          </p:cTn>
+                        </p:par>
+                      </p:childTnLst>
+                    </p:cTn>
+                  </p:par>
+                  <p:par>
+                    <p:cTn id="24" fill="hold">
+                      <p:stCondLst>
+                        <p:cond delay="indefinite"/>
+                      </p:stCondLst>
+                      <p:childTnLst>
+                        <p:par>
+                          <p:cTn id="25" fill="hold">
+                            <p:stCondLst>
+                              <p:cond delay="0"/>
+                            </p:stCondLst>
+                            <p:childTnLst>
+                              <p:par>
+                                <p:cTn id="26" presetID="9" presetClass="exit" presetSubtype="0" fill="hold" grpId="1" nodeType="clickEffect">
+                                  <p:stCondLst>
+                                    <p:cond delay="0"/>
+                                  </p:stCondLst>
+                                  <p:childTnLst>
+                                    <p:animEffect transition="out" filter="dissolve">
+                                      <p:cBhvr>
+                                        <p:cTn id="27" dur="500"/>
+                                        <p:tgtEl>
+                                          <p:spTgt spid="3">
+                                            <p:txEl>
+                                              <p:pRg st="2" end="2"/>
+                                            </p:txEl>
+                                          </p:spTgt>
+                                        </p:tgtEl>
+                                      </p:cBhvr>
+                                    </p:animEffect>
+                                    <p:set>
+                                      <p:cBhvr>
+                                        <p:cTn id="28" dur="1" fill="hold">
+                                          <p:stCondLst>
+                                            <p:cond delay="499"/>
+                                          </p:stCondLst>
+                                        </p:cTn>
+                                        <p:tgtEl>
+                                          <p:spTgt spid="3">
+                                            <p:txEl>
+                                              <p:pRg st="2" end="2"/>
+                                            </p:txEl>
+                                          </p:spTgt>
+                                        </p:tgtEl>
+                                        <p:attrNameLst>
+                                          <p:attrName>style.visibility</p:attrName>
+                                        </p:attrNameLst>
+                                      </p:cBhvr>
+                                      <p:to>
+                                        <p:strVal val="hidden"/>
+                                      </p:to>
+                                    </p:set>
+                                  </p:childTnLst>
+                                </p:cTn>
+                              </p:par>
+                              <p:par>
+                                <p:cTn id="29" presetID="9" presetClass="entr" presetSubtype="0" fill="hold" grpId="0" nodeType="withEffect">
+                                  <p:stCondLst>
+                                    <p:cond delay="0"/>
+                                  </p:stCondLst>
+                                  <p:childTnLst>
+                                    <p:set>
+                                      <p:cBhvr>
+                                        <p:cTn id="30" dur="1" fill="hold">
+                                          <p:stCondLst>
+                                            <p:cond delay="0"/>
+                                          </p:stCondLst>
+                                        </p:cTn>
+                                        <p:tgtEl>
+                                          <p:spTgt spid="3">
+                                            <p:txEl>
+                                              <p:pRg st="3" end="3"/>
+                                            </p:txEl>
+                                          </p:spTgt>
+                                        </p:tgtEl>
+                                        <p:attrNameLst>
+                                          <p:attrName>style.visibility</p:attrName>
+                                        </p:attrNameLst>
+                                      </p:cBhvr>
+                                      <p:to>
+                                        <p:strVal val="visible"/>
+                                      </p:to>
+                                    </p:set>
+                                    <p:animEffect transition="in" filter="dissolve">
+                                      <p:cBhvr>
+                                        <p:cTn id="31" dur="500"/>
+                                        <p:tgtEl>
+                                          <p:spTgt spid="3">
+                                            <p:txEl>
+                                              <p:pRg st="3" end="3"/>
+                                            </p:txEl>
+                                          </p:spTgt>
+                                        </p:tgtEl>
+                                      </p:cBhvr>
+                                    </p:animEffect>
+                                  </p:childTnLst>
+                                </p:cTn>
+                              </p:par>
+                            </p:childTnLst>
+                          </p:cTn>
+                        </p:par>
+                      </p:childTnLst>
+                    </p:cTn>
+                  </p:par>
+                </p:childTnLst>
+              </p:cTn>
+              <p:prevCondLst>
+                <p:cond evt="onPrev" delay="0">
+                  <p:tgtEl>
+                    <p:sldTgt/>
+                  </p:tgtEl>
+                </p:cond>
+              </p:prevCondLst>
+              <p:nextCondLst>
+                <p:cond evt="onNext" delay="0">
+                  <p:tgtEl>
+                    <p:sldTgt/>
+                  </p:tgtEl>
+                </p:cond>
+              </p:nextCondLst>
+            </p:seq>
+          </p:childTnLst>
+        </p:cTn>
+      </p:par>
+    </p:tnLst>
+    <p:bldLst>
+      <p:bldP spid="3" grpId="0" uiExpand="1" build="p"/>
+      <p:bldP spid="3" grpId="1" uiExpand="1" build="p"/>
+    </p:bldLst>
+  </p:timing>
+</p:sld>
+</file>
+
+<file path=ppt/slides/slide11.xml><?xml version="1.0" encoding="utf-8"?>
+<p:sld xmlns:a="http://schemas.openxmlformats.org/drawingml/2006/main" xmlns:r="http://schemas.openxmlformats.org/officeDocument/2006/relationships" xmlns:p="http://schemas.openxmlformats.org/presentationml/2006/main">
+  <p:cSld>
+    <p:spTree>
+      <p:nvGrpSpPr>
+        <p:cNvPr id="1" name=""/>
+        <p:cNvGrpSpPr/>
+        <p:nvPr/>
+      </p:nvGrpSpPr>
+      <p:grpSpPr>
+        <a:xfrm>
+          <a:off x="0" y="0"/>
+          <a:ext cx="0" cy="0"/>
+          <a:chOff x="0" y="0"/>
+          <a:chExt cx="0" cy="0"/>
+        </a:xfrm>
+      </p:grpSpPr>
+      <p:sp>
+        <p:nvSpPr>
+          <p:cNvPr id="2" name="Title 1">
+            <a:extLst>
+              <a:ext uri="{FF2B5EF4-FFF2-40B4-BE49-F238E27FC236}">
+                <a16:creationId xmlns:a16="http://schemas.microsoft.com/office/drawing/2014/main" id="{58204B45-BA2F-544A-ADBD-2B584480C63E}"/>
+              </a:ext>
+            </a:extLst>
+          </p:cNvPr>
+          <p:cNvSpPr>
+            <a:spLocks noGrp="1"/>
+          </p:cNvSpPr>
+          <p:nvPr>
+            <p:ph type="title"/>
+          </p:nvPr>
+        </p:nvSpPr>
+        <p:spPr>
+          <a:xfrm>
             <a:off x="79512" y="59918"/>
             <a:ext cx="11947161" cy="1058774"/>
           </a:xfrm>
@@ -6397,7 +6961,7 @@
           <a:p>
             <a:fld id="{2183B7EE-0FBE-B749-875F-ED24F5ECD71F}" type="slidenum">
               <a:rPr lang="en-US" smtClean="0"/>
-              <a:t>10</a:t>
+              <a:t>11</a:t>
             </a:fld>
             <a:endParaRPr lang="en-US" dirty="0"/>
           </a:p>
@@ -7820,7 +8384,7 @@
 </p:sld>
 </file>
 
-<file path=ppt/slides/slide11.xml><?xml version="1.0" encoding="utf-8"?>
+<file path=ppt/slides/slide12.xml><?xml version="1.0" encoding="utf-8"?>
 <p:sld xmlns:a="http://schemas.openxmlformats.org/drawingml/2006/main" xmlns:r="http://schemas.openxmlformats.org/officeDocument/2006/relationships" xmlns:p="http://schemas.openxmlformats.org/presentationml/2006/main">
   <p:cSld>
     <p:spTree>
@@ -7943,7 +8507,7 @@
           <a:p>
             <a:fld id="{2183B7EE-0FBE-B749-875F-ED24F5ECD71F}" type="slidenum">
               <a:rPr lang="en-US" smtClean="0"/>
-              <a:t>11</a:t>
+              <a:t>12</a:t>
             </a:fld>
             <a:endParaRPr lang="en-US" dirty="0"/>
           </a:p>
@@ -8041,14 +8605,57 @@
                             </p:stCondLst>
                             <p:childTnLst>
                               <p:par>
-                                <p:cTn id="10" presetID="9" presetClass="entr" presetSubtype="0" fill="hold" grpId="0" nodeType="clickEffect">
+                                <p:cTn id="10" presetID="9" presetClass="exit" presetSubtype="0" fill="hold" grpId="1" nodeType="clickEffect">
+                                  <p:stCondLst>
+                                    <p:cond delay="0"/>
+                                  </p:stCondLst>
+                                  <p:childTnLst>
+                                    <p:animEffect transition="out" filter="dissolve">
+                                      <p:cBhvr>
+                                        <p:cTn id="11" dur="500"/>
+                                        <p:tgtEl>
+                                          <p:spTgt spid="3">
+                                            <p:txEl>
+                                              <p:pRg st="0" end="0"/>
+                                            </p:txEl>
+                                          </p:spTgt>
+                                        </p:tgtEl>
+                                      </p:cBhvr>
+                                    </p:animEffect>
+                                    <p:set>
+                                      <p:cBhvr>
+                                        <p:cTn id="12" dur="1" fill="hold">
+                                          <p:stCondLst>
+                                            <p:cond delay="499"/>
+                                          </p:stCondLst>
+                                        </p:cTn>
+                                        <p:tgtEl>
+                                          <p:spTgt spid="3">
+                                            <p:txEl>
+                                              <p:pRg st="0" end="0"/>
+                                            </p:txEl>
+                                          </p:spTgt>
+                                        </p:tgtEl>
+                                        <p:attrNameLst>
+                                          <p:attrName>style.visibility</p:attrName>
+                                        </p:attrNameLst>
+                                      </p:cBhvr>
+                                      <p:to>
+                                        <p:strVal val="hidden"/>
+                                      </p:to>
+                                    </p:set>
+                                  </p:childTnLst>
+                                </p:cTn>
+                              </p:par>
+                              <p:par>
+                                <p:cTn id="13" presetID="9" presetClass="entr" presetSubtype="0" fill="hold" grpId="0" nodeType="withEffect">
                                   <p:stCondLst>
                                     <p:cond delay="0"/>
                                   </p:stCondLst>
                                   <p:childTnLst>
                                     <p:set>
                                       <p:cBhvr>
-                                        <p:cTn id="11" dur="1" fill="hold">
+                                        <p:cTn id="14" dur="1" fill="hold">
                                           <p:stCondLst>
                                             <p:cond delay="0"/>
                                           </p:stCondLst>
@@ -8070,7 +8677,7 @@
                                     </p:set>
                                     <p:animEffect transition="in" filter="dissolve">
                                       <p:cBhvr>
-                                        <p:cTn id="12" dur="500"/>
+                                        <p:cTn id="15" dur="500"/>
                                         <p:tgtEl>
                                           <p:spTgt spid="3">
                                             <p:txEl>
@@ -8090,26 +8697,69 @@
                     </p:cTn>
                   </p:par>
                   <p:par>
-                    <p:cTn id="13" fill="hold">
+                    <p:cTn id="16" fill="hold">
                       <p:stCondLst>
                         <p:cond delay="indefinite"/>
                       </p:stCondLst>
                       <p:childTnLst>
                         <p:par>
-                          <p:cTn id="14" fill="hold">
+                          <p:cTn id="17" fill="hold">
                             <p:stCondLst>
                               <p:cond delay="0"/>
                             </p:stCondLst>
                             <p:childTnLst>
                               <p:par>
-                                <p:cTn id="15" presetID="9" presetClass="entr" presetSubtype="0" fill="hold" grpId="0" nodeType="clickEffect">
+                                <p:cTn id="18" presetID="9" presetClass="exit" presetSubtype="0" fill="hold" grpId="1" nodeType="clickEffect">
+                                  <p:stCondLst>
+                                    <p:cond delay="0"/>
+                                  </p:stCondLst>
+                                  <p:childTnLst>
+                                    <p:animEffect transition="out" filter="dissolve">
+                                      <p:cBhvr>
+                                        <p:cTn id="19" dur="500"/>
+                                        <p:tgtEl>
+                                          <p:spTgt spid="3">
+                                            <p:txEl>
+                                              <p:pRg st="1" end="1"/>
+                                            </p:txEl>
+                                          </p:spTgt>
+                                        </p:tgtEl>
+                                      </p:cBhvr>
+                                    </p:animEffect>
+                                    <p:set>
+                                      <p:cBhvr>
+                                        <p:cTn id="20" dur="1" fill="hold">
+                                          <p:stCondLst>
+                                            <p:cond delay="499"/>
+                                          </p:stCondLst>
+                                        </p:cTn>
+                                        <p:tgtEl>
+                                          <p:spTgt spid="3">
+                                            <p:txEl>
+                                              <p:pRg st="1" end="1"/>
+                                            </p:txEl>
+                                          </p:spTgt>
+                                        </p:tgtEl>
+                                        <p:attrNameLst>
+                                          <p:attrName>style.visibility</p:attrName>
+                                        </p:attrNameLst>
+                                      </p:cBhvr>
+                                      <p:to>
+                                        <p:strVal val="hidden"/>
+                                      </p:to>
+                                    </p:set>
+                                  </p:childTnLst>
+                                </p:cTn>
+                              </p:par>
+                              <p:par>
+                                <p:cTn id="21" presetID="9" presetClass="entr" presetSubtype="0" fill="hold" grpId="0" nodeType="withEffect">
                                   <p:stCondLst>
                                     <p:cond delay="0"/>
                                   </p:stCondLst>
                                   <p:childTnLst>
                                     <p:set>
                                       <p:cBhvr>
-                                        <p:cTn id="16" dur="1" fill="hold">
+                                        <p:cTn id="22" dur="1" fill="hold">
                                           <p:stCondLst>
                                             <p:cond delay="0"/>
                                           </p:stCondLst>
@@ -8131,7 +8781,7 @@
                                     </p:set>
                                     <p:animEffect transition="in" filter="dissolve">
                                       <p:cBhvr>
-                                        <p:cTn id="17" dur="500"/>
+                                        <p:cTn id="23" dur="500"/>
                                         <p:tgtEl>
                                           <p:spTgt spid="3">
                                             <p:txEl>
@@ -8172,13 +8822,14 @@
       </p:par>
     </p:tnLst>
     <p:bldLst>
-      <p:bldP spid="3" grpId="0" build="p"/>
+      <p:bldP spid="3" grpId="0" uiExpand="1" build="p"/>
+      <p:bldP spid="3" grpId="1" uiExpand="1" build="p"/>
     </p:bldLst>
   </p:timing>
 </p:sld>
 </file>
 
-<file path=ppt/slides/slide12.xml><?xml version="1.0" encoding="utf-8"?>
+<file path=ppt/slides/slide13.xml><?xml version="1.0" encoding="utf-8"?>
 <p:sld xmlns:a="http://schemas.openxmlformats.org/drawingml/2006/main" xmlns:r="http://schemas.openxmlformats.org/officeDocument/2006/relationships" xmlns:p="http://schemas.openxmlformats.org/presentationml/2006/main">
   <p:cSld>
     <p:spTree>
@@ -8298,7 +8949,7 @@
           <a:p>
             <a:fld id="{2183B7EE-0FBE-B749-875F-ED24F5ECD71F}" type="slidenum">
               <a:rPr lang="en-US" smtClean="0"/>
-              <a:t>12</a:t>
+              <a:t>13</a:t>
             </a:fld>
             <a:endParaRPr lang="en-US" dirty="0"/>
           </a:p>
@@ -8396,14 +9047,57 @@
                             </p:stCondLst>
                             <p:childTnLst>
                               <p:par>
-                                <p:cTn id="10" presetID="9" presetClass="entr" presetSubtype="0" fill="hold" grpId="0" nodeType="clickEffect">
+                                <p:cTn id="10" presetID="9" presetClass="exit" presetSubtype="0" fill="hold" grpId="1" nodeType="clickEffect">
+                                  <p:stCondLst>
+                                    <p:cond delay="0"/>
+                                  </p:stCondLst>
+                                  <p:childTnLst>
+                                    <p:animEffect transition="out" filter="dissolve">
+                                      <p:cBhvr>
+                                        <p:cTn id="11" dur="500"/>
+                                        <p:tgtEl>
+                                          <p:spTgt spid="3">
+                                            <p:txEl>
+                                              <p:pRg st="0" end="0"/>
+                                            </p:txEl>
+                                          </p:spTgt>
+                                        </p:tgtEl>
+                                      </p:cBhvr>
+                                    </p:animEffect>
+                                    <p:set>
+                                      <p:cBhvr>
+                                        <p:cTn id="12" dur="1" fill="hold">
+                                          <p:stCondLst>
+                                            <p:cond delay="499"/>
+                                          </p:stCondLst>
+                                        </p:cTn>
+                                        <p:tgtEl>
+                                          <p:spTgt spid="3">
+                                            <p:txEl>
+                                              <p:pRg st="0" end="0"/>
+                                            </p:txEl>
+                                          </p:spTgt>
+                                        </p:tgtEl>
+                                        <p:attrNameLst>
+                                          <p:attrName>style.visibility</p:attrName>
+                                        </p:attrNameLst>
+                                      </p:cBhvr>
+                                      <p:to>
+                                        <p:strVal val="hidden"/>
+                                      </p:to>
+                                    </p:set>
+                                  </p:childTnLst>
+                                </p:cTn>
+                              </p:par>
+                              <p:par>
+                                <p:cTn id="13" presetID="9" presetClass="entr" presetSubtype="0" fill="hold" grpId="0" nodeType="withEffect">
                                   <p:stCondLst>
                                     <p:cond delay="0"/>
                                   </p:stCondLst>
                                   <p:childTnLst>
                                     <p:set>
                                       <p:cBhvr>
-                                        <p:cTn id="11" dur="1" fill="hold">
+                                        <p:cTn id="14" dur="1" fill="hold">
                                           <p:stCondLst>
                                             <p:cond delay="0"/>
                                           </p:stCondLst>
@@ -8425,7 +9119,7 @@
                                     </p:set>
                                     <p:animEffect transition="in" filter="dissolve">
                                       <p:cBhvr>
-                                        <p:cTn id="12" dur="500"/>
+                                        <p:cTn id="15" dur="500"/>
                                         <p:tgtEl>
                                           <p:spTgt spid="3">
                                             <p:txEl>
@@ -8466,13 +9160,14 @@
       </p:par>
     </p:tnLst>
     <p:bldLst>
-      <p:bldP spid="3" grpId="0" build="p"/>
+      <p:bldP spid="3" grpId="0" uiExpand="1" build="p"/>
+      <p:bldP spid="3" grpId="1" uiExpand="1" build="p"/>
     </p:bldLst>
   </p:timing>
 </p:sld>
 </file>
 
-<file path=ppt/slides/slide13.xml><?xml version="1.0" encoding="utf-8"?>
+<file path=ppt/slides/slide14.xml><?xml version="1.0" encoding="utf-8"?>
 <p:sld xmlns:a="http://schemas.openxmlformats.org/drawingml/2006/main" xmlns:r="http://schemas.openxmlformats.org/officeDocument/2006/relationships" xmlns:p="http://schemas.openxmlformats.org/presentationml/2006/main">
   <p:cSld>
     <p:spTree>
@@ -8675,7 +9370,7 @@
           <a:p>
             <a:fld id="{2183B7EE-0FBE-B749-875F-ED24F5ECD71F}" type="slidenum">
               <a:rPr lang="en-US" smtClean="0"/>
-              <a:t>13</a:t>
+              <a:t>14</a:t>
             </a:fld>
             <a:endParaRPr lang="en-US" dirty="0"/>
           </a:p>
@@ -8773,14 +9468,57 @@
                             </p:stCondLst>
                             <p:childTnLst>
                               <p:par>
-                                <p:cTn id="10" presetID="9" presetClass="entr" presetSubtype="0" fill="hold" grpId="0" nodeType="clickEffect">
+                                <p:cTn id="10" presetID="9" presetClass="exit" presetSubtype="0" fill="hold" grpId="1" nodeType="clickEffect">
+                                  <p:stCondLst>
+                                    <p:cond delay="0"/>
+                                  </p:stCondLst>
+                                  <p:childTnLst>
+                                    <p:animEffect transition="out" filter="dissolve">
+                                      <p:cBhvr>
+                                        <p:cTn id="11" dur="500"/>
+                                        <p:tgtEl>
+                                          <p:spTgt spid="3">
+                                            <p:txEl>
+                                              <p:pRg st="0" end="0"/>
+                                            </p:txEl>
+                                          </p:spTgt>
+                                        </p:tgtEl>
+                                      </p:cBhvr>
+                                    </p:animEffect>
+                                    <p:set>
+                                      <p:cBhvr>
+                                        <p:cTn id="12" dur="1" fill="hold">
+                                          <p:stCondLst>
+                                            <p:cond delay="499"/>
+                                          </p:stCondLst>
+                                        </p:cTn>
+                                        <p:tgtEl>
+                                          <p:spTgt spid="3">
+                                            <p:txEl>
+                                              <p:pRg st="0" end="0"/>
+                                            </p:txEl>
+                                          </p:spTgt>
+                                        </p:tgtEl>
+                                        <p:attrNameLst>
+                                          <p:attrName>style.visibility</p:attrName>
+                                        </p:attrNameLst>
+                                      </p:cBhvr>
+                                      <p:to>
+                                        <p:strVal val="hidden"/>
+                                      </p:to>
+                                    </p:set>
+                                  </p:childTnLst>
+                                </p:cTn>
+                              </p:par>
+                              <p:par>
+                                <p:cTn id="13" presetID="9" presetClass="entr" presetSubtype="0" fill="hold" grpId="0" nodeType="withEffect">
                                   <p:stCondLst>
                                     <p:cond delay="0"/>
                                   </p:stCondLst>
                                   <p:childTnLst>
                                     <p:set>
                                       <p:cBhvr>
-                                        <p:cTn id="11" dur="1" fill="hold">
+                                        <p:cTn id="14" dur="1" fill="hold">
                                           <p:stCondLst>
                                             <p:cond delay="0"/>
                                           </p:stCondLst>
@@ -8802,7 +9540,7 @@
                                     </p:set>
                                     <p:animEffect transition="in" filter="dissolve">
                                       <p:cBhvr>
-                                        <p:cTn id="12" dur="500"/>
+                                        <p:cTn id="15" dur="500"/>
                                         <p:tgtEl>
                                           <p:spTgt spid="3">
                                             <p:txEl>
@@ -8822,26 +9560,69 @@
                     </p:cTn>
                   </p:par>
                   <p:par>
-                    <p:cTn id="13" fill="hold">
+                    <p:cTn id="16" fill="hold">
                       <p:stCondLst>
                         <p:cond delay="indefinite"/>
                       </p:stCondLst>
                       <p:childTnLst>
                         <p:par>
-                          <p:cTn id="14" fill="hold">
+                          <p:cTn id="17" fill="hold">
                             <p:stCondLst>
                               <p:cond delay="0"/>
                             </p:stCondLst>
                             <p:childTnLst>
                               <p:par>
-                                <p:cTn id="15" presetID="9" presetClass="entr" presetSubtype="0" fill="hold" grpId="0" nodeType="clickEffect">
+                                <p:cTn id="18" presetID="9" presetClass="exit" presetSubtype="0" fill="hold" grpId="1" nodeType="clickEffect">
+                                  <p:stCondLst>
+                                    <p:cond delay="0"/>
+                                  </p:stCondLst>
+                                  <p:childTnLst>
+                                    <p:animEffect transition="out" filter="dissolve">
+                                      <p:cBhvr>
+                                        <p:cTn id="19" dur="500"/>
+                                        <p:tgtEl>
+                                          <p:spTgt spid="3">
+                                            <p:txEl>
+                                              <p:pRg st="1" end="1"/>
+                                            </p:txEl>
+                                          </p:spTgt>
+                                        </p:tgtEl>
+                                      </p:cBhvr>
+                                    </p:animEffect>
+                                    <p:set>
+                                      <p:cBhvr>
+                                        <p:cTn id="20" dur="1" fill="hold">
+                                          <p:stCondLst>
+                                            <p:cond delay="499"/>
+                                          </p:stCondLst>
+                                        </p:cTn>
+                                        <p:tgtEl>
+                                          <p:spTgt spid="3">
+                                            <p:txEl>
+                                              <p:pRg st="1" end="1"/>
+                                            </p:txEl>
+                                          </p:spTgt>
+                                        </p:tgtEl>
+                                        <p:attrNameLst>
+                                          <p:attrName>style.visibility</p:attrName>
+                                        </p:attrNameLst>
+                                      </p:cBhvr>
+                                      <p:to>
+                                        <p:strVal val="hidden"/>
+                                      </p:to>
+                                    </p:set>
+                                  </p:childTnLst>
+                                </p:cTn>
+                              </p:par>
+                              <p:par>
+                                <p:cTn id="21" presetID="9" presetClass="entr" presetSubtype="0" fill="hold" grpId="0" nodeType="withEffect">
                                   <p:stCondLst>
                                     <p:cond delay="0"/>
                                   </p:stCondLst>
                                   <p:childTnLst>
                                     <p:set>
                                       <p:cBhvr>
-                                        <p:cTn id="16" dur="1" fill="hold">
+                                        <p:cTn id="22" dur="1" fill="hold">
                                           <p:stCondLst>
                                             <p:cond delay="0"/>
                                           </p:stCondLst>
@@ -8863,7 +9644,7 @@
                                     </p:set>
                                     <p:animEffect transition="in" filter="dissolve">
                                       <p:cBhvr>
-                                        <p:cTn id="17" dur="500"/>
+                                        <p:cTn id="23" dur="500"/>
                                         <p:tgtEl>
                                           <p:spTgt spid="3">
                                             <p:txEl>
@@ -8904,13 +9685,14 @@
       </p:par>
     </p:tnLst>
     <p:bldLst>
-      <p:bldP spid="3" grpId="0" build="p"/>
+      <p:bldP spid="3" grpId="0" uiExpand="1" build="p"/>
+      <p:bldP spid="3" grpId="1" uiExpand="1" build="p"/>
     </p:bldLst>
   </p:timing>
 </p:sld>
 </file>
 
-<file path=ppt/slides/slide14.xml><?xml version="1.0" encoding="utf-8"?>
+<file path=ppt/slides/slide15.xml><?xml version="1.0" encoding="utf-8"?>
 <p:sld xmlns:a="http://schemas.openxmlformats.org/drawingml/2006/main" xmlns:r="http://schemas.openxmlformats.org/officeDocument/2006/relationships" xmlns:p="http://schemas.openxmlformats.org/presentationml/2006/main">
   <p:cSld>
     <p:spTree>
@@ -9052,7 +9834,7 @@
           <a:p>
             <a:fld id="{2183B7EE-0FBE-B749-875F-ED24F5ECD71F}" type="slidenum">
               <a:rPr lang="en-US" smtClean="0"/>
-              <a:t>14</a:t>
+              <a:t>15</a:t>
             </a:fld>
             <a:endParaRPr lang="en-US" dirty="0"/>
           </a:p>
@@ -9788,14 +10570,57 @@
                             </p:stCondLst>
                             <p:childTnLst>
                               <p:par>
-                                <p:cTn id="13" presetID="9" presetClass="entr" presetSubtype="0" fill="hold" grpId="0" nodeType="clickEffect">
+                                <p:cTn id="13" presetID="9" presetClass="exit" presetSubtype="0" fill="hold" grpId="1" nodeType="clickEffect">
+                                  <p:stCondLst>
+                                    <p:cond delay="0"/>
+                                  </p:stCondLst>
+                                  <p:childTnLst>
+                                    <p:animEffect transition="out" filter="dissolve">
+                                      <p:cBhvr>
+                                        <p:cTn id="14" dur="500"/>
+                                        <p:tgtEl>
+                                          <p:spTgt spid="66">
+                                            <p:txEl>
+                                              <p:pRg st="0" end="0"/>
+                                            </p:txEl>
+                                          </p:spTgt>
+                                        </p:tgtEl>
+                                      </p:cBhvr>
+                                    </p:animEffect>
+                                    <p:set>
+                                      <p:cBhvr>
+                                        <p:cTn id="15" dur="1" fill="hold">
+                                          <p:stCondLst>
+                                            <p:cond delay="499"/>
+                                          </p:stCondLst>
+                                        </p:cTn>
+                                        <p:tgtEl>
+                                          <p:spTgt spid="66">
+                                            <p:txEl>
+                                              <p:pRg st="0" end="0"/>
+                                            </p:txEl>
+                                          </p:spTgt>
+                                        </p:tgtEl>
+                                        <p:attrNameLst>
+                                          <p:attrName>style.visibility</p:attrName>
+                                        </p:attrNameLst>
+                                      </p:cBhvr>
+                                      <p:to>
+                                        <p:strVal val="hidden"/>
+                                      </p:to>
+                                    </p:set>
+                                  </p:childTnLst>
+                                </p:cTn>
+                              </p:par>
+                              <p:par>
+                                <p:cTn id="16" presetID="9" presetClass="entr" presetSubtype="0" fill="hold" grpId="0" nodeType="withEffect">
                                   <p:stCondLst>
                                     <p:cond delay="0"/>
                                   </p:stCondLst>
                                   <p:childTnLst>
                                     <p:set>
                                       <p:cBhvr>
-                                        <p:cTn id="14" dur="1" fill="hold">
+                                        <p:cTn id="17" dur="1" fill="hold">
                                           <p:stCondLst>
                                             <p:cond delay="0"/>
                                           </p:stCondLst>
@@ -9817,7 +10642,7 @@
                                     </p:set>
                                     <p:animEffect transition="in" filter="dissolve">
                                       <p:cBhvr>
-                                        <p:cTn id="15" dur="500"/>
+                                        <p:cTn id="18" dur="500"/>
                                         <p:tgtEl>
                                           <p:spTgt spid="66">
                                             <p:txEl>
@@ -9837,26 +10662,69 @@
                     </p:cTn>
                   </p:par>
                   <p:par>
-                    <p:cTn id="16" fill="hold">
+                    <p:cTn id="19" fill="hold">
                       <p:stCondLst>
                         <p:cond delay="indefinite"/>
                       </p:stCondLst>
                       <p:childTnLst>
                         <p:par>
-                          <p:cTn id="17" fill="hold">
+                          <p:cTn id="20" fill="hold">
                             <p:stCondLst>
                               <p:cond delay="0"/>
                             </p:stCondLst>
                             <p:childTnLst>
                               <p:par>
-                                <p:cTn id="18" presetID="9" presetClass="entr" presetSubtype="0" fill="hold" grpId="0" nodeType="clickEffect">
+                                <p:cTn id="21" presetID="9" presetClass="exit" presetSubtype="0" fill="hold" grpId="1" nodeType="clickEffect">
+                                  <p:stCondLst>
+                                    <p:cond delay="0"/>
+                                  </p:stCondLst>
+                                  <p:childTnLst>
+                                    <p:animEffect transition="out" filter="dissolve">
+                                      <p:cBhvr>
+                                        <p:cTn id="22" dur="500"/>
+                                        <p:tgtEl>
+                                          <p:spTgt spid="66">
+                                            <p:txEl>
+                                              <p:pRg st="1" end="1"/>
+                                            </p:txEl>
+                                          </p:spTgt>
+                                        </p:tgtEl>
+                                      </p:cBhvr>
+                                    </p:animEffect>
+                                    <p:set>
+                                      <p:cBhvr>
+                                        <p:cTn id="23" dur="1" fill="hold">
+                                          <p:stCondLst>
+                                            <p:cond delay="499"/>
+                                          </p:stCondLst>
+                                        </p:cTn>
+                                        <p:tgtEl>
+                                          <p:spTgt spid="66">
+                                            <p:txEl>
+                                              <p:pRg st="1" end="1"/>
+                                            </p:txEl>
+                                          </p:spTgt>
+                                        </p:tgtEl>
+                                        <p:attrNameLst>
+                                          <p:attrName>style.visibility</p:attrName>
+                                        </p:attrNameLst>
+                                      </p:cBhvr>
+                                      <p:to>
+                                        <p:strVal val="hidden"/>
+                                      </p:to>
+                                    </p:set>
+                                  </p:childTnLst>
+                                </p:cTn>
+                              </p:par>
+                              <p:par>
+                                <p:cTn id="24" presetID="9" presetClass="entr" presetSubtype="0" fill="hold" grpId="0" nodeType="withEffect">
                                   <p:stCondLst>
                                     <p:cond delay="0"/>
                                   </p:stCondLst>
                                   <p:childTnLst>
                                     <p:set>
                                       <p:cBhvr>
-                                        <p:cTn id="19" dur="1" fill="hold">
+                                        <p:cTn id="25" dur="1" fill="hold">
                                           <p:stCondLst>
                                             <p:cond delay="0"/>
                                           </p:stCondLst>
@@ -9878,7 +10746,7 @@
                                     </p:set>
                                     <p:animEffect transition="in" filter="dissolve">
                                       <p:cBhvr>
-                                        <p:cTn id="20" dur="500"/>
+                                        <p:cTn id="26" dur="500"/>
                                         <p:tgtEl>
                                           <p:spTgt spid="66">
                                             <p:txEl>
@@ -9920,12 +10788,13 @@
     </p:tnLst>
     <p:bldLst>
       <p:bldP spid="66" grpId="0" uiExpand="1" build="p"/>
+      <p:bldP spid="66" grpId="1" uiExpand="1" build="p"/>
     </p:bldLst>
   </p:timing>
 </p:sld>
 </file>
 
-<file path=ppt/slides/slide15.xml><?xml version="1.0" encoding="utf-8"?>
+<file path=ppt/slides/slide16.xml><?xml version="1.0" encoding="utf-8"?>
 <p:sld xmlns:a="http://schemas.openxmlformats.org/drawingml/2006/main" xmlns:r="http://schemas.openxmlformats.org/officeDocument/2006/relationships" xmlns:p="http://schemas.openxmlformats.org/presentationml/2006/main">
   <p:cSld>
     <p:spTree>
@@ -10073,7 +10942,7 @@
           <a:p>
             <a:fld id="{2183B7EE-0FBE-B749-875F-ED24F5ECD71F}" type="slidenum">
               <a:rPr lang="en-US" smtClean="0"/>
-              <a:t>15</a:t>
+              <a:t>16</a:t>
             </a:fld>
             <a:endParaRPr lang="en-US" dirty="0"/>
           </a:p>
@@ -10819,14 +11688,57 @@
                             </p:stCondLst>
                             <p:childTnLst>
                               <p:par>
-                                <p:cTn id="13" presetID="9" presetClass="entr" presetSubtype="0" fill="hold" grpId="0" nodeType="clickEffect">
+                                <p:cTn id="13" presetID="9" presetClass="exit" presetSubtype="0" fill="hold" grpId="1" nodeType="clickEffect">
+                                  <p:stCondLst>
+                                    <p:cond delay="0"/>
+                                  </p:stCondLst>
+                                  <p:childTnLst>
+                                    <p:animEffect transition="out" filter="dissolve">
+                                      <p:cBhvr>
+                                        <p:cTn id="14" dur="500"/>
+                                        <p:tgtEl>
+                                          <p:spTgt spid="66">
+                                            <p:txEl>
+                                              <p:pRg st="0" end="0"/>
+                                            </p:txEl>
+                                          </p:spTgt>
+                                        </p:tgtEl>
+                                      </p:cBhvr>
+                                    </p:animEffect>
+                                    <p:set>
+                                      <p:cBhvr>
+                                        <p:cTn id="15" dur="1" fill="hold">
+                                          <p:stCondLst>
+                                            <p:cond delay="499"/>
+                                          </p:stCondLst>
+                                        </p:cTn>
+                                        <p:tgtEl>
+                                          <p:spTgt spid="66">
+                                            <p:txEl>
+                                              <p:pRg st="0" end="0"/>
+                                            </p:txEl>
+                                          </p:spTgt>
+                                        </p:tgtEl>
+                                        <p:attrNameLst>
+                                          <p:attrName>style.visibility</p:attrName>
+                                        </p:attrNameLst>
+                                      </p:cBhvr>
+                                      <p:to>
+                                        <p:strVal val="hidden"/>
+                                      </p:to>
+                                    </p:set>
+                                  </p:childTnLst>
+                                </p:cTn>
+                              </p:par>
+                              <p:par>
+                                <p:cTn id="16" presetID="9" presetClass="entr" presetSubtype="0" fill="hold" grpId="0" nodeType="withEffect">
                                   <p:stCondLst>
                                     <p:cond delay="0"/>
                                   </p:stCondLst>
                                   <p:childTnLst>
                                     <p:set>
                                       <p:cBhvr>
-                                        <p:cTn id="14" dur="1" fill="hold">
+                                        <p:cTn id="17" dur="1" fill="hold">
                                           <p:stCondLst>
                                             <p:cond delay="0"/>
                                           </p:stCondLst>
@@ -10848,7 +11760,7 @@
                                     </p:set>
                                     <p:animEffect transition="in" filter="dissolve">
                                       <p:cBhvr>
-                                        <p:cTn id="15" dur="500"/>
+                                        <p:cTn id="18" dur="500"/>
                                         <p:tgtEl>
                                           <p:spTgt spid="66">
                                             <p:txEl>
@@ -10868,26 +11780,69 @@
                     </p:cTn>
                   </p:par>
                   <p:par>
-                    <p:cTn id="16" fill="hold">
+                    <p:cTn id="19" fill="hold">
                       <p:stCondLst>
                         <p:cond delay="indefinite"/>
                       </p:stCondLst>
                       <p:childTnLst>
                         <p:par>
-                          <p:cTn id="17" fill="hold">
+                          <p:cTn id="20" fill="hold">
                             <p:stCondLst>
                               <p:cond delay="0"/>
                             </p:stCondLst>
                             <p:childTnLst>
                               <p:par>
-                                <p:cTn id="18" presetID="9" presetClass="entr" presetSubtype="0" fill="hold" grpId="0" nodeType="clickEffect">
+                                <p:cTn id="21" presetID="9" presetClass="exit" presetSubtype="0" fill="hold" grpId="1" nodeType="clickEffect">
+                                  <p:stCondLst>
+                                    <p:cond delay="0"/>
+                                  </p:stCondLst>
+                                  <p:childTnLst>
+                                    <p:animEffect transition="out" filter="dissolve">
+                                      <p:cBhvr>
+                                        <p:cTn id="22" dur="500"/>
+                                        <p:tgtEl>
+                                          <p:spTgt spid="66">
+                                            <p:txEl>
+                                              <p:pRg st="1" end="1"/>
+                                            </p:txEl>
+                                          </p:spTgt>
+                                        </p:tgtEl>
+                                      </p:cBhvr>
+                                    </p:animEffect>
+                                    <p:set>
+                                      <p:cBhvr>
+                                        <p:cTn id="23" dur="1" fill="hold">
+                                          <p:stCondLst>
+                                            <p:cond delay="499"/>
+                                          </p:stCondLst>
+                                        </p:cTn>
+                                        <p:tgtEl>
+                                          <p:spTgt spid="66">
+                                            <p:txEl>
+                                              <p:pRg st="1" end="1"/>
+                                            </p:txEl>
+                                          </p:spTgt>
+                                        </p:tgtEl>
+                                        <p:attrNameLst>
+                                          <p:attrName>style.visibility</p:attrName>
+                                        </p:attrNameLst>
+                                      </p:cBhvr>
+                                      <p:to>
+                                        <p:strVal val="hidden"/>
+                                      </p:to>
+                                    </p:set>
+                                  </p:childTnLst>
+                                </p:cTn>
+                              </p:par>
+                              <p:par>
+                                <p:cTn id="24" presetID="9" presetClass="entr" presetSubtype="0" fill="hold" grpId="0" nodeType="withEffect">
                                   <p:stCondLst>
                                     <p:cond delay="0"/>
                                   </p:stCondLst>
                                   <p:childTnLst>
                                     <p:set>
                                       <p:cBhvr>
-                                        <p:cTn id="19" dur="1" fill="hold">
+                                        <p:cTn id="25" dur="1" fill="hold">
                                           <p:stCondLst>
                                             <p:cond delay="0"/>
                                           </p:stCondLst>
@@ -10909,7 +11864,7 @@
                                     </p:set>
                                     <p:animEffect transition="in" filter="dissolve">
                                       <p:cBhvr>
-                                        <p:cTn id="20" dur="500"/>
+                                        <p:cTn id="26" dur="500"/>
                                         <p:tgtEl>
                                           <p:spTgt spid="66">
                                             <p:txEl>
@@ -10929,26 +11884,69 @@
                     </p:cTn>
                   </p:par>
                   <p:par>
-                    <p:cTn id="21" fill="hold">
+                    <p:cTn id="27" fill="hold">
                       <p:stCondLst>
                         <p:cond delay="indefinite"/>
                       </p:stCondLst>
                       <p:childTnLst>
                         <p:par>
-                          <p:cTn id="22" fill="hold">
+                          <p:cTn id="28" fill="hold">
                             <p:stCondLst>
                               <p:cond delay="0"/>
                             </p:stCondLst>
                             <p:childTnLst>
                               <p:par>
-                                <p:cTn id="23" presetID="9" presetClass="entr" presetSubtype="0" fill="hold" grpId="0" nodeType="clickEffect">
+                                <p:cTn id="29" presetID="9" presetClass="exit" presetSubtype="0" fill="hold" grpId="1" nodeType="clickEffect">
+                                  <p:stCondLst>
+                                    <p:cond delay="0"/>
+                                  </p:stCondLst>
+                                  <p:childTnLst>
+                                    <p:animEffect transition="out" filter="dissolve">
+                                      <p:cBhvr>
+                                        <p:cTn id="30" dur="500"/>
+                                        <p:tgtEl>
+                                          <p:spTgt spid="66">
+                                            <p:txEl>
+                                              <p:pRg st="2" end="2"/>
+                                            </p:txEl>
+                                          </p:spTgt>
+                                        </p:tgtEl>
+                                      </p:cBhvr>
+                                    </p:animEffect>
+                                    <p:set>
+                                      <p:cBhvr>
+                                        <p:cTn id="31" dur="1" fill="hold">
+                                          <p:stCondLst>
+                                            <p:cond delay="499"/>
+                                          </p:stCondLst>
+                                        </p:cTn>
+                                        <p:tgtEl>
+                                          <p:spTgt spid="66">
+                                            <p:txEl>
+                                              <p:pRg st="2" end="2"/>
+                                            </p:txEl>
+                                          </p:spTgt>
+                                        </p:tgtEl>
+                                        <p:attrNameLst>
+                                          <p:attrName>style.visibility</p:attrName>
+                                        </p:attrNameLst>
+                                      </p:cBhvr>
+                                      <p:to>
+                                        <p:strVal val="hidden"/>
+                                      </p:to>
+                                    </p:set>
+                                  </p:childTnLst>
+                                </p:cTn>
+                              </p:par>
+                              <p:par>
+                                <p:cTn id="32" presetID="9" presetClass="entr" presetSubtype="0" fill="hold" grpId="0" nodeType="withEffect">
                                   <p:stCondLst>
                                     <p:cond delay="0"/>
                                   </p:stCondLst>
                                   <p:childTnLst>
                                     <p:set>
                                       <p:cBhvr>
-                                        <p:cTn id="24" dur="1" fill="hold">
+                                        <p:cTn id="33" dur="1" fill="hold">
                                           <p:stCondLst>
                                             <p:cond delay="0"/>
                                           </p:stCondLst>
@@ -10970,7 +11968,7 @@
                                     </p:set>
                                     <p:animEffect transition="in" filter="dissolve">
                                       <p:cBhvr>
-                                        <p:cTn id="25" dur="500"/>
+                                        <p:cTn id="34" dur="500"/>
                                         <p:tgtEl>
                                           <p:spTgt spid="66">
                                             <p:txEl>
@@ -11012,12 +12010,13 @@
     </p:tnLst>
     <p:bldLst>
       <p:bldP spid="66" grpId="0" uiExpand="1" build="p"/>
+      <p:bldP spid="66" grpId="1" uiExpand="1" build="p"/>
     </p:bldLst>
   </p:timing>
 </p:sld>
 </file>
 
-<file path=ppt/slides/slide16.xml><?xml version="1.0" encoding="utf-8"?>
+<file path=ppt/slides/slide17.xml><?xml version="1.0" encoding="utf-8"?>
 <p:sld xmlns:a="http://schemas.openxmlformats.org/drawingml/2006/main" xmlns:r="http://schemas.openxmlformats.org/officeDocument/2006/relationships" xmlns:p="http://schemas.openxmlformats.org/presentationml/2006/main">
   <p:cSld>
     <p:spTree>
@@ -11368,7 +12367,7 @@
           <a:p>
             <a:fld id="{2183B7EE-0FBE-B749-875F-ED24F5ECD71F}" type="slidenum">
               <a:rPr lang="en-US" smtClean="0"/>
-              <a:t>16</a:t>
+              <a:t>17</a:t>
             </a:fld>
             <a:endParaRPr lang="en-US" dirty="0"/>
           </a:p>
@@ -11422,7 +12421,7 @@
 </p:sld>
 </file>
 
-<file path=ppt/slides/slide17.xml><?xml version="1.0" encoding="utf-8"?>
+<file path=ppt/slides/slide18.xml><?xml version="1.0" encoding="utf-8"?>
 <p:sld xmlns:a="http://schemas.openxmlformats.org/drawingml/2006/main" xmlns:r="http://schemas.openxmlformats.org/officeDocument/2006/relationships" xmlns:p="http://schemas.openxmlformats.org/presentationml/2006/main">
   <p:cSld>
     <p:spTree>
@@ -11612,7 +12611,7 @@
           <a:p>
             <a:fld id="{2183B7EE-0FBE-B749-875F-ED24F5ECD71F}" type="slidenum">
               <a:rPr lang="en-US" smtClean="0"/>
-              <a:t>17</a:t>
+              <a:t>18</a:t>
             </a:fld>
             <a:endParaRPr lang="en-US" dirty="0"/>
           </a:p>
@@ -11949,14 +12948,57 @@
                             </p:stCondLst>
                             <p:childTnLst>
                               <p:par>
-                                <p:cTn id="13" presetID="9" presetClass="entr" presetSubtype="0" fill="hold" grpId="0" nodeType="clickEffect">
+                                <p:cTn id="13" presetID="9" presetClass="exit" presetSubtype="0" fill="hold" grpId="1" nodeType="clickEffect">
+                                  <p:stCondLst>
+                                    <p:cond delay="0"/>
+                                  </p:stCondLst>
+                                  <p:childTnLst>
+                                    <p:animEffect transition="out" filter="dissolve">
+                                      <p:cBhvr>
+                                        <p:cTn id="14" dur="500"/>
+                                        <p:tgtEl>
+                                          <p:spTgt spid="66">
+                                            <p:txEl>
+                                              <p:pRg st="0" end="0"/>
+                                            </p:txEl>
+                                          </p:spTgt>
+                                        </p:tgtEl>
+                                      </p:cBhvr>
+                                    </p:animEffect>
+                                    <p:set>
+                                      <p:cBhvr>
+                                        <p:cTn id="15" dur="1" fill="hold">
+                                          <p:stCondLst>
+                                            <p:cond delay="499"/>
+                                          </p:stCondLst>
+                                        </p:cTn>
+                                        <p:tgtEl>
+                                          <p:spTgt spid="66">
+                                            <p:txEl>
+                                              <p:pRg st="0" end="0"/>
+                                            </p:txEl>
+                                          </p:spTgt>
+                                        </p:tgtEl>
+                                        <p:attrNameLst>
+                                          <p:attrName>style.visibility</p:attrName>
+                                        </p:attrNameLst>
+                                      </p:cBhvr>
+                                      <p:to>
+                                        <p:strVal val="hidden"/>
+                                      </p:to>
+                                    </p:set>
+                                  </p:childTnLst>
+                                </p:cTn>
+                              </p:par>
+                              <p:par>
+                                <p:cTn id="16" presetID="9" presetClass="entr" presetSubtype="0" fill="hold" grpId="0" nodeType="withEffect">
                                   <p:stCondLst>
                                     <p:cond delay="0"/>
                                   </p:stCondLst>
                                   <p:childTnLst>
                                     <p:set>
                                       <p:cBhvr>
-                                        <p:cTn id="14" dur="1" fill="hold">
+                                        <p:cTn id="17" dur="1" fill="hold">
                                           <p:stCondLst>
                                             <p:cond delay="0"/>
                                           </p:stCondLst>
@@ -11978,7 +13020,7 @@
                                     </p:set>
                                     <p:animEffect transition="in" filter="dissolve">
                                       <p:cBhvr>
-                                        <p:cTn id="15" dur="500"/>
+                                        <p:cTn id="18" dur="500"/>
                                         <p:tgtEl>
                                           <p:spTgt spid="66">
                                             <p:txEl>
@@ -11998,26 +13040,69 @@
                     </p:cTn>
                   </p:par>
                   <p:par>
-                    <p:cTn id="16" fill="hold">
+                    <p:cTn id="19" fill="hold">
                       <p:stCondLst>
                         <p:cond delay="indefinite"/>
                       </p:stCondLst>
                       <p:childTnLst>
                         <p:par>
-                          <p:cTn id="17" fill="hold">
+                          <p:cTn id="20" fill="hold">
                             <p:stCondLst>
                               <p:cond delay="0"/>
                             </p:stCondLst>
                             <p:childTnLst>
                               <p:par>
-                                <p:cTn id="18" presetID="9" presetClass="entr" presetSubtype="0" fill="hold" grpId="0" nodeType="clickEffect">
+                                <p:cTn id="21" presetID="9" presetClass="exit" presetSubtype="0" fill="hold" grpId="1" nodeType="clickEffect">
+                                  <p:stCondLst>
+                                    <p:cond delay="0"/>
+                                  </p:stCondLst>
+                                  <p:childTnLst>
+                                    <p:animEffect transition="out" filter="dissolve">
+                                      <p:cBhvr>
+                                        <p:cTn id="22" dur="500"/>
+                                        <p:tgtEl>
+                                          <p:spTgt spid="66">
+                                            <p:txEl>
+                                              <p:pRg st="1" end="1"/>
+                                            </p:txEl>
+                                          </p:spTgt>
+                                        </p:tgtEl>
+                                      </p:cBhvr>
+                                    </p:animEffect>
+                                    <p:set>
+                                      <p:cBhvr>
+                                        <p:cTn id="23" dur="1" fill="hold">
+                                          <p:stCondLst>
+                                            <p:cond delay="499"/>
+                                          </p:stCondLst>
+                                        </p:cTn>
+                                        <p:tgtEl>
+                                          <p:spTgt spid="66">
+                                            <p:txEl>
+                                              <p:pRg st="1" end="1"/>
+                                            </p:txEl>
+                                          </p:spTgt>
+                                        </p:tgtEl>
+                                        <p:attrNameLst>
+                                          <p:attrName>style.visibility</p:attrName>
+                                        </p:attrNameLst>
+                                      </p:cBhvr>
+                                      <p:to>
+                                        <p:strVal val="hidden"/>
+                                      </p:to>
+                                    </p:set>
+                                  </p:childTnLst>
+                                </p:cTn>
+                              </p:par>
+                              <p:par>
+                                <p:cTn id="24" presetID="9" presetClass="entr" presetSubtype="0" fill="hold" grpId="0" nodeType="withEffect">
                                   <p:stCondLst>
                                     <p:cond delay="0"/>
                                   </p:stCondLst>
                                   <p:childTnLst>
                                     <p:set>
                                       <p:cBhvr>
-                                        <p:cTn id="19" dur="1" fill="hold">
+                                        <p:cTn id="25" dur="1" fill="hold">
                                           <p:stCondLst>
                                             <p:cond delay="0"/>
                                           </p:stCondLst>
@@ -12039,7 +13124,7 @@
                                     </p:set>
                                     <p:animEffect transition="in" filter="dissolve">
                                       <p:cBhvr>
-                                        <p:cTn id="20" dur="500"/>
+                                        <p:cTn id="26" dur="500"/>
                                         <p:tgtEl>
                                           <p:spTgt spid="66">
                                             <p:txEl>
@@ -12081,12 +13166,13 @@
     </p:tnLst>
     <p:bldLst>
       <p:bldP spid="66" grpId="0" uiExpand="1" build="p"/>
+      <p:bldP spid="66" grpId="1" uiExpand="1" build="p"/>
     </p:bldLst>
   </p:timing>
 </p:sld>
 </file>
 
-<file path=ppt/slides/slide18.xml><?xml version="1.0" encoding="utf-8"?>
+<file path=ppt/slides/slide19.xml><?xml version="1.0" encoding="utf-8"?>
 <p:sld xmlns:a="http://schemas.openxmlformats.org/drawingml/2006/main" xmlns:r="http://schemas.openxmlformats.org/officeDocument/2006/relationships" xmlns:p="http://schemas.openxmlformats.org/presentationml/2006/main">
   <p:cSld>
     <p:spTree>
@@ -12266,7 +13352,7 @@
           <a:p>
             <a:fld id="{2183B7EE-0FBE-B749-875F-ED24F5ECD71F}" type="slidenum">
               <a:rPr lang="en-US" smtClean="0"/>
-              <a:t>18</a:t>
+              <a:t>19</a:t>
             </a:fld>
             <a:endParaRPr lang="en-US" dirty="0"/>
           </a:p>
@@ -12568,14 +13654,57 @@
                             </p:stCondLst>
                             <p:childTnLst>
                               <p:par>
-                                <p:cTn id="10" presetID="9" presetClass="entr" presetSubtype="0" fill="hold" grpId="0" nodeType="clickEffect">
+                                <p:cTn id="10" presetID="9" presetClass="exit" presetSubtype="0" fill="hold" grpId="1" nodeType="clickEffect">
+                                  <p:stCondLst>
+                                    <p:cond delay="0"/>
+                                  </p:stCondLst>
+                                  <p:childTnLst>
+                                    <p:animEffect transition="out" filter="dissolve">
+                                      <p:cBhvr>
+                                        <p:cTn id="11" dur="500"/>
+                                        <p:tgtEl>
+                                          <p:spTgt spid="66">
+                                            <p:txEl>
+                                              <p:pRg st="0" end="0"/>
+                                            </p:txEl>
+                                          </p:spTgt>
+                                        </p:tgtEl>
+                                      </p:cBhvr>
+                                    </p:animEffect>
+                                    <p:set>
+                                      <p:cBhvr>
+                                        <p:cTn id="12" dur="1" fill="hold">
+                                          <p:stCondLst>
+                                            <p:cond delay="499"/>
+                                          </p:stCondLst>
+                                        </p:cTn>
+                                        <p:tgtEl>
+                                          <p:spTgt spid="66">
+                                            <p:txEl>
+                                              <p:pRg st="0" end="0"/>
+                                            </p:txEl>
+                                          </p:spTgt>
+                                        </p:tgtEl>
+                                        <p:attrNameLst>
+                                          <p:attrName>style.visibility</p:attrName>
+                                        </p:attrNameLst>
+                                      </p:cBhvr>
+                                      <p:to>
+                                        <p:strVal val="hidden"/>
+                                      </p:to>
+                                    </p:set>
+                                  </p:childTnLst>
+                                </p:cTn>
+                              </p:par>
+                              <p:par>
+                                <p:cTn id="13" presetID="9" presetClass="entr" presetSubtype="0" fill="hold" grpId="0" nodeType="withEffect">
                                   <p:stCondLst>
                                     <p:cond delay="0"/>
                                   </p:stCondLst>
                                   <p:childTnLst>
                                     <p:set>
                                       <p:cBhvr>
-                                        <p:cTn id="11" dur="1" fill="hold">
+                                        <p:cTn id="14" dur="1" fill="hold">
                                           <p:stCondLst>
                                             <p:cond delay="0"/>
                                           </p:stCondLst>
@@ -12597,7 +13726,7 @@
                                     </p:set>
                                     <p:animEffect transition="in" filter="dissolve">
                                       <p:cBhvr>
-                                        <p:cTn id="12" dur="500"/>
+                                        <p:cTn id="15" dur="500"/>
                                         <p:tgtEl>
                                           <p:spTgt spid="66">
                                             <p:txEl>
@@ -12617,26 +13746,69 @@
                     </p:cTn>
                   </p:par>
                   <p:par>
-                    <p:cTn id="13" fill="hold">
+                    <p:cTn id="16" fill="hold">
                       <p:stCondLst>
                         <p:cond delay="indefinite"/>
                       </p:stCondLst>
                       <p:childTnLst>
                         <p:par>
-                          <p:cTn id="14" fill="hold">
+                          <p:cTn id="17" fill="hold">
                             <p:stCondLst>
                               <p:cond delay="0"/>
                             </p:stCondLst>
                             <p:childTnLst>
                               <p:par>
-                                <p:cTn id="15" presetID="9" presetClass="entr" presetSubtype="0" fill="hold" grpId="0" nodeType="clickEffect">
+                                <p:cTn id="18" presetID="9" presetClass="exit" presetSubtype="0" fill="hold" grpId="1" nodeType="clickEffect">
+                                  <p:stCondLst>
+                                    <p:cond delay="0"/>
+                                  </p:stCondLst>
+                                  <p:childTnLst>
+                                    <p:animEffect transition="out" filter="dissolve">
+                                      <p:cBhvr>
+                                        <p:cTn id="19" dur="500"/>
+                                        <p:tgtEl>
+                                          <p:spTgt spid="66">
+                                            <p:txEl>
+                                              <p:pRg st="1" end="1"/>
+                                            </p:txEl>
+                                          </p:spTgt>
+                                        </p:tgtEl>
+                                      </p:cBhvr>
+                                    </p:animEffect>
+                                    <p:set>
+                                      <p:cBhvr>
+                                        <p:cTn id="20" dur="1" fill="hold">
+                                          <p:stCondLst>
+                                            <p:cond delay="499"/>
+                                          </p:stCondLst>
+                                        </p:cTn>
+                                        <p:tgtEl>
+                                          <p:spTgt spid="66">
+                                            <p:txEl>
+                                              <p:pRg st="1" end="1"/>
+                                            </p:txEl>
+                                          </p:spTgt>
+                                        </p:tgtEl>
+                                        <p:attrNameLst>
+                                          <p:attrName>style.visibility</p:attrName>
+                                        </p:attrNameLst>
+                                      </p:cBhvr>
+                                      <p:to>
+                                        <p:strVal val="hidden"/>
+                                      </p:to>
+                                    </p:set>
+                                  </p:childTnLst>
+                                </p:cTn>
+                              </p:par>
+                              <p:par>
+                                <p:cTn id="21" presetID="9" presetClass="entr" presetSubtype="0" fill="hold" grpId="0" nodeType="withEffect">
                                   <p:stCondLst>
                                     <p:cond delay="0"/>
                                   </p:stCondLst>
                                   <p:childTnLst>
                                     <p:set>
                                       <p:cBhvr>
-                                        <p:cTn id="16" dur="1" fill="hold">
+                                        <p:cTn id="22" dur="1" fill="hold">
                                           <p:stCondLst>
                                             <p:cond delay="0"/>
                                           </p:stCondLst>
@@ -12658,7 +13830,7 @@
                                     </p:set>
                                     <p:animEffect transition="in" filter="dissolve">
                                       <p:cBhvr>
-                                        <p:cTn id="17" dur="500"/>
+                                        <p:cTn id="23" dur="500"/>
                                         <p:tgtEl>
                                           <p:spTgt spid="66">
                                             <p:txEl>
@@ -12700,182 +13872,9 @@
     </p:tnLst>
     <p:bldLst>
       <p:bldP spid="66" grpId="0" uiExpand="1" build="p"/>
+      <p:bldP spid="66" grpId="1" uiExpand="1" build="p"/>
     </p:bldLst>
   </p:timing>
-</p:sld>
-</file>
-
-<file path=ppt/slides/slide19.xml><?xml version="1.0" encoding="utf-8"?>
-<p:sld xmlns:a="http://schemas.openxmlformats.org/drawingml/2006/main" xmlns:r="http://schemas.openxmlformats.org/officeDocument/2006/relationships" xmlns:p="http://schemas.openxmlformats.org/presentationml/2006/main">
-  <p:cSld>
-    <p:spTree>
-      <p:nvGrpSpPr>
-        <p:cNvPr id="1" name=""/>
-        <p:cNvGrpSpPr/>
-        <p:nvPr/>
-      </p:nvGrpSpPr>
-      <p:grpSpPr>
-        <a:xfrm>
-          <a:off x="0" y="0"/>
-          <a:ext cx="0" cy="0"/>
-          <a:chOff x="0" y="0"/>
-          <a:chExt cx="0" cy="0"/>
-        </a:xfrm>
-      </p:grpSpPr>
-      <p:sp>
-        <p:nvSpPr>
-          <p:cNvPr id="9" name="Title 8">
-            <a:extLst>
-              <a:ext uri="{FF2B5EF4-FFF2-40B4-BE49-F238E27FC236}">
-                <a16:creationId xmlns:a16="http://schemas.microsoft.com/office/drawing/2014/main" id="{219BB193-FC42-6B44-AD84-B9F3D0ED74E1}"/>
-              </a:ext>
-            </a:extLst>
-          </p:cNvPr>
-          <p:cNvSpPr>
-            <a:spLocks noGrp="1"/>
-          </p:cNvSpPr>
-          <p:nvPr>
-            <p:ph type="title"/>
-          </p:nvPr>
-        </p:nvSpPr>
-        <p:spPr/>
-        <p:txBody>
-          <a:bodyPr>
-            <a:normAutofit/>
-          </a:bodyPr>
-          <a:lstStyle/>
-          <a:p>
-            <a:pPr algn="ctr"/>
-            <a:r>
-              <a:rPr lang="pt-BR" b="1" dirty="0"/>
-              <a:t>Referências</a:t>
-            </a:r>
-          </a:p>
-        </p:txBody>
-      </p:sp>
-      <p:sp>
-        <p:nvSpPr>
-          <p:cNvPr id="2" name="Content Placeholder 1">
-            <a:extLst>
-              <a:ext uri="{FF2B5EF4-FFF2-40B4-BE49-F238E27FC236}">
-                <a16:creationId xmlns:a16="http://schemas.microsoft.com/office/drawing/2014/main" id="{E7EC5032-7DF9-9546-A11B-B896723C2BB5}"/>
-              </a:ext>
-            </a:extLst>
-          </p:cNvPr>
-          <p:cNvSpPr>
-            <a:spLocks noGrp="1"/>
-          </p:cNvSpPr>
-          <p:nvPr>
-            <p:ph idx="1"/>
-          </p:nvPr>
-        </p:nvSpPr>
-        <p:spPr>
-          <a:xfrm>
-            <a:off x="554636" y="1837566"/>
-            <a:ext cx="10949976" cy="4256062"/>
-          </a:xfrm>
-        </p:spPr>
-        <p:txBody>
-          <a:bodyPr>
-            <a:noAutofit/>
-          </a:bodyPr>
-          <a:lstStyle/>
-          <a:p>
-            <a:r>
-              <a:rPr lang="pt-BR" sz="2800" dirty="0"/>
-              <a:t>[1] </a:t>
-            </a:r>
-            <a:r>
-              <a:rPr lang="pt-BR" sz="2800" dirty="0">
-                <a:hlinkClick r:id="rId2"/>
-              </a:rPr>
-              <a:t>https://xmpp.org</a:t>
-            </a:r>
-            <a:r>
-              <a:rPr lang="pt-BR" sz="2800" dirty="0"/>
-              <a:t> </a:t>
-            </a:r>
-          </a:p>
-          <a:p>
-            <a:r>
-              <a:rPr lang="pt-BR" sz="2800" dirty="0"/>
-              <a:t>[2] </a:t>
-            </a:r>
-            <a:r>
-              <a:rPr lang="en-US" sz="2800" dirty="0"/>
-              <a:t>Livro "</a:t>
-            </a:r>
-            <a:r>
-              <a:rPr lang="en-US" sz="2800" dirty="0">
-                <a:hlinkClick r:id="rId3"/>
-              </a:rPr>
-              <a:t>XMPP: The Definitive Guide: Building Real-Time Applications with Jabber</a:t>
-            </a:r>
-            <a:r>
-              <a:rPr lang="en-US" sz="2800" dirty="0"/>
-              <a:t>”</a:t>
-            </a:r>
-          </a:p>
-          <a:p>
-            <a:r>
-              <a:rPr lang="en-US" sz="2800" dirty="0"/>
-              <a:t>[3] Livro "</a:t>
-            </a:r>
-            <a:r>
-              <a:rPr lang="en-US" sz="2800" dirty="0">
-                <a:hlinkClick r:id="rId4"/>
-              </a:rPr>
-              <a:t>Professional XMPP Programming with JavaScript and jQuery</a:t>
-            </a:r>
-            <a:r>
-              <a:rPr lang="en-US" sz="2800" dirty="0"/>
-              <a:t>"</a:t>
-            </a:r>
-          </a:p>
-          <a:p>
-            <a:endParaRPr lang="pt-BR" sz="2800" i="1" dirty="0"/>
-          </a:p>
-        </p:txBody>
-      </p:sp>
-      <p:sp>
-        <p:nvSpPr>
-          <p:cNvPr id="3" name="Slide Number Placeholder 2">
-            <a:extLst>
-              <a:ext uri="{FF2B5EF4-FFF2-40B4-BE49-F238E27FC236}">
-                <a16:creationId xmlns:a16="http://schemas.microsoft.com/office/drawing/2014/main" id="{5B73A0A2-B834-5C4C-A668-554D21A3EC7A}"/>
-              </a:ext>
-            </a:extLst>
-          </p:cNvPr>
-          <p:cNvSpPr>
-            <a:spLocks noGrp="1"/>
-          </p:cNvSpPr>
-          <p:nvPr>
-            <p:ph type="sldNum" sz="quarter" idx="12"/>
-          </p:nvPr>
-        </p:nvSpPr>
-        <p:spPr/>
-        <p:txBody>
-          <a:bodyPr/>
-          <a:lstStyle/>
-          <a:p>
-            <a:fld id="{2183B7EE-0FBE-B749-875F-ED24F5ECD71F}" type="slidenum">
-              <a:rPr lang="en-US" smtClean="0"/>
-              <a:t>19</a:t>
-            </a:fld>
-            <a:endParaRPr lang="en-US" dirty="0"/>
-          </a:p>
-        </p:txBody>
-      </p:sp>
-    </p:spTree>
-    <p:extLst>
-      <p:ext uri="{BB962C8B-B14F-4D97-AF65-F5344CB8AC3E}">
-        <p14:creationId xmlns:p14="http://schemas.microsoft.com/office/powerpoint/2010/main" val="355924730"/>
-      </p:ext>
-    </p:extLst>
-  </p:cSld>
-  <p:clrMapOvr>
-    <a:masterClrMapping/>
-  </p:clrMapOvr>
 </p:sld>
 </file>
 
@@ -13114,14 +14113,57 @@
                             </p:stCondLst>
                             <p:childTnLst>
                               <p:par>
-                                <p:cTn id="10" presetID="9" presetClass="entr" presetSubtype="0" fill="hold" grpId="0" nodeType="clickEffect">
+                                <p:cTn id="10" presetID="9" presetClass="exit" presetSubtype="0" fill="hold" grpId="1" nodeType="clickEffect">
+                                  <p:stCondLst>
+                                    <p:cond delay="0"/>
+                                  </p:stCondLst>
+                                  <p:childTnLst>
+                                    <p:animEffect transition="out" filter="dissolve">
+                                      <p:cBhvr>
+                                        <p:cTn id="11" dur="500"/>
+                                        <p:tgtEl>
+                                          <p:spTgt spid="3">
+                                            <p:txEl>
+                                              <p:pRg st="0" end="0"/>
+                                            </p:txEl>
+                                          </p:spTgt>
+                                        </p:tgtEl>
+                                      </p:cBhvr>
+                                    </p:animEffect>
+                                    <p:set>
+                                      <p:cBhvr>
+                                        <p:cTn id="12" dur="1" fill="hold">
+                                          <p:stCondLst>
+                                            <p:cond delay="499"/>
+                                          </p:stCondLst>
+                                        </p:cTn>
+                                        <p:tgtEl>
+                                          <p:spTgt spid="3">
+                                            <p:txEl>
+                                              <p:pRg st="0" end="0"/>
+                                            </p:txEl>
+                                          </p:spTgt>
+                                        </p:tgtEl>
+                                        <p:attrNameLst>
+                                          <p:attrName>style.visibility</p:attrName>
+                                        </p:attrNameLst>
+                                      </p:cBhvr>
+                                      <p:to>
+                                        <p:strVal val="hidden"/>
+                                      </p:to>
+                                    </p:set>
+                                  </p:childTnLst>
+                                </p:cTn>
+                              </p:par>
+                              <p:par>
+                                <p:cTn id="13" presetID="9" presetClass="entr" presetSubtype="0" fill="hold" grpId="0" nodeType="withEffect">
                                   <p:stCondLst>
                                     <p:cond delay="0"/>
                                   </p:stCondLst>
                                   <p:childTnLst>
                                     <p:set>
                                       <p:cBhvr>
-                                        <p:cTn id="11" dur="1" fill="hold">
+                                        <p:cTn id="14" dur="1" fill="hold">
                                           <p:stCondLst>
                                             <p:cond delay="0"/>
                                           </p:stCondLst>
@@ -13143,7 +14185,7 @@
                                     </p:set>
                                     <p:animEffect transition="in" filter="dissolve">
                                       <p:cBhvr>
-                                        <p:cTn id="12" dur="500"/>
+                                        <p:cTn id="15" dur="500"/>
                                         <p:tgtEl>
                                           <p:spTgt spid="3">
                                             <p:txEl>
@@ -13163,26 +14205,69 @@
                     </p:cTn>
                   </p:par>
                   <p:par>
-                    <p:cTn id="13" fill="hold">
+                    <p:cTn id="16" fill="hold">
                       <p:stCondLst>
                         <p:cond delay="indefinite"/>
                       </p:stCondLst>
                       <p:childTnLst>
                         <p:par>
-                          <p:cTn id="14" fill="hold">
+                          <p:cTn id="17" fill="hold">
                             <p:stCondLst>
                               <p:cond delay="0"/>
                             </p:stCondLst>
                             <p:childTnLst>
                               <p:par>
-                                <p:cTn id="15" presetID="9" presetClass="entr" presetSubtype="0" fill="hold" grpId="0" nodeType="clickEffect">
+                                <p:cTn id="18" presetID="9" presetClass="exit" presetSubtype="0" fill="hold" grpId="1" nodeType="clickEffect">
+                                  <p:stCondLst>
+                                    <p:cond delay="0"/>
+                                  </p:stCondLst>
+                                  <p:childTnLst>
+                                    <p:animEffect transition="out" filter="dissolve">
+                                      <p:cBhvr>
+                                        <p:cTn id="19" dur="500"/>
+                                        <p:tgtEl>
+                                          <p:spTgt spid="3">
+                                            <p:txEl>
+                                              <p:pRg st="1" end="1"/>
+                                            </p:txEl>
+                                          </p:spTgt>
+                                        </p:tgtEl>
+                                      </p:cBhvr>
+                                    </p:animEffect>
+                                    <p:set>
+                                      <p:cBhvr>
+                                        <p:cTn id="20" dur="1" fill="hold">
+                                          <p:stCondLst>
+                                            <p:cond delay="499"/>
+                                          </p:stCondLst>
+                                        </p:cTn>
+                                        <p:tgtEl>
+                                          <p:spTgt spid="3">
+                                            <p:txEl>
+                                              <p:pRg st="1" end="1"/>
+                                            </p:txEl>
+                                          </p:spTgt>
+                                        </p:tgtEl>
+                                        <p:attrNameLst>
+                                          <p:attrName>style.visibility</p:attrName>
+                                        </p:attrNameLst>
+                                      </p:cBhvr>
+                                      <p:to>
+                                        <p:strVal val="hidden"/>
+                                      </p:to>
+                                    </p:set>
+                                  </p:childTnLst>
+                                </p:cTn>
+                              </p:par>
+                              <p:par>
+                                <p:cTn id="21" presetID="9" presetClass="entr" presetSubtype="0" fill="hold" grpId="0" nodeType="withEffect">
                                   <p:stCondLst>
                                     <p:cond delay="0"/>
                                   </p:stCondLst>
                                   <p:childTnLst>
                                     <p:set>
                                       <p:cBhvr>
-                                        <p:cTn id="16" dur="1" fill="hold">
+                                        <p:cTn id="22" dur="1" fill="hold">
                                           <p:stCondLst>
                                             <p:cond delay="0"/>
                                           </p:stCondLst>
@@ -13204,7 +14289,7 @@
                                     </p:set>
                                     <p:animEffect transition="in" filter="dissolve">
                                       <p:cBhvr>
-                                        <p:cTn id="17" dur="500"/>
+                                        <p:cTn id="23" dur="500"/>
                                         <p:tgtEl>
                                           <p:spTgt spid="3">
                                             <p:txEl>
@@ -13224,26 +14309,69 @@
                     </p:cTn>
                   </p:par>
                   <p:par>
-                    <p:cTn id="18" fill="hold">
+                    <p:cTn id="24" fill="hold">
                       <p:stCondLst>
                         <p:cond delay="indefinite"/>
                       </p:stCondLst>
                       <p:childTnLst>
                         <p:par>
-                          <p:cTn id="19" fill="hold">
+                          <p:cTn id="25" fill="hold">
                             <p:stCondLst>
                               <p:cond delay="0"/>
                             </p:stCondLst>
                             <p:childTnLst>
                               <p:par>
-                                <p:cTn id="20" presetID="9" presetClass="entr" presetSubtype="0" fill="hold" grpId="0" nodeType="clickEffect">
+                                <p:cTn id="26" presetID="9" presetClass="exit" presetSubtype="0" fill="hold" grpId="1" nodeType="clickEffect">
+                                  <p:stCondLst>
+                                    <p:cond delay="0"/>
+                                  </p:stCondLst>
+                                  <p:childTnLst>
+                                    <p:animEffect transition="out" filter="dissolve">
+                                      <p:cBhvr>
+                                        <p:cTn id="27" dur="500"/>
+                                        <p:tgtEl>
+                                          <p:spTgt spid="3">
+                                            <p:txEl>
+                                              <p:pRg st="2" end="2"/>
+                                            </p:txEl>
+                                          </p:spTgt>
+                                        </p:tgtEl>
+                                      </p:cBhvr>
+                                    </p:animEffect>
+                                    <p:set>
+                                      <p:cBhvr>
+                                        <p:cTn id="28" dur="1" fill="hold">
+                                          <p:stCondLst>
+                                            <p:cond delay="499"/>
+                                          </p:stCondLst>
+                                        </p:cTn>
+                                        <p:tgtEl>
+                                          <p:spTgt spid="3">
+                                            <p:txEl>
+                                              <p:pRg st="2" end="2"/>
+                                            </p:txEl>
+                                          </p:spTgt>
+                                        </p:tgtEl>
+                                        <p:attrNameLst>
+                                          <p:attrName>style.visibility</p:attrName>
+                                        </p:attrNameLst>
+                                      </p:cBhvr>
+                                      <p:to>
+                                        <p:strVal val="hidden"/>
+                                      </p:to>
+                                    </p:set>
+                                  </p:childTnLst>
+                                </p:cTn>
+                              </p:par>
+                              <p:par>
+                                <p:cTn id="29" presetID="9" presetClass="entr" presetSubtype="0" fill="hold" grpId="0" nodeType="withEffect">
                                   <p:stCondLst>
                                     <p:cond delay="0"/>
                                   </p:stCondLst>
                                   <p:childTnLst>
                                     <p:set>
                                       <p:cBhvr>
-                                        <p:cTn id="21" dur="1" fill="hold">
+                                        <p:cTn id="30" dur="1" fill="hold">
                                           <p:stCondLst>
                                             <p:cond delay="0"/>
                                           </p:stCondLst>
@@ -13265,7 +14393,7 @@
                                     </p:set>
                                     <p:animEffect transition="in" filter="dissolve">
                                       <p:cBhvr>
-                                        <p:cTn id="22" dur="500"/>
+                                        <p:cTn id="31" dur="500"/>
                                         <p:tgtEl>
                                           <p:spTgt spid="3">
                                             <p:txEl>
@@ -13306,9 +14434,184 @@
       </p:par>
     </p:tnLst>
     <p:bldLst>
-      <p:bldP spid="3" grpId="0" build="p"/>
+      <p:bldP spid="3" grpId="0" uiExpand="1" build="p"/>
+      <p:bldP spid="3" grpId="1" uiExpand="1" build="p"/>
     </p:bldLst>
   </p:timing>
+</p:sld>
+</file>
+
+<file path=ppt/slides/slide20.xml><?xml version="1.0" encoding="utf-8"?>
+<p:sld xmlns:a="http://schemas.openxmlformats.org/drawingml/2006/main" xmlns:r="http://schemas.openxmlformats.org/officeDocument/2006/relationships" xmlns:p="http://schemas.openxmlformats.org/presentationml/2006/main">
+  <p:cSld>
+    <p:spTree>
+      <p:nvGrpSpPr>
+        <p:cNvPr id="1" name=""/>
+        <p:cNvGrpSpPr/>
+        <p:nvPr/>
+      </p:nvGrpSpPr>
+      <p:grpSpPr>
+        <a:xfrm>
+          <a:off x="0" y="0"/>
+          <a:ext cx="0" cy="0"/>
+          <a:chOff x="0" y="0"/>
+          <a:chExt cx="0" cy="0"/>
+        </a:xfrm>
+      </p:grpSpPr>
+      <p:sp>
+        <p:nvSpPr>
+          <p:cNvPr id="9" name="Title 8">
+            <a:extLst>
+              <a:ext uri="{FF2B5EF4-FFF2-40B4-BE49-F238E27FC236}">
+                <a16:creationId xmlns:a16="http://schemas.microsoft.com/office/drawing/2014/main" id="{219BB193-FC42-6B44-AD84-B9F3D0ED74E1}"/>
+              </a:ext>
+            </a:extLst>
+          </p:cNvPr>
+          <p:cNvSpPr>
+            <a:spLocks noGrp="1"/>
+          </p:cNvSpPr>
+          <p:nvPr>
+            <p:ph type="title"/>
+          </p:nvPr>
+        </p:nvSpPr>
+        <p:spPr/>
+        <p:txBody>
+          <a:bodyPr>
+            <a:normAutofit/>
+          </a:bodyPr>
+          <a:lstStyle/>
+          <a:p>
+            <a:pPr algn="ctr"/>
+            <a:r>
+              <a:rPr lang="pt-BR" b="1" dirty="0"/>
+              <a:t>Referências</a:t>
+            </a:r>
+          </a:p>
+        </p:txBody>
+      </p:sp>
+      <p:sp>
+        <p:nvSpPr>
+          <p:cNvPr id="2" name="Content Placeholder 1">
+            <a:extLst>
+              <a:ext uri="{FF2B5EF4-FFF2-40B4-BE49-F238E27FC236}">
+                <a16:creationId xmlns:a16="http://schemas.microsoft.com/office/drawing/2014/main" id="{E7EC5032-7DF9-9546-A11B-B896723C2BB5}"/>
+              </a:ext>
+            </a:extLst>
+          </p:cNvPr>
+          <p:cNvSpPr>
+            <a:spLocks noGrp="1"/>
+          </p:cNvSpPr>
+          <p:nvPr>
+            <p:ph idx="1"/>
+          </p:nvPr>
+        </p:nvSpPr>
+        <p:spPr>
+          <a:xfrm>
+            <a:off x="554636" y="1837566"/>
+            <a:ext cx="10949976" cy="4256062"/>
+          </a:xfrm>
+        </p:spPr>
+        <p:txBody>
+          <a:bodyPr>
+            <a:noAutofit/>
+          </a:bodyPr>
+          <a:lstStyle/>
+          <a:p>
+            <a:r>
+              <a:rPr lang="pt-BR" sz="2800" dirty="0"/>
+              <a:t>[1] </a:t>
+            </a:r>
+            <a:r>
+              <a:rPr lang="pt-BR" sz="2800" dirty="0">
+                <a:hlinkClick r:id="rId2"/>
+              </a:rPr>
+              <a:t>https://xmpp.org</a:t>
+            </a:r>
+            <a:r>
+              <a:rPr lang="pt-BR" sz="2800" dirty="0"/>
+              <a:t> </a:t>
+            </a:r>
+          </a:p>
+          <a:p>
+            <a:r>
+              <a:rPr lang="pt-BR" sz="2800" dirty="0"/>
+              <a:t>[2] </a:t>
+            </a:r>
+            <a:r>
+              <a:rPr lang="en-US" sz="2800" dirty="0"/>
+              <a:t>Livro "</a:t>
+            </a:r>
+            <a:r>
+              <a:rPr lang="en-US" sz="2800" dirty="0">
+                <a:hlinkClick r:id="rId3"/>
+              </a:rPr>
+              <a:t>XMPP: The Definitive Guide: Building Real-Time Applications with Jabber</a:t>
+            </a:r>
+            <a:r>
+              <a:rPr lang="en-US" sz="2800" dirty="0"/>
+              <a:t>”</a:t>
+            </a:r>
+          </a:p>
+          <a:p>
+            <a:r>
+              <a:rPr lang="en-US" sz="2800" dirty="0"/>
+              <a:t>[3] Livro "</a:t>
+            </a:r>
+            <a:r>
+              <a:rPr lang="en-US" sz="2800" dirty="0">
+                <a:hlinkClick r:id="rId4"/>
+              </a:rPr>
+              <a:t>Professional XMPP Programming with JavaScript and jQuery</a:t>
+            </a:r>
+            <a:r>
+              <a:rPr lang="en-US" sz="2800" dirty="0"/>
+              <a:t>"</a:t>
+            </a:r>
+          </a:p>
+          <a:p>
+            <a:endParaRPr lang="pt-BR" sz="2800" i="1" dirty="0"/>
+          </a:p>
+        </p:txBody>
+      </p:sp>
+      <p:sp>
+        <p:nvSpPr>
+          <p:cNvPr id="3" name="Slide Number Placeholder 2">
+            <a:extLst>
+              <a:ext uri="{FF2B5EF4-FFF2-40B4-BE49-F238E27FC236}">
+                <a16:creationId xmlns:a16="http://schemas.microsoft.com/office/drawing/2014/main" id="{5B73A0A2-B834-5C4C-A668-554D21A3EC7A}"/>
+              </a:ext>
+            </a:extLst>
+          </p:cNvPr>
+          <p:cNvSpPr>
+            <a:spLocks noGrp="1"/>
+          </p:cNvSpPr>
+          <p:nvPr>
+            <p:ph type="sldNum" sz="quarter" idx="12"/>
+          </p:nvPr>
+        </p:nvSpPr>
+        <p:spPr/>
+        <p:txBody>
+          <a:bodyPr/>
+          <a:lstStyle/>
+          <a:p>
+            <a:fld id="{2183B7EE-0FBE-B749-875F-ED24F5ECD71F}" type="slidenum">
+              <a:rPr lang="en-US" smtClean="0"/>
+              <a:t>20</a:t>
+            </a:fld>
+            <a:endParaRPr lang="en-US" dirty="0"/>
+          </a:p>
+        </p:txBody>
+      </p:sp>
+    </p:spTree>
+    <p:extLst>
+      <p:ext uri="{BB962C8B-B14F-4D97-AF65-F5344CB8AC3E}">
+        <p14:creationId xmlns:p14="http://schemas.microsoft.com/office/powerpoint/2010/main" val="355924730"/>
+      </p:ext>
+    </p:extLst>
+  </p:cSld>
+  <p:clrMapOvr>
+    <a:masterClrMapping/>
+  </p:clrMapOvr>
 </p:sld>
 </file>
 
@@ -13551,14 +14854,57 @@
                             </p:stCondLst>
                             <p:childTnLst>
                               <p:par>
-                                <p:cTn id="10" presetID="9" presetClass="entr" presetSubtype="0" fill="hold" grpId="0" nodeType="clickEffect">
+                                <p:cTn id="10" presetID="9" presetClass="exit" presetSubtype="0" fill="hold" grpId="1" nodeType="clickEffect">
+                                  <p:stCondLst>
+                                    <p:cond delay="0"/>
+                                  </p:stCondLst>
+                                  <p:childTnLst>
+                                    <p:animEffect transition="out" filter="dissolve">
+                                      <p:cBhvr>
+                                        <p:cTn id="11" dur="500"/>
+                                        <p:tgtEl>
+                                          <p:spTgt spid="3">
+                                            <p:txEl>
+                                              <p:pRg st="0" end="0"/>
+                                            </p:txEl>
+                                          </p:spTgt>
+                                        </p:tgtEl>
+                                      </p:cBhvr>
+                                    </p:animEffect>
+                                    <p:set>
+                                      <p:cBhvr>
+                                        <p:cTn id="12" dur="1" fill="hold">
+                                          <p:stCondLst>
+                                            <p:cond delay="499"/>
+                                          </p:stCondLst>
+                                        </p:cTn>
+                                        <p:tgtEl>
+                                          <p:spTgt spid="3">
+                                            <p:txEl>
+                                              <p:pRg st="0" end="0"/>
+                                            </p:txEl>
+                                          </p:spTgt>
+                                        </p:tgtEl>
+                                        <p:attrNameLst>
+                                          <p:attrName>style.visibility</p:attrName>
+                                        </p:attrNameLst>
+                                      </p:cBhvr>
+                                      <p:to>
+                                        <p:strVal val="hidden"/>
+                                      </p:to>
+                                    </p:set>
+                                  </p:childTnLst>
+                                </p:cTn>
+                              </p:par>
+                              <p:par>
+                                <p:cTn id="13" presetID="9" presetClass="entr" presetSubtype="0" fill="hold" grpId="0" nodeType="withEffect">
                                   <p:stCondLst>
                                     <p:cond delay="0"/>
                                   </p:stCondLst>
                                   <p:childTnLst>
                                     <p:set>
                                       <p:cBhvr>
-                                        <p:cTn id="11" dur="1" fill="hold">
+                                        <p:cTn id="14" dur="1" fill="hold">
                                           <p:stCondLst>
                                             <p:cond delay="0"/>
                                           </p:stCondLst>
@@ -13580,7 +14926,7 @@
                                     </p:set>
                                     <p:animEffect transition="in" filter="dissolve">
                                       <p:cBhvr>
-                                        <p:cTn id="12" dur="500"/>
+                                        <p:cTn id="15" dur="500"/>
                                         <p:tgtEl>
                                           <p:spTgt spid="3">
                                             <p:txEl>
@@ -13621,7 +14967,8 @@
       </p:par>
     </p:tnLst>
     <p:bldLst>
-      <p:bldP spid="3" grpId="0" build="p"/>
+      <p:bldP spid="3" grpId="0" uiExpand="1" build="p"/>
+      <p:bldP spid="3" grpId="1" uiExpand="1" build="p"/>
     </p:bldLst>
   </p:timing>
 </p:sld>
@@ -13857,14 +15204,57 @@
                             </p:stCondLst>
                             <p:childTnLst>
                               <p:par>
-                                <p:cTn id="10" presetID="9" presetClass="entr" presetSubtype="0" fill="hold" grpId="0" nodeType="clickEffect">
+                                <p:cTn id="10" presetID="9" presetClass="exit" presetSubtype="0" fill="hold" grpId="1" nodeType="clickEffect">
+                                  <p:stCondLst>
+                                    <p:cond delay="0"/>
+                                  </p:stCondLst>
+                                  <p:childTnLst>
+                                    <p:animEffect transition="out" filter="dissolve">
+                                      <p:cBhvr>
+                                        <p:cTn id="11" dur="500"/>
+                                        <p:tgtEl>
+                                          <p:spTgt spid="3">
+                                            <p:txEl>
+                                              <p:pRg st="0" end="0"/>
+                                            </p:txEl>
+                                          </p:spTgt>
+                                        </p:tgtEl>
+                                      </p:cBhvr>
+                                    </p:animEffect>
+                                    <p:set>
+                                      <p:cBhvr>
+                                        <p:cTn id="12" dur="1" fill="hold">
+                                          <p:stCondLst>
+                                            <p:cond delay="499"/>
+                                          </p:stCondLst>
+                                        </p:cTn>
+                                        <p:tgtEl>
+                                          <p:spTgt spid="3">
+                                            <p:txEl>
+                                              <p:pRg st="0" end="0"/>
+                                            </p:txEl>
+                                          </p:spTgt>
+                                        </p:tgtEl>
+                                        <p:attrNameLst>
+                                          <p:attrName>style.visibility</p:attrName>
+                                        </p:attrNameLst>
+                                      </p:cBhvr>
+                                      <p:to>
+                                        <p:strVal val="hidden"/>
+                                      </p:to>
+                                    </p:set>
+                                  </p:childTnLst>
+                                </p:cTn>
+                              </p:par>
+                              <p:par>
+                                <p:cTn id="13" presetID="9" presetClass="entr" presetSubtype="0" fill="hold" grpId="0" nodeType="withEffect">
                                   <p:stCondLst>
                                     <p:cond delay="0"/>
                                   </p:stCondLst>
                                   <p:childTnLst>
                                     <p:set>
                                       <p:cBhvr>
-                                        <p:cTn id="11" dur="1" fill="hold">
+                                        <p:cTn id="14" dur="1" fill="hold">
                                           <p:stCondLst>
                                             <p:cond delay="0"/>
                                           </p:stCondLst>
@@ -13886,7 +15276,7 @@
                                     </p:set>
                                     <p:animEffect transition="in" filter="dissolve">
                                       <p:cBhvr>
-                                        <p:cTn id="12" dur="500"/>
+                                        <p:cTn id="15" dur="500"/>
                                         <p:tgtEl>
                                           <p:spTgt spid="3">
                                             <p:txEl>
@@ -13906,26 +15296,69 @@
                     </p:cTn>
                   </p:par>
                   <p:par>
-                    <p:cTn id="13" fill="hold">
+                    <p:cTn id="16" fill="hold">
                       <p:stCondLst>
                         <p:cond delay="indefinite"/>
                       </p:stCondLst>
                       <p:childTnLst>
                         <p:par>
-                          <p:cTn id="14" fill="hold">
+                          <p:cTn id="17" fill="hold">
                             <p:stCondLst>
                               <p:cond delay="0"/>
                             </p:stCondLst>
                             <p:childTnLst>
                               <p:par>
-                                <p:cTn id="15" presetID="9" presetClass="entr" presetSubtype="0" fill="hold" grpId="0" nodeType="clickEffect">
+                                <p:cTn id="18" presetID="9" presetClass="exit" presetSubtype="0" fill="hold" grpId="1" nodeType="clickEffect">
+                                  <p:stCondLst>
+                                    <p:cond delay="0"/>
+                                  </p:stCondLst>
+                                  <p:childTnLst>
+                                    <p:animEffect transition="out" filter="dissolve">
+                                      <p:cBhvr>
+                                        <p:cTn id="19" dur="500"/>
+                                        <p:tgtEl>
+                                          <p:spTgt spid="3">
+                                            <p:txEl>
+                                              <p:pRg st="1" end="1"/>
+                                            </p:txEl>
+                                          </p:spTgt>
+                                        </p:tgtEl>
+                                      </p:cBhvr>
+                                    </p:animEffect>
+                                    <p:set>
+                                      <p:cBhvr>
+                                        <p:cTn id="20" dur="1" fill="hold">
+                                          <p:stCondLst>
+                                            <p:cond delay="499"/>
+                                          </p:stCondLst>
+                                        </p:cTn>
+                                        <p:tgtEl>
+                                          <p:spTgt spid="3">
+                                            <p:txEl>
+                                              <p:pRg st="1" end="1"/>
+                                            </p:txEl>
+                                          </p:spTgt>
+                                        </p:tgtEl>
+                                        <p:attrNameLst>
+                                          <p:attrName>style.visibility</p:attrName>
+                                        </p:attrNameLst>
+                                      </p:cBhvr>
+                                      <p:to>
+                                        <p:strVal val="hidden"/>
+                                      </p:to>
+                                    </p:set>
+                                  </p:childTnLst>
+                                </p:cTn>
+                              </p:par>
+                              <p:par>
+                                <p:cTn id="21" presetID="9" presetClass="entr" presetSubtype="0" fill="hold" grpId="0" nodeType="withEffect">
                                   <p:stCondLst>
                                     <p:cond delay="0"/>
                                   </p:stCondLst>
                                   <p:childTnLst>
                                     <p:set>
                                       <p:cBhvr>
-                                        <p:cTn id="16" dur="1" fill="hold">
+                                        <p:cTn id="22" dur="1" fill="hold">
                                           <p:stCondLst>
                                             <p:cond delay="0"/>
                                           </p:stCondLst>
@@ -13947,7 +15380,7 @@
                                     </p:set>
                                     <p:animEffect transition="in" filter="dissolve">
                                       <p:cBhvr>
-                                        <p:cTn id="17" dur="500"/>
+                                        <p:cTn id="23" dur="500"/>
                                         <p:tgtEl>
                                           <p:spTgt spid="3">
                                             <p:txEl>
@@ -13988,7 +15421,8 @@
       </p:par>
     </p:tnLst>
     <p:bldLst>
-      <p:bldP spid="3" grpId="0" build="p"/>
+      <p:bldP spid="3" grpId="0" uiExpand="1" build="p"/>
+      <p:bldP spid="3" grpId="1" uiExpand="1" build="p"/>
     </p:bldLst>
   </p:timing>
 </p:sld>
@@ -14218,14 +15652,57 @@
                             </p:stCondLst>
                             <p:childTnLst>
                               <p:par>
-                                <p:cTn id="10" presetID="9" presetClass="entr" presetSubtype="0" fill="hold" grpId="0" nodeType="clickEffect">
+                                <p:cTn id="10" presetID="9" presetClass="exit" presetSubtype="0" fill="hold" grpId="1" nodeType="clickEffect">
+                                  <p:stCondLst>
+                                    <p:cond delay="0"/>
+                                  </p:stCondLst>
+                                  <p:childTnLst>
+                                    <p:animEffect transition="out" filter="dissolve">
+                                      <p:cBhvr>
+                                        <p:cTn id="11" dur="500"/>
+                                        <p:tgtEl>
+                                          <p:spTgt spid="3">
+                                            <p:txEl>
+                                              <p:pRg st="0" end="0"/>
+                                            </p:txEl>
+                                          </p:spTgt>
+                                        </p:tgtEl>
+                                      </p:cBhvr>
+                                    </p:animEffect>
+                                    <p:set>
+                                      <p:cBhvr>
+                                        <p:cTn id="12" dur="1" fill="hold">
+                                          <p:stCondLst>
+                                            <p:cond delay="499"/>
+                                          </p:stCondLst>
+                                        </p:cTn>
+                                        <p:tgtEl>
+                                          <p:spTgt spid="3">
+                                            <p:txEl>
+                                              <p:pRg st="0" end="0"/>
+                                            </p:txEl>
+                                          </p:spTgt>
+                                        </p:tgtEl>
+                                        <p:attrNameLst>
+                                          <p:attrName>style.visibility</p:attrName>
+                                        </p:attrNameLst>
+                                      </p:cBhvr>
+                                      <p:to>
+                                        <p:strVal val="hidden"/>
+                                      </p:to>
+                                    </p:set>
+                                  </p:childTnLst>
+                                </p:cTn>
+                              </p:par>
+                              <p:par>
+                                <p:cTn id="13" presetID="9" presetClass="entr" presetSubtype="0" fill="hold" grpId="0" nodeType="withEffect">
                                   <p:stCondLst>
                                     <p:cond delay="0"/>
                                   </p:stCondLst>
                                   <p:childTnLst>
                                     <p:set>
                                       <p:cBhvr>
-                                        <p:cTn id="11" dur="1" fill="hold">
+                                        <p:cTn id="14" dur="1" fill="hold">
                                           <p:stCondLst>
                                             <p:cond delay="0"/>
                                           </p:stCondLst>
@@ -14247,7 +15724,7 @@
                                     </p:set>
                                     <p:animEffect transition="in" filter="dissolve">
                                       <p:cBhvr>
-                                        <p:cTn id="12" dur="500"/>
+                                        <p:cTn id="15" dur="500"/>
                                         <p:tgtEl>
                                           <p:spTgt spid="3">
                                             <p:txEl>
@@ -14288,7 +15765,8 @@
       </p:par>
     </p:tnLst>
     <p:bldLst>
-      <p:bldP spid="3" grpId="0" build="p"/>
+      <p:bldP spid="3" grpId="0" uiExpand="1" build="p"/>
+      <p:bldP spid="3" grpId="1" uiExpand="1" build="p"/>
     </p:bldLst>
   </p:timing>
 </p:sld>
@@ -14412,12 +15890,6 @@
             <a:r>
               <a:rPr lang="pt-BR" sz="2800" dirty="0"/>
               <a:t>.</a:t>
-            </a:r>
-          </a:p>
-          <a:p>
-            <a:r>
-              <a:rPr lang="pt-BR" sz="2800" dirty="0"/>
-              <a:t>Tal versão modificada reduz o tamanho dos dados XML transmitidos, reduzindo consumo de banda e tempo de entrega de mensagens</a:t>
             </a:r>
           </a:p>
         </p:txBody>
@@ -14543,14 +16015,57 @@
                             </p:stCondLst>
                             <p:childTnLst>
                               <p:par>
-                                <p:cTn id="10" presetID="9" presetClass="entr" presetSubtype="0" fill="hold" grpId="0" nodeType="clickEffect">
+                                <p:cTn id="10" presetID="9" presetClass="exit" presetSubtype="0" fill="hold" grpId="1" nodeType="clickEffect">
+                                  <p:stCondLst>
+                                    <p:cond delay="0"/>
+                                  </p:stCondLst>
+                                  <p:childTnLst>
+                                    <p:animEffect transition="out" filter="dissolve">
+                                      <p:cBhvr>
+                                        <p:cTn id="11" dur="500"/>
+                                        <p:tgtEl>
+                                          <p:spTgt spid="3">
+                                            <p:txEl>
+                                              <p:pRg st="0" end="0"/>
+                                            </p:txEl>
+                                          </p:spTgt>
+                                        </p:tgtEl>
+                                      </p:cBhvr>
+                                    </p:animEffect>
+                                    <p:set>
+                                      <p:cBhvr>
+                                        <p:cTn id="12" dur="1" fill="hold">
+                                          <p:stCondLst>
+                                            <p:cond delay="499"/>
+                                          </p:stCondLst>
+                                        </p:cTn>
+                                        <p:tgtEl>
+                                          <p:spTgt spid="3">
+                                            <p:txEl>
+                                              <p:pRg st="0" end="0"/>
+                                            </p:txEl>
+                                          </p:spTgt>
+                                        </p:tgtEl>
+                                        <p:attrNameLst>
+                                          <p:attrName>style.visibility</p:attrName>
+                                        </p:attrNameLst>
+                                      </p:cBhvr>
+                                      <p:to>
+                                        <p:strVal val="hidden"/>
+                                      </p:to>
+                                    </p:set>
+                                  </p:childTnLst>
+                                </p:cTn>
+                              </p:par>
+                              <p:par>
+                                <p:cTn id="13" presetID="9" presetClass="entr" presetSubtype="0" fill="hold" grpId="0" nodeType="withEffect">
                                   <p:stCondLst>
                                     <p:cond delay="0"/>
                                   </p:stCondLst>
                                   <p:childTnLst>
                                     <p:set>
                                       <p:cBhvr>
-                                        <p:cTn id="11" dur="1" fill="hold">
+                                        <p:cTn id="14" dur="1" fill="hold">
                                           <p:stCondLst>
                                             <p:cond delay="0"/>
                                           </p:stCondLst>
@@ -14572,72 +16087,11 @@
                                     </p:set>
                                     <p:animEffect transition="in" filter="dissolve">
                                       <p:cBhvr>
-                                        <p:cTn id="12" dur="500"/>
+                                        <p:cTn id="15" dur="500"/>
                                         <p:tgtEl>
                                           <p:spTgt spid="3">
                                             <p:txEl>
                                               <p:pRg st="1" end="1"/>
-                                            </p:txEl>
-                                          </p:spTgt>
-                                        </p:tgtEl>
-                                      </p:cBhvr>
-                                    </p:animEffect>
-                                  </p:childTnLst>
-                                </p:cTn>
-                              </p:par>
-                            </p:childTnLst>
-                          </p:cTn>
-                        </p:par>
-                      </p:childTnLst>
-                    </p:cTn>
-                  </p:par>
-                  <p:par>
-                    <p:cTn id="13" fill="hold">
-                      <p:stCondLst>
-                        <p:cond delay="indefinite"/>
-                      </p:stCondLst>
-                      <p:childTnLst>
-                        <p:par>
-                          <p:cTn id="14" fill="hold">
-                            <p:stCondLst>
-                              <p:cond delay="0"/>
-                            </p:stCondLst>
-                            <p:childTnLst>
-                              <p:par>
-                                <p:cTn id="15" presetID="9" presetClass="entr" presetSubtype="0" fill="hold" grpId="0" nodeType="clickEffect">
-                                  <p:stCondLst>
-                                    <p:cond delay="0"/>
-                                  </p:stCondLst>
-                                  <p:childTnLst>
-                                    <p:set>
-                                      <p:cBhvr>
-                                        <p:cTn id="16" dur="1" fill="hold">
-                                          <p:stCondLst>
-                                            <p:cond delay="0"/>
-                                          </p:stCondLst>
-                                        </p:cTn>
-                                        <p:tgtEl>
-                                          <p:spTgt spid="3">
-                                            <p:txEl>
-                                              <p:pRg st="2" end="2"/>
-                                            </p:txEl>
-                                          </p:spTgt>
-                                        </p:tgtEl>
-                                        <p:attrNameLst>
-                                          <p:attrName>style.visibility</p:attrName>
-                                        </p:attrNameLst>
-                                      </p:cBhvr>
-                                      <p:to>
-                                        <p:strVal val="visible"/>
-                                      </p:to>
-                                    </p:set>
-                                    <p:animEffect transition="in" filter="dissolve">
-                                      <p:cBhvr>
-                                        <p:cTn id="17" dur="500"/>
-                                        <p:tgtEl>
-                                          <p:spTgt spid="3">
-                                            <p:txEl>
-                                              <p:pRg st="2" end="2"/>
                                             </p:txEl>
                                           </p:spTgt>
                                         </p:tgtEl>
@@ -14674,7 +16128,8 @@
       </p:par>
     </p:tnLst>
     <p:bldLst>
-      <p:bldP spid="3" grpId="0" build="p"/>
+      <p:bldP spid="3" grpId="0" uiExpand="1" build="p"/>
+      <p:bldP spid="3" grpId="1" uiExpand="1" build="p"/>
     </p:bldLst>
   </p:timing>
 </p:sld>
@@ -14763,35 +16218,22 @@
           <a:p>
             <a:pPr algn="just"/>
             <a:r>
-              <a:rPr lang="pt-BR" sz="2600" dirty="0"/>
+              <a:rPr lang="pt-BR" sz="2800" dirty="0"/>
+              <a:t>Tal versão modificada reduz o tamanho dos dados XML transmitidos, reduzindo consumo de banda e tempo de entrega de mensagens</a:t>
+            </a:r>
+          </a:p>
+          <a:p>
+            <a:pPr algn="just"/>
+            <a:r>
+              <a:rPr lang="pt-BR" sz="2800" dirty="0"/>
               <a:t>Apesar das melhorias, como é um protocolo proprietário e não documentado, isso dificulta que outros desenvolvedores criem soluções para integrar com o WhatsApp</a:t>
             </a:r>
           </a:p>
           <a:p>
             <a:pPr algn="just"/>
             <a:r>
-              <a:rPr lang="pt-BR" sz="2600" dirty="0"/>
+              <a:rPr lang="pt-BR" sz="2800" dirty="0"/>
               <a:t>O uso de uma versão proprietária do XMPP prejudica a interoperabilidade garantida pelo protocolo original: uma app usando XMPP não pode facilmente se comunicar com WhatsApp</a:t>
-            </a:r>
-          </a:p>
-          <a:p>
-            <a:pPr algn="just"/>
-            <a:r>
-              <a:rPr lang="pt-BR" sz="2600" dirty="0"/>
-              <a:t>Aplicações clientes de WhatApp para diferentes plataformas como Linux e Windows são desenvolvidas por meio de “gambiarras” 😲</a:t>
-            </a:r>
-          </a:p>
-          <a:p>
-            <a:pPr algn="just"/>
-            <a:r>
-              <a:rPr lang="pt-BR" sz="2600" dirty="0">
-                <a:hlinkClick r:id="rId2"/>
-              </a:rPr>
-              <a:t>Há uma API para permitir essa integração de apps de terceiros com o WhatsApp</a:t>
-            </a:r>
-            <a:r>
-              <a:rPr lang="pt-BR" sz="2600" dirty="0"/>
-              <a:t>, mas o acesso é atualmente limitado à grandes empresas e provavelmente o WhatsApp visa lucro com tal iniciativa</a:t>
             </a:r>
           </a:p>
         </p:txBody>
@@ -14917,14 +16359,57 @@
                             </p:stCondLst>
                             <p:childTnLst>
                               <p:par>
-                                <p:cTn id="10" presetID="9" presetClass="entr" presetSubtype="0" fill="hold" grpId="0" nodeType="clickEffect">
+                                <p:cTn id="10" presetID="9" presetClass="exit" presetSubtype="0" fill="hold" grpId="1" nodeType="clickEffect">
+                                  <p:stCondLst>
+                                    <p:cond delay="0"/>
+                                  </p:stCondLst>
+                                  <p:childTnLst>
+                                    <p:animEffect transition="out" filter="dissolve">
+                                      <p:cBhvr>
+                                        <p:cTn id="11" dur="500"/>
+                                        <p:tgtEl>
+                                          <p:spTgt spid="3">
+                                            <p:txEl>
+                                              <p:pRg st="0" end="0"/>
+                                            </p:txEl>
+                                          </p:spTgt>
+                                        </p:tgtEl>
+                                      </p:cBhvr>
+                                    </p:animEffect>
+                                    <p:set>
+                                      <p:cBhvr>
+                                        <p:cTn id="12" dur="1" fill="hold">
+                                          <p:stCondLst>
+                                            <p:cond delay="499"/>
+                                          </p:stCondLst>
+                                        </p:cTn>
+                                        <p:tgtEl>
+                                          <p:spTgt spid="3">
+                                            <p:txEl>
+                                              <p:pRg st="0" end="0"/>
+                                            </p:txEl>
+                                          </p:spTgt>
+                                        </p:tgtEl>
+                                        <p:attrNameLst>
+                                          <p:attrName>style.visibility</p:attrName>
+                                        </p:attrNameLst>
+                                      </p:cBhvr>
+                                      <p:to>
+                                        <p:strVal val="hidden"/>
+                                      </p:to>
+                                    </p:set>
+                                  </p:childTnLst>
+                                </p:cTn>
+                              </p:par>
+                              <p:par>
+                                <p:cTn id="13" presetID="9" presetClass="entr" presetSubtype="0" fill="hold" grpId="0" nodeType="withEffect">
                                   <p:stCondLst>
                                     <p:cond delay="0"/>
                                   </p:stCondLst>
                                   <p:childTnLst>
                                     <p:set>
                                       <p:cBhvr>
-                                        <p:cTn id="11" dur="1" fill="hold">
+                                        <p:cTn id="14" dur="1" fill="hold">
                                           <p:stCondLst>
                                             <p:cond delay="0"/>
                                           </p:stCondLst>
@@ -14946,7 +16431,7 @@
                                     </p:set>
                                     <p:animEffect transition="in" filter="dissolve">
                                       <p:cBhvr>
-                                        <p:cTn id="12" dur="500"/>
+                                        <p:cTn id="15" dur="500"/>
                                         <p:tgtEl>
                                           <p:spTgt spid="3">
                                             <p:txEl>
@@ -14966,26 +16451,69 @@
                     </p:cTn>
                   </p:par>
                   <p:par>
-                    <p:cTn id="13" fill="hold">
+                    <p:cTn id="16" fill="hold">
                       <p:stCondLst>
                         <p:cond delay="indefinite"/>
                       </p:stCondLst>
                       <p:childTnLst>
                         <p:par>
-                          <p:cTn id="14" fill="hold">
+                          <p:cTn id="17" fill="hold">
                             <p:stCondLst>
                               <p:cond delay="0"/>
                             </p:stCondLst>
                             <p:childTnLst>
                               <p:par>
-                                <p:cTn id="15" presetID="9" presetClass="entr" presetSubtype="0" fill="hold" grpId="0" nodeType="clickEffect">
+                                <p:cTn id="18" presetID="9" presetClass="exit" presetSubtype="0" fill="hold" grpId="1" nodeType="clickEffect">
+                                  <p:stCondLst>
+                                    <p:cond delay="0"/>
+                                  </p:stCondLst>
+                                  <p:childTnLst>
+                                    <p:animEffect transition="out" filter="dissolve">
+                                      <p:cBhvr>
+                                        <p:cTn id="19" dur="500"/>
+                                        <p:tgtEl>
+                                          <p:spTgt spid="3">
+                                            <p:txEl>
+                                              <p:pRg st="1" end="1"/>
+                                            </p:txEl>
+                                          </p:spTgt>
+                                        </p:tgtEl>
+                                      </p:cBhvr>
+                                    </p:animEffect>
+                                    <p:set>
+                                      <p:cBhvr>
+                                        <p:cTn id="20" dur="1" fill="hold">
+                                          <p:stCondLst>
+                                            <p:cond delay="499"/>
+                                          </p:stCondLst>
+                                        </p:cTn>
+                                        <p:tgtEl>
+                                          <p:spTgt spid="3">
+                                            <p:txEl>
+                                              <p:pRg st="1" end="1"/>
+                                            </p:txEl>
+                                          </p:spTgt>
+                                        </p:tgtEl>
+                                        <p:attrNameLst>
+                                          <p:attrName>style.visibility</p:attrName>
+                                        </p:attrNameLst>
+                                      </p:cBhvr>
+                                      <p:to>
+                                        <p:strVal val="hidden"/>
+                                      </p:to>
+                                    </p:set>
+                                  </p:childTnLst>
+                                </p:cTn>
+                              </p:par>
+                              <p:par>
+                                <p:cTn id="21" presetID="9" presetClass="entr" presetSubtype="0" fill="hold" grpId="0" nodeType="withEffect">
                                   <p:stCondLst>
                                     <p:cond delay="0"/>
                                   </p:stCondLst>
                                   <p:childTnLst>
                                     <p:set>
                                       <p:cBhvr>
-                                        <p:cTn id="16" dur="1" fill="hold">
+                                        <p:cTn id="22" dur="1" fill="hold">
                                           <p:stCondLst>
                                             <p:cond delay="0"/>
                                           </p:stCondLst>
@@ -15007,72 +16535,11 @@
                                     </p:set>
                                     <p:animEffect transition="in" filter="dissolve">
                                       <p:cBhvr>
-                                        <p:cTn id="17" dur="500"/>
+                                        <p:cTn id="23" dur="500"/>
                                         <p:tgtEl>
                                           <p:spTgt spid="3">
                                             <p:txEl>
                                               <p:pRg st="2" end="2"/>
-                                            </p:txEl>
-                                          </p:spTgt>
-                                        </p:tgtEl>
-                                      </p:cBhvr>
-                                    </p:animEffect>
-                                  </p:childTnLst>
-                                </p:cTn>
-                              </p:par>
-                            </p:childTnLst>
-                          </p:cTn>
-                        </p:par>
-                      </p:childTnLst>
-                    </p:cTn>
-                  </p:par>
-                  <p:par>
-                    <p:cTn id="18" fill="hold">
-                      <p:stCondLst>
-                        <p:cond delay="indefinite"/>
-                      </p:stCondLst>
-                      <p:childTnLst>
-                        <p:par>
-                          <p:cTn id="19" fill="hold">
-                            <p:stCondLst>
-                              <p:cond delay="0"/>
-                            </p:stCondLst>
-                            <p:childTnLst>
-                              <p:par>
-                                <p:cTn id="20" presetID="9" presetClass="entr" presetSubtype="0" fill="hold" grpId="0" nodeType="clickEffect">
-                                  <p:stCondLst>
-                                    <p:cond delay="0"/>
-                                  </p:stCondLst>
-                                  <p:childTnLst>
-                                    <p:set>
-                                      <p:cBhvr>
-                                        <p:cTn id="21" dur="1" fill="hold">
-                                          <p:stCondLst>
-                                            <p:cond delay="0"/>
-                                          </p:stCondLst>
-                                        </p:cTn>
-                                        <p:tgtEl>
-                                          <p:spTgt spid="3">
-                                            <p:txEl>
-                                              <p:pRg st="3" end="3"/>
-                                            </p:txEl>
-                                          </p:spTgt>
-                                        </p:tgtEl>
-                                        <p:attrNameLst>
-                                          <p:attrName>style.visibility</p:attrName>
-                                        </p:attrNameLst>
-                                      </p:cBhvr>
-                                      <p:to>
-                                        <p:strVal val="visible"/>
-                                      </p:to>
-                                    </p:set>
-                                    <p:animEffect transition="in" filter="dissolve">
-                                      <p:cBhvr>
-                                        <p:cTn id="22" dur="500"/>
-                                        <p:tgtEl>
-                                          <p:spTgt spid="3">
-                                            <p:txEl>
-                                              <p:pRg st="3" end="3"/>
                                             </p:txEl>
                                           </p:spTgt>
                                         </p:tgtEl>
@@ -15109,7 +16576,8 @@
       </p:par>
     </p:tnLst>
     <p:bldLst>
-      <p:bldP spid="3" grpId="0" build="p"/>
+      <p:bldP spid="3" grpId="0" uiExpand="1" build="p"/>
+      <p:bldP spid="3" grpId="1" uiExpand="1" build="p"/>
     </p:bldLst>
   </p:timing>
 </p:sld>
@@ -15150,7 +16618,7 @@
         </p:nvSpPr>
         <p:spPr>
           <a:xfrm>
-            <a:off x="1974575" y="624110"/>
+            <a:off x="1802298" y="54270"/>
             <a:ext cx="9530038" cy="1164933"/>
           </a:xfrm>
         </p:spPr>
@@ -15160,10 +16628,9 @@
           </a:bodyPr>
           <a:lstStyle/>
           <a:p>
-            <a:pPr algn="ctr"/>
             <a:r>
               <a:rPr lang="pt-BR" b="1" i="1" dirty="0"/>
-              <a:t>Outros Apps Famosos</a:t>
+              <a:t>XMPP: Histórico e Uso</a:t>
             </a:r>
             <a:endParaRPr lang="pt-BR" dirty="0"/>
           </a:p>
@@ -15187,104 +16654,33 @@
         </p:nvSpPr>
         <p:spPr>
           <a:xfrm>
-            <a:off x="834887" y="1749287"/>
-            <a:ext cx="10669725" cy="4692021"/>
+            <a:off x="463826" y="1431235"/>
+            <a:ext cx="11423374" cy="4917307"/>
           </a:xfrm>
         </p:spPr>
         <p:txBody>
           <a:bodyPr>
-            <a:normAutofit/>
+            <a:noAutofit/>
           </a:bodyPr>
           <a:lstStyle/>
           <a:p>
+            <a:pPr algn="just"/>
             <a:r>
               <a:rPr lang="pt-BR" sz="2800" dirty="0"/>
-              <a:t>Se você está se perguntando sobre outros apps como </a:t>
-            </a:r>
-            <a:r>
-              <a:rPr lang="pt-BR" sz="2800" i="1" dirty="0"/>
-              <a:t>Facebook Messenger</a:t>
-            </a:r>
-            <a:r>
-              <a:rPr lang="pt-BR" sz="2800" dirty="0"/>
-              <a:t> ou </a:t>
-            </a:r>
-            <a:r>
-              <a:rPr lang="pt-BR" sz="2800" i="1" dirty="0"/>
-              <a:t>Telegram</a:t>
-            </a:r>
-            <a:r>
-              <a:rPr lang="pt-BR" sz="2800" dirty="0"/>
-              <a:t>, eles usam outros protocolos</a:t>
-            </a:r>
-          </a:p>
-          <a:p>
-            <a:r>
-              <a:rPr lang="pt-BR" sz="2800" dirty="0"/>
-              <a:t>O </a:t>
-            </a:r>
-            <a:r>
-              <a:rPr lang="pt-BR" sz="2800" i="1" dirty="0">
-                <a:hlinkClick r:id="rId2"/>
-              </a:rPr>
-              <a:t>Facebok Messenger</a:t>
-            </a:r>
+              <a:t>Aplicações clientes de WhatApp para diferentes plataformas como Linux e Windows são desenvolvidas por meio de “gambiarras” 😲</a:t>
+            </a:r>
+          </a:p>
+          <a:p>
+            <a:pPr algn="just"/>
             <a:r>
               <a:rPr lang="pt-BR" sz="2800" dirty="0">
                 <a:hlinkClick r:id="rId2"/>
               </a:rPr>
-              <a:t> iniciou com XMPP</a:t>
+              <a:t>Há uma API para permitir essa integração de apps de terceiros com o WhatsApp</a:t>
             </a:r>
             <a:r>
               <a:rPr lang="pt-BR" sz="2800" dirty="0"/>
-              <a:t> mas </a:t>
-            </a:r>
-            <a:r>
-              <a:rPr lang="pt-BR" sz="2800" dirty="0">
-                <a:hlinkClick r:id="rId3"/>
-              </a:rPr>
-              <a:t>migrou para </a:t>
-            </a:r>
-            <a:r>
-              <a:rPr lang="pt-BR" sz="2800" i="1" dirty="0">
-                <a:hlinkClick r:id="rId3"/>
-              </a:rPr>
-              <a:t>Message Queuing Telemetry Transport (MQTT)</a:t>
-            </a:r>
-            <a:r>
-              <a:rPr lang="pt-BR" sz="2800" dirty="0"/>
-              <a:t>, também aberto e altamente escalável </a:t>
-            </a:r>
-            <a:r>
-              <a:rPr lang="pt-BR" sz="2800" i="1" dirty="0"/>
-              <a:t>(</a:t>
-            </a:r>
-            <a:r>
-              <a:rPr lang="pt-BR" sz="2800" i="1" dirty="0">
-                <a:hlinkClick r:id="rId4"/>
-              </a:rPr>
-              <a:t>mqtt.org</a:t>
-            </a:r>
-            <a:r>
-              <a:rPr lang="pt-BR" sz="2800" i="1" dirty="0"/>
-              <a:t>)</a:t>
-            </a:r>
-            <a:endParaRPr lang="pt-BR" sz="2800" dirty="0"/>
-          </a:p>
-          <a:p>
-            <a:r>
-              <a:rPr lang="pt-BR" sz="2800" dirty="0"/>
-              <a:t>O Telegram usa o protocolo </a:t>
-            </a:r>
-            <a:r>
-              <a:rPr lang="pt-BR" sz="2800" dirty="0">
-                <a:hlinkClick r:id="rId5"/>
-              </a:rPr>
-              <a:t>MTProto</a:t>
-            </a:r>
-            <a:r>
-              <a:rPr lang="pt-BR" sz="2800" dirty="0"/>
-              <a:t>, que não é padronizado mas que aparentemente é bem documentado</a:t>
+              <a:t>, mas o acesso é atualmente limitado à grandes empresas e provavelmente o WhatsApp visa lucro com tal iniciativa</a:t>
             </a:r>
           </a:p>
         </p:txBody>
@@ -15313,6 +16709,421 @@
             <a:fld id="{2183B7EE-0FBE-B749-875F-ED24F5ECD71F}" type="slidenum">
               <a:rPr lang="en-US" smtClean="0"/>
               <a:t>8</a:t>
+            </a:fld>
+            <a:endParaRPr lang="en-US" dirty="0"/>
+          </a:p>
+        </p:txBody>
+      </p:sp>
+    </p:spTree>
+    <p:extLst>
+      <p:ext uri="{BB962C8B-B14F-4D97-AF65-F5344CB8AC3E}">
+        <p14:creationId xmlns:p14="http://schemas.microsoft.com/office/powerpoint/2010/main" val="3509022681"/>
+      </p:ext>
+    </p:extLst>
+  </p:cSld>
+  <p:clrMapOvr>
+    <a:masterClrMapping/>
+  </p:clrMapOvr>
+  <p:timing>
+    <p:tnLst>
+      <p:par>
+        <p:cTn id="1" dur="indefinite" restart="never" nodeType="tmRoot">
+          <p:childTnLst>
+            <p:seq concurrent="1" nextAc="seek">
+              <p:cTn id="2" dur="indefinite" nodeType="mainSeq">
+                <p:childTnLst>
+                  <p:par>
+                    <p:cTn id="3" fill="hold">
+                      <p:stCondLst>
+                        <p:cond delay="indefinite"/>
+                      </p:stCondLst>
+                      <p:childTnLst>
+                        <p:par>
+                          <p:cTn id="4" fill="hold">
+                            <p:stCondLst>
+                              <p:cond delay="0"/>
+                            </p:stCondLst>
+                            <p:childTnLst>
+                              <p:par>
+                                <p:cTn id="5" presetID="9" presetClass="entr" presetSubtype="0" fill="hold" grpId="0" nodeType="clickEffect">
+                                  <p:stCondLst>
+                                    <p:cond delay="0"/>
+                                  </p:stCondLst>
+                                  <p:childTnLst>
+                                    <p:set>
+                                      <p:cBhvr>
+                                        <p:cTn id="6" dur="1" fill="hold">
+                                          <p:stCondLst>
+                                            <p:cond delay="0"/>
+                                          </p:stCondLst>
+                                        </p:cTn>
+                                        <p:tgtEl>
+                                          <p:spTgt spid="3">
+                                            <p:txEl>
+                                              <p:pRg st="0" end="0"/>
+                                            </p:txEl>
+                                          </p:spTgt>
+                                        </p:tgtEl>
+                                        <p:attrNameLst>
+                                          <p:attrName>style.visibility</p:attrName>
+                                        </p:attrNameLst>
+                                      </p:cBhvr>
+                                      <p:to>
+                                        <p:strVal val="visible"/>
+                                      </p:to>
+                                    </p:set>
+                                    <p:animEffect transition="in" filter="dissolve">
+                                      <p:cBhvr>
+                                        <p:cTn id="7" dur="500"/>
+                                        <p:tgtEl>
+                                          <p:spTgt spid="3">
+                                            <p:txEl>
+                                              <p:pRg st="0" end="0"/>
+                                            </p:txEl>
+                                          </p:spTgt>
+                                        </p:tgtEl>
+                                      </p:cBhvr>
+                                    </p:animEffect>
+                                  </p:childTnLst>
+                                </p:cTn>
+                              </p:par>
+                            </p:childTnLst>
+                          </p:cTn>
+                        </p:par>
+                      </p:childTnLst>
+                    </p:cTn>
+                  </p:par>
+                  <p:par>
+                    <p:cTn id="8" fill="hold">
+                      <p:stCondLst>
+                        <p:cond delay="indefinite"/>
+                      </p:stCondLst>
+                      <p:childTnLst>
+                        <p:par>
+                          <p:cTn id="9" fill="hold">
+                            <p:stCondLst>
+                              <p:cond delay="0"/>
+                            </p:stCondLst>
+                            <p:childTnLst>
+                              <p:par>
+                                <p:cTn id="10" presetID="9" presetClass="exit" presetSubtype="0" fill="hold" grpId="1" nodeType="clickEffect">
+                                  <p:stCondLst>
+                                    <p:cond delay="0"/>
+                                  </p:stCondLst>
+                                  <p:childTnLst>
+                                    <p:animEffect transition="out" filter="dissolve">
+                                      <p:cBhvr>
+                                        <p:cTn id="11" dur="500"/>
+                                        <p:tgtEl>
+                                          <p:spTgt spid="3">
+                                            <p:txEl>
+                                              <p:pRg st="0" end="0"/>
+                                            </p:txEl>
+                                          </p:spTgt>
+                                        </p:tgtEl>
+                                      </p:cBhvr>
+                                    </p:animEffect>
+                                    <p:set>
+                                      <p:cBhvr>
+                                        <p:cTn id="12" dur="1" fill="hold">
+                                          <p:stCondLst>
+                                            <p:cond delay="499"/>
+                                          </p:stCondLst>
+                                        </p:cTn>
+                                        <p:tgtEl>
+                                          <p:spTgt spid="3">
+                                            <p:txEl>
+                                              <p:pRg st="0" end="0"/>
+                                            </p:txEl>
+                                          </p:spTgt>
+                                        </p:tgtEl>
+                                        <p:attrNameLst>
+                                          <p:attrName>style.visibility</p:attrName>
+                                        </p:attrNameLst>
+                                      </p:cBhvr>
+                                      <p:to>
+                                        <p:strVal val="hidden"/>
+                                      </p:to>
+                                    </p:set>
+                                  </p:childTnLst>
+                                </p:cTn>
+                              </p:par>
+                              <p:par>
+                                <p:cTn id="13" presetID="9" presetClass="entr" presetSubtype="0" fill="hold" grpId="0" nodeType="withEffect">
+                                  <p:stCondLst>
+                                    <p:cond delay="0"/>
+                                  </p:stCondLst>
+                                  <p:childTnLst>
+                                    <p:set>
+                                      <p:cBhvr>
+                                        <p:cTn id="14" dur="1" fill="hold">
+                                          <p:stCondLst>
+                                            <p:cond delay="0"/>
+                                          </p:stCondLst>
+                                        </p:cTn>
+                                        <p:tgtEl>
+                                          <p:spTgt spid="3">
+                                            <p:txEl>
+                                              <p:pRg st="1" end="1"/>
+                                            </p:txEl>
+                                          </p:spTgt>
+                                        </p:tgtEl>
+                                        <p:attrNameLst>
+                                          <p:attrName>style.visibility</p:attrName>
+                                        </p:attrNameLst>
+                                      </p:cBhvr>
+                                      <p:to>
+                                        <p:strVal val="visible"/>
+                                      </p:to>
+                                    </p:set>
+                                    <p:animEffect transition="in" filter="dissolve">
+                                      <p:cBhvr>
+                                        <p:cTn id="15" dur="500"/>
+                                        <p:tgtEl>
+                                          <p:spTgt spid="3">
+                                            <p:txEl>
+                                              <p:pRg st="1" end="1"/>
+                                            </p:txEl>
+                                          </p:spTgt>
+                                        </p:tgtEl>
+                                      </p:cBhvr>
+                                    </p:animEffect>
+                                  </p:childTnLst>
+                                </p:cTn>
+                              </p:par>
+                            </p:childTnLst>
+                          </p:cTn>
+                        </p:par>
+                      </p:childTnLst>
+                    </p:cTn>
+                  </p:par>
+                </p:childTnLst>
+              </p:cTn>
+              <p:prevCondLst>
+                <p:cond evt="onPrev" delay="0">
+                  <p:tgtEl>
+                    <p:sldTgt/>
+                  </p:tgtEl>
+                </p:cond>
+              </p:prevCondLst>
+              <p:nextCondLst>
+                <p:cond evt="onNext" delay="0">
+                  <p:tgtEl>
+                    <p:sldTgt/>
+                  </p:tgtEl>
+                </p:cond>
+              </p:nextCondLst>
+            </p:seq>
+          </p:childTnLst>
+        </p:cTn>
+      </p:par>
+    </p:tnLst>
+    <p:bldLst>
+      <p:bldP spid="3" grpId="0" uiExpand="1" build="p"/>
+      <p:bldP spid="3" grpId="1" uiExpand="1" build="p"/>
+    </p:bldLst>
+  </p:timing>
+</p:sld>
+</file>
+
+<file path=ppt/slides/slide9.xml><?xml version="1.0" encoding="utf-8"?>
+<p:sld xmlns:a="http://schemas.openxmlformats.org/drawingml/2006/main" xmlns:r="http://schemas.openxmlformats.org/officeDocument/2006/relationships" xmlns:p="http://schemas.openxmlformats.org/presentationml/2006/main">
+  <p:cSld>
+    <p:spTree>
+      <p:nvGrpSpPr>
+        <p:cNvPr id="1" name=""/>
+        <p:cNvGrpSpPr/>
+        <p:nvPr/>
+      </p:nvGrpSpPr>
+      <p:grpSpPr>
+        <a:xfrm>
+          <a:off x="0" y="0"/>
+          <a:ext cx="0" cy="0"/>
+          <a:chOff x="0" y="0"/>
+          <a:chExt cx="0" cy="0"/>
+        </a:xfrm>
+      </p:grpSpPr>
+      <p:sp>
+        <p:nvSpPr>
+          <p:cNvPr id="2" name="Title 1">
+            <a:extLst>
+              <a:ext uri="{FF2B5EF4-FFF2-40B4-BE49-F238E27FC236}">
+                <a16:creationId xmlns:a16="http://schemas.microsoft.com/office/drawing/2014/main" id="{58204B45-BA2F-544A-ADBD-2B584480C63E}"/>
+              </a:ext>
+            </a:extLst>
+          </p:cNvPr>
+          <p:cNvSpPr>
+            <a:spLocks noGrp="1"/>
+          </p:cNvSpPr>
+          <p:nvPr>
+            <p:ph type="title"/>
+          </p:nvPr>
+        </p:nvSpPr>
+        <p:spPr>
+          <a:xfrm>
+            <a:off x="1974575" y="624110"/>
+            <a:ext cx="9530038" cy="1164933"/>
+          </a:xfrm>
+        </p:spPr>
+        <p:txBody>
+          <a:bodyPr>
+            <a:normAutofit/>
+          </a:bodyPr>
+          <a:lstStyle/>
+          <a:p>
+            <a:pPr algn="ctr"/>
+            <a:r>
+              <a:rPr lang="pt-BR" b="1" i="1" dirty="0"/>
+              <a:t>Outros Apps Famosos</a:t>
+            </a:r>
+            <a:endParaRPr lang="pt-BR" dirty="0"/>
+          </a:p>
+        </p:txBody>
+      </p:sp>
+      <p:sp>
+        <p:nvSpPr>
+          <p:cNvPr id="3" name="Content Placeholder 2">
+            <a:extLst>
+              <a:ext uri="{FF2B5EF4-FFF2-40B4-BE49-F238E27FC236}">
+                <a16:creationId xmlns:a16="http://schemas.microsoft.com/office/drawing/2014/main" id="{C9044F89-E3C1-E349-B0DE-0B932821234C}"/>
+              </a:ext>
+            </a:extLst>
+          </p:cNvPr>
+          <p:cNvSpPr>
+            <a:spLocks noGrp="1"/>
+          </p:cNvSpPr>
+          <p:nvPr>
+            <p:ph idx="1"/>
+          </p:nvPr>
+        </p:nvSpPr>
+        <p:spPr>
+          <a:xfrm>
+            <a:off x="834887" y="1749287"/>
+            <a:ext cx="10669725" cy="4692021"/>
+          </a:xfrm>
+        </p:spPr>
+        <p:txBody>
+          <a:bodyPr>
+            <a:normAutofit/>
+          </a:bodyPr>
+          <a:lstStyle/>
+          <a:p>
+            <a:r>
+              <a:rPr lang="pt-BR" sz="2800" dirty="0"/>
+              <a:t>Se você está se perguntando sobre outros apps como </a:t>
+            </a:r>
+            <a:r>
+              <a:rPr lang="pt-BR" sz="2800" i="1" dirty="0"/>
+              <a:t>Facebook Messenger</a:t>
+            </a:r>
+            <a:r>
+              <a:rPr lang="pt-BR" sz="2800" dirty="0"/>
+              <a:t> ou </a:t>
+            </a:r>
+            <a:r>
+              <a:rPr lang="pt-BR" sz="2800" i="1" dirty="0"/>
+              <a:t>Telegram</a:t>
+            </a:r>
+            <a:r>
+              <a:rPr lang="pt-BR" sz="2800" dirty="0"/>
+              <a:t>, eles usam outros protocolos</a:t>
+            </a:r>
+          </a:p>
+          <a:p>
+            <a:r>
+              <a:rPr lang="pt-BR" sz="2800" dirty="0"/>
+              <a:t>O </a:t>
+            </a:r>
+            <a:r>
+              <a:rPr lang="pt-BR" sz="2800" i="1" dirty="0">
+                <a:hlinkClick r:id="rId2"/>
+              </a:rPr>
+              <a:t>Facebok Messenger</a:t>
+            </a:r>
+            <a:r>
+              <a:rPr lang="pt-BR" sz="2800" dirty="0">
+                <a:hlinkClick r:id="rId2"/>
+              </a:rPr>
+              <a:t> iniciou com XMPP</a:t>
+            </a:r>
+            <a:r>
+              <a:rPr lang="pt-BR" sz="2800" dirty="0"/>
+              <a:t> mas </a:t>
+            </a:r>
+            <a:r>
+              <a:rPr lang="pt-BR" sz="2800" dirty="0">
+                <a:hlinkClick r:id="rId3"/>
+              </a:rPr>
+              <a:t>migrou para </a:t>
+            </a:r>
+            <a:r>
+              <a:rPr lang="pt-BR" sz="2800" i="1" dirty="0">
+                <a:hlinkClick r:id="rId3"/>
+              </a:rPr>
+              <a:t>Message Queuing Telemetry Transport (MQTT)</a:t>
+            </a:r>
+            <a:r>
+              <a:rPr lang="pt-BR" sz="2800" dirty="0"/>
+              <a:t>, também aberto e altamente escalável </a:t>
+            </a:r>
+            <a:r>
+              <a:rPr lang="pt-BR" sz="2800" i="1" dirty="0"/>
+              <a:t>(</a:t>
+            </a:r>
+            <a:r>
+              <a:rPr lang="pt-BR" sz="2800" i="1" dirty="0">
+                <a:hlinkClick r:id="rId4"/>
+              </a:rPr>
+              <a:t>mqtt.org</a:t>
+            </a:r>
+            <a:r>
+              <a:rPr lang="pt-BR" sz="2800" i="1" dirty="0"/>
+              <a:t>)</a:t>
+            </a:r>
+            <a:endParaRPr lang="pt-BR" sz="2800" dirty="0"/>
+          </a:p>
+          <a:p>
+            <a:r>
+              <a:rPr lang="pt-BR" sz="2800" dirty="0"/>
+              <a:t>O Telegram usa o protocolo </a:t>
+            </a:r>
+            <a:r>
+              <a:rPr lang="pt-BR" sz="2800" dirty="0">
+                <a:hlinkClick r:id="rId5"/>
+              </a:rPr>
+              <a:t>MTProto</a:t>
+            </a:r>
+            <a:r>
+              <a:rPr lang="pt-BR" sz="2800" dirty="0"/>
+              <a:t>, que não é padronizado mas que aparentemente é bem documentado</a:t>
+            </a:r>
+          </a:p>
+        </p:txBody>
+      </p:sp>
+      <p:sp>
+        <p:nvSpPr>
+          <p:cNvPr id="4" name="Slide Number Placeholder 3">
+            <a:extLst>
+              <a:ext uri="{FF2B5EF4-FFF2-40B4-BE49-F238E27FC236}">
+                <a16:creationId xmlns:a16="http://schemas.microsoft.com/office/drawing/2014/main" id="{2EA509C2-078C-DE4C-BE59-C32AF18E82D6}"/>
+              </a:ext>
+            </a:extLst>
+          </p:cNvPr>
+          <p:cNvSpPr>
+            <a:spLocks noGrp="1"/>
+          </p:cNvSpPr>
+          <p:nvPr>
+            <p:ph type="sldNum" sz="quarter" idx="12"/>
+          </p:nvPr>
+        </p:nvSpPr>
+        <p:spPr/>
+        <p:txBody>
+          <a:bodyPr/>
+          <a:lstStyle/>
+          <a:p>
+            <a:fld id="{2183B7EE-0FBE-B749-875F-ED24F5ECD71F}" type="slidenum">
+              <a:rPr lang="en-US" smtClean="0"/>
+              <a:t>9</a:t>
             </a:fld>
             <a:endParaRPr lang="en-US" dirty="0"/>
           </a:p>
@@ -15410,14 +17221,57 @@
                             </p:stCondLst>
                             <p:childTnLst>
                               <p:par>
-                                <p:cTn id="10" presetID="9" presetClass="entr" presetSubtype="0" fill="hold" grpId="0" nodeType="clickEffect">
+                                <p:cTn id="10" presetID="9" presetClass="exit" presetSubtype="0" fill="hold" grpId="1" nodeType="clickEffect">
+                                  <p:stCondLst>
+                                    <p:cond delay="0"/>
+                                  </p:stCondLst>
+                                  <p:childTnLst>
+                                    <p:animEffect transition="out" filter="dissolve">
+                                      <p:cBhvr>
+                                        <p:cTn id="11" dur="500"/>
+                                        <p:tgtEl>
+                                          <p:spTgt spid="3">
+                                            <p:txEl>
+                                              <p:pRg st="0" end="0"/>
+                                            </p:txEl>
+                                          </p:spTgt>
+                                        </p:tgtEl>
+                                      </p:cBhvr>
+                                    </p:animEffect>
+                                    <p:set>
+                                      <p:cBhvr>
+                                        <p:cTn id="12" dur="1" fill="hold">
+                                          <p:stCondLst>
+                                            <p:cond delay="499"/>
+                                          </p:stCondLst>
+                                        </p:cTn>
+                                        <p:tgtEl>
+                                          <p:spTgt spid="3">
+                                            <p:txEl>
+                                              <p:pRg st="0" end="0"/>
+                                            </p:txEl>
+                                          </p:spTgt>
+                                        </p:tgtEl>
+                                        <p:attrNameLst>
+                                          <p:attrName>style.visibility</p:attrName>
+                                        </p:attrNameLst>
+                                      </p:cBhvr>
+                                      <p:to>
+                                        <p:strVal val="hidden"/>
+                                      </p:to>
+                                    </p:set>
+                                  </p:childTnLst>
+                                </p:cTn>
+                              </p:par>
+                              <p:par>
+                                <p:cTn id="13" presetID="9" presetClass="entr" presetSubtype="0" fill="hold" grpId="0" nodeType="withEffect">
                                   <p:stCondLst>
                                     <p:cond delay="0"/>
                                   </p:stCondLst>
                                   <p:childTnLst>
                                     <p:set>
                                       <p:cBhvr>
-                                        <p:cTn id="11" dur="1" fill="hold">
+                                        <p:cTn id="14" dur="1" fill="hold">
                                           <p:stCondLst>
                                             <p:cond delay="0"/>
                                           </p:stCondLst>
@@ -15439,7 +17293,7 @@
                                     </p:set>
                                     <p:animEffect transition="in" filter="dissolve">
                                       <p:cBhvr>
-                                        <p:cTn id="12" dur="500"/>
+                                        <p:cTn id="15" dur="500"/>
                                         <p:tgtEl>
                                           <p:spTgt spid="3">
                                             <p:txEl>
@@ -15459,26 +17313,69 @@
                     </p:cTn>
                   </p:par>
                   <p:par>
-                    <p:cTn id="13" fill="hold">
+                    <p:cTn id="16" fill="hold">
                       <p:stCondLst>
                         <p:cond delay="indefinite"/>
                       </p:stCondLst>
                       <p:childTnLst>
                         <p:par>
-                          <p:cTn id="14" fill="hold">
+                          <p:cTn id="17" fill="hold">
                             <p:stCondLst>
                               <p:cond delay="0"/>
                             </p:stCondLst>
                             <p:childTnLst>
                               <p:par>
-                                <p:cTn id="15" presetID="9" presetClass="entr" presetSubtype="0" fill="hold" grpId="0" nodeType="clickEffect">
+                                <p:cTn id="18" presetID="9" presetClass="exit" presetSubtype="0" fill="hold" grpId="1" nodeType="clickEffect">
+                                  <p:stCondLst>
+                                    <p:cond delay="0"/>
+                                  </p:stCondLst>
+                                  <p:childTnLst>
+                                    <p:animEffect transition="out" filter="dissolve">
+                                      <p:cBhvr>
+                                        <p:cTn id="19" dur="500"/>
+                                        <p:tgtEl>
+                                          <p:spTgt spid="3">
+                                            <p:txEl>
+                                              <p:pRg st="1" end="1"/>
+                                            </p:txEl>
+                                          </p:spTgt>
+                                        </p:tgtEl>
+                                      </p:cBhvr>
+                                    </p:animEffect>
+                                    <p:set>
+                                      <p:cBhvr>
+                                        <p:cTn id="20" dur="1" fill="hold">
+                                          <p:stCondLst>
+                                            <p:cond delay="499"/>
+                                          </p:stCondLst>
+                                        </p:cTn>
+                                        <p:tgtEl>
+                                          <p:spTgt spid="3">
+                                            <p:txEl>
+                                              <p:pRg st="1" end="1"/>
+                                            </p:txEl>
+                                          </p:spTgt>
+                                        </p:tgtEl>
+                                        <p:attrNameLst>
+                                          <p:attrName>style.visibility</p:attrName>
+                                        </p:attrNameLst>
+                                      </p:cBhvr>
+                                      <p:to>
+                                        <p:strVal val="hidden"/>
+                                      </p:to>
+                                    </p:set>
+                                  </p:childTnLst>
+                                </p:cTn>
+                              </p:par>
+                              <p:par>
+                                <p:cTn id="21" presetID="9" presetClass="entr" presetSubtype="0" fill="hold" grpId="0" nodeType="withEffect">
                                   <p:stCondLst>
                                     <p:cond delay="0"/>
                                   </p:stCondLst>
                                   <p:childTnLst>
                                     <p:set>
                                       <p:cBhvr>
-                                        <p:cTn id="16" dur="1" fill="hold">
+                                        <p:cTn id="22" dur="1" fill="hold">
                                           <p:stCondLst>
                                             <p:cond delay="0"/>
                                           </p:stCondLst>
@@ -15500,7 +17397,7 @@
                                     </p:set>
                                     <p:animEffect transition="in" filter="dissolve">
                                       <p:cBhvr>
-                                        <p:cTn id="17" dur="500"/>
+                                        <p:cTn id="23" dur="500"/>
                                         <p:tgtEl>
                                           <p:spTgt spid="3">
                                             <p:txEl>
@@ -15541,440 +17438,8 @@
       </p:par>
     </p:tnLst>
     <p:bldLst>
-      <p:bldP spid="3" grpId="0" build="p"/>
-    </p:bldLst>
-  </p:timing>
-</p:sld>
-</file>
-
-<file path=ppt/slides/slide9.xml><?xml version="1.0" encoding="utf-8"?>
-<p:sld xmlns:a="http://schemas.openxmlformats.org/drawingml/2006/main" xmlns:r="http://schemas.openxmlformats.org/officeDocument/2006/relationships" xmlns:p="http://schemas.openxmlformats.org/presentationml/2006/main">
-  <p:cSld>
-    <p:spTree>
-      <p:nvGrpSpPr>
-        <p:cNvPr id="1" name=""/>
-        <p:cNvGrpSpPr/>
-        <p:nvPr/>
-      </p:nvGrpSpPr>
-      <p:grpSpPr>
-        <a:xfrm>
-          <a:off x="0" y="0"/>
-          <a:ext cx="0" cy="0"/>
-          <a:chOff x="0" y="0"/>
-          <a:chExt cx="0" cy="0"/>
-        </a:xfrm>
-      </p:grpSpPr>
-      <p:sp>
-        <p:nvSpPr>
-          <p:cNvPr id="2" name="Title 1">
-            <a:extLst>
-              <a:ext uri="{FF2B5EF4-FFF2-40B4-BE49-F238E27FC236}">
-                <a16:creationId xmlns:a16="http://schemas.microsoft.com/office/drawing/2014/main" id="{58204B45-BA2F-544A-ADBD-2B584480C63E}"/>
-              </a:ext>
-            </a:extLst>
-          </p:cNvPr>
-          <p:cNvSpPr>
-            <a:spLocks noGrp="1"/>
-          </p:cNvSpPr>
-          <p:nvPr>
-            <p:ph type="title"/>
-          </p:nvPr>
-        </p:nvSpPr>
-        <p:spPr>
-          <a:xfrm>
-            <a:off x="1974575" y="624110"/>
-            <a:ext cx="9530038" cy="1257699"/>
-          </a:xfrm>
-        </p:spPr>
-        <p:txBody>
-          <a:bodyPr>
-            <a:normAutofit/>
-          </a:bodyPr>
-          <a:lstStyle/>
-          <a:p>
-            <a:pPr algn="ctr"/>
-            <a:r>
-              <a:rPr lang="pt-BR" b="1" i="1" dirty="0"/>
-              <a:t>Exemplos de Extensões do XMPP </a:t>
-            </a:r>
-            <a:endParaRPr lang="pt-BR" dirty="0"/>
-          </a:p>
-        </p:txBody>
-      </p:sp>
-      <p:sp>
-        <p:nvSpPr>
-          <p:cNvPr id="3" name="Content Placeholder 2">
-            <a:extLst>
-              <a:ext uri="{FF2B5EF4-FFF2-40B4-BE49-F238E27FC236}">
-                <a16:creationId xmlns:a16="http://schemas.microsoft.com/office/drawing/2014/main" id="{C9044F89-E3C1-E349-B0DE-0B932821234C}"/>
-              </a:ext>
-            </a:extLst>
-          </p:cNvPr>
-          <p:cNvSpPr>
-            <a:spLocks noGrp="1"/>
-          </p:cNvSpPr>
-          <p:nvPr>
-            <p:ph idx="1"/>
-          </p:nvPr>
-        </p:nvSpPr>
-        <p:spPr>
-          <a:xfrm>
-            <a:off x="687387" y="1881809"/>
-            <a:ext cx="10817225" cy="4254699"/>
-          </a:xfrm>
-        </p:spPr>
-        <p:txBody>
-          <a:bodyPr>
-            <a:normAutofit/>
-          </a:bodyPr>
-          <a:lstStyle/>
-          <a:p>
-            <a:r>
-              <a:rPr lang="pt-BR" sz="2800" dirty="0"/>
-              <a:t>Lista de contatos, envio de mensagens em grupos</a:t>
-            </a:r>
-          </a:p>
-          <a:p>
-            <a:r>
-              <a:rPr lang="pt-BR" sz="2800" dirty="0"/>
-              <a:t>Avatar (foto para o perfil do usuário)</a:t>
-            </a:r>
-          </a:p>
-          <a:p>
-            <a:r>
-              <a:rPr lang="pt-BR" sz="2800" dirty="0"/>
-              <a:t>Notificação de entrega de mensagens</a:t>
-            </a:r>
-          </a:p>
-          <a:p>
-            <a:r>
-              <a:rPr lang="pt-BR" sz="2800" dirty="0"/>
-              <a:t>E muito mais em </a:t>
-            </a:r>
-            <a:r>
-              <a:rPr lang="pt-BR" sz="2800" b="1" i="1" dirty="0">
-                <a:hlinkClick r:id="rId2"/>
-              </a:rPr>
-              <a:t>https://xmpp.org/extensions</a:t>
-            </a:r>
-            <a:endParaRPr lang="pt-BR" sz="2800" dirty="0"/>
-          </a:p>
-        </p:txBody>
-      </p:sp>
-      <p:sp>
-        <p:nvSpPr>
-          <p:cNvPr id="4" name="Slide Number Placeholder 3">
-            <a:extLst>
-              <a:ext uri="{FF2B5EF4-FFF2-40B4-BE49-F238E27FC236}">
-                <a16:creationId xmlns:a16="http://schemas.microsoft.com/office/drawing/2014/main" id="{2EA509C2-078C-DE4C-BE59-C32AF18E82D6}"/>
-              </a:ext>
-            </a:extLst>
-          </p:cNvPr>
-          <p:cNvSpPr>
-            <a:spLocks noGrp="1"/>
-          </p:cNvSpPr>
-          <p:nvPr>
-            <p:ph type="sldNum" sz="quarter" idx="12"/>
-          </p:nvPr>
-        </p:nvSpPr>
-        <p:spPr/>
-        <p:txBody>
-          <a:bodyPr/>
-          <a:lstStyle/>
-          <a:p>
-            <a:fld id="{2183B7EE-0FBE-B749-875F-ED24F5ECD71F}" type="slidenum">
-              <a:rPr lang="en-US" smtClean="0"/>
-              <a:t>9</a:t>
-            </a:fld>
-            <a:endParaRPr lang="en-US" dirty="0"/>
-          </a:p>
-        </p:txBody>
-      </p:sp>
-    </p:spTree>
-    <p:extLst>
-      <p:ext uri="{BB962C8B-B14F-4D97-AF65-F5344CB8AC3E}">
-        <p14:creationId xmlns:p14="http://schemas.microsoft.com/office/powerpoint/2010/main" val="3209303160"/>
-      </p:ext>
-    </p:extLst>
-  </p:cSld>
-  <p:clrMapOvr>
-    <a:masterClrMapping/>
-  </p:clrMapOvr>
-  <p:timing>
-    <p:tnLst>
-      <p:par>
-        <p:cTn id="1" dur="indefinite" restart="never" nodeType="tmRoot">
-          <p:childTnLst>
-            <p:seq concurrent="1" nextAc="seek">
-              <p:cTn id="2" dur="indefinite" nodeType="mainSeq">
-                <p:childTnLst>
-                  <p:par>
-                    <p:cTn id="3" fill="hold">
-                      <p:stCondLst>
-                        <p:cond delay="indefinite"/>
-                      </p:stCondLst>
-                      <p:childTnLst>
-                        <p:par>
-                          <p:cTn id="4" fill="hold">
-                            <p:stCondLst>
-                              <p:cond delay="0"/>
-                            </p:stCondLst>
-                            <p:childTnLst>
-                              <p:par>
-                                <p:cTn id="5" presetID="9" presetClass="entr" presetSubtype="0" fill="hold" grpId="0" nodeType="clickEffect">
-                                  <p:stCondLst>
-                                    <p:cond delay="0"/>
-                                  </p:stCondLst>
-                                  <p:childTnLst>
-                                    <p:set>
-                                      <p:cBhvr>
-                                        <p:cTn id="6" dur="1" fill="hold">
-                                          <p:stCondLst>
-                                            <p:cond delay="0"/>
-                                          </p:stCondLst>
-                                        </p:cTn>
-                                        <p:tgtEl>
-                                          <p:spTgt spid="3">
-                                            <p:txEl>
-                                              <p:pRg st="0" end="0"/>
-                                            </p:txEl>
-                                          </p:spTgt>
-                                        </p:tgtEl>
-                                        <p:attrNameLst>
-                                          <p:attrName>style.visibility</p:attrName>
-                                        </p:attrNameLst>
-                                      </p:cBhvr>
-                                      <p:to>
-                                        <p:strVal val="visible"/>
-                                      </p:to>
-                                    </p:set>
-                                    <p:animEffect transition="in" filter="dissolve">
-                                      <p:cBhvr>
-                                        <p:cTn id="7" dur="500"/>
-                                        <p:tgtEl>
-                                          <p:spTgt spid="3">
-                                            <p:txEl>
-                                              <p:pRg st="0" end="0"/>
-                                            </p:txEl>
-                                          </p:spTgt>
-                                        </p:tgtEl>
-                                      </p:cBhvr>
-                                    </p:animEffect>
-                                  </p:childTnLst>
-                                </p:cTn>
-                              </p:par>
-                            </p:childTnLst>
-                          </p:cTn>
-                        </p:par>
-                      </p:childTnLst>
-                    </p:cTn>
-                  </p:par>
-                  <p:par>
-                    <p:cTn id="8" fill="hold">
-                      <p:stCondLst>
-                        <p:cond delay="indefinite"/>
-                      </p:stCondLst>
-                      <p:childTnLst>
-                        <p:par>
-                          <p:cTn id="9" fill="hold">
-                            <p:stCondLst>
-                              <p:cond delay="0"/>
-                            </p:stCondLst>
-                            <p:childTnLst>
-                              <p:par>
-                                <p:cTn id="10" presetID="9" presetClass="entr" presetSubtype="0" fill="hold" grpId="0" nodeType="clickEffect">
-                                  <p:stCondLst>
-                                    <p:cond delay="0"/>
-                                  </p:stCondLst>
-                                  <p:childTnLst>
-                                    <p:set>
-                                      <p:cBhvr>
-                                        <p:cTn id="11" dur="1" fill="hold">
-                                          <p:stCondLst>
-                                            <p:cond delay="0"/>
-                                          </p:stCondLst>
-                                        </p:cTn>
-                                        <p:tgtEl>
-                                          <p:spTgt spid="3">
-                                            <p:txEl>
-                                              <p:pRg st="1" end="1"/>
-                                            </p:txEl>
-                                          </p:spTgt>
-                                        </p:tgtEl>
-                                        <p:attrNameLst>
-                                          <p:attrName>style.visibility</p:attrName>
-                                        </p:attrNameLst>
-                                      </p:cBhvr>
-                                      <p:to>
-                                        <p:strVal val="visible"/>
-                                      </p:to>
-                                    </p:set>
-                                    <p:animEffect transition="in" filter="dissolve">
-                                      <p:cBhvr>
-                                        <p:cTn id="12" dur="500"/>
-                                        <p:tgtEl>
-                                          <p:spTgt spid="3">
-                                            <p:txEl>
-                                              <p:pRg st="1" end="1"/>
-                                            </p:txEl>
-                                          </p:spTgt>
-                                        </p:tgtEl>
-                                      </p:cBhvr>
-                                    </p:animEffect>
-                                  </p:childTnLst>
-                                </p:cTn>
-                              </p:par>
-                            </p:childTnLst>
-                          </p:cTn>
-                        </p:par>
-                      </p:childTnLst>
-                    </p:cTn>
-                  </p:par>
-                  <p:par>
-                    <p:cTn id="13" fill="hold">
-                      <p:stCondLst>
-                        <p:cond delay="indefinite"/>
-                      </p:stCondLst>
-                      <p:childTnLst>
-                        <p:par>
-                          <p:cTn id="14" fill="hold">
-                            <p:stCondLst>
-                              <p:cond delay="0"/>
-                            </p:stCondLst>
-                            <p:childTnLst>
-                              <p:par>
-                                <p:cTn id="15" presetID="9" presetClass="entr" presetSubtype="0" fill="hold" grpId="0" nodeType="clickEffect">
-                                  <p:stCondLst>
-                                    <p:cond delay="0"/>
-                                  </p:stCondLst>
-                                  <p:childTnLst>
-                                    <p:set>
-                                      <p:cBhvr>
-                                        <p:cTn id="16" dur="1" fill="hold">
-                                          <p:stCondLst>
-                                            <p:cond delay="0"/>
-                                          </p:stCondLst>
-                                        </p:cTn>
-                                        <p:tgtEl>
-                                          <p:spTgt spid="3">
-                                            <p:txEl>
-                                              <p:pRg st="2" end="2"/>
-                                            </p:txEl>
-                                          </p:spTgt>
-                                        </p:tgtEl>
-                                        <p:attrNameLst>
-                                          <p:attrName>style.visibility</p:attrName>
-                                        </p:attrNameLst>
-                                      </p:cBhvr>
-                                      <p:to>
-                                        <p:strVal val="visible"/>
-                                      </p:to>
-                                    </p:set>
-                                    <p:animEffect transition="in" filter="dissolve">
-                                      <p:cBhvr>
-                                        <p:cTn id="17" dur="500"/>
-                                        <p:tgtEl>
-                                          <p:spTgt spid="3">
-                                            <p:txEl>
-                                              <p:pRg st="2" end="2"/>
-                                            </p:txEl>
-                                          </p:spTgt>
-                                        </p:tgtEl>
-                                      </p:cBhvr>
-                                    </p:animEffect>
-                                  </p:childTnLst>
-                                </p:cTn>
-                              </p:par>
-                            </p:childTnLst>
-                          </p:cTn>
-                        </p:par>
-                      </p:childTnLst>
-                    </p:cTn>
-                  </p:par>
-                  <p:par>
-                    <p:cTn id="18" fill="hold">
-                      <p:stCondLst>
-                        <p:cond delay="indefinite"/>
-                      </p:stCondLst>
-                      <p:childTnLst>
-                        <p:par>
-                          <p:cTn id="19" fill="hold">
-                            <p:stCondLst>
-                              <p:cond delay="0"/>
-                            </p:stCondLst>
-                            <p:childTnLst>
-                              <p:par>
-                                <p:cTn id="20" presetID="9" presetClass="entr" presetSubtype="0" fill="hold" grpId="0" nodeType="clickEffect">
-                                  <p:stCondLst>
-                                    <p:cond delay="0"/>
-                                  </p:stCondLst>
-                                  <p:childTnLst>
-                                    <p:set>
-                                      <p:cBhvr>
-                                        <p:cTn id="21" dur="1" fill="hold">
-                                          <p:stCondLst>
-                                            <p:cond delay="0"/>
-                                          </p:stCondLst>
-                                        </p:cTn>
-                                        <p:tgtEl>
-                                          <p:spTgt spid="3">
-                                            <p:txEl>
-                                              <p:pRg st="3" end="3"/>
-                                            </p:txEl>
-                                          </p:spTgt>
-                                        </p:tgtEl>
-                                        <p:attrNameLst>
-                                          <p:attrName>style.visibility</p:attrName>
-                                        </p:attrNameLst>
-                                      </p:cBhvr>
-                                      <p:to>
-                                        <p:strVal val="visible"/>
-                                      </p:to>
-                                    </p:set>
-                                    <p:animEffect transition="in" filter="dissolve">
-                                      <p:cBhvr>
-                                        <p:cTn id="22" dur="500"/>
-                                        <p:tgtEl>
-                                          <p:spTgt spid="3">
-                                            <p:txEl>
-                                              <p:pRg st="3" end="3"/>
-                                            </p:txEl>
-                                          </p:spTgt>
-                                        </p:tgtEl>
-                                      </p:cBhvr>
-                                    </p:animEffect>
-                                  </p:childTnLst>
-                                </p:cTn>
-                              </p:par>
-                            </p:childTnLst>
-                          </p:cTn>
-                        </p:par>
-                      </p:childTnLst>
-                    </p:cTn>
-                  </p:par>
-                </p:childTnLst>
-              </p:cTn>
-              <p:prevCondLst>
-                <p:cond evt="onPrev" delay="0">
-                  <p:tgtEl>
-                    <p:sldTgt/>
-                  </p:tgtEl>
-                </p:cond>
-              </p:prevCondLst>
-              <p:nextCondLst>
-                <p:cond evt="onNext" delay="0">
-                  <p:tgtEl>
-                    <p:sldTgt/>
-                  </p:tgtEl>
-                </p:cond>
-              </p:nextCondLst>
-            </p:seq>
-          </p:childTnLst>
-        </p:cTn>
-      </p:par>
-    </p:tnLst>
-    <p:bldLst>
-      <p:bldP spid="3" grpId="0" build="p"/>
+      <p:bldP spid="3" grpId="0" uiExpand="1" build="p"/>
+      <p:bldP spid="3" grpId="1" uiExpand="1" build="p"/>
     </p:bldLst>
   </p:timing>
 </p:sld>
@@ -15983,12 +17448,12 @@
 <file path=ppt/theme/theme1.xml><?xml version="1.0" encoding="utf-8"?>
 <a:theme xmlns:a="http://schemas.openxmlformats.org/drawingml/2006/main" name="Vapor Trail">
   <a:themeElements>
-    <a:clrScheme name="Vapor Trail">
+    <a:clrScheme name="Custom 5 3">
       <a:dk1>
-        <a:sysClr val="windowText" lastClr="000000"/>
+        <a:srgbClr val="000000"/>
       </a:dk1>
       <a:lt1>
-        <a:sysClr val="window" lastClr="FFFFFF"/>
+        <a:srgbClr val="FFFFFF"/>
       </a:lt1>
       <a:dk2>
         <a:srgbClr val="454545"/>
@@ -16015,10 +17480,10 @@
         <a:srgbClr val="0D8EC5"/>
       </a:accent6>
       <a:hlink>
-        <a:srgbClr val="EA5A0C"/>
+        <a:srgbClr val="0432FF"/>
       </a:hlink>
       <a:folHlink>
-        <a:srgbClr val="F09D3A"/>
+        <a:srgbClr val="0432FF"/>
       </a:folHlink>
     </a:clrScheme>
     <a:fontScheme name="Vapor Trail">
